--- a/Presentation Oracle Berkeley DB SMB214.pptx
+++ b/Presentation Oracle Berkeley DB SMB214.pptx
@@ -5,7 +5,7 @@
     <p:sldMasterId id="2147483744" r:id="rId1"/>
   </p:sldMasterIdLst>
   <p:notesMasterIdLst>
-    <p:notesMasterId r:id="rId33"/>
+    <p:notesMasterId r:id="rId34"/>
   </p:notesMasterIdLst>
   <p:sldIdLst>
     <p:sldId id="256" r:id="rId2"/>
@@ -27,18 +27,19 @@
     <p:sldId id="266" r:id="rId18"/>
     <p:sldId id="267" r:id="rId19"/>
     <p:sldId id="268" r:id="rId20"/>
-    <p:sldId id="285" r:id="rId21"/>
-    <p:sldId id="286" r:id="rId22"/>
-    <p:sldId id="287" r:id="rId23"/>
-    <p:sldId id="288" r:id="rId24"/>
+    <p:sldId id="292" r:id="rId21"/>
+    <p:sldId id="293" r:id="rId22"/>
+    <p:sldId id="285" r:id="rId23"/>
+    <p:sldId id="286" r:id="rId24"/>
     <p:sldId id="289" r:id="rId25"/>
     <p:sldId id="290" r:id="rId26"/>
-    <p:sldId id="277" r:id="rId27"/>
-    <p:sldId id="269" r:id="rId28"/>
-    <p:sldId id="278" r:id="rId29"/>
-    <p:sldId id="280" r:id="rId30"/>
-    <p:sldId id="274" r:id="rId31"/>
-    <p:sldId id="276" r:id="rId32"/>
+    <p:sldId id="291" r:id="rId27"/>
+    <p:sldId id="277" r:id="rId28"/>
+    <p:sldId id="269" r:id="rId29"/>
+    <p:sldId id="278" r:id="rId30"/>
+    <p:sldId id="280" r:id="rId31"/>
+    <p:sldId id="274" r:id="rId32"/>
+    <p:sldId id="276" r:id="rId33"/>
   </p:sldIdLst>
   <p:sldSz cx="9144000" cy="6858000" type="screen4x3"/>
   <p:notesSz cx="6858000" cy="9144000"/>
@@ -239,7 +240,7 @@
             <a:fld id="{3552B5B3-F216-4DE7-A802-1632A9865AE2}" type="datetimeFigureOut">
               <a:rPr lang="fr-FR" smtClean="0"/>
               <a:pPr/>
-              <a:t>25/01/2016</a:t>
+              <a:t>26/01/2016</a:t>
             </a:fld>
             <a:endParaRPr lang="fr-FR"/>
           </a:p>
@@ -1320,7 +1321,7 @@
             <a:fld id="{13E75CF6-7759-483E-9466-3C83C36B35DA}" type="slidenum">
               <a:rPr lang="fr-FR" smtClean="0"/>
               <a:pPr/>
-              <a:t>27</a:t>
+              <a:t>28</a:t>
             </a:fld>
             <a:endParaRPr lang="fr-FR"/>
           </a:p>
@@ -1437,7 +1438,7 @@
             <a:fld id="{13E75CF6-7759-483E-9466-3C83C36B35DA}" type="slidenum">
               <a:rPr lang="fr-FR" smtClean="0"/>
               <a:pPr/>
-              <a:t>28</a:t>
+              <a:t>29</a:t>
             </a:fld>
             <a:endParaRPr lang="fr-FR"/>
           </a:p>
@@ -1537,7 +1538,7 @@
             <a:fld id="{13E75CF6-7759-483E-9466-3C83C36B35DA}" type="slidenum">
               <a:rPr lang="fr-FR" smtClean="0"/>
               <a:pPr/>
-              <a:t>29</a:t>
+              <a:t>30</a:t>
             </a:fld>
             <a:endParaRPr lang="fr-FR"/>
           </a:p>
@@ -1715,18 +1716,7 @@
                 <a:ea typeface="+mn-ea"/>
                 <a:cs typeface="+mn-cs"/>
               </a:rPr>
-              <a:t>Un </a:t>
-            </a:r>
-            <a:r>
-              <a:rPr lang="fr-FR" sz="1200" b="0" i="0" kern="1200" dirty="0" smtClean="0">
-                <a:solidFill>
-                  <a:schemeClr val="tx1"/>
-                </a:solidFill>
-                <a:latin typeface="+mn-lt"/>
-                <a:ea typeface="+mn-ea"/>
-                <a:cs typeface="+mn-cs"/>
-              </a:rPr>
-              <a:t>SGBD permet d'inscrire, de retrouver, de modifier, de trier, de transformer ou d'imprimer les informations de la base de données. Il permet d'effectuer des </a:t>
+              <a:t>Un SGBD permet d'inscrire, de retrouver, de modifier, de trier, de transformer ou d'imprimer les informations de la base de données. Il permet d'effectuer des </a:t>
             </a:r>
             <a:r>
               <a:rPr lang="fr-FR" sz="1200" b="0" i="0" kern="1200" dirty="0" err="1" smtClean="0">
@@ -3114,7 +3104,7 @@
             <a:fld id="{58AD8D6E-6829-4D52-969C-44AC7ED7CBC1}" type="datetime1">
               <a:rPr lang="fr-FR" smtClean="0"/>
               <a:pPr/>
-              <a:t>25/01/2016</a:t>
+              <a:t>26/01/2016</a:t>
             </a:fld>
             <a:endParaRPr lang="fr-FR"/>
           </a:p>
@@ -3286,7 +3276,7 @@
             <a:fld id="{875790F1-55E3-4C63-AEBD-3595FD455C82}" type="datetime1">
               <a:rPr lang="fr-FR" smtClean="0"/>
               <a:pPr/>
-              <a:t>25/01/2016</a:t>
+              <a:t>26/01/2016</a:t>
             </a:fld>
             <a:endParaRPr lang="fr-FR"/>
           </a:p>
@@ -3468,7 +3458,7 @@
             <a:fld id="{6DA43F66-79DB-4431-97CD-131103CA7D95}" type="datetime1">
               <a:rPr lang="fr-FR" smtClean="0"/>
               <a:pPr/>
-              <a:t>25/01/2016</a:t>
+              <a:t>26/01/2016</a:t>
             </a:fld>
             <a:endParaRPr lang="fr-FR"/>
           </a:p>
@@ -3640,7 +3630,7 @@
             <a:fld id="{E2C29F69-1ACC-4E0C-9CD9-8251E1DDB125}" type="datetime1">
               <a:rPr lang="fr-FR" smtClean="0"/>
               <a:pPr/>
-              <a:t>25/01/2016</a:t>
+              <a:t>26/01/2016</a:t>
             </a:fld>
             <a:endParaRPr lang="fr-FR"/>
           </a:p>
@@ -3888,7 +3878,7 @@
             <a:fld id="{B8D960DC-234F-4CD4-9CF4-F26E8CDB4995}" type="datetime1">
               <a:rPr lang="fr-FR" smtClean="0"/>
               <a:pPr/>
-              <a:t>25/01/2016</a:t>
+              <a:t>26/01/2016</a:t>
             </a:fld>
             <a:endParaRPr lang="fr-FR"/>
           </a:p>
@@ -4178,7 +4168,7 @@
             <a:fld id="{A23BA819-4ABA-4712-8CAF-8A2789F7ABA4}" type="datetime1">
               <a:rPr lang="fr-FR" smtClean="0"/>
               <a:pPr/>
-              <a:t>25/01/2016</a:t>
+              <a:t>26/01/2016</a:t>
             </a:fld>
             <a:endParaRPr lang="fr-FR"/>
           </a:p>
@@ -4602,7 +4592,7 @@
             <a:fld id="{493F5719-0AEC-42B9-B6FF-A933BAB6F1EA}" type="datetime1">
               <a:rPr lang="fr-FR" smtClean="0"/>
               <a:pPr/>
-              <a:t>25/01/2016</a:t>
+              <a:t>26/01/2016</a:t>
             </a:fld>
             <a:endParaRPr lang="fr-FR"/>
           </a:p>
@@ -4722,7 +4712,7 @@
             <a:fld id="{C148CFA5-81FD-4C3D-BF0B-EAF7E3EEB454}" type="datetime1">
               <a:rPr lang="fr-FR" smtClean="0"/>
               <a:pPr/>
-              <a:t>25/01/2016</a:t>
+              <a:t>26/01/2016</a:t>
             </a:fld>
             <a:endParaRPr lang="fr-FR"/>
           </a:p>
@@ -4819,7 +4809,7 @@
             <a:fld id="{D4F9ABE6-712F-42C3-ADF6-6466B01744A0}" type="datetime1">
               <a:rPr lang="fr-FR" smtClean="0"/>
               <a:pPr/>
-              <a:t>25/01/2016</a:t>
+              <a:t>26/01/2016</a:t>
             </a:fld>
             <a:endParaRPr lang="fr-FR"/>
           </a:p>
@@ -5098,7 +5088,7 @@
             <a:fld id="{9C2D04C7-950C-4C32-A10F-7FEBF4D84F23}" type="datetime1">
               <a:rPr lang="fr-FR" smtClean="0"/>
               <a:pPr/>
-              <a:t>25/01/2016</a:t>
+              <a:t>26/01/2016</a:t>
             </a:fld>
             <a:endParaRPr lang="fr-FR"/>
           </a:p>
@@ -5353,7 +5343,7 @@
             <a:fld id="{124B2686-4961-472F-A8F0-7005DA1D44CF}" type="datetime1">
               <a:rPr lang="fr-FR" smtClean="0"/>
               <a:pPr/>
-              <a:t>25/01/2016</a:t>
+              <a:t>26/01/2016</a:t>
             </a:fld>
             <a:endParaRPr lang="fr-FR"/>
           </a:p>
@@ -5573,7 +5563,7 @@
             <a:fld id="{0FED136F-5975-47A4-A359-BE2B7C479F12}" type="datetime1">
               <a:rPr lang="fr-FR" smtClean="0"/>
               <a:pPr/>
-              <a:t>25/01/2016</a:t>
+              <a:t>26/01/2016</a:t>
             </a:fld>
             <a:endParaRPr lang="fr-FR"/>
           </a:p>
@@ -5972,11 +5962,7 @@
           <a:p>
             <a:r>
               <a:rPr lang="fr-FR" sz="2400" b="1" i="1" dirty="0" smtClean="0"/>
-              <a:t>  </a:t>
-            </a:r>
-            <a:r>
-              <a:rPr lang="fr-FR" sz="2400" b="1" i="1" dirty="0" smtClean="0"/>
-              <a:t>ISSAE-CNAM Liban</a:t>
+              <a:t>  ISSAE-CNAM Liban</a:t>
             </a:r>
             <a:br>
               <a:rPr lang="fr-FR" sz="2400" b="1" i="1" dirty="0" smtClean="0"/>
@@ -6026,29 +6012,8 @@
                   <a:schemeClr val="tx1"/>
                 </a:solidFill>
               </a:rPr>
-              <a:t>Présentation </a:t>
-            </a:r>
-            <a:r>
-              <a:rPr lang="fr-FR" sz="4000" b="1" dirty="0" smtClean="0">
-                <a:solidFill>
-                  <a:schemeClr val="tx1"/>
-                </a:solidFill>
-              </a:rPr>
-              <a:t>Base de </a:t>
-            </a:r>
-            <a:r>
-              <a:rPr lang="fr-FR" sz="4000" b="1" dirty="0" smtClean="0">
-                <a:solidFill>
-                  <a:schemeClr val="tx1"/>
-                </a:solidFill>
-              </a:rPr>
-              <a:t>Données</a:t>
-            </a:r>
-            <a:endParaRPr lang="fr-FR" sz="4000" b="1" dirty="0" smtClean="0">
-              <a:solidFill>
-                <a:schemeClr val="tx1"/>
-              </a:solidFill>
-            </a:endParaRPr>
+              <a:t>Présentation Base de Données</a:t>
+            </a:r>
           </a:p>
           <a:p>
             <a:endParaRPr lang="fr-FR" dirty="0"/>
@@ -6141,10 +6106,6 @@
               </a:rPr>
               <a:t>Hanna</a:t>
             </a:r>
-            <a:endParaRPr lang="fr-FR" sz="2400" b="1" dirty="0" smtClean="0">
-              <a:latin typeface="Times New Roman" pitchFamily="18" charset="0"/>
-              <a:cs typeface="Times New Roman" pitchFamily="18" charset="0"/>
-            </a:endParaRPr>
           </a:p>
         </p:txBody>
       </p:sp>
@@ -10175,6 +10136,1286 @@
 </file>
 
 <file path=ppt/slides/slide20.xml><?xml version="1.0" encoding="utf-8"?>
+<p:sld xmlns:a="http://schemas.openxmlformats.org/drawingml/2006/main" xmlns:r="http://schemas.openxmlformats.org/officeDocument/2006/relationships" xmlns:p="http://schemas.openxmlformats.org/presentationml/2006/main">
+  <p:cSld>
+    <p:spTree>
+      <p:nvGrpSpPr>
+        <p:cNvPr id="1" name=""/>
+        <p:cNvGrpSpPr/>
+        <p:nvPr/>
+      </p:nvGrpSpPr>
+      <p:grpSpPr>
+        <a:xfrm>
+          <a:off x="0" y="0"/>
+          <a:ext cx="0" cy="0"/>
+          <a:chOff x="0" y="0"/>
+          <a:chExt cx="0" cy="0"/>
+        </a:xfrm>
+      </p:grpSpPr>
+      <p:sp>
+        <p:nvSpPr>
+          <p:cNvPr id="2" name="Title 1"/>
+          <p:cNvSpPr>
+            <a:spLocks noGrp="1"/>
+          </p:cNvSpPr>
+          <p:nvPr>
+            <p:ph type="title"/>
+          </p:nvPr>
+        </p:nvSpPr>
+        <p:spPr>
+          <a:xfrm>
+            <a:off x="457200" y="274638"/>
+            <a:ext cx="8291264" cy="1235123"/>
+          </a:xfrm>
+        </p:spPr>
+        <p:txBody>
+          <a:bodyPr>
+            <a:noAutofit/>
+          </a:bodyPr>
+          <a:lstStyle/>
+          <a:p>
+            <a:pPr lvl="0"/>
+            <a:r>
+              <a:rPr lang="en-US" sz="3200" dirty="0" err="1" smtClean="0"/>
+              <a:t>Fonctionalitées</a:t>
+            </a:r>
+            <a:r>
+              <a:rPr lang="en-US" sz="3200" dirty="0" smtClean="0"/>
+              <a:t> des </a:t>
+            </a:r>
+            <a:r>
+              <a:rPr lang="en-US" sz="3200" dirty="0" err="1" smtClean="0"/>
+              <a:t>membres</a:t>
+            </a:r>
+            <a:r>
+              <a:rPr lang="en-US" sz="3200" dirty="0" smtClean="0"/>
+              <a:t> de  </a:t>
+            </a:r>
+            <a:r>
+              <a:rPr lang="fr-FR" sz="3200" dirty="0"/>
+              <a:t>La famille de </a:t>
+            </a:r>
+            <a:r>
+              <a:rPr lang="fr-FR" sz="3200" dirty="0" smtClean="0"/>
+              <a:t>BDB:</a:t>
+            </a:r>
+            <a:endParaRPr lang="en-US" sz="5400" dirty="0"/>
+          </a:p>
+        </p:txBody>
+      </p:sp>
+      <p:sp>
+        <p:nvSpPr>
+          <p:cNvPr id="3" name="Content Placeholder 2"/>
+          <p:cNvSpPr>
+            <a:spLocks noGrp="1"/>
+          </p:cNvSpPr>
+          <p:nvPr>
+            <p:ph idx="1"/>
+          </p:nvPr>
+        </p:nvSpPr>
+        <p:spPr>
+          <a:xfrm>
+            <a:off x="395536" y="1628800"/>
+            <a:ext cx="8229600" cy="4608512"/>
+          </a:xfrm>
+        </p:spPr>
+        <p:txBody>
+          <a:bodyPr/>
+          <a:lstStyle/>
+          <a:p>
+            <a:pPr algn="just"/>
+            <a:r>
+              <a:rPr lang="fr-FR" sz="2000" dirty="0"/>
+              <a:t>Chaque membre de la famille BDB possède différentes fonctionnalités. Dans toutes les familles de BDB, nous pouvons remarquer les fonctionnalités suivantes </a:t>
+            </a:r>
+            <a:r>
+              <a:rPr lang="fr-FR" sz="2000" dirty="0" smtClean="0"/>
+              <a:t>:</a:t>
+            </a:r>
+          </a:p>
+          <a:p>
+            <a:pPr marL="0" indent="0" algn="just">
+              <a:buNone/>
+            </a:pPr>
+            <a:endParaRPr lang="en-US" sz="2000" dirty="0"/>
+          </a:p>
+          <a:p>
+            <a:endParaRPr lang="en-US" dirty="0" smtClean="0"/>
+          </a:p>
+          <a:p>
+            <a:endParaRPr lang="en-US" dirty="0"/>
+          </a:p>
+          <a:p>
+            <a:endParaRPr lang="fr-FR" sz="2000" dirty="0" smtClean="0"/>
+          </a:p>
+          <a:p>
+            <a:r>
+              <a:rPr lang="fr-FR" sz="2000" dirty="0" smtClean="0"/>
+              <a:t>Le </a:t>
+            </a:r>
+            <a:r>
+              <a:rPr lang="fr-FR" sz="2000" dirty="0"/>
+              <a:t>tableau suivant décrit les différences entre BDB "</a:t>
+            </a:r>
+            <a:r>
+              <a:rPr lang="fr-FR" sz="2000" dirty="0" err="1"/>
+              <a:t>core</a:t>
+            </a:r>
+            <a:r>
+              <a:rPr lang="fr-FR" sz="2000" dirty="0"/>
+              <a:t>" et BDB JE :</a:t>
+            </a:r>
+            <a:endParaRPr lang="en-US" sz="2000" dirty="0"/>
+          </a:p>
+          <a:p>
+            <a:pPr marL="0" indent="0">
+              <a:buNone/>
+            </a:pPr>
+            <a:endParaRPr lang="en-US" sz="1600" dirty="0" smtClean="0"/>
+          </a:p>
+          <a:p>
+            <a:pPr marL="0" indent="0">
+              <a:buNone/>
+            </a:pPr>
+            <a:endParaRPr lang="en-US" sz="1600" dirty="0"/>
+          </a:p>
+        </p:txBody>
+      </p:sp>
+      <p:sp>
+        <p:nvSpPr>
+          <p:cNvPr id="4" name="Slide Number Placeholder 3"/>
+          <p:cNvSpPr>
+            <a:spLocks noGrp="1"/>
+          </p:cNvSpPr>
+          <p:nvPr>
+            <p:ph type="sldNum" sz="quarter" idx="12"/>
+          </p:nvPr>
+        </p:nvSpPr>
+        <p:spPr/>
+        <p:txBody>
+          <a:bodyPr/>
+          <a:lstStyle/>
+          <a:p>
+            <a:fld id="{E31CB3CC-2B44-47CE-ACFB-D5D84FBE0F2F}" type="slidenum">
+              <a:rPr lang="fr-FR" smtClean="0"/>
+              <a:pPr/>
+              <a:t>20</a:t>
+            </a:fld>
+            <a:endParaRPr lang="fr-FR"/>
+          </a:p>
+        </p:txBody>
+      </p:sp>
+      <p:graphicFrame>
+        <p:nvGraphicFramePr>
+          <p:cNvPr id="5" name="Table 4"/>
+          <p:cNvGraphicFramePr>
+            <a:graphicFrameLocks noGrp="1"/>
+          </p:cNvGraphicFramePr>
+          <p:nvPr>
+            <p:extLst>
+              <p:ext uri="{D42A27DB-BD31-4B8C-83A1-F6EECF244321}">
+                <p14:modId xmlns:p14="http://schemas.microsoft.com/office/powerpoint/2010/main" val="3252835840"/>
+              </p:ext>
+            </p:extLst>
+          </p:nvPr>
+        </p:nvGraphicFramePr>
+        <p:xfrm>
+          <a:off x="719572" y="2772708"/>
+          <a:ext cx="7704856" cy="1312583"/>
+        </p:xfrm>
+        <a:graphic>
+          <a:graphicData uri="http://schemas.openxmlformats.org/drawingml/2006/table">
+            <a:tbl>
+              <a:tblPr firstRow="1" firstCol="1" bandRow="1">
+                <a:tableStyleId>{5C22544A-7EE6-4342-B048-85BDC9FD1C3A}</a:tableStyleId>
+              </a:tblPr>
+              <a:tblGrid>
+                <a:gridCol w="2818735"/>
+                <a:gridCol w="4886121"/>
+              </a:tblGrid>
+              <a:tr h="213132">
+                <a:tc>
+                  <a:txBody>
+                    <a:bodyPr/>
+                    <a:lstStyle/>
+                    <a:p>
+                      <a:pPr algn="ctr">
+                        <a:lnSpc>
+                          <a:spcPct val="107000"/>
+                        </a:lnSpc>
+                        <a:spcAft>
+                          <a:spcPts val="0"/>
+                        </a:spcAft>
+                      </a:pPr>
+                      <a:r>
+                        <a:rPr lang="en-US" sz="1400" dirty="0">
+                          <a:effectLst/>
+                        </a:rPr>
+                        <a:t>Feature Set </a:t>
+                      </a:r>
+                      <a:endParaRPr lang="en-US" sz="1100" dirty="0">
+                        <a:effectLst/>
+                        <a:latin typeface="Calibri" panose="020F0502020204030204" pitchFamily="34" charset="0"/>
+                        <a:ea typeface="Calibri" panose="020F0502020204030204" pitchFamily="34" charset="0"/>
+                        <a:cs typeface="Arial" panose="020B0604020202020204" pitchFamily="34" charset="0"/>
+                      </a:endParaRPr>
+                    </a:p>
+                  </a:txBody>
+                  <a:tcPr marL="8529" marR="8529" marT="8529" marB="8529" anchor="ctr"/>
+                </a:tc>
+                <a:tc>
+                  <a:txBody>
+                    <a:bodyPr/>
+                    <a:lstStyle/>
+                    <a:p>
+                      <a:pPr algn="ctr">
+                        <a:lnSpc>
+                          <a:spcPct val="107000"/>
+                        </a:lnSpc>
+                        <a:spcAft>
+                          <a:spcPts val="0"/>
+                        </a:spcAft>
+                      </a:pPr>
+                      <a:r>
+                        <a:rPr lang="en-US" sz="1400">
+                          <a:effectLst/>
+                        </a:rPr>
+                        <a:t>Description </a:t>
+                      </a:r>
+                      <a:endParaRPr lang="en-US" sz="1100">
+                        <a:effectLst/>
+                        <a:latin typeface="Calibri" panose="020F0502020204030204" pitchFamily="34" charset="0"/>
+                        <a:ea typeface="Calibri" panose="020F0502020204030204" pitchFamily="34" charset="0"/>
+                        <a:cs typeface="Arial" panose="020B0604020202020204" pitchFamily="34" charset="0"/>
+                      </a:endParaRPr>
+                    </a:p>
+                  </a:txBody>
+                  <a:tcPr marL="8529" marR="8529" marT="8529" marB="8529" anchor="ctr"/>
+                </a:tc>
+              </a:tr>
+              <a:tr h="213132">
+                <a:tc>
+                  <a:txBody>
+                    <a:bodyPr/>
+                    <a:lstStyle/>
+                    <a:p>
+                      <a:pPr>
+                        <a:lnSpc>
+                          <a:spcPct val="107000"/>
+                        </a:lnSpc>
+                        <a:spcAft>
+                          <a:spcPts val="0"/>
+                        </a:spcAft>
+                      </a:pPr>
+                      <a:r>
+                        <a:rPr lang="en-US" sz="1400">
+                          <a:effectLst/>
+                        </a:rPr>
+                        <a:t>Data Store (DS)</a:t>
+                      </a:r>
+                      <a:endParaRPr lang="en-US" sz="1100">
+                        <a:effectLst/>
+                        <a:latin typeface="Calibri" panose="020F0502020204030204" pitchFamily="34" charset="0"/>
+                        <a:ea typeface="Calibri" panose="020F0502020204030204" pitchFamily="34" charset="0"/>
+                        <a:cs typeface="Arial" panose="020B0604020202020204" pitchFamily="34" charset="0"/>
+                      </a:endParaRPr>
+                    </a:p>
+                  </a:txBody>
+                  <a:tcPr marL="8529" marR="8529" marT="8529" marB="8529" anchor="ctr"/>
+                </a:tc>
+                <a:tc>
+                  <a:txBody>
+                    <a:bodyPr/>
+                    <a:lstStyle/>
+                    <a:p>
+                      <a:pPr marL="0" algn="l" defTabSz="914400" rtl="0" eaLnBrk="1" latinLnBrk="0" hangingPunct="1">
+                        <a:lnSpc>
+                          <a:spcPct val="107000"/>
+                        </a:lnSpc>
+                        <a:spcAft>
+                          <a:spcPts val="0"/>
+                        </a:spcAft>
+                      </a:pPr>
+                      <a:r>
+                        <a:rPr lang="en-US" sz="1400" b="1" kern="1200" dirty="0">
+                          <a:solidFill>
+                            <a:schemeClr val="lt1"/>
+                          </a:solidFill>
+                          <a:effectLst/>
+                          <a:latin typeface="+mn-lt"/>
+                          <a:ea typeface="+mn-ea"/>
+                          <a:cs typeface="+mn-cs"/>
+                        </a:rPr>
+                        <a:t>1 Writer and n reader</a:t>
+                      </a:r>
+                    </a:p>
+                  </a:txBody>
+                  <a:tcPr marL="8529" marR="8529" marT="8529" marB="8529" anchor="ctr">
+                    <a:solidFill>
+                      <a:schemeClr val="bg2">
+                        <a:lumMod val="60000"/>
+                        <a:lumOff val="40000"/>
+                      </a:schemeClr>
+                    </a:solidFill>
+                  </a:tcPr>
+                </a:tc>
+              </a:tr>
+              <a:tr h="213132">
+                <a:tc>
+                  <a:txBody>
+                    <a:bodyPr/>
+                    <a:lstStyle/>
+                    <a:p>
+                      <a:pPr>
+                        <a:lnSpc>
+                          <a:spcPct val="107000"/>
+                        </a:lnSpc>
+                        <a:spcAft>
+                          <a:spcPts val="0"/>
+                        </a:spcAft>
+                      </a:pPr>
+                      <a:r>
+                        <a:rPr lang="en-US" sz="1400" dirty="0">
+                          <a:effectLst/>
+                        </a:rPr>
+                        <a:t>Concurrent Data Store (CDS)</a:t>
+                      </a:r>
+                      <a:endParaRPr lang="en-US" sz="1100" dirty="0">
+                        <a:effectLst/>
+                        <a:latin typeface="Calibri" panose="020F0502020204030204" pitchFamily="34" charset="0"/>
+                        <a:ea typeface="Calibri" panose="020F0502020204030204" pitchFamily="34" charset="0"/>
+                        <a:cs typeface="Arial" panose="020B0604020202020204" pitchFamily="34" charset="0"/>
+                      </a:endParaRPr>
+                    </a:p>
+                  </a:txBody>
+                  <a:tcPr marL="8529" marR="8529" marT="8529" marB="8529" anchor="ctr"/>
+                </a:tc>
+                <a:tc>
+                  <a:txBody>
+                    <a:bodyPr/>
+                    <a:lstStyle/>
+                    <a:p>
+                      <a:pPr marL="0" algn="l" defTabSz="914400" rtl="0" eaLnBrk="1" latinLnBrk="0" hangingPunct="1">
+                        <a:lnSpc>
+                          <a:spcPct val="107000"/>
+                        </a:lnSpc>
+                        <a:spcAft>
+                          <a:spcPts val="0"/>
+                        </a:spcAft>
+                      </a:pPr>
+                      <a:r>
+                        <a:rPr lang="en-US" sz="1400" b="1" kern="1200" dirty="0">
+                          <a:solidFill>
+                            <a:schemeClr val="lt1"/>
+                          </a:solidFill>
+                          <a:effectLst/>
+                          <a:latin typeface="+mn-lt"/>
+                          <a:ea typeface="+mn-ea"/>
+                          <a:cs typeface="+mn-cs"/>
+                        </a:rPr>
+                        <a:t>n writers and n snapshot reader</a:t>
+                      </a:r>
+                    </a:p>
+                  </a:txBody>
+                  <a:tcPr marL="8529" marR="8529" marT="8529" marB="8529" anchor="ctr">
+                    <a:solidFill>
+                      <a:schemeClr val="bg2">
+                        <a:lumMod val="60000"/>
+                        <a:lumOff val="40000"/>
+                      </a:schemeClr>
+                    </a:solidFill>
+                  </a:tcPr>
+                </a:tc>
+              </a:tr>
+              <a:tr h="213132">
+                <a:tc>
+                  <a:txBody>
+                    <a:bodyPr/>
+                    <a:lstStyle/>
+                    <a:p>
+                      <a:pPr>
+                        <a:lnSpc>
+                          <a:spcPct val="107000"/>
+                        </a:lnSpc>
+                        <a:spcAft>
+                          <a:spcPts val="0"/>
+                        </a:spcAft>
+                      </a:pPr>
+                      <a:r>
+                        <a:rPr lang="en-US" sz="1400">
+                          <a:effectLst/>
+                        </a:rPr>
+                        <a:t>Transactional Data Store (TD)</a:t>
+                      </a:r>
+                      <a:endParaRPr lang="en-US" sz="1100">
+                        <a:effectLst/>
+                        <a:latin typeface="Calibri" panose="020F0502020204030204" pitchFamily="34" charset="0"/>
+                        <a:ea typeface="Calibri" panose="020F0502020204030204" pitchFamily="34" charset="0"/>
+                        <a:cs typeface="Arial" panose="020B0604020202020204" pitchFamily="34" charset="0"/>
+                      </a:endParaRPr>
+                    </a:p>
+                  </a:txBody>
+                  <a:tcPr marL="8529" marR="8529" marT="8529" marB="8529" anchor="ctr"/>
+                </a:tc>
+                <a:tc>
+                  <a:txBody>
+                    <a:bodyPr/>
+                    <a:lstStyle/>
+                    <a:p>
+                      <a:pPr marL="0" algn="l" defTabSz="914400" rtl="0" eaLnBrk="1" latinLnBrk="0" hangingPunct="1">
+                        <a:lnSpc>
+                          <a:spcPct val="107000"/>
+                        </a:lnSpc>
+                        <a:spcAft>
+                          <a:spcPts val="0"/>
+                        </a:spcAft>
+                      </a:pPr>
+                      <a:r>
+                        <a:rPr lang="en-US" sz="1400" b="1" kern="1200" dirty="0">
+                          <a:solidFill>
+                            <a:schemeClr val="lt1"/>
+                          </a:solidFill>
+                          <a:effectLst/>
+                          <a:latin typeface="+mn-lt"/>
+                          <a:ea typeface="+mn-ea"/>
+                          <a:cs typeface="+mn-cs"/>
+                        </a:rPr>
+                        <a:t>Full ACID support on top of CDS</a:t>
+                      </a:r>
+                    </a:p>
+                  </a:txBody>
+                  <a:tcPr marL="8529" marR="8529" marT="8529" marB="8529" anchor="ctr">
+                    <a:solidFill>
+                      <a:schemeClr val="bg2">
+                        <a:lumMod val="60000"/>
+                        <a:lumOff val="40000"/>
+                      </a:schemeClr>
+                    </a:solidFill>
+                  </a:tcPr>
+                </a:tc>
+              </a:tr>
+              <a:tr h="371607">
+                <a:tc>
+                  <a:txBody>
+                    <a:bodyPr/>
+                    <a:lstStyle/>
+                    <a:p>
+                      <a:pPr>
+                        <a:lnSpc>
+                          <a:spcPct val="107000"/>
+                        </a:lnSpc>
+                        <a:spcAft>
+                          <a:spcPts val="0"/>
+                        </a:spcAft>
+                      </a:pPr>
+                      <a:r>
+                        <a:rPr lang="en-US" sz="1400" dirty="0">
+                          <a:effectLst/>
+                        </a:rPr>
+                        <a:t>High Availability (HA)</a:t>
+                      </a:r>
+                      <a:endParaRPr lang="en-US" sz="1100" dirty="0">
+                        <a:effectLst/>
+                        <a:latin typeface="Calibri" panose="020F0502020204030204" pitchFamily="34" charset="0"/>
+                        <a:ea typeface="Calibri" panose="020F0502020204030204" pitchFamily="34" charset="0"/>
+                        <a:cs typeface="Arial" panose="020B0604020202020204" pitchFamily="34" charset="0"/>
+                      </a:endParaRPr>
+                    </a:p>
+                  </a:txBody>
+                  <a:tcPr marL="8529" marR="8529" marT="8529" marB="8529" anchor="ctr"/>
+                </a:tc>
+                <a:tc>
+                  <a:txBody>
+                    <a:bodyPr/>
+                    <a:lstStyle/>
+                    <a:p>
+                      <a:pPr marL="0" algn="l" defTabSz="914400" rtl="0" eaLnBrk="1" latinLnBrk="0" hangingPunct="1">
+                        <a:lnSpc>
+                          <a:spcPct val="107000"/>
+                        </a:lnSpc>
+                        <a:spcAft>
+                          <a:spcPts val="0"/>
+                        </a:spcAft>
+                      </a:pPr>
+                      <a:r>
+                        <a:rPr lang="en-US" sz="1400" b="1" kern="1200" dirty="0">
+                          <a:solidFill>
+                            <a:schemeClr val="lt1"/>
+                          </a:solidFill>
+                          <a:effectLst/>
+                          <a:latin typeface="+mn-lt"/>
+                          <a:ea typeface="+mn-ea"/>
+                          <a:cs typeface="+mn-cs"/>
+                        </a:rPr>
+                        <a:t>Replication for fault </a:t>
+                      </a:r>
+                      <a:r>
+                        <a:rPr lang="en-US" sz="1400" b="1" kern="1200" dirty="0" err="1">
+                          <a:solidFill>
+                            <a:schemeClr val="lt1"/>
+                          </a:solidFill>
+                          <a:effectLst/>
+                          <a:latin typeface="+mn-lt"/>
+                          <a:ea typeface="+mn-ea"/>
+                          <a:cs typeface="+mn-cs"/>
+                        </a:rPr>
+                        <a:t>tolerence</a:t>
+                      </a:r>
+                      <a:r>
+                        <a:rPr lang="en-US" sz="1400" b="1" kern="1200" dirty="0">
+                          <a:solidFill>
+                            <a:schemeClr val="lt1"/>
+                          </a:solidFill>
+                          <a:effectLst/>
+                          <a:latin typeface="+mn-lt"/>
+                          <a:ea typeface="+mn-ea"/>
+                          <a:cs typeface="+mn-cs"/>
+                        </a:rPr>
+                        <a:t>. Fail over recovery support</a:t>
+                      </a:r>
+                    </a:p>
+                  </a:txBody>
+                  <a:tcPr marL="8529" marR="8529" marT="8529" marB="8529" anchor="ctr">
+                    <a:solidFill>
+                      <a:schemeClr val="bg2">
+                        <a:lumMod val="60000"/>
+                        <a:lumOff val="40000"/>
+                      </a:schemeClr>
+                    </a:solidFill>
+                  </a:tcPr>
+                </a:tc>
+              </a:tr>
+            </a:tbl>
+          </a:graphicData>
+        </a:graphic>
+      </p:graphicFrame>
+      <p:graphicFrame>
+        <p:nvGraphicFramePr>
+          <p:cNvPr id="6" name="Table 5"/>
+          <p:cNvGraphicFramePr>
+            <a:graphicFrameLocks noGrp="1"/>
+          </p:cNvGraphicFramePr>
+          <p:nvPr>
+            <p:extLst>
+              <p:ext uri="{D42A27DB-BD31-4B8C-83A1-F6EECF244321}">
+                <p14:modId xmlns:p14="http://schemas.microsoft.com/office/powerpoint/2010/main" val="2626364221"/>
+              </p:ext>
+            </p:extLst>
+          </p:nvPr>
+        </p:nvGraphicFramePr>
+        <p:xfrm>
+          <a:off x="1507356" y="5091500"/>
+          <a:ext cx="6129288" cy="798957"/>
+        </p:xfrm>
+        <a:graphic>
+          <a:graphicData uri="http://schemas.openxmlformats.org/drawingml/2006/table">
+            <a:tbl>
+              <a:tblPr firstRow="1" firstCol="1" bandRow="1">
+                <a:tableStyleId>{5C22544A-7EE6-4342-B048-85BDC9FD1C3A}</a:tableStyleId>
+              </a:tblPr>
+              <a:tblGrid>
+                <a:gridCol w="2026568"/>
+                <a:gridCol w="936104"/>
+                <a:gridCol w="1008112"/>
+                <a:gridCol w="947381"/>
+                <a:gridCol w="1211123"/>
+              </a:tblGrid>
+              <a:tr h="191850">
+                <a:tc>
+                  <a:txBody>
+                    <a:bodyPr/>
+                    <a:lstStyle/>
+                    <a:p>
+                      <a:pPr algn="ctr">
+                        <a:lnSpc>
+                          <a:spcPct val="107000"/>
+                        </a:lnSpc>
+                        <a:spcAft>
+                          <a:spcPts val="0"/>
+                        </a:spcAft>
+                      </a:pPr>
+                      <a:r>
+                        <a:rPr lang="fr-FR" sz="1600" dirty="0">
+                          <a:effectLst/>
+                        </a:rPr>
+                        <a:t> </a:t>
+                      </a:r>
+                      <a:endParaRPr lang="en-US" sz="1200" dirty="0">
+                        <a:effectLst/>
+                        <a:latin typeface="Calibri" panose="020F0502020204030204" pitchFamily="34" charset="0"/>
+                        <a:ea typeface="Calibri" panose="020F0502020204030204" pitchFamily="34" charset="0"/>
+                        <a:cs typeface="Arial" panose="020B0604020202020204" pitchFamily="34" charset="0"/>
+                      </a:endParaRPr>
+                    </a:p>
+                  </a:txBody>
+                  <a:tcPr marL="8509" marR="8509" marT="8509" marB="8509" anchor="ctr"/>
+                </a:tc>
+                <a:tc>
+                  <a:txBody>
+                    <a:bodyPr/>
+                    <a:lstStyle/>
+                    <a:p>
+                      <a:pPr algn="ctr">
+                        <a:lnSpc>
+                          <a:spcPct val="107000"/>
+                        </a:lnSpc>
+                        <a:spcAft>
+                          <a:spcPts val="0"/>
+                        </a:spcAft>
+                      </a:pPr>
+                      <a:r>
+                        <a:rPr lang="en-US" sz="1600">
+                          <a:effectLst/>
+                        </a:rPr>
+                        <a:t>DS </a:t>
+                      </a:r>
+                      <a:endParaRPr lang="en-US" sz="1200">
+                        <a:effectLst/>
+                        <a:latin typeface="Calibri" panose="020F0502020204030204" pitchFamily="34" charset="0"/>
+                        <a:ea typeface="Calibri" panose="020F0502020204030204" pitchFamily="34" charset="0"/>
+                        <a:cs typeface="Arial" panose="020B0604020202020204" pitchFamily="34" charset="0"/>
+                      </a:endParaRPr>
+                    </a:p>
+                  </a:txBody>
+                  <a:tcPr marL="8509" marR="8509" marT="8509" marB="8509" anchor="ctr"/>
+                </a:tc>
+                <a:tc>
+                  <a:txBody>
+                    <a:bodyPr/>
+                    <a:lstStyle/>
+                    <a:p>
+                      <a:pPr algn="ctr">
+                        <a:lnSpc>
+                          <a:spcPct val="107000"/>
+                        </a:lnSpc>
+                        <a:spcAft>
+                          <a:spcPts val="0"/>
+                        </a:spcAft>
+                      </a:pPr>
+                      <a:r>
+                        <a:rPr lang="en-US" sz="1600">
+                          <a:effectLst/>
+                        </a:rPr>
+                        <a:t>CDS </a:t>
+                      </a:r>
+                      <a:endParaRPr lang="en-US" sz="1200">
+                        <a:effectLst/>
+                        <a:latin typeface="Calibri" panose="020F0502020204030204" pitchFamily="34" charset="0"/>
+                        <a:ea typeface="Calibri" panose="020F0502020204030204" pitchFamily="34" charset="0"/>
+                        <a:cs typeface="Arial" panose="020B0604020202020204" pitchFamily="34" charset="0"/>
+                      </a:endParaRPr>
+                    </a:p>
+                  </a:txBody>
+                  <a:tcPr marL="8509" marR="8509" marT="8509" marB="8509" anchor="ctr"/>
+                </a:tc>
+                <a:tc>
+                  <a:txBody>
+                    <a:bodyPr/>
+                    <a:lstStyle/>
+                    <a:p>
+                      <a:pPr algn="ctr">
+                        <a:lnSpc>
+                          <a:spcPct val="107000"/>
+                        </a:lnSpc>
+                        <a:spcAft>
+                          <a:spcPts val="0"/>
+                        </a:spcAft>
+                      </a:pPr>
+                      <a:r>
+                        <a:rPr lang="en-US" sz="1600">
+                          <a:effectLst/>
+                        </a:rPr>
+                        <a:t>TS </a:t>
+                      </a:r>
+                      <a:endParaRPr lang="en-US" sz="1200">
+                        <a:effectLst/>
+                        <a:latin typeface="Calibri" panose="020F0502020204030204" pitchFamily="34" charset="0"/>
+                        <a:ea typeface="Calibri" panose="020F0502020204030204" pitchFamily="34" charset="0"/>
+                        <a:cs typeface="Arial" panose="020B0604020202020204" pitchFamily="34" charset="0"/>
+                      </a:endParaRPr>
+                    </a:p>
+                  </a:txBody>
+                  <a:tcPr marL="8509" marR="8509" marT="8509" marB="8509" anchor="ctr"/>
+                </a:tc>
+                <a:tc>
+                  <a:txBody>
+                    <a:bodyPr/>
+                    <a:lstStyle/>
+                    <a:p>
+                      <a:pPr algn="ctr">
+                        <a:lnSpc>
+                          <a:spcPct val="107000"/>
+                        </a:lnSpc>
+                        <a:spcAft>
+                          <a:spcPts val="0"/>
+                        </a:spcAft>
+                      </a:pPr>
+                      <a:r>
+                        <a:rPr lang="en-US" sz="1600">
+                          <a:effectLst/>
+                        </a:rPr>
+                        <a:t>HA </a:t>
+                      </a:r>
+                      <a:endParaRPr lang="en-US" sz="1200">
+                        <a:effectLst/>
+                        <a:latin typeface="Calibri" panose="020F0502020204030204" pitchFamily="34" charset="0"/>
+                        <a:ea typeface="Calibri" panose="020F0502020204030204" pitchFamily="34" charset="0"/>
+                        <a:cs typeface="Arial" panose="020B0604020202020204" pitchFamily="34" charset="0"/>
+                      </a:endParaRPr>
+                    </a:p>
+                  </a:txBody>
+                  <a:tcPr marL="8509" marR="8509" marT="8509" marB="8509" anchor="ctr"/>
+                </a:tc>
+              </a:tr>
+              <a:tr h="191850">
+                <a:tc>
+                  <a:txBody>
+                    <a:bodyPr/>
+                    <a:lstStyle/>
+                    <a:p>
+                      <a:pPr>
+                        <a:lnSpc>
+                          <a:spcPct val="107000"/>
+                        </a:lnSpc>
+                        <a:spcAft>
+                          <a:spcPts val="0"/>
+                        </a:spcAft>
+                      </a:pPr>
+                      <a:r>
+                        <a:rPr lang="en-US" sz="1600">
+                          <a:effectLst/>
+                        </a:rPr>
+                        <a:t>BDB/BDB XML</a:t>
+                      </a:r>
+                      <a:endParaRPr lang="en-US" sz="1200">
+                        <a:effectLst/>
+                        <a:latin typeface="Calibri" panose="020F0502020204030204" pitchFamily="34" charset="0"/>
+                        <a:ea typeface="Calibri" panose="020F0502020204030204" pitchFamily="34" charset="0"/>
+                        <a:cs typeface="Arial" panose="020B0604020202020204" pitchFamily="34" charset="0"/>
+                      </a:endParaRPr>
+                    </a:p>
+                  </a:txBody>
+                  <a:tcPr marL="8509" marR="8509" marT="8509" marB="8509" anchor="ctr"/>
+                </a:tc>
+                <a:tc>
+                  <a:txBody>
+                    <a:bodyPr/>
+                    <a:lstStyle/>
+                    <a:p>
+                      <a:pPr algn="ctr">
+                        <a:lnSpc>
+                          <a:spcPct val="107000"/>
+                        </a:lnSpc>
+                        <a:spcAft>
+                          <a:spcPts val="0"/>
+                        </a:spcAft>
+                      </a:pPr>
+                      <a:r>
+                        <a:rPr lang="en-US" sz="1600" dirty="0">
+                          <a:effectLst/>
+                        </a:rPr>
+                        <a:t>X</a:t>
+                      </a:r>
+                      <a:endParaRPr lang="en-US" sz="1200" dirty="0">
+                        <a:effectLst/>
+                        <a:latin typeface="Calibri" panose="020F0502020204030204" pitchFamily="34" charset="0"/>
+                        <a:ea typeface="Calibri" panose="020F0502020204030204" pitchFamily="34" charset="0"/>
+                        <a:cs typeface="Arial" panose="020B0604020202020204" pitchFamily="34" charset="0"/>
+                      </a:endParaRPr>
+                    </a:p>
+                  </a:txBody>
+                  <a:tcPr marL="8509" marR="8509" marT="8509" marB="8509" anchor="ctr">
+                    <a:solidFill>
+                      <a:schemeClr val="bg2">
+                        <a:lumMod val="60000"/>
+                        <a:lumOff val="40000"/>
+                      </a:schemeClr>
+                    </a:solidFill>
+                  </a:tcPr>
+                </a:tc>
+                <a:tc>
+                  <a:txBody>
+                    <a:bodyPr/>
+                    <a:lstStyle/>
+                    <a:p>
+                      <a:pPr algn="ctr">
+                        <a:lnSpc>
+                          <a:spcPct val="107000"/>
+                        </a:lnSpc>
+                        <a:spcAft>
+                          <a:spcPts val="0"/>
+                        </a:spcAft>
+                      </a:pPr>
+                      <a:r>
+                        <a:rPr lang="en-US" sz="1600">
+                          <a:effectLst/>
+                        </a:rPr>
+                        <a:t>X</a:t>
+                      </a:r>
+                      <a:endParaRPr lang="en-US" sz="1200">
+                        <a:effectLst/>
+                        <a:latin typeface="Calibri" panose="020F0502020204030204" pitchFamily="34" charset="0"/>
+                        <a:ea typeface="Calibri" panose="020F0502020204030204" pitchFamily="34" charset="0"/>
+                        <a:cs typeface="Arial" panose="020B0604020202020204" pitchFamily="34" charset="0"/>
+                      </a:endParaRPr>
+                    </a:p>
+                  </a:txBody>
+                  <a:tcPr marL="8509" marR="8509" marT="8509" marB="8509" anchor="ctr">
+                    <a:solidFill>
+                      <a:schemeClr val="bg2">
+                        <a:lumMod val="60000"/>
+                        <a:lumOff val="40000"/>
+                      </a:schemeClr>
+                    </a:solidFill>
+                  </a:tcPr>
+                </a:tc>
+                <a:tc>
+                  <a:txBody>
+                    <a:bodyPr/>
+                    <a:lstStyle/>
+                    <a:p>
+                      <a:pPr algn="ctr">
+                        <a:lnSpc>
+                          <a:spcPct val="107000"/>
+                        </a:lnSpc>
+                        <a:spcAft>
+                          <a:spcPts val="0"/>
+                        </a:spcAft>
+                      </a:pPr>
+                      <a:r>
+                        <a:rPr lang="en-US" sz="1600">
+                          <a:effectLst/>
+                        </a:rPr>
+                        <a:t>X</a:t>
+                      </a:r>
+                      <a:endParaRPr lang="en-US" sz="1200">
+                        <a:effectLst/>
+                        <a:latin typeface="Calibri" panose="020F0502020204030204" pitchFamily="34" charset="0"/>
+                        <a:ea typeface="Calibri" panose="020F0502020204030204" pitchFamily="34" charset="0"/>
+                        <a:cs typeface="Arial" panose="020B0604020202020204" pitchFamily="34" charset="0"/>
+                      </a:endParaRPr>
+                    </a:p>
+                  </a:txBody>
+                  <a:tcPr marL="8509" marR="8509" marT="8509" marB="8509" anchor="ctr">
+                    <a:solidFill>
+                      <a:schemeClr val="bg2">
+                        <a:lumMod val="60000"/>
+                        <a:lumOff val="40000"/>
+                      </a:schemeClr>
+                    </a:solidFill>
+                  </a:tcPr>
+                </a:tc>
+                <a:tc>
+                  <a:txBody>
+                    <a:bodyPr/>
+                    <a:lstStyle/>
+                    <a:p>
+                      <a:pPr algn="ctr">
+                        <a:lnSpc>
+                          <a:spcPct val="107000"/>
+                        </a:lnSpc>
+                        <a:spcAft>
+                          <a:spcPts val="0"/>
+                        </a:spcAft>
+                      </a:pPr>
+                      <a:r>
+                        <a:rPr lang="en-US" sz="1600">
+                          <a:effectLst/>
+                        </a:rPr>
+                        <a:t>X</a:t>
+                      </a:r>
+                      <a:endParaRPr lang="en-US" sz="1200">
+                        <a:effectLst/>
+                        <a:latin typeface="Calibri" panose="020F0502020204030204" pitchFamily="34" charset="0"/>
+                        <a:ea typeface="Calibri" panose="020F0502020204030204" pitchFamily="34" charset="0"/>
+                        <a:cs typeface="Arial" panose="020B0604020202020204" pitchFamily="34" charset="0"/>
+                      </a:endParaRPr>
+                    </a:p>
+                  </a:txBody>
+                  <a:tcPr marL="8509" marR="8509" marT="8509" marB="8509" anchor="ctr">
+                    <a:solidFill>
+                      <a:schemeClr val="bg2">
+                        <a:lumMod val="60000"/>
+                        <a:lumOff val="40000"/>
+                      </a:schemeClr>
+                    </a:solidFill>
+                  </a:tcPr>
+                </a:tc>
+              </a:tr>
+              <a:tr h="191850">
+                <a:tc>
+                  <a:txBody>
+                    <a:bodyPr/>
+                    <a:lstStyle/>
+                    <a:p>
+                      <a:pPr>
+                        <a:lnSpc>
+                          <a:spcPct val="107000"/>
+                        </a:lnSpc>
+                        <a:spcAft>
+                          <a:spcPts val="0"/>
+                        </a:spcAft>
+                      </a:pPr>
+                      <a:r>
+                        <a:rPr lang="en-US" sz="1600">
+                          <a:effectLst/>
+                        </a:rPr>
+                        <a:t>BDD JE</a:t>
+                      </a:r>
+                      <a:endParaRPr lang="en-US" sz="1200">
+                        <a:effectLst/>
+                        <a:latin typeface="Calibri" panose="020F0502020204030204" pitchFamily="34" charset="0"/>
+                        <a:ea typeface="Calibri" panose="020F0502020204030204" pitchFamily="34" charset="0"/>
+                        <a:cs typeface="Arial" panose="020B0604020202020204" pitchFamily="34" charset="0"/>
+                      </a:endParaRPr>
+                    </a:p>
+                  </a:txBody>
+                  <a:tcPr marL="8509" marR="8509" marT="8509" marB="8509" anchor="ctr"/>
+                </a:tc>
+                <a:tc>
+                  <a:txBody>
+                    <a:bodyPr/>
+                    <a:lstStyle/>
+                    <a:p>
+                      <a:pPr>
+                        <a:lnSpc>
+                          <a:spcPct val="107000"/>
+                        </a:lnSpc>
+                      </a:pPr>
+                      <a:endParaRPr lang="en-US" sz="1200" dirty="0">
+                        <a:effectLst/>
+                        <a:latin typeface="Calibri" panose="020F0502020204030204" pitchFamily="34" charset="0"/>
+                      </a:endParaRPr>
+                    </a:p>
+                  </a:txBody>
+                  <a:tcPr marL="8509" marR="8509" marT="8509" marB="8509" anchor="ctr">
+                    <a:solidFill>
+                      <a:schemeClr val="bg2">
+                        <a:lumMod val="60000"/>
+                        <a:lumOff val="40000"/>
+                      </a:schemeClr>
+                    </a:solidFill>
+                  </a:tcPr>
+                </a:tc>
+                <a:tc>
+                  <a:txBody>
+                    <a:bodyPr/>
+                    <a:lstStyle/>
+                    <a:p>
+                      <a:pPr algn="ctr">
+                        <a:lnSpc>
+                          <a:spcPct val="107000"/>
+                        </a:lnSpc>
+                        <a:spcAft>
+                          <a:spcPts val="0"/>
+                        </a:spcAft>
+                      </a:pPr>
+                      <a:r>
+                        <a:rPr lang="en-US" sz="1600" dirty="0">
+                          <a:effectLst/>
+                        </a:rPr>
+                        <a:t>X</a:t>
+                      </a:r>
+                      <a:endParaRPr lang="en-US" sz="1200" dirty="0">
+                        <a:effectLst/>
+                        <a:latin typeface="Calibri" panose="020F0502020204030204" pitchFamily="34" charset="0"/>
+                        <a:ea typeface="Calibri" panose="020F0502020204030204" pitchFamily="34" charset="0"/>
+                        <a:cs typeface="Arial" panose="020B0604020202020204" pitchFamily="34" charset="0"/>
+                      </a:endParaRPr>
+                    </a:p>
+                  </a:txBody>
+                  <a:tcPr marL="8509" marR="8509" marT="8509" marB="8509" anchor="ctr">
+                    <a:solidFill>
+                      <a:schemeClr val="bg2">
+                        <a:lumMod val="60000"/>
+                        <a:lumOff val="40000"/>
+                      </a:schemeClr>
+                    </a:solidFill>
+                  </a:tcPr>
+                </a:tc>
+                <a:tc>
+                  <a:txBody>
+                    <a:bodyPr/>
+                    <a:lstStyle/>
+                    <a:p>
+                      <a:pPr algn="ctr">
+                        <a:lnSpc>
+                          <a:spcPct val="107000"/>
+                        </a:lnSpc>
+                        <a:spcAft>
+                          <a:spcPts val="0"/>
+                        </a:spcAft>
+                      </a:pPr>
+                      <a:r>
+                        <a:rPr lang="en-US" sz="1600" dirty="0">
+                          <a:effectLst/>
+                        </a:rPr>
+                        <a:t>X</a:t>
+                      </a:r>
+                      <a:endParaRPr lang="en-US" sz="1200" dirty="0">
+                        <a:effectLst/>
+                        <a:latin typeface="Calibri" panose="020F0502020204030204" pitchFamily="34" charset="0"/>
+                        <a:ea typeface="Calibri" panose="020F0502020204030204" pitchFamily="34" charset="0"/>
+                        <a:cs typeface="Arial" panose="020B0604020202020204" pitchFamily="34" charset="0"/>
+                      </a:endParaRPr>
+                    </a:p>
+                  </a:txBody>
+                  <a:tcPr marL="8509" marR="8509" marT="8509" marB="8509" anchor="ctr">
+                    <a:solidFill>
+                      <a:schemeClr val="bg2">
+                        <a:lumMod val="60000"/>
+                        <a:lumOff val="40000"/>
+                      </a:schemeClr>
+                    </a:solidFill>
+                  </a:tcPr>
+                </a:tc>
+                <a:tc>
+                  <a:txBody>
+                    <a:bodyPr/>
+                    <a:lstStyle/>
+                    <a:p>
+                      <a:pPr>
+                        <a:lnSpc>
+                          <a:spcPct val="107000"/>
+                        </a:lnSpc>
+                      </a:pPr>
+                      <a:endParaRPr lang="en-US" sz="1200" dirty="0">
+                        <a:effectLst/>
+                        <a:latin typeface="Calibri" panose="020F0502020204030204" pitchFamily="34" charset="0"/>
+                      </a:endParaRPr>
+                    </a:p>
+                  </a:txBody>
+                  <a:tcPr marL="8509" marR="8509" marT="8509" marB="8509" anchor="ctr">
+                    <a:solidFill>
+                      <a:schemeClr val="bg2">
+                        <a:lumMod val="60000"/>
+                        <a:lumOff val="40000"/>
+                      </a:schemeClr>
+                    </a:solidFill>
+                  </a:tcPr>
+                </a:tc>
+              </a:tr>
+            </a:tbl>
+          </a:graphicData>
+        </a:graphic>
+      </p:graphicFrame>
+    </p:spTree>
+    <p:extLst>
+      <p:ext uri="{BB962C8B-B14F-4D97-AF65-F5344CB8AC3E}">
+        <p14:creationId xmlns:p14="http://schemas.microsoft.com/office/powerpoint/2010/main" val="3203292828"/>
+      </p:ext>
+    </p:extLst>
+  </p:cSld>
+  <p:clrMapOvr>
+    <a:masterClrMapping/>
+  </p:clrMapOvr>
+</p:sld>
+</file>
+
+<file path=ppt/slides/slide21.xml><?xml version="1.0" encoding="utf-8"?>
+<p:sld xmlns:a="http://schemas.openxmlformats.org/drawingml/2006/main" xmlns:r="http://schemas.openxmlformats.org/officeDocument/2006/relationships" xmlns:p="http://schemas.openxmlformats.org/presentationml/2006/main">
+  <p:cSld>
+    <p:spTree>
+      <p:nvGrpSpPr>
+        <p:cNvPr id="1" name=""/>
+        <p:cNvGrpSpPr/>
+        <p:nvPr/>
+      </p:nvGrpSpPr>
+      <p:grpSpPr>
+        <a:xfrm>
+          <a:off x="0" y="0"/>
+          <a:ext cx="0" cy="0"/>
+          <a:chOff x="0" y="0"/>
+          <a:chExt cx="0" cy="0"/>
+        </a:xfrm>
+      </p:grpSpPr>
+      <p:sp>
+        <p:nvSpPr>
+          <p:cNvPr id="2" name="Title 1"/>
+          <p:cNvSpPr>
+            <a:spLocks noGrp="1"/>
+          </p:cNvSpPr>
+          <p:nvPr>
+            <p:ph type="title"/>
+          </p:nvPr>
+        </p:nvSpPr>
+        <p:spPr>
+          <a:xfrm>
+            <a:off x="457200" y="764704"/>
+            <a:ext cx="8229600" cy="130026"/>
+          </a:xfrm>
+        </p:spPr>
+        <p:txBody>
+          <a:bodyPr>
+            <a:normAutofit fontScale="90000"/>
+          </a:bodyPr>
+          <a:lstStyle/>
+          <a:p>
+            <a:pPr lvl="0" algn="l"/>
+            <a:r>
+              <a:rPr lang="fr-FR" sz="3600" u="sng" dirty="0"/>
+              <a:t>Installation </a:t>
+            </a:r>
+            <a:r>
+              <a:rPr lang="fr-FR" sz="3600" u="sng" dirty="0" smtClean="0"/>
+              <a:t>Berkeley </a:t>
+            </a:r>
+            <a:r>
+              <a:rPr lang="fr-FR" sz="3600" u="sng" dirty="0"/>
+              <a:t>DB Java Edition :</a:t>
+            </a:r>
+            <a:r>
+              <a:rPr lang="en-US" dirty="0"/>
+              <a:t/>
+            </a:r>
+            <a:br>
+              <a:rPr lang="en-US" dirty="0"/>
+            </a:br>
+            <a:endParaRPr lang="en-US" dirty="0"/>
+          </a:p>
+        </p:txBody>
+      </p:sp>
+      <p:sp>
+        <p:nvSpPr>
+          <p:cNvPr id="3" name="Content Placeholder 2"/>
+          <p:cNvSpPr>
+            <a:spLocks noGrp="1"/>
+          </p:cNvSpPr>
+          <p:nvPr>
+            <p:ph idx="1"/>
+          </p:nvPr>
+        </p:nvSpPr>
+        <p:spPr>
+          <a:xfrm>
+            <a:off x="457200" y="894730"/>
+            <a:ext cx="8229600" cy="5054550"/>
+          </a:xfrm>
+        </p:spPr>
+        <p:txBody>
+          <a:bodyPr>
+            <a:normAutofit/>
+          </a:bodyPr>
+          <a:lstStyle/>
+          <a:p>
+            <a:pPr marL="0" indent="0" algn="just">
+              <a:buNone/>
+            </a:pPr>
+            <a:r>
+              <a:rPr lang="fr-FR" sz="2000" dirty="0"/>
+              <a:t>Tout d'abord, débutons par le commencement. Pour pouvoir utiliser BDB Java Edition, vous devez l'installer à l'adresse suivante : </a:t>
+            </a:r>
+            <a:endParaRPr lang="en-US" sz="2000" dirty="0"/>
+          </a:p>
+          <a:p>
+            <a:pPr marL="0" indent="0" algn="just">
+              <a:buNone/>
+            </a:pPr>
+            <a:r>
+              <a:rPr lang="fr-FR" sz="1800" u="sng" dirty="0">
+                <a:hlinkClick r:id="rId2"/>
+              </a:rPr>
+              <a:t>http://www.oracle.com/technetwork/products/berkeleydb/downloads/index.html</a:t>
+            </a:r>
+            <a:r>
+              <a:rPr lang="fr-FR" sz="1800" dirty="0"/>
+              <a:t>. </a:t>
+            </a:r>
+            <a:endParaRPr lang="fr-FR" sz="1800" dirty="0" smtClean="0"/>
+          </a:p>
+          <a:p>
+            <a:pPr marL="0" indent="0" algn="just">
+              <a:buNone/>
+            </a:pPr>
+            <a:r>
+              <a:rPr lang="fr-FR" sz="2000" dirty="0" smtClean="0"/>
+              <a:t>L'installation </a:t>
+            </a:r>
+            <a:r>
+              <a:rPr lang="fr-FR" sz="2000" dirty="0"/>
+              <a:t>de Berkeley DB est assez simple, il suffit de décompresser l'archive que vous venez de télécharger ! Le seul fichier dont vous aurez besoin pour faire fonctionner les exemples que nous verrons plus tard est le : "je-*.jar".</a:t>
+            </a:r>
+            <a:endParaRPr lang="en-US" sz="2000" dirty="0"/>
+          </a:p>
+          <a:p>
+            <a:pPr marL="0" indent="0">
+              <a:buNone/>
+            </a:pPr>
+            <a:r>
+              <a:rPr lang="fr-FR" u="sng" dirty="0">
+                <a:latin typeface="+mj-lt"/>
+              </a:rPr>
+              <a:t>Description de l'environnement de Berkeley DB Java Edition :</a:t>
+            </a:r>
+            <a:endParaRPr lang="en-US" dirty="0">
+              <a:latin typeface="+mj-lt"/>
+            </a:endParaRPr>
+          </a:p>
+          <a:p>
+            <a:pPr marL="0" indent="0" algn="just">
+              <a:buNone/>
+            </a:pPr>
+            <a:r>
+              <a:rPr lang="fr-FR" sz="2100" dirty="0"/>
+              <a:t>Une base de données BDB JE est composée d'un ou plusieurs fichiers de logs qui sont situés dans le répertoire d'environnement.</a:t>
+            </a:r>
+            <a:endParaRPr lang="en-US" sz="2100" dirty="0"/>
+          </a:p>
+          <a:p>
+            <a:pPr marL="0" indent="0" algn="just">
+              <a:buNone/>
+            </a:pPr>
+            <a:r>
+              <a:rPr lang="fr-FR" sz="2100" dirty="0"/>
+              <a:t>Par défaut, leur taille est de 10 Mb et peut être modifiée (par exemple, augmenter la taille des logs permet de limiter le nombre d'I/O).</a:t>
+            </a:r>
+            <a:endParaRPr lang="en-US" sz="2100" dirty="0"/>
+          </a:p>
+          <a:p>
+            <a:pPr marL="0" indent="0">
+              <a:buNone/>
+            </a:pPr>
+            <a:endParaRPr lang="en-US" dirty="0"/>
+          </a:p>
+        </p:txBody>
+      </p:sp>
+      <p:sp>
+        <p:nvSpPr>
+          <p:cNvPr id="4" name="Slide Number Placeholder 3"/>
+          <p:cNvSpPr>
+            <a:spLocks noGrp="1"/>
+          </p:cNvSpPr>
+          <p:nvPr>
+            <p:ph type="sldNum" sz="quarter" idx="12"/>
+          </p:nvPr>
+        </p:nvSpPr>
+        <p:spPr/>
+        <p:txBody>
+          <a:bodyPr/>
+          <a:lstStyle/>
+          <a:p>
+            <a:fld id="{E31CB3CC-2B44-47CE-ACFB-D5D84FBE0F2F}" type="slidenum">
+              <a:rPr lang="fr-FR" smtClean="0"/>
+              <a:pPr/>
+              <a:t>21</a:t>
+            </a:fld>
+            <a:endParaRPr lang="fr-FR"/>
+          </a:p>
+        </p:txBody>
+      </p:sp>
+    </p:spTree>
+    <p:extLst>
+      <p:ext uri="{BB962C8B-B14F-4D97-AF65-F5344CB8AC3E}">
+        <p14:creationId xmlns:p14="http://schemas.microsoft.com/office/powerpoint/2010/main" val="2821802788"/>
+      </p:ext>
+    </p:extLst>
+  </p:cSld>
+  <p:clrMapOvr>
+    <a:masterClrMapping/>
+  </p:clrMapOvr>
+</p:sld>
+</file>
+
+<file path=ppt/slides/slide22.xml><?xml version="1.0" encoding="utf-8"?>
 <p:sld xmlns:a="http://schemas.openxmlformats.org/drawingml/2006/main" xmlns:r="http://schemas.openxmlformats.org/officeDocument/2006/relationships" xmlns:p="http://schemas.openxmlformats.org/presentationml/2006/main" showMasterSp="0">
   <p:cSld>
     <p:spTree>
@@ -10293,7 +11534,7 @@
             <a:fld id="{E31CB3CC-2B44-47CE-ACFB-D5D84FBE0F2F}" type="slidenum">
               <a:rPr lang="fr-FR" smtClean="0"/>
               <a:pPr/>
-              <a:t>20</a:t>
+              <a:t>22</a:t>
             </a:fld>
             <a:endParaRPr lang="fr-FR"/>
           </a:p>
@@ -10314,7 +11555,7 @@
 </p:sld>
 </file>
 
-<file path=ppt/slides/slide21.xml><?xml version="1.0" encoding="utf-8"?>
+<file path=ppt/slides/slide23.xml><?xml version="1.0" encoding="utf-8"?>
 <p:sld xmlns:a="http://schemas.openxmlformats.org/drawingml/2006/main" xmlns:r="http://schemas.openxmlformats.org/officeDocument/2006/relationships" xmlns:p="http://schemas.openxmlformats.org/presentationml/2006/main" showMasterSp="0">
   <p:cSld>
     <p:spTree>
@@ -10351,6 +11592,10 @@
             <a:r>
               <a:rPr lang="fr-FR" dirty="0" smtClean="0"/>
               <a:t>Comparaison entre SQL et BDB </a:t>
+            </a:r>
+            <a:r>
+              <a:rPr lang="fr-FR" dirty="0" smtClean="0"/>
+              <a:t>Java </a:t>
             </a:r>
             <a:r>
               <a:rPr lang="fr-FR" dirty="0" err="1" smtClean="0"/>
@@ -10750,974 +11995,6 @@
             <a:fld id="{E31CB3CC-2B44-47CE-ACFB-D5D84FBE0F2F}" type="slidenum">
               <a:rPr lang="fr-FR" smtClean="0"/>
               <a:pPr/>
-              <a:t>21</a:t>
-            </a:fld>
-            <a:endParaRPr lang="fr-FR"/>
-          </a:p>
-        </p:txBody>
-      </p:sp>
-    </p:spTree>
-  </p:cSld>
-  <p:clrMapOvr>
-    <a:masterClrMapping/>
-  </p:clrMapOvr>
-  <p:timing>
-    <p:tnLst>
-      <p:par>
-        <p:cTn id="1" dur="indefinite" restart="never" nodeType="tmRoot"/>
-      </p:par>
-    </p:tnLst>
-  </p:timing>
-</p:sld>
-</file>
-
-<file path=ppt/slides/slide22.xml><?xml version="1.0" encoding="utf-8"?>
-<p:sld xmlns:a="http://schemas.openxmlformats.org/drawingml/2006/main" xmlns:r="http://schemas.openxmlformats.org/officeDocument/2006/relationships" xmlns:p="http://schemas.openxmlformats.org/presentationml/2006/main" showMasterSp="0">
-  <p:cSld>
-    <p:spTree>
-      <p:nvGrpSpPr>
-        <p:cNvPr id="1" name=""/>
-        <p:cNvGrpSpPr/>
-        <p:nvPr/>
-      </p:nvGrpSpPr>
-      <p:grpSpPr>
-        <a:xfrm>
-          <a:off x="0" y="0"/>
-          <a:ext cx="0" cy="0"/>
-          <a:chOff x="0" y="0"/>
-          <a:chExt cx="0" cy="0"/>
-        </a:xfrm>
-      </p:grpSpPr>
-      <p:sp>
-        <p:nvSpPr>
-          <p:cNvPr id="2" name="Titre 1"/>
-          <p:cNvSpPr>
-            <a:spLocks noGrp="1"/>
-          </p:cNvSpPr>
-          <p:nvPr>
-            <p:ph type="title"/>
-          </p:nvPr>
-        </p:nvSpPr>
-        <p:spPr/>
-        <p:txBody>
-          <a:bodyPr>
-            <a:normAutofit fontScale="90000"/>
-          </a:bodyPr>
-          <a:lstStyle/>
-          <a:p>
-            <a:r>
-              <a:rPr lang="fr-FR" dirty="0" smtClean="0"/>
-              <a:t>Comparaison entre SQL et BDB </a:t>
-            </a:r>
-            <a:r>
-              <a:rPr lang="fr-FR" dirty="0" err="1" smtClean="0"/>
-              <a:t>query</a:t>
-            </a:r>
-            <a:r>
-              <a:rPr lang="fr-FR" dirty="0" smtClean="0"/>
-              <a:t> </a:t>
-            </a:r>
-            <a:r>
-              <a:rPr lang="fr-FR" dirty="0" err="1" smtClean="0"/>
-              <a:t>language</a:t>
-            </a:r>
-            <a:endParaRPr lang="fr-FR" dirty="0"/>
-          </a:p>
-        </p:txBody>
-      </p:sp>
-      <p:graphicFrame>
-        <p:nvGraphicFramePr>
-          <p:cNvPr id="5" name="Espace réservé du contenu 4"/>
-          <p:cNvGraphicFramePr>
-            <a:graphicFrameLocks noGrp="1"/>
-          </p:cNvGraphicFramePr>
-          <p:nvPr>
-            <p:ph idx="1"/>
-          </p:nvPr>
-        </p:nvGraphicFramePr>
-        <p:xfrm>
-          <a:off x="467544" y="1700808"/>
-          <a:ext cx="8229600" cy="5037843"/>
-        </p:xfrm>
-        <a:graphic>
-          <a:graphicData uri="http://schemas.openxmlformats.org/drawingml/2006/table">
-            <a:tbl>
-              <a:tblPr firstRow="1" bandRow="1">
-                <a:tableStyleId>{5C22544A-7EE6-4342-B048-85BDC9FD1C3A}</a:tableStyleId>
-              </a:tblPr>
-              <a:tblGrid>
-                <a:gridCol w="1378496"/>
-                <a:gridCol w="6851104"/>
-              </a:tblGrid>
-              <a:tr h="2325340">
-                <a:tc>
-                  <a:txBody>
-                    <a:bodyPr/>
-                    <a:lstStyle/>
-                    <a:p>
-                      <a:r>
-                        <a:rPr lang="fr-FR" dirty="0" smtClean="0"/>
-                        <a:t>CREATE DATABASE personnel</a:t>
-                      </a:r>
-                      <a:endParaRPr lang="fr-FR" dirty="0"/>
-                    </a:p>
-                  </a:txBody>
-                  <a:tcPr/>
-                </a:tc>
-                <a:tc>
-                  <a:txBody>
-                    <a:bodyPr/>
-                    <a:lstStyle/>
-                    <a:p>
-                      <a:r>
-                        <a:rPr lang="fr-FR" dirty="0" smtClean="0"/>
-                        <a:t>DB_ENV *</a:t>
-                      </a:r>
-                      <a:r>
-                        <a:rPr lang="fr-FR" dirty="0" err="1" smtClean="0"/>
-                        <a:t>dbenv</a:t>
-                      </a:r>
-                      <a:r>
-                        <a:rPr lang="fr-FR" dirty="0" smtClean="0"/>
-                        <a:t>; </a:t>
-                      </a:r>
-                    </a:p>
-                    <a:p>
-                      <a:endParaRPr lang="fr-FR" dirty="0" smtClean="0"/>
-                    </a:p>
-                    <a:p>
-                      <a:r>
-                        <a:rPr lang="fr-FR" dirty="0" smtClean="0"/>
-                        <a:t>ASSERT(</a:t>
-                      </a:r>
-                      <a:r>
-                        <a:rPr lang="fr-FR" dirty="0" err="1" smtClean="0"/>
-                        <a:t>db_env_create</a:t>
-                      </a:r>
-                      <a:r>
-                        <a:rPr lang="fr-FR" dirty="0" smtClean="0"/>
-                        <a:t>(&amp;</a:t>
-                      </a:r>
-                      <a:r>
-                        <a:rPr lang="fr-FR" dirty="0" err="1" smtClean="0"/>
-                        <a:t>dbenv</a:t>
-                      </a:r>
-                      <a:r>
-                        <a:rPr lang="fr-FR" dirty="0" smtClean="0"/>
-                        <a:t>, 0) == 0); </a:t>
-                      </a:r>
-                    </a:p>
-                    <a:p>
-                      <a:endParaRPr lang="fr-FR" dirty="0" smtClean="0"/>
-                    </a:p>
-                    <a:p>
-                      <a:r>
-                        <a:rPr lang="fr-FR" dirty="0" smtClean="0"/>
-                        <a:t>DB_ASSERT(</a:t>
-                      </a:r>
-                      <a:r>
-                        <a:rPr lang="fr-FR" dirty="0" err="1" smtClean="0"/>
-                        <a:t>dbenv</a:t>
-                      </a:r>
-                      <a:r>
-                        <a:rPr lang="fr-FR" dirty="0" smtClean="0"/>
-                        <a:t>-&gt;open(</a:t>
-                      </a:r>
-                      <a:r>
-                        <a:rPr lang="fr-FR" dirty="0" err="1" smtClean="0"/>
-                        <a:t>dbenv</a:t>
-                      </a:r>
-                      <a:r>
-                        <a:rPr lang="fr-FR" dirty="0" smtClean="0"/>
-                        <a:t>, "</a:t>
-                      </a:r>
-                      <a:r>
-                        <a:rPr lang="fr-FR" dirty="0" err="1" smtClean="0"/>
-                        <a:t>my_databases</a:t>
-                      </a:r>
-                      <a:r>
-                        <a:rPr lang="fr-FR" dirty="0" smtClean="0"/>
-                        <a:t>/personnel", DB_CREATE | DB_INIT_LOCK | DB_INIT_MPOOL | DB_INIT_TXN | DB_THREAD, 0644);</a:t>
-                      </a:r>
-                      <a:endParaRPr lang="fr-FR" dirty="0"/>
-                    </a:p>
-                  </a:txBody>
-                  <a:tcPr/>
-                </a:tc>
-              </a:tr>
-              <a:tr h="975143">
-                <a:tc>
-                  <a:txBody>
-                    <a:bodyPr/>
-                    <a:lstStyle/>
-                    <a:p>
-                      <a:r>
-                        <a:rPr lang="fr-FR" dirty="0" smtClean="0"/>
-                        <a:t>CREATE </a:t>
-                      </a:r>
-                      <a:r>
-                        <a:rPr lang="fr-FR" dirty="0" err="1" smtClean="0"/>
-                        <a:t>cursor</a:t>
-                      </a:r>
-                      <a:endParaRPr lang="fr-FR" dirty="0"/>
-                    </a:p>
-                  </a:txBody>
-                  <a:tcPr>
-                    <a:solidFill>
-                      <a:schemeClr val="bg2">
-                        <a:lumMod val="60000"/>
-                        <a:lumOff val="40000"/>
-                      </a:schemeClr>
-                    </a:solidFill>
-                  </a:tcPr>
-                </a:tc>
-                <a:tc>
-                  <a:txBody>
-                    <a:bodyPr/>
-                    <a:lstStyle/>
-                    <a:p>
-                      <a:r>
-                        <a:rPr lang="fr-FR" dirty="0" smtClean="0"/>
-                        <a:t>DB *</a:t>
-                      </a:r>
-                      <a:r>
-                        <a:rPr lang="fr-FR" dirty="0" err="1" smtClean="0"/>
-                        <a:t>dbp</a:t>
-                      </a:r>
-                      <a:r>
-                        <a:rPr lang="fr-FR" dirty="0" smtClean="0"/>
-                        <a:t>;</a:t>
-                      </a:r>
-                    </a:p>
-                    <a:p>
-                      <a:r>
-                        <a:rPr lang="fr-FR" dirty="0" smtClean="0"/>
-                        <a:t> ASSERT(</a:t>
-                      </a:r>
-                      <a:r>
-                        <a:rPr lang="fr-FR" dirty="0" err="1" smtClean="0"/>
-                        <a:t>dbp</a:t>
-                      </a:r>
-                      <a:r>
-                        <a:rPr lang="fr-FR" dirty="0" smtClean="0"/>
-                        <a:t>-&gt;</a:t>
-                      </a:r>
-                      <a:r>
-                        <a:rPr lang="fr-FR" dirty="0" err="1" smtClean="0"/>
-                        <a:t>cursor</a:t>
-                      </a:r>
-                      <a:r>
-                        <a:rPr lang="fr-FR" dirty="0" smtClean="0"/>
-                        <a:t>(</a:t>
-                      </a:r>
-                      <a:r>
-                        <a:rPr lang="fr-FR" dirty="0" err="1" smtClean="0"/>
-                        <a:t>dbp</a:t>
-                      </a:r>
-                      <a:r>
-                        <a:rPr lang="fr-FR" dirty="0" smtClean="0"/>
-                        <a:t>, NULL, 0) == 0);</a:t>
-                      </a:r>
-                      <a:endParaRPr lang="fr-FR" dirty="0"/>
-                    </a:p>
-                  </a:txBody>
-                  <a:tcPr>
-                    <a:solidFill>
-                      <a:schemeClr val="bg2">
-                        <a:lumMod val="60000"/>
-                        <a:lumOff val="40000"/>
-                      </a:schemeClr>
-                    </a:solidFill>
-                  </a:tcPr>
-                </a:tc>
-              </a:tr>
-              <a:tr h="1524053">
-                <a:tc>
-                  <a:txBody>
-                    <a:bodyPr/>
-                    <a:lstStyle/>
-                    <a:p>
-                      <a:r>
-                        <a:rPr lang="fr-FR" dirty="0" smtClean="0"/>
-                        <a:t>CREATE TABLE</a:t>
-                      </a:r>
-                      <a:endParaRPr lang="fr-FR" dirty="0"/>
-                    </a:p>
-                  </a:txBody>
-                  <a:tcPr>
-                    <a:solidFill>
-                      <a:schemeClr val="bg2">
-                        <a:lumMod val="60000"/>
-                        <a:lumOff val="40000"/>
-                      </a:schemeClr>
-                    </a:solidFill>
-                  </a:tcPr>
-                </a:tc>
-                <a:tc>
-                  <a:txBody>
-                    <a:bodyPr/>
-                    <a:lstStyle/>
-                    <a:p>
-                      <a:r>
-                        <a:rPr lang="en-US" dirty="0" smtClean="0"/>
-                        <a:t>DB *</a:t>
-                      </a:r>
-                      <a:r>
-                        <a:rPr lang="en-US" dirty="0" err="1" smtClean="0"/>
-                        <a:t>dbp</a:t>
-                      </a:r>
-                      <a:r>
-                        <a:rPr lang="en-US" dirty="0" smtClean="0"/>
-                        <a:t>;</a:t>
-                      </a:r>
-                    </a:p>
-                    <a:p>
-                      <a:r>
-                        <a:rPr lang="en-US" dirty="0" smtClean="0"/>
-                        <a:t> DB_ENV *</a:t>
-                      </a:r>
-                      <a:r>
-                        <a:rPr lang="en-US" dirty="0" err="1" smtClean="0"/>
-                        <a:t>dbenv</a:t>
-                      </a:r>
-                      <a:endParaRPr lang="en-US" dirty="0" smtClean="0"/>
-                    </a:p>
-                    <a:p>
-                      <a:r>
-                        <a:rPr lang="en-US" dirty="0" smtClean="0"/>
-                        <a:t> ASSERT(</a:t>
-                      </a:r>
-                      <a:r>
-                        <a:rPr lang="en-US" dirty="0" err="1" smtClean="0"/>
-                        <a:t>db_create</a:t>
-                      </a:r>
-                      <a:r>
-                        <a:rPr lang="en-US" dirty="0" smtClean="0"/>
-                        <a:t>(&amp;</a:t>
-                      </a:r>
-                      <a:r>
-                        <a:rPr lang="en-US" dirty="0" err="1" smtClean="0"/>
-                        <a:t>dbp</a:t>
-                      </a:r>
-                      <a:r>
-                        <a:rPr lang="en-US" dirty="0" smtClean="0"/>
-                        <a:t>, </a:t>
-                      </a:r>
-                      <a:r>
-                        <a:rPr lang="en-US" dirty="0" err="1" smtClean="0"/>
-                        <a:t>dbenv</a:t>
-                      </a:r>
-                      <a:r>
-                        <a:rPr lang="en-US" dirty="0" smtClean="0"/>
-                        <a:t>, 0) == 0); </a:t>
-                      </a:r>
-                    </a:p>
-                    <a:p>
-                      <a:r>
-                        <a:rPr lang="en-US" dirty="0" smtClean="0"/>
-                        <a:t>ASSERT(</a:t>
-                      </a:r>
-                      <a:r>
-                        <a:rPr lang="en-US" dirty="0" err="1" smtClean="0"/>
-                        <a:t>dbp</a:t>
-                      </a:r>
-                      <a:r>
-                        <a:rPr lang="en-US" dirty="0" smtClean="0"/>
-                        <a:t>-&gt;open(</a:t>
-                      </a:r>
-                      <a:r>
-                        <a:rPr lang="en-US" dirty="0" err="1" smtClean="0"/>
-                        <a:t>dbp</a:t>
-                      </a:r>
-                      <a:r>
-                        <a:rPr lang="en-US" dirty="0" smtClean="0"/>
-                        <a:t>, NULL, "</a:t>
-                      </a:r>
-                      <a:r>
-                        <a:rPr lang="en-US" dirty="0" err="1" smtClean="0"/>
-                        <a:t>employee.db</a:t>
-                      </a:r>
-                      <a:r>
-                        <a:rPr lang="en-US" dirty="0" smtClean="0"/>
-                        <a:t>", NULL, DB_BTREE, DB_AUTO_COMMIT | DB_CREATE | DB_THREAD, 0644) == 0).</a:t>
-                      </a:r>
-                    </a:p>
-                    <a:p>
-                      <a:endParaRPr lang="fr-FR" dirty="0"/>
-                    </a:p>
-                  </a:txBody>
-                  <a:tcPr>
-                    <a:solidFill>
-                      <a:schemeClr val="bg2">
-                        <a:lumMod val="60000"/>
-                        <a:lumOff val="40000"/>
-                      </a:schemeClr>
-                    </a:solidFill>
-                  </a:tcPr>
-                </a:tc>
-              </a:tr>
-            </a:tbl>
-          </a:graphicData>
-        </a:graphic>
-      </p:graphicFrame>
-      <p:sp>
-        <p:nvSpPr>
-          <p:cNvPr id="4" name="Espace réservé du numéro de diapositive 3"/>
-          <p:cNvSpPr>
-            <a:spLocks noGrp="1"/>
-          </p:cNvSpPr>
-          <p:nvPr>
-            <p:ph type="sldNum" sz="quarter" idx="12"/>
-          </p:nvPr>
-        </p:nvSpPr>
-        <p:spPr/>
-        <p:txBody>
-          <a:bodyPr/>
-          <a:lstStyle/>
-          <a:p>
-            <a:fld id="{E31CB3CC-2B44-47CE-ACFB-D5D84FBE0F2F}" type="slidenum">
-              <a:rPr lang="fr-FR" smtClean="0"/>
-              <a:pPr/>
-              <a:t>22</a:t>
-            </a:fld>
-            <a:endParaRPr lang="fr-FR"/>
-          </a:p>
-        </p:txBody>
-      </p:sp>
-    </p:spTree>
-  </p:cSld>
-  <p:clrMapOvr>
-    <a:masterClrMapping/>
-  </p:clrMapOvr>
-  <p:timing>
-    <p:tnLst>
-      <p:par>
-        <p:cTn id="1" dur="indefinite" restart="never" nodeType="tmRoot"/>
-      </p:par>
-    </p:tnLst>
-  </p:timing>
-</p:sld>
-</file>
-
-<file path=ppt/slides/slide23.xml><?xml version="1.0" encoding="utf-8"?>
-<p:sld xmlns:a="http://schemas.openxmlformats.org/drawingml/2006/main" xmlns:r="http://schemas.openxmlformats.org/officeDocument/2006/relationships" xmlns:p="http://schemas.openxmlformats.org/presentationml/2006/main" showMasterSp="0">
-  <p:cSld>
-    <p:spTree>
-      <p:nvGrpSpPr>
-        <p:cNvPr id="1" name=""/>
-        <p:cNvGrpSpPr/>
-        <p:nvPr/>
-      </p:nvGrpSpPr>
-      <p:grpSpPr>
-        <a:xfrm>
-          <a:off x="0" y="0"/>
-          <a:ext cx="0" cy="0"/>
-          <a:chOff x="0" y="0"/>
-          <a:chExt cx="0" cy="0"/>
-        </a:xfrm>
-      </p:grpSpPr>
-      <p:sp>
-        <p:nvSpPr>
-          <p:cNvPr id="2" name="Titre 1"/>
-          <p:cNvSpPr>
-            <a:spLocks noGrp="1"/>
-          </p:cNvSpPr>
-          <p:nvPr>
-            <p:ph type="title"/>
-          </p:nvPr>
-        </p:nvSpPr>
-        <p:spPr/>
-        <p:txBody>
-          <a:bodyPr>
-            <a:normAutofit fontScale="90000"/>
-          </a:bodyPr>
-          <a:lstStyle/>
-          <a:p>
-            <a:r>
-              <a:rPr lang="fr-FR" dirty="0" smtClean="0"/>
-              <a:t>Comparaison entre SQL et BDB </a:t>
-            </a:r>
-            <a:r>
-              <a:rPr lang="fr-FR" dirty="0" err="1" smtClean="0"/>
-              <a:t>query</a:t>
-            </a:r>
-            <a:r>
-              <a:rPr lang="fr-FR" dirty="0" smtClean="0"/>
-              <a:t> </a:t>
-            </a:r>
-            <a:r>
-              <a:rPr lang="fr-FR" dirty="0" err="1" smtClean="0"/>
-              <a:t>language</a:t>
-            </a:r>
-            <a:endParaRPr lang="fr-FR" dirty="0"/>
-          </a:p>
-        </p:txBody>
-      </p:sp>
-      <p:graphicFrame>
-        <p:nvGraphicFramePr>
-          <p:cNvPr id="5" name="Espace réservé du contenu 4"/>
-          <p:cNvGraphicFramePr>
-            <a:graphicFrameLocks noGrp="1"/>
-          </p:cNvGraphicFramePr>
-          <p:nvPr>
-            <p:ph idx="1"/>
-          </p:nvPr>
-        </p:nvGraphicFramePr>
-        <p:xfrm>
-          <a:off x="395536" y="1554480"/>
-          <a:ext cx="8229600" cy="5303520"/>
-        </p:xfrm>
-        <a:graphic>
-          <a:graphicData uri="http://schemas.openxmlformats.org/drawingml/2006/table">
-            <a:tbl>
-              <a:tblPr firstRow="1" bandRow="1">
-                <a:tableStyleId>{5C22544A-7EE6-4342-B048-85BDC9FD1C3A}</a:tableStyleId>
-              </a:tblPr>
-              <a:tblGrid>
-                <a:gridCol w="2016224"/>
-                <a:gridCol w="6213376"/>
-              </a:tblGrid>
-              <a:tr h="4536504">
-                <a:tc>
-                  <a:txBody>
-                    <a:bodyPr/>
-                    <a:lstStyle/>
-                    <a:p>
-                      <a:r>
-                        <a:rPr lang="en-US" dirty="0" smtClean="0"/>
-                        <a:t>INSERT INTO employees VALUES (00010002, "mouse", "</a:t>
-                      </a:r>
-                      <a:r>
-                        <a:rPr lang="en-US" dirty="0" err="1" smtClean="0"/>
-                        <a:t>mickey</a:t>
-                      </a:r>
-                      <a:r>
-                        <a:rPr lang="en-US" dirty="0" smtClean="0"/>
-                        <a:t>", 1000000.00, </a:t>
-                      </a:r>
-                    </a:p>
-                    <a:p>
-                      <a:r>
-                        <a:rPr lang="en-US" dirty="0" smtClean="0"/>
-                        <a:t>"Main Street", "Disney Land", "CA", 98765);</a:t>
-                      </a:r>
-                      <a:endParaRPr lang="fr-FR" dirty="0"/>
-                    </a:p>
-                  </a:txBody>
-                  <a:tcPr/>
-                </a:tc>
-                <a:tc>
-                  <a:txBody>
-                    <a:bodyPr/>
-                    <a:lstStyle/>
-                    <a:p>
-                      <a:r>
-                        <a:rPr lang="fr-FR" dirty="0" smtClean="0"/>
-                        <a:t>DB *</a:t>
-                      </a:r>
-                      <a:r>
-                        <a:rPr lang="fr-FR" dirty="0" err="1" smtClean="0"/>
-                        <a:t>dbp</a:t>
-                      </a:r>
-                      <a:r>
-                        <a:rPr lang="fr-FR" dirty="0" smtClean="0"/>
-                        <a:t>;</a:t>
-                      </a:r>
-                    </a:p>
-                    <a:p>
-                      <a:r>
-                        <a:rPr lang="fr-FR" dirty="0" smtClean="0"/>
-                        <a:t> DBT </a:t>
-                      </a:r>
-                      <a:r>
-                        <a:rPr lang="fr-FR" dirty="0" err="1" smtClean="0"/>
-                        <a:t>key_dbt</a:t>
-                      </a:r>
-                      <a:r>
-                        <a:rPr lang="fr-FR" dirty="0" smtClean="0"/>
-                        <a:t>, </a:t>
-                      </a:r>
-                      <a:r>
-                        <a:rPr lang="fr-FR" dirty="0" err="1" smtClean="0"/>
-                        <a:t>data_dbt</a:t>
-                      </a:r>
-                      <a:r>
-                        <a:rPr lang="fr-FR" dirty="0" smtClean="0"/>
-                        <a:t>; </a:t>
-                      </a:r>
-                    </a:p>
-                    <a:p>
-                      <a:r>
-                        <a:rPr lang="fr-FR" dirty="0" err="1" smtClean="0"/>
-                        <a:t>emp_data</a:t>
-                      </a:r>
-                      <a:r>
-                        <a:rPr lang="fr-FR" dirty="0" smtClean="0"/>
-                        <a:t> </a:t>
-                      </a:r>
-                      <a:r>
-                        <a:rPr lang="fr-FR" dirty="0" err="1" smtClean="0"/>
-                        <a:t>edata</a:t>
-                      </a:r>
-                      <a:r>
-                        <a:rPr lang="fr-FR" dirty="0" smtClean="0"/>
-                        <a:t>; </a:t>
-                      </a:r>
-                    </a:p>
-                    <a:p>
-                      <a:r>
-                        <a:rPr lang="fr-FR" dirty="0" err="1" smtClean="0"/>
-                        <a:t>emp_key</a:t>
-                      </a:r>
-                      <a:r>
-                        <a:rPr lang="fr-FR" dirty="0" smtClean="0"/>
-                        <a:t> </a:t>
-                      </a:r>
-                      <a:r>
-                        <a:rPr lang="fr-FR" dirty="0" err="1" smtClean="0"/>
-                        <a:t>ekey</a:t>
-                      </a:r>
-                      <a:endParaRPr lang="fr-FR" dirty="0" smtClean="0"/>
-                    </a:p>
-                    <a:p>
-                      <a:r>
-                        <a:rPr lang="fr-FR" dirty="0" smtClean="0"/>
-                        <a:t> </a:t>
-                      </a:r>
-                      <a:r>
-                        <a:rPr lang="fr-FR" dirty="0" err="1" smtClean="0"/>
-                        <a:t>ekey</a:t>
-                      </a:r>
-                      <a:r>
-                        <a:rPr lang="fr-FR" dirty="0" smtClean="0"/>
-                        <a:t> = 00010002; </a:t>
-                      </a:r>
-                    </a:p>
-                    <a:p>
-                      <a:r>
-                        <a:rPr lang="fr-FR" dirty="0" err="1" smtClean="0"/>
-                        <a:t>strcpy</a:t>
-                      </a:r>
-                      <a:r>
-                        <a:rPr lang="fr-FR" dirty="0" smtClean="0"/>
-                        <a:t>(</a:t>
-                      </a:r>
-                      <a:r>
-                        <a:rPr lang="fr-FR" dirty="0" err="1" smtClean="0"/>
-                        <a:t>edata.lname</a:t>
-                      </a:r>
-                      <a:r>
-                        <a:rPr lang="fr-FR" dirty="0" smtClean="0"/>
-                        <a:t>, "Mouse"); </a:t>
-                      </a:r>
-                    </a:p>
-                    <a:p>
-                      <a:r>
-                        <a:rPr lang="fr-FR" dirty="0" err="1" smtClean="0"/>
-                        <a:t>strcpy</a:t>
-                      </a:r>
-                      <a:r>
-                        <a:rPr lang="fr-FR" dirty="0" smtClean="0"/>
-                        <a:t>(</a:t>
-                      </a:r>
-                      <a:r>
-                        <a:rPr lang="fr-FR" dirty="0" err="1" smtClean="0"/>
-                        <a:t>edata.fname</a:t>
-                      </a:r>
-                      <a:r>
-                        <a:rPr lang="fr-FR" dirty="0" smtClean="0"/>
-                        <a:t>, "Mickey"); </a:t>
-                      </a:r>
-                    </a:p>
-                    <a:p>
-                      <a:r>
-                        <a:rPr lang="fr-FR" dirty="0" err="1" smtClean="0"/>
-                        <a:t>edata.salary</a:t>
-                      </a:r>
-                      <a:r>
-                        <a:rPr lang="fr-FR" dirty="0" smtClean="0"/>
-                        <a:t> = 1000000.00; </a:t>
-                      </a:r>
-                    </a:p>
-                    <a:p>
-                      <a:r>
-                        <a:rPr lang="fr-FR" dirty="0" err="1" smtClean="0"/>
-                        <a:t>strcpy</a:t>
-                      </a:r>
-                      <a:r>
-                        <a:rPr lang="fr-FR" dirty="0" smtClean="0"/>
-                        <a:t>(</a:t>
-                      </a:r>
-                      <a:r>
-                        <a:rPr lang="fr-FR" dirty="0" err="1" smtClean="0"/>
-                        <a:t>edata.street</a:t>
-                      </a:r>
-                      <a:r>
-                        <a:rPr lang="fr-FR" dirty="0" smtClean="0"/>
-                        <a:t>, "Main Street"); </a:t>
-                      </a:r>
-                    </a:p>
-                    <a:p>
-                      <a:r>
-                        <a:rPr lang="fr-FR" dirty="0" err="1" smtClean="0"/>
-                        <a:t>strcpy</a:t>
-                      </a:r>
-                      <a:r>
-                        <a:rPr lang="fr-FR" dirty="0" smtClean="0"/>
-                        <a:t>(</a:t>
-                      </a:r>
-                      <a:r>
-                        <a:rPr lang="fr-FR" dirty="0" err="1" smtClean="0"/>
-                        <a:t>edata.city</a:t>
-                      </a:r>
-                      <a:r>
-                        <a:rPr lang="fr-FR" dirty="0" smtClean="0"/>
-                        <a:t>, "Disney Land");</a:t>
-                      </a:r>
-                    </a:p>
-                    <a:p>
-                      <a:r>
-                        <a:rPr lang="fr-FR" dirty="0" smtClean="0"/>
-                        <a:t> </a:t>
-                      </a:r>
-                      <a:r>
-                        <a:rPr lang="fr-FR" dirty="0" err="1" smtClean="0"/>
-                        <a:t>strcpy</a:t>
-                      </a:r>
-                      <a:r>
-                        <a:rPr lang="fr-FR" dirty="0" smtClean="0"/>
-                        <a:t>(</a:t>
-                      </a:r>
-                      <a:r>
-                        <a:rPr lang="fr-FR" dirty="0" err="1" smtClean="0"/>
-                        <a:t>edata.state</a:t>
-                      </a:r>
-                      <a:r>
-                        <a:rPr lang="fr-FR" dirty="0" smtClean="0"/>
-                        <a:t>, "CA"); </a:t>
-                      </a:r>
-                    </a:p>
-                    <a:p>
-                      <a:r>
-                        <a:rPr lang="fr-FR" dirty="0" smtClean="0"/>
-                        <a:t>edata.zip = 98765</a:t>
-                      </a:r>
-                    </a:p>
-                    <a:p>
-                      <a:r>
-                        <a:rPr lang="fr-FR" dirty="0" err="1" smtClean="0"/>
-                        <a:t>memset</a:t>
-                      </a:r>
-                      <a:r>
-                        <a:rPr lang="fr-FR" dirty="0" smtClean="0"/>
-                        <a:t>(&amp;</a:t>
-                      </a:r>
-                      <a:r>
-                        <a:rPr lang="fr-FR" dirty="0" err="1" smtClean="0"/>
-                        <a:t>key_dbt</a:t>
-                      </a:r>
-                      <a:r>
-                        <a:rPr lang="fr-FR" dirty="0" smtClean="0"/>
-                        <a:t>, 0, </a:t>
-                      </a:r>
-                      <a:r>
-                        <a:rPr lang="fr-FR" dirty="0" err="1" smtClean="0"/>
-                        <a:t>sizeof</a:t>
-                      </a:r>
-                      <a:r>
-                        <a:rPr lang="fr-FR" dirty="0" smtClean="0"/>
-                        <a:t>(</a:t>
-                      </a:r>
-                      <a:r>
-                        <a:rPr lang="fr-FR" dirty="0" err="1" smtClean="0"/>
-                        <a:t>key_dbt</a:t>
-                      </a:r>
-                      <a:r>
-                        <a:rPr lang="fr-FR" dirty="0" smtClean="0"/>
-                        <a:t>)); </a:t>
-                      </a:r>
-                    </a:p>
-                    <a:p>
-                      <a:r>
-                        <a:rPr lang="fr-FR" dirty="0" err="1" smtClean="0"/>
-                        <a:t>memset</a:t>
-                      </a:r>
-                      <a:r>
-                        <a:rPr lang="fr-FR" dirty="0" smtClean="0"/>
-                        <a:t>(&amp;</a:t>
-                      </a:r>
-                      <a:r>
-                        <a:rPr lang="fr-FR" dirty="0" err="1" smtClean="0"/>
-                        <a:t>data_dbt</a:t>
-                      </a:r>
-                      <a:r>
-                        <a:rPr lang="fr-FR" dirty="0" smtClean="0"/>
-                        <a:t>, 0, </a:t>
-                      </a:r>
-                      <a:r>
-                        <a:rPr lang="fr-FR" dirty="0" err="1" smtClean="0"/>
-                        <a:t>sizeof</a:t>
-                      </a:r>
-                      <a:r>
-                        <a:rPr lang="fr-FR" dirty="0" smtClean="0"/>
-                        <a:t>(</a:t>
-                      </a:r>
-                      <a:r>
-                        <a:rPr lang="fr-FR" dirty="0" err="1" smtClean="0"/>
-                        <a:t>data_dbt</a:t>
-                      </a:r>
-                      <a:r>
-                        <a:rPr lang="fr-FR" dirty="0" smtClean="0"/>
-                        <a:t>)); </a:t>
-                      </a:r>
-                    </a:p>
-                    <a:p>
-                      <a:r>
-                        <a:rPr lang="fr-FR" dirty="0" smtClean="0"/>
-                        <a:t> </a:t>
-                      </a:r>
-                      <a:r>
-                        <a:rPr lang="fr-FR" dirty="0" err="1" smtClean="0"/>
-                        <a:t>key</a:t>
-                      </a:r>
-                      <a:r>
-                        <a:rPr lang="fr-FR" dirty="0" smtClean="0"/>
-                        <a:t>-&gt;data = &amp;</a:t>
-                      </a:r>
-                      <a:r>
-                        <a:rPr lang="fr-FR" dirty="0" err="1" smtClean="0"/>
-                        <a:t>ekey</a:t>
-                      </a:r>
-                      <a:r>
-                        <a:rPr lang="fr-FR" dirty="0" smtClean="0"/>
-                        <a:t>; </a:t>
-                      </a:r>
-                      <a:r>
-                        <a:rPr lang="fr-FR" dirty="0" err="1" smtClean="0"/>
-                        <a:t>key</a:t>
-                      </a:r>
-                      <a:r>
-                        <a:rPr lang="fr-FR" dirty="0" smtClean="0"/>
-                        <a:t>-&gt;size = </a:t>
-                      </a:r>
-                      <a:r>
-                        <a:rPr lang="fr-FR" dirty="0" err="1" smtClean="0"/>
-                        <a:t>sizeof</a:t>
-                      </a:r>
-                      <a:r>
-                        <a:rPr lang="fr-FR" dirty="0" smtClean="0"/>
-                        <a:t>(</a:t>
-                      </a:r>
-                      <a:r>
-                        <a:rPr lang="fr-FR" dirty="0" err="1" smtClean="0"/>
-                        <a:t>ekey</a:t>
-                      </a:r>
-                      <a:r>
-                        <a:rPr lang="fr-FR" dirty="0" smtClean="0"/>
-                        <a:t>);</a:t>
-                      </a:r>
-                    </a:p>
-                    <a:p>
-                      <a:r>
-                        <a:rPr lang="fr-FR" dirty="0" smtClean="0"/>
-                        <a:t> data-&gt;data = &amp;</a:t>
-                      </a:r>
-                      <a:r>
-                        <a:rPr lang="fr-FR" dirty="0" err="1" smtClean="0"/>
-                        <a:t>edata</a:t>
-                      </a:r>
-                      <a:r>
-                        <a:rPr lang="fr-FR" dirty="0" smtClean="0"/>
-                        <a:t>;</a:t>
-                      </a:r>
-                    </a:p>
-                    <a:p>
-                      <a:r>
-                        <a:rPr lang="fr-FR" dirty="0" smtClean="0"/>
-                        <a:t> data-&gt;size = </a:t>
-                      </a:r>
-                      <a:r>
-                        <a:rPr lang="fr-FR" dirty="0" err="1" smtClean="0"/>
-                        <a:t>sizeof</a:t>
-                      </a:r>
-                      <a:r>
-                        <a:rPr lang="fr-FR" dirty="0" smtClean="0"/>
-                        <a:t>(</a:t>
-                      </a:r>
-                      <a:r>
-                        <a:rPr lang="fr-FR" dirty="0" err="1" smtClean="0"/>
-                        <a:t>edata</a:t>
-                      </a:r>
-                      <a:r>
-                        <a:rPr lang="fr-FR" dirty="0" smtClean="0"/>
-                        <a:t>); </a:t>
-                      </a:r>
-                    </a:p>
-                    <a:p>
-                      <a:r>
-                        <a:rPr lang="fr-FR" dirty="0" smtClean="0"/>
-                        <a:t>ASSERT(</a:t>
-                      </a:r>
-                      <a:r>
-                        <a:rPr lang="fr-FR" dirty="0" err="1" smtClean="0"/>
-                        <a:t>dbp</a:t>
-                      </a:r>
-                      <a:r>
-                        <a:rPr lang="fr-FR" dirty="0" smtClean="0"/>
-                        <a:t>-&gt;put(</a:t>
-                      </a:r>
-                      <a:r>
-                        <a:rPr lang="fr-FR" dirty="0" err="1" smtClean="0"/>
-                        <a:t>dbp</a:t>
-                      </a:r>
-                      <a:r>
-                        <a:rPr lang="fr-FR" dirty="0" smtClean="0"/>
-                        <a:t>, NULL, &amp;</a:t>
-                      </a:r>
-                      <a:r>
-                        <a:rPr lang="fr-FR" dirty="0" err="1" smtClean="0"/>
-                        <a:t>key_dbt</a:t>
-                      </a:r>
-                      <a:r>
-                        <a:rPr lang="fr-FR" dirty="0" smtClean="0"/>
-                        <a:t>, &amp;</a:t>
-                      </a:r>
-                      <a:r>
-                        <a:rPr lang="fr-FR" dirty="0" err="1" smtClean="0"/>
-                        <a:t>data_dbt</a:t>
-                      </a:r>
-                      <a:r>
-                        <a:rPr lang="fr-FR" dirty="0" smtClean="0"/>
-                        <a:t>, DB_AUTO_COMMIT) == 0);</a:t>
-                      </a:r>
-                      <a:endParaRPr lang="fr-FR" dirty="0"/>
-                    </a:p>
-                  </a:txBody>
-                  <a:tcPr/>
-                </a:tc>
-              </a:tr>
-            </a:tbl>
-          </a:graphicData>
-        </a:graphic>
-      </p:graphicFrame>
-      <p:sp>
-        <p:nvSpPr>
-          <p:cNvPr id="4" name="Espace réservé du numéro de diapositive 3"/>
-          <p:cNvSpPr>
-            <a:spLocks noGrp="1"/>
-          </p:cNvSpPr>
-          <p:nvPr>
-            <p:ph type="sldNum" sz="quarter" idx="12"/>
-          </p:nvPr>
-        </p:nvSpPr>
-        <p:spPr/>
-        <p:txBody>
-          <a:bodyPr/>
-          <a:lstStyle/>
-          <a:p>
-            <a:fld id="{E31CB3CC-2B44-47CE-ACFB-D5D84FBE0F2F}" type="slidenum">
-              <a:rPr lang="fr-FR" smtClean="0"/>
-              <a:pPr/>
               <a:t>23</a:t>
             </a:fld>
             <a:endParaRPr lang="fr-FR"/>
@@ -11801,11 +12078,16 @@
           </p:cNvGraphicFramePr>
           <p:nvPr>
             <p:ph idx="1"/>
+            <p:extLst>
+              <p:ext uri="{D42A27DB-BD31-4B8C-83A1-F6EECF244321}">
+                <p14:modId xmlns:p14="http://schemas.microsoft.com/office/powerpoint/2010/main" val="1952658538"/>
+              </p:ext>
+            </p:extLst>
           </p:nvPr>
         </p:nvGraphicFramePr>
         <p:xfrm>
           <a:off x="395536" y="1554480"/>
-          <a:ext cx="8229600" cy="4536504"/>
+          <a:ext cx="8229600" cy="4572000"/>
         </p:xfrm>
         <a:graphic>
           <a:graphicData uri="http://schemas.openxmlformats.org/drawingml/2006/table">
@@ -11817,7 +12099,7 @@
                 <a:gridCol w="2016224"/>
                 <a:gridCol w="6213376"/>
               </a:tblGrid>
-              <a:tr h="4536504">
+              <a:tr h="257495">
                 <a:tc>
                   <a:txBody>
                     <a:bodyPr/>
@@ -11825,7 +12107,7 @@
                     <a:p>
                       <a:r>
                         <a:rPr lang="en-US" dirty="0" smtClean="0"/>
-                        <a:t>SELECT * FROM employees WHERE id=0010002 ;</a:t>
+                        <a:t>SELECT * FROM tab ORDER BY col ASC;</a:t>
                       </a:r>
                       <a:endParaRPr lang="fr-FR" dirty="0"/>
                     </a:p>
@@ -11838,233 +12120,427 @@
                     <a:lstStyle/>
                     <a:p>
                       <a:r>
+                        <a:rPr lang="en-US" dirty="0" err="1" smtClean="0"/>
+                        <a:t>EntityIndex.entities</a:t>
+                      </a:r>
+                      <a:r>
                         <a:rPr lang="en-US" dirty="0" smtClean="0"/>
-                        <a:t>DBT </a:t>
+                        <a:t>()</a:t>
+                      </a:r>
+                      <a:endParaRPr lang="fr-FR" dirty="0"/>
+                    </a:p>
+                  </a:txBody>
+                  <a:tcPr/>
+                </a:tc>
+              </a:tr>
+              <a:tr h="1617025">
+                <a:tc>
+                  <a:txBody>
+                    <a:bodyPr/>
+                    <a:lstStyle/>
+                    <a:p>
+                      <a:r>
+                        <a:rPr lang="en-US" dirty="0" smtClean="0"/>
+                        <a:t>SELECT * FROM department ORDER BY </a:t>
                       </a:r>
                       <a:r>
                         <a:rPr lang="en-US" dirty="0" err="1" smtClean="0"/>
-                        <a:t>key_dbt</a:t>
+                        <a:t>departmentId</a:t>
                       </a:r>
                       <a:r>
                         <a:rPr lang="en-US" dirty="0" smtClean="0"/>
-                        <a:t>, </a:t>
+                        <a:t>;</a:t>
+                      </a:r>
+                      <a:endParaRPr lang="fr-FR" dirty="0"/>
+                    </a:p>
+                  </a:txBody>
+                  <a:tcPr>
+                    <a:solidFill>
+                      <a:schemeClr val="bg2">
+                        <a:lumMod val="40000"/>
+                        <a:lumOff val="60000"/>
+                      </a:schemeClr>
+                    </a:solidFill>
+                  </a:tcPr>
+                </a:tc>
+                <a:tc>
+                  <a:txBody>
+                    <a:bodyPr/>
+                    <a:lstStyle/>
+                    <a:p>
+                      <a:r>
+                        <a:rPr lang="en-US" sz="1800" kern="1200" dirty="0" err="1" smtClean="0">
+                          <a:solidFill>
+                            <a:schemeClr val="dk1"/>
+                          </a:solidFill>
+                          <a:effectLst/>
+                          <a:latin typeface="+mn-lt"/>
+                          <a:ea typeface="+mn-ea"/>
+                          <a:cs typeface="+mn-cs"/>
+                        </a:rPr>
+                        <a:t>EntityCursor</a:t>
                       </a:r>
                       <a:r>
-                        <a:rPr lang="en-US" dirty="0" err="1" smtClean="0"/>
-                        <a:t>data_dbt</a:t>
+                        <a:rPr lang="en-US" sz="1800" kern="1200" dirty="0" smtClean="0">
+                          <a:solidFill>
+                            <a:schemeClr val="dk1"/>
+                          </a:solidFill>
+                          <a:effectLst/>
+                          <a:latin typeface="+mn-lt"/>
+                          <a:ea typeface="+mn-ea"/>
+                          <a:cs typeface="+mn-cs"/>
+                        </a:rPr>
+                        <a:t>&lt;Department&gt; </a:t>
                       </a:r>
                       <a:r>
-                        <a:rPr lang="en-US" dirty="0" smtClean="0"/>
-                        <a:t>; </a:t>
+                        <a:rPr lang="en-US" sz="1800" kern="1200" dirty="0" err="1" smtClean="0">
+                          <a:solidFill>
+                            <a:schemeClr val="dk1"/>
+                          </a:solidFill>
+                          <a:effectLst/>
+                          <a:latin typeface="+mn-lt"/>
+                          <a:ea typeface="+mn-ea"/>
+                          <a:cs typeface="+mn-cs"/>
+                        </a:rPr>
+                        <a:t>deptCursor</a:t>
+                      </a:r>
+                      <a:r>
+                        <a:rPr lang="en-US" sz="1800" kern="1200" dirty="0" smtClean="0">
+                          <a:solidFill>
+                            <a:schemeClr val="dk1"/>
+                          </a:solidFill>
+                          <a:effectLst/>
+                          <a:latin typeface="+mn-lt"/>
+                          <a:ea typeface="+mn-ea"/>
+                          <a:cs typeface="+mn-cs"/>
+                        </a:rPr>
+                        <a:t> = </a:t>
                       </a:r>
                     </a:p>
                     <a:p>
                       <a:r>
-                        <a:rPr lang="en-US" dirty="0" err="1" smtClean="0"/>
-                        <a:t>emp_data</a:t>
+                        <a:rPr lang="en-US" sz="1800" kern="1200" dirty="0" err="1" smtClean="0">
+                          <a:solidFill>
+                            <a:schemeClr val="dk1"/>
+                          </a:solidFill>
+                          <a:effectLst/>
+                          <a:latin typeface="+mn-lt"/>
+                          <a:ea typeface="+mn-ea"/>
+                          <a:cs typeface="+mn-cs"/>
+                        </a:rPr>
+                        <a:t>departmentById.entities</a:t>
                       </a:r>
                       <a:r>
-                        <a:rPr lang="en-US" dirty="0" smtClean="0"/>
-                        <a:t> *</a:t>
-                      </a:r>
-                      <a:r>
-                        <a:rPr lang="en-US" dirty="0" err="1" smtClean="0"/>
-                        <a:t>edata</a:t>
-                      </a:r>
-                      <a:r>
-                        <a:rPr lang="en-US" dirty="0" smtClean="0"/>
-                        <a:t>; </a:t>
+                        <a:rPr lang="en-US" sz="1800" kern="1200" dirty="0" smtClean="0">
+                          <a:solidFill>
+                            <a:schemeClr val="dk1"/>
+                          </a:solidFill>
+                          <a:effectLst/>
+                          <a:latin typeface="+mn-lt"/>
+                          <a:ea typeface="+mn-ea"/>
+                          <a:cs typeface="+mn-cs"/>
+                        </a:rPr>
+                        <a:t>(); </a:t>
                       </a:r>
                     </a:p>
                     <a:p>
                       <a:r>
-                        <a:rPr lang="en-US" dirty="0" err="1" smtClean="0"/>
-                        <a:t>emp_key</a:t>
-                      </a:r>
-                      <a:r>
-                        <a:rPr lang="en-US" dirty="0" smtClean="0"/>
-                        <a:t> </a:t>
-                      </a:r>
-                      <a:r>
-                        <a:rPr lang="en-US" dirty="0" err="1" smtClean="0"/>
-                        <a:t>ekey</a:t>
-                      </a:r>
-                      <a:r>
-                        <a:rPr lang="en-US" dirty="0" smtClean="0"/>
-                        <a:t>; </a:t>
+                        <a:rPr lang="en-US" sz="1800" kern="1200" dirty="0" smtClean="0">
+                          <a:solidFill>
+                            <a:schemeClr val="dk1"/>
+                          </a:solidFill>
+                          <a:effectLst/>
+                          <a:latin typeface="+mn-lt"/>
+                          <a:ea typeface="+mn-ea"/>
+                          <a:cs typeface="+mn-cs"/>
+                        </a:rPr>
+                        <a:t>try { </a:t>
                       </a:r>
                     </a:p>
                     <a:p>
                       <a:r>
-                        <a:rPr lang="en-US" dirty="0" err="1" smtClean="0"/>
-                        <a:t>emp_key</a:t>
-                      </a:r>
-                      <a:r>
-                        <a:rPr lang="en-US" dirty="0" smtClean="0"/>
-                        <a:t> = 0010002; </a:t>
+                        <a:rPr lang="en-US" sz="1800" kern="1200" dirty="0" smtClean="0">
+                          <a:solidFill>
+                            <a:schemeClr val="dk1"/>
+                          </a:solidFill>
+                          <a:effectLst/>
+                          <a:latin typeface="+mn-lt"/>
+                          <a:ea typeface="+mn-ea"/>
+                          <a:cs typeface="+mn-cs"/>
+                        </a:rPr>
+                        <a:t>/* </a:t>
                       </a:r>
                     </a:p>
                     <a:p>
                       <a:r>
-                        <a:rPr lang="en-US" dirty="0" err="1" smtClean="0"/>
-                        <a:t>memset</a:t>
+                        <a:rPr lang="en-US" sz="1800" kern="1200" dirty="0" smtClean="0">
+                          <a:solidFill>
+                            <a:schemeClr val="dk1"/>
+                          </a:solidFill>
+                          <a:effectLst/>
+                          <a:latin typeface="+mn-lt"/>
+                          <a:ea typeface="+mn-ea"/>
+                          <a:cs typeface="+mn-cs"/>
+                        </a:rPr>
+                        <a:t>* Walk an </a:t>
                       </a:r>
                       <a:r>
-                        <a:rPr lang="en-US" dirty="0" smtClean="0"/>
-                        <a:t>(&amp;</a:t>
+                        <a:rPr lang="en-US" sz="1800" kern="1200" dirty="0" err="1" smtClean="0">
+                          <a:solidFill>
+                            <a:schemeClr val="dk1"/>
+                          </a:solidFill>
+                          <a:effectLst/>
+                          <a:latin typeface="+mn-lt"/>
+                          <a:ea typeface="+mn-ea"/>
+                          <a:cs typeface="+mn-cs"/>
+                        </a:rPr>
+                        <a:t>EntityCursor</a:t>
                       </a:r>
                       <a:r>
-                        <a:rPr lang="en-US" dirty="0" err="1" smtClean="0"/>
-                        <a:t>key_dbt</a:t>
-                      </a:r>
-                      <a:r>
-                        <a:rPr lang="en-US" dirty="0" smtClean="0"/>
-                        <a:t>, 0, </a:t>
-                      </a:r>
-                      <a:r>
-                        <a:rPr lang="en-US" dirty="0" err="1" smtClean="0"/>
-                        <a:t>sizeof</a:t>
-                      </a:r>
-                      <a:r>
-                        <a:rPr lang="en-US" dirty="0" smtClean="0"/>
-                        <a:t>(</a:t>
-                      </a:r>
-                      <a:r>
-                        <a:rPr lang="en-US" dirty="0" err="1" smtClean="0"/>
-                        <a:t>key_dbt</a:t>
-                      </a:r>
-                      <a:r>
-                        <a:rPr lang="en-US" dirty="0" smtClean="0"/>
-                        <a:t>));</a:t>
+                        <a:rPr lang="en-US" sz="1800" kern="1200" dirty="0" smtClean="0">
+                          <a:solidFill>
+                            <a:schemeClr val="dk1"/>
+                          </a:solidFill>
+                          <a:effectLst/>
+                          <a:latin typeface="+mn-lt"/>
+                          <a:ea typeface="+mn-ea"/>
+                          <a:cs typeface="+mn-cs"/>
+                        </a:rPr>
+                        <a:t> over the Department database. </a:t>
                       </a:r>
                     </a:p>
                     <a:p>
                       <a:r>
-                        <a:rPr lang="en-US" dirty="0" smtClean="0"/>
-                        <a:t> </a:t>
-                      </a:r>
-                      <a:r>
-                        <a:rPr lang="en-US" dirty="0" err="1" smtClean="0"/>
-                        <a:t>key_dbt.data</a:t>
-                      </a:r>
-                      <a:r>
-                        <a:rPr lang="en-US" dirty="0" smtClean="0"/>
-                        <a:t> = &amp;</a:t>
-                      </a:r>
-                      <a:r>
-                        <a:rPr lang="en-US" dirty="0" err="1" smtClean="0"/>
-                        <a:t>emp_key</a:t>
-                      </a:r>
-                      <a:r>
-                        <a:rPr lang="en-US" dirty="0" smtClean="0"/>
-                        <a:t>; </a:t>
+                        <a:rPr lang="en-US" sz="1800" kern="1200" dirty="0" smtClean="0">
+                          <a:solidFill>
+                            <a:schemeClr val="dk1"/>
+                          </a:solidFill>
+                          <a:effectLst/>
+                          <a:latin typeface="+mn-lt"/>
+                          <a:ea typeface="+mn-ea"/>
+                          <a:cs typeface="+mn-cs"/>
+                        </a:rPr>
+                        <a:t>*/ </a:t>
                       </a:r>
                     </a:p>
                     <a:p>
                       <a:r>
-                        <a:rPr lang="en-US" dirty="0" err="1" smtClean="0"/>
-                        <a:t>key_dbt.size</a:t>
+                        <a:rPr lang="en-US" sz="1800" kern="1200" dirty="0" smtClean="0">
+                          <a:solidFill>
+                            <a:schemeClr val="dk1"/>
+                          </a:solidFill>
+                          <a:effectLst/>
+                          <a:latin typeface="+mn-lt"/>
+                          <a:ea typeface="+mn-ea"/>
+                          <a:cs typeface="+mn-cs"/>
+                        </a:rPr>
+                        <a:t>for (Department </a:t>
                       </a:r>
                       <a:r>
-                        <a:rPr lang="en-US" dirty="0" smtClean="0"/>
-                        <a:t> = </a:t>
+                        <a:rPr lang="en-US" sz="1800" kern="1200" dirty="0" err="1" smtClean="0">
+                          <a:solidFill>
+                            <a:schemeClr val="dk1"/>
+                          </a:solidFill>
+                          <a:effectLst/>
+                          <a:latin typeface="+mn-lt"/>
+                          <a:ea typeface="+mn-ea"/>
+                          <a:cs typeface="+mn-cs"/>
+                        </a:rPr>
+                        <a:t>dept</a:t>
                       </a:r>
                       <a:r>
-                        <a:rPr lang="en-US" dirty="0" err="1" smtClean="0"/>
-                        <a:t>sizeof</a:t>
+                        <a:rPr lang="en-US" sz="1800" kern="1200" dirty="0" smtClean="0">
+                          <a:solidFill>
+                            <a:schemeClr val="dk1"/>
+                          </a:solidFill>
+                          <a:effectLst/>
+                          <a:latin typeface="+mn-lt"/>
+                          <a:ea typeface="+mn-ea"/>
+                          <a:cs typeface="+mn-cs"/>
+                        </a:rPr>
+                        <a:t> : </a:t>
                       </a:r>
                       <a:r>
-                        <a:rPr lang="en-US" dirty="0" smtClean="0"/>
+                        <a:rPr lang="en-US" sz="1800" kern="1200" dirty="0" err="1" smtClean="0">
+                          <a:solidFill>
+                            <a:schemeClr val="dk1"/>
+                          </a:solidFill>
+                          <a:effectLst/>
+                          <a:latin typeface="+mn-lt"/>
+                          <a:ea typeface="+mn-ea"/>
+                          <a:cs typeface="+mn-cs"/>
+                        </a:rPr>
+                        <a:t>deptCursor</a:t>
+                      </a:r>
+                      <a:r>
+                        <a:rPr lang="en-US" sz="1800" kern="1200" dirty="0" smtClean="0">
+                          <a:solidFill>
+                            <a:schemeClr val="dk1"/>
+                          </a:solidFill>
+                          <a:effectLst/>
+                          <a:latin typeface="+mn-lt"/>
+                          <a:ea typeface="+mn-ea"/>
+                          <a:cs typeface="+mn-cs"/>
+                        </a:rPr>
+                        <a:t>) { </a:t>
+                      </a:r>
+                    </a:p>
+                    <a:p>
+                      <a:r>
+                        <a:rPr lang="en-US" sz="1800" kern="1200" dirty="0" err="1" smtClean="0">
+                          <a:solidFill>
+                            <a:schemeClr val="dk1"/>
+                          </a:solidFill>
+                          <a:effectLst/>
+                          <a:latin typeface="+mn-lt"/>
+                          <a:ea typeface="+mn-ea"/>
+                          <a:cs typeface="+mn-cs"/>
+                        </a:rPr>
+                        <a:t>System.out.println</a:t>
+                      </a:r>
+                      <a:r>
+                        <a:rPr lang="en-US" sz="1800" kern="1200" dirty="0" smtClean="0">
+                          <a:solidFill>
+                            <a:schemeClr val="dk1"/>
+                          </a:solidFill>
+                          <a:effectLst/>
+                          <a:latin typeface="+mn-lt"/>
+                          <a:ea typeface="+mn-ea"/>
+                          <a:cs typeface="+mn-cs"/>
+                        </a:rPr>
                         <a:t>(</a:t>
                       </a:r>
                       <a:r>
-                        <a:rPr lang="en-US" dirty="0" err="1" smtClean="0"/>
-                        <a:t>emp_key</a:t>
+                        <a:rPr lang="en-US" sz="1800" kern="1200" dirty="0" err="1" smtClean="0">
+                          <a:solidFill>
+                            <a:schemeClr val="dk1"/>
+                          </a:solidFill>
+                          <a:effectLst/>
+                          <a:latin typeface="+mn-lt"/>
+                          <a:ea typeface="+mn-ea"/>
+                          <a:cs typeface="+mn-cs"/>
+                        </a:rPr>
+                        <a:t>dept</a:t>
                       </a:r>
                       <a:r>
-                        <a:rPr lang="en-US" dirty="0" smtClean="0"/>
+                        <a:rPr lang="en-US" sz="1800" kern="1200" dirty="0" smtClean="0">
+                          <a:solidFill>
+                            <a:schemeClr val="dk1"/>
+                          </a:solidFill>
+                          <a:effectLst/>
+                          <a:latin typeface="+mn-lt"/>
+                          <a:ea typeface="+mn-ea"/>
+                          <a:cs typeface="+mn-cs"/>
+                        </a:rPr>
                         <a:t>); </a:t>
                       </a:r>
                     </a:p>
                     <a:p>
                       <a:r>
-                        <a:rPr lang="en-US" dirty="0" err="1" smtClean="0"/>
-                        <a:t>memset</a:t>
-                      </a:r>
-                      <a:r>
-                        <a:rPr lang="en-US" dirty="0" smtClean="0"/>
-                        <a:t>(&amp;</a:t>
-                      </a:r>
-                      <a:r>
-                        <a:rPr lang="en-US" dirty="0" err="1" smtClean="0"/>
-                        <a:t>data_dbt</a:t>
-                      </a:r>
-                      <a:r>
-                        <a:rPr lang="en-US" dirty="0" smtClean="0"/>
-                        <a:t>, 0, </a:t>
-                      </a:r>
-                      <a:r>
-                        <a:rPr lang="en-US" dirty="0" err="1" smtClean="0"/>
-                        <a:t>sizeof</a:t>
-                      </a:r>
-                      <a:r>
-                        <a:rPr lang="en-US" dirty="0" smtClean="0"/>
-                        <a:t>(</a:t>
-                      </a:r>
-                      <a:r>
-                        <a:rPr lang="en-US" dirty="0" err="1" smtClean="0"/>
-                        <a:t>data_dbt</a:t>
-                      </a:r>
-                      <a:r>
-                        <a:rPr lang="en-US" dirty="0" smtClean="0"/>
-                        <a:t>)); </a:t>
+                        <a:rPr lang="en-US" sz="1800" kern="1200" dirty="0" smtClean="0">
+                          <a:solidFill>
+                            <a:schemeClr val="dk1"/>
+                          </a:solidFill>
+                          <a:effectLst/>
+                          <a:latin typeface="+mn-lt"/>
+                          <a:ea typeface="+mn-ea"/>
+                          <a:cs typeface="+mn-cs"/>
+                        </a:rPr>
+                        <a:t>} </a:t>
                       </a:r>
                     </a:p>
                     <a:p>
                       <a:r>
-                        <a:rPr lang="en-US" dirty="0" err="1" smtClean="0"/>
-                        <a:t>dbc</a:t>
+                        <a:rPr lang="en-US" sz="1800" kern="1200" dirty="0" err="1" smtClean="0">
+                          <a:solidFill>
+                            <a:schemeClr val="dk1"/>
+                          </a:solidFill>
+                          <a:effectLst/>
+                          <a:latin typeface="+mn-lt"/>
+                          <a:ea typeface="+mn-ea"/>
+                          <a:cs typeface="+mn-cs"/>
+                        </a:rPr>
+                        <a:t>System.out.println</a:t>
                       </a:r>
                       <a:r>
-                        <a:rPr lang="en-US" dirty="0" smtClean="0"/>
-                        <a:t>-&gt;</a:t>
+                        <a:rPr lang="en-US" sz="1800" kern="1200" dirty="0" smtClean="0">
+                          <a:solidFill>
+                            <a:schemeClr val="dk1"/>
+                          </a:solidFill>
+                          <a:effectLst/>
+                          <a:latin typeface="+mn-lt"/>
+                          <a:ea typeface="+mn-ea"/>
+                          <a:cs typeface="+mn-cs"/>
+                        </a:rPr>
+                        <a:t>(); </a:t>
+                      </a:r>
+                    </a:p>
+                    <a:p>
+                      <a:r>
+                        <a:rPr lang="en-US" sz="1800" kern="1200" dirty="0" smtClean="0">
+                          <a:solidFill>
+                            <a:schemeClr val="dk1"/>
+                          </a:solidFill>
+                          <a:effectLst/>
+                          <a:latin typeface="+mn-lt"/>
+                          <a:ea typeface="+mn-ea"/>
+                          <a:cs typeface="+mn-cs"/>
+                        </a:rPr>
+                        <a:t>} finally { </a:t>
+                      </a:r>
+                    </a:p>
+                    <a:p>
+                      <a:r>
+                        <a:rPr lang="en-US" sz="1800" kern="1200" dirty="0" err="1" smtClean="0">
+                          <a:solidFill>
+                            <a:schemeClr val="dk1"/>
+                          </a:solidFill>
+                          <a:effectLst/>
+                          <a:latin typeface="+mn-lt"/>
+                          <a:ea typeface="+mn-ea"/>
+                          <a:cs typeface="+mn-cs"/>
+                        </a:rPr>
+                        <a:t>deptCursor.close</a:t>
                       </a:r>
                       <a:r>
-                        <a:rPr lang="en-US" dirty="0" err="1" smtClean="0"/>
-                        <a:t>c_get</a:t>
+                        <a:rPr lang="en-US" sz="1800" kern="1200" dirty="0" smtClean="0">
+                          <a:solidFill>
+                            <a:schemeClr val="dk1"/>
+                          </a:solidFill>
+                          <a:effectLst/>
+                          <a:latin typeface="+mn-lt"/>
+                          <a:ea typeface="+mn-ea"/>
+                          <a:cs typeface="+mn-cs"/>
+                        </a:rPr>
+                        <a:t>(); </a:t>
                       </a:r>
+                    </a:p>
+                    <a:p>
                       <a:r>
-                        <a:rPr lang="en-US" dirty="0" smtClean="0"/>
-                        <a:t>(</a:t>
+                        <a:rPr lang="en-US" sz="1800" kern="1200" dirty="0" smtClean="0">
+                          <a:solidFill>
+                            <a:schemeClr val="dk1"/>
+                          </a:solidFill>
+                          <a:effectLst/>
+                          <a:latin typeface="+mn-lt"/>
+                          <a:ea typeface="+mn-ea"/>
+                          <a:cs typeface="+mn-cs"/>
+                        </a:rPr>
+                        <a:t>} </a:t>
                       </a:r>
-                      <a:r>
-                        <a:rPr lang="en-US" dirty="0" err="1" smtClean="0"/>
-                        <a:t>dbc</a:t>
-                      </a:r>
-                      <a:r>
-                        <a:rPr lang="en-US" dirty="0" smtClean="0"/>
-                        <a:t>, &amp;</a:t>
-                      </a:r>
-                      <a:r>
-                        <a:rPr lang="en-US" dirty="0" err="1" smtClean="0"/>
-                        <a:t>key_dbt</a:t>
-                      </a:r>
-                      <a:r>
-                        <a:rPr lang="en-US" dirty="0" smtClean="0"/>
-                        <a:t>, &amp;</a:t>
-                      </a:r>
-                      <a:r>
-                        <a:rPr lang="en-US" dirty="0" err="1" smtClean="0"/>
-                        <a:t>data_dbt</a:t>
-                      </a:r>
-                      <a:r>
-                        <a:rPr lang="en-US" dirty="0" smtClean="0"/>
-                        <a:t>, DB_SET);</a:t>
-                      </a:r>
+                    </a:p>
+                    <a:p>
                       <a:endParaRPr lang="fr-FR" dirty="0"/>
                     </a:p>
                   </a:txBody>
-                  <a:tcPr/>
+                  <a:tcPr>
+                    <a:solidFill>
+                      <a:schemeClr val="bg2">
+                        <a:lumMod val="40000"/>
+                        <a:lumOff val="60000"/>
+                      </a:schemeClr>
+                    </a:solidFill>
+                  </a:tcPr>
                 </a:tc>
               </a:tr>
             </a:tbl>
@@ -12172,11 +12648,16 @@
           </p:cNvGraphicFramePr>
           <p:nvPr>
             <p:ph idx="1"/>
+            <p:extLst>
+              <p:ext uri="{D42A27DB-BD31-4B8C-83A1-F6EECF244321}">
+                <p14:modId xmlns:p14="http://schemas.microsoft.com/office/powerpoint/2010/main" val="3929451834"/>
+              </p:ext>
+            </p:extLst>
           </p:nvPr>
         </p:nvGraphicFramePr>
         <p:xfrm>
           <a:off x="395536" y="1554480"/>
-          <a:ext cx="8229600" cy="4536504"/>
+          <a:ext cx="8229600" cy="4682832"/>
         </p:xfrm>
         <a:graphic>
           <a:graphicData uri="http://schemas.openxmlformats.org/drawingml/2006/table">
@@ -12188,17 +12669,71 @@
                 <a:gridCol w="2016224"/>
                 <a:gridCol w="6213376"/>
               </a:tblGrid>
-              <a:tr h="4536504">
+              <a:tr h="2018536">
                 <a:tc>
                   <a:txBody>
                     <a:bodyPr/>
                     <a:lstStyle/>
                     <a:p>
                       <a:r>
-                        <a:rPr lang="en-US" dirty="0" smtClean="0"/>
-                        <a:t>DELETE FROM employees WHERE id= 0010002</a:t>
+                        <a:rPr lang="en-US" sz="1800" b="1" kern="1200" dirty="0" smtClean="0">
+                          <a:solidFill>
+                            <a:schemeClr val="lt1"/>
+                          </a:solidFill>
+                          <a:effectLst/>
+                          <a:latin typeface="+mn-lt"/>
+                          <a:ea typeface="+mn-ea"/>
+                          <a:cs typeface="+mn-cs"/>
+                        </a:rPr>
+                        <a:t>SELECT * FROM employee </a:t>
                       </a:r>
-                      <a:endParaRPr lang="fr-FR" dirty="0"/>
+                    </a:p>
+                    <a:p>
+                      <a:r>
+                        <a:rPr lang="en-US" sz="1800" b="1" kern="1200" dirty="0" smtClean="0">
+                          <a:solidFill>
+                            <a:schemeClr val="lt1"/>
+                          </a:solidFill>
+                          <a:effectLst/>
+                          <a:latin typeface="+mn-lt"/>
+                          <a:ea typeface="+mn-ea"/>
+                          <a:cs typeface="+mn-cs"/>
+                        </a:rPr>
+                        <a:t>* WHERE </a:t>
+                      </a:r>
+                      <a:r>
+                        <a:rPr lang="en-US" sz="1800" b="1" kern="1200" dirty="0" err="1" smtClean="0">
+                          <a:solidFill>
+                            <a:schemeClr val="lt1"/>
+                          </a:solidFill>
+                          <a:effectLst/>
+                          <a:latin typeface="+mn-lt"/>
+                          <a:ea typeface="+mn-ea"/>
+                          <a:cs typeface="+mn-cs"/>
+                        </a:rPr>
+                        <a:t>employeeName</a:t>
+                      </a:r>
+                      <a:r>
+                        <a:rPr lang="en-US" sz="1800" b="1" kern="1200" dirty="0" smtClean="0">
+                          <a:solidFill>
+                            <a:schemeClr val="lt1"/>
+                          </a:solidFill>
+                          <a:effectLst/>
+                          <a:latin typeface="+mn-lt"/>
+                          <a:ea typeface="+mn-ea"/>
+                          <a:cs typeface="+mn-cs"/>
+                        </a:rPr>
+                        <a:t> LIKE 'prefix%'; </a:t>
+                      </a:r>
+                      <a:endParaRPr lang="en-US" sz="1800" b="1" kern="1200" dirty="0">
+                        <a:solidFill>
+                          <a:schemeClr val="lt1"/>
+                        </a:solidFill>
+                        <a:effectLst/>
+                        <a:latin typeface="+mn-lt"/>
+                        <a:ea typeface="+mn-ea"/>
+                        <a:cs typeface="+mn-cs"/>
+                      </a:endParaRPr>
                     </a:p>
                   </a:txBody>
                   <a:tcPr/>
@@ -12209,163 +12744,472 @@
                     <a:lstStyle/>
                     <a:p>
                       <a:r>
-                        <a:rPr lang="fr-FR" dirty="0" smtClean="0"/>
-                        <a:t>DBT </a:t>
+                        <a:rPr lang="en-US" sz="1800" b="1" kern="1200" dirty="0" smtClean="0">
+                          <a:solidFill>
+                            <a:schemeClr val="lt1"/>
+                          </a:solidFill>
+                          <a:effectLst/>
+                          <a:latin typeface="+mn-lt"/>
+                          <a:ea typeface="+mn-ea"/>
+                          <a:cs typeface="+mn-cs"/>
+                        </a:rPr>
+                        <a:t>char[] ca = </a:t>
                       </a:r>
                       <a:r>
-                        <a:rPr lang="fr-FR" dirty="0" err="1" smtClean="0"/>
-                        <a:t>key_dbt</a:t>
+                        <a:rPr lang="en-US" sz="1800" b="1" kern="1200" dirty="0" err="1" smtClean="0">
+                          <a:solidFill>
+                            <a:schemeClr val="lt1"/>
+                          </a:solidFill>
+                          <a:effectLst/>
+                          <a:latin typeface="+mn-lt"/>
+                          <a:ea typeface="+mn-ea"/>
+                          <a:cs typeface="+mn-cs"/>
+                        </a:rPr>
+                        <a:t>prefix.toCharArray</a:t>
                       </a:r>
                       <a:r>
-                        <a:rPr lang="fr-FR" smtClean="0"/>
-                        <a:t>; </a:t>
-                      </a:r>
-                      <a:r>
-                        <a:rPr lang="fr-FR" dirty="0" err="1" smtClean="0"/>
-                        <a:t>emp_key</a:t>
-                      </a:r>
-                      <a:r>
-                        <a:rPr lang="fr-FR" dirty="0" smtClean="0"/>
-                        <a:t> </a:t>
-                      </a:r>
-                      <a:r>
-                        <a:rPr lang="fr-FR" dirty="0" err="1" smtClean="0"/>
-                        <a:t>ekey</a:t>
-                      </a:r>
-                      <a:r>
-                        <a:rPr lang="fr-FR" dirty="0" smtClean="0"/>
-                        <a:t>;</a:t>
+                        <a:rPr lang="en-US" sz="1800" b="1" kern="1200" dirty="0" smtClean="0">
+                          <a:solidFill>
+                            <a:schemeClr val="lt1"/>
+                          </a:solidFill>
+                          <a:effectLst/>
+                          <a:latin typeface="+mn-lt"/>
+                          <a:ea typeface="+mn-ea"/>
+                          <a:cs typeface="+mn-cs"/>
+                        </a:rPr>
+                        <a:t>(); </a:t>
                       </a:r>
                     </a:p>
                     <a:p>
                       <a:r>
-                        <a:rPr lang="fr-FR" dirty="0" smtClean="0"/>
+                        <a:rPr lang="en-US" sz="1800" b="1" kern="1200" dirty="0" smtClean="0">
+                          <a:solidFill>
+                            <a:schemeClr val="lt1"/>
+                          </a:solidFill>
+                          <a:effectLst/>
+                          <a:latin typeface="+mn-lt"/>
+                          <a:ea typeface="+mn-ea"/>
+                          <a:cs typeface="+mn-cs"/>
+                        </a:rPr>
+                        <a:t>final </a:t>
+                      </a:r>
+                      <a:r>
+                        <a:rPr lang="en-US" sz="1800" b="1" kern="1200" dirty="0" err="1" smtClean="0">
+                          <a:solidFill>
+                            <a:schemeClr val="lt1"/>
+                          </a:solidFill>
+                          <a:effectLst/>
+                          <a:latin typeface="+mn-lt"/>
+                          <a:ea typeface="+mn-ea"/>
+                          <a:cs typeface="+mn-cs"/>
+                        </a:rPr>
+                        <a:t>int</a:t>
+                      </a:r>
+                      <a:r>
+                        <a:rPr lang="en-US" sz="1800" b="1" kern="1200" dirty="0" smtClean="0">
+                          <a:solidFill>
+                            <a:schemeClr val="lt1"/>
+                          </a:solidFill>
+                          <a:effectLst/>
+                          <a:latin typeface="+mn-lt"/>
+                          <a:ea typeface="+mn-ea"/>
+                          <a:cs typeface="+mn-cs"/>
+                        </a:rPr>
                         <a:t> </a:t>
                       </a:r>
                       <a:r>
-                        <a:rPr lang="fr-FR" dirty="0" err="1" smtClean="0"/>
-                        <a:t>ekey</a:t>
+                        <a:rPr lang="en-US" sz="1800" b="1" kern="1200" dirty="0" err="1" smtClean="0">
+                          <a:solidFill>
+                            <a:schemeClr val="lt1"/>
+                          </a:solidFill>
+                          <a:effectLst/>
+                          <a:latin typeface="+mn-lt"/>
+                          <a:ea typeface="+mn-ea"/>
+                          <a:cs typeface="+mn-cs"/>
+                        </a:rPr>
+                        <a:t>lastCharIndex</a:t>
                       </a:r>
                       <a:r>
-                        <a:rPr lang="fr-FR" dirty="0" smtClean="0"/>
-                        <a:t> = 0010002; </a:t>
+                        <a:rPr lang="en-US" sz="1800" b="1" kern="1200" dirty="0" smtClean="0">
+                          <a:solidFill>
+                            <a:schemeClr val="lt1"/>
+                          </a:solidFill>
+                          <a:effectLst/>
+                          <a:latin typeface="+mn-lt"/>
+                          <a:ea typeface="+mn-ea"/>
+                          <a:cs typeface="+mn-cs"/>
+                        </a:rPr>
+                        <a:t> = </a:t>
+                      </a:r>
+                      <a:r>
+                        <a:rPr lang="en-US" sz="1800" b="1" kern="1200" dirty="0" err="1" smtClean="0">
+                          <a:solidFill>
+                            <a:schemeClr val="lt1"/>
+                          </a:solidFill>
+                          <a:effectLst/>
+                          <a:latin typeface="+mn-lt"/>
+                          <a:ea typeface="+mn-ea"/>
+                          <a:cs typeface="+mn-cs"/>
+                        </a:rPr>
+                        <a:t>ca.length</a:t>
+                      </a:r>
+                      <a:r>
+                        <a:rPr lang="en-US" sz="1800" b="1" kern="1200" dirty="0" smtClean="0">
+                          <a:solidFill>
+                            <a:schemeClr val="lt1"/>
+                          </a:solidFill>
+                          <a:effectLst/>
+                          <a:latin typeface="+mn-lt"/>
+                          <a:ea typeface="+mn-ea"/>
+                          <a:cs typeface="+mn-cs"/>
+                        </a:rPr>
+                        <a:t> - 1; </a:t>
                       </a:r>
                     </a:p>
                     <a:p>
                       <a:r>
-                        <a:rPr lang="fr-FR" dirty="0" err="1" smtClean="0"/>
-                        <a:t>memset</a:t>
+                        <a:rPr lang="en-US" sz="1800" b="1" kern="1200" dirty="0" smtClean="0">
+                          <a:solidFill>
+                            <a:schemeClr val="lt1"/>
+                          </a:solidFill>
+                          <a:effectLst/>
+                          <a:latin typeface="+mn-lt"/>
+                          <a:ea typeface="+mn-ea"/>
+                          <a:cs typeface="+mn-cs"/>
+                        </a:rPr>
+                        <a:t>ca[</a:t>
                       </a:r>
                       <a:r>
-                        <a:rPr lang="fr-FR" dirty="0" smtClean="0"/>
-                        <a:t>(&amp;</a:t>
+                        <a:rPr lang="en-US" sz="1800" b="1" kern="1200" dirty="0" err="1" smtClean="0">
+                          <a:solidFill>
+                            <a:schemeClr val="lt1"/>
+                          </a:solidFill>
+                          <a:effectLst/>
+                          <a:latin typeface="+mn-lt"/>
+                          <a:ea typeface="+mn-ea"/>
+                          <a:cs typeface="+mn-cs"/>
+                        </a:rPr>
+                        <a:t>lastCharIndex</a:t>
                       </a:r>
                       <a:r>
-                        <a:rPr lang="fr-FR" dirty="0" err="1" smtClean="0"/>
-                        <a:t>key_dbt</a:t>
-                      </a:r>
-                      <a:r>
-                        <a:rPr lang="fr-FR" dirty="0" smtClean="0"/>
-                        <a:t>, 0, </a:t>
-                      </a:r>
-                      <a:r>
-                        <a:rPr lang="fr-FR" dirty="0" err="1" smtClean="0"/>
-                        <a:t>sizeof</a:t>
-                      </a:r>
-                      <a:r>
-                        <a:rPr lang="fr-FR" dirty="0" smtClean="0"/>
-                        <a:t>(</a:t>
-                      </a:r>
-                      <a:r>
-                        <a:rPr lang="fr-FR" dirty="0" err="1" smtClean="0"/>
-                        <a:t>key_dbt</a:t>
-                      </a:r>
-                      <a:r>
-                        <a:rPr lang="fr-FR" dirty="0" smtClean="0"/>
-                        <a:t>)); </a:t>
+                        <a:rPr lang="en-US" sz="1800" b="1" kern="1200" dirty="0" smtClean="0">
+                          <a:solidFill>
+                            <a:schemeClr val="lt1"/>
+                          </a:solidFill>
+                          <a:effectLst/>
+                          <a:latin typeface="+mn-lt"/>
+                          <a:ea typeface="+mn-ea"/>
+                          <a:cs typeface="+mn-cs"/>
+                        </a:rPr>
+                        <a:t>]++; </a:t>
                       </a:r>
                     </a:p>
                     <a:p>
                       <a:r>
-                        <a:rPr lang="fr-FR" dirty="0" err="1" smtClean="0"/>
-                        <a:t>key_dbt.data</a:t>
+                        <a:rPr lang="en-US" sz="1800" b="1" kern="1200" dirty="0" smtClean="0">
+                          <a:solidFill>
+                            <a:schemeClr val="lt1"/>
+                          </a:solidFill>
+                          <a:effectLst/>
+                          <a:latin typeface="+mn-lt"/>
+                          <a:ea typeface="+mn-ea"/>
+                          <a:cs typeface="+mn-cs"/>
+                        </a:rPr>
+                        <a:t>return </a:t>
                       </a:r>
                       <a:r>
-                        <a:rPr lang="fr-FR" dirty="0" smtClean="0"/>
-                        <a:t> = &amp;</a:t>
+                        <a:rPr lang="en-US" sz="1800" b="1" kern="1200" dirty="0" err="1" smtClean="0">
+                          <a:solidFill>
+                            <a:schemeClr val="lt1"/>
+                          </a:solidFill>
+                          <a:effectLst/>
+                          <a:latin typeface="+mn-lt"/>
+                          <a:ea typeface="+mn-ea"/>
+                          <a:cs typeface="+mn-cs"/>
+                        </a:rPr>
+                        <a:t>employeeByName.entities</a:t>
                       </a:r>
                       <a:r>
-                        <a:rPr lang="fr-FR" dirty="0" err="1" smtClean="0"/>
-                        <a:t>ekey</a:t>
-                      </a:r>
-                      <a:r>
-                        <a:rPr lang="fr-FR" dirty="0" smtClean="0"/>
-                        <a:t>; </a:t>
+                        <a:rPr lang="en-US" sz="1800" b="1" kern="1200" dirty="0" smtClean="0">
+                          <a:solidFill>
+                            <a:schemeClr val="lt1"/>
+                          </a:solidFill>
+                          <a:effectLst/>
+                          <a:latin typeface="+mn-lt"/>
+                          <a:ea typeface="+mn-ea"/>
+                          <a:cs typeface="+mn-cs"/>
+                        </a:rPr>
+                        <a:t>(prefix, true, </a:t>
                       </a:r>
                     </a:p>
                     <a:p>
                       <a:r>
-                        <a:rPr lang="fr-FR" dirty="0" err="1" smtClean="0"/>
-                        <a:t>key_dbt.size</a:t>
+                        <a:rPr lang="en-US" sz="1800" b="1" kern="1200" dirty="0" err="1" smtClean="0">
+                          <a:solidFill>
+                            <a:schemeClr val="lt1"/>
+                          </a:solidFill>
+                          <a:effectLst/>
+                          <a:latin typeface="+mn-lt"/>
+                          <a:ea typeface="+mn-ea"/>
+                          <a:cs typeface="+mn-cs"/>
+                        </a:rPr>
+                        <a:t>String.valueOf</a:t>
                       </a:r>
+                      <a:endParaRPr lang="en-US" sz="1800" b="1" kern="1200" dirty="0" smtClean="0">
+                        <a:solidFill>
+                          <a:schemeClr val="lt1"/>
+                        </a:solidFill>
+                        <a:effectLst/>
+                        <a:latin typeface="+mn-lt"/>
+                        <a:ea typeface="+mn-ea"/>
+                        <a:cs typeface="+mn-cs"/>
+                      </a:endParaRPr>
+                    </a:p>
+                    <a:p>
                       <a:r>
-                        <a:rPr lang="fr-FR" dirty="0" smtClean="0"/>
-                        <a:t> = </a:t>
-                      </a:r>
-                      <a:r>
-                        <a:rPr lang="fr-FR" dirty="0" err="1" smtClean="0"/>
-                        <a:t>sizeof</a:t>
-                      </a:r>
-                      <a:r>
-                        <a:rPr lang="fr-FR" dirty="0" smtClean="0"/>
-                        <a:t>(</a:t>
-                      </a:r>
-                      <a:r>
-                        <a:rPr lang="fr-FR" dirty="0" err="1" smtClean="0"/>
-                        <a:t>ekey</a:t>
-                      </a:r>
-                      <a:r>
-                        <a:rPr lang="fr-FR" dirty="0" smtClean="0"/>
-                        <a:t>); </a:t>
+                        <a:rPr lang="en-US" sz="1800" b="1" kern="1200" dirty="0" smtClean="0">
+                          <a:solidFill>
+                            <a:schemeClr val="lt1"/>
+                          </a:solidFill>
+                          <a:effectLst/>
+                          <a:latin typeface="+mn-lt"/>
+                          <a:ea typeface="+mn-ea"/>
+                          <a:cs typeface="+mn-cs"/>
+                        </a:rPr>
+                        <a:t>(ca), </a:t>
                       </a:r>
                     </a:p>
                     <a:p>
                       <a:r>
-                        <a:rPr lang="fr-FR" dirty="0" err="1" smtClean="0"/>
-                        <a:t>dbp</a:t>
+                        <a:rPr lang="en-US" sz="1800" b="1" kern="1200" dirty="0" smtClean="0">
+                          <a:solidFill>
+                            <a:schemeClr val="lt1"/>
+                          </a:solidFill>
+                          <a:effectLst/>
+                          <a:latin typeface="+mn-lt"/>
+                          <a:ea typeface="+mn-ea"/>
+                          <a:cs typeface="+mn-cs"/>
+                        </a:rPr>
+                        <a:t>false); </a:t>
                       </a:r>
-                      <a:r>
-                        <a:rPr lang="fr-FR" dirty="0" smtClean="0"/>
-                        <a:t>-&gt;</a:t>
-                      </a:r>
-                      <a:r>
-                        <a:rPr lang="fr-FR" dirty="0" err="1" smtClean="0"/>
-                        <a:t>del</a:t>
-                      </a:r>
-                      <a:r>
-                        <a:rPr lang="fr-FR" dirty="0" smtClean="0"/>
-                        <a:t>(</a:t>
-                      </a:r>
-                      <a:r>
-                        <a:rPr lang="fr-FR" dirty="0" err="1" smtClean="0"/>
-                        <a:t>dbp</a:t>
-                      </a:r>
-                      <a:r>
-                        <a:rPr lang="fr-FR" dirty="0" smtClean="0"/>
-                        <a:t>, NULL, &amp;</a:t>
-                      </a:r>
-                      <a:r>
-                        <a:rPr lang="fr-FR" dirty="0" err="1" smtClean="0"/>
-                        <a:t>key_dbt</a:t>
-                      </a:r>
-                      <a:r>
-                        <a:rPr lang="fr-FR" dirty="0" smtClean="0"/>
-                        <a:t>, 0);</a:t>
-                      </a:r>
+                    </a:p>
+                    <a:p>
                       <a:endParaRPr lang="fr-FR" dirty="0"/>
                     </a:p>
                   </a:txBody>
                   <a:tcPr/>
+                </a:tc>
+              </a:tr>
+              <a:tr h="2396832">
+                <a:tc>
+                  <a:txBody>
+                    <a:bodyPr/>
+                    <a:lstStyle/>
+                    <a:p>
+                      <a:r>
+                        <a:rPr lang="en-US" sz="1800" kern="1200" dirty="0" smtClean="0">
+                          <a:solidFill>
+                            <a:schemeClr val="dk1"/>
+                          </a:solidFill>
+                          <a:effectLst/>
+                          <a:latin typeface="+mn-lt"/>
+                          <a:ea typeface="+mn-ea"/>
+                          <a:cs typeface="+mn-cs"/>
+                        </a:rPr>
+                        <a:t>SELECT * FROM employee </a:t>
+                      </a:r>
+                    </a:p>
+                    <a:p>
+                      <a:r>
+                        <a:rPr lang="en-US" sz="1800" kern="1200" dirty="0" smtClean="0">
+                          <a:solidFill>
+                            <a:schemeClr val="dk1"/>
+                          </a:solidFill>
+                          <a:effectLst/>
+                          <a:latin typeface="+mn-lt"/>
+                          <a:ea typeface="+mn-ea"/>
+                          <a:cs typeface="+mn-cs"/>
+                        </a:rPr>
+                        <a:t>* WHERE salary &gt;= 6000 AND salary &lt;= 8000; </a:t>
+                      </a:r>
+                    </a:p>
+                    <a:p>
+                      <a:endParaRPr lang="en-US" sz="1800" b="1" kern="1200" dirty="0">
+                        <a:solidFill>
+                          <a:schemeClr val="lt1"/>
+                        </a:solidFill>
+                        <a:effectLst/>
+                        <a:latin typeface="+mn-lt"/>
+                        <a:ea typeface="+mn-ea"/>
+                        <a:cs typeface="+mn-cs"/>
+                      </a:endParaRPr>
+                    </a:p>
+                  </a:txBody>
+                  <a:tcPr>
+                    <a:solidFill>
+                      <a:schemeClr val="bg2">
+                        <a:lumMod val="40000"/>
+                        <a:lumOff val="60000"/>
+                      </a:schemeClr>
+                    </a:solidFill>
+                  </a:tcPr>
+                </a:tc>
+                <a:tc>
+                  <a:txBody>
+                    <a:bodyPr/>
+                    <a:lstStyle/>
+                    <a:p>
+                      <a:r>
+                        <a:rPr lang="en-US" sz="1800" kern="1200" dirty="0" err="1" smtClean="0">
+                          <a:solidFill>
+                            <a:schemeClr val="dk1"/>
+                          </a:solidFill>
+                          <a:effectLst/>
+                          <a:latin typeface="+mn-lt"/>
+                          <a:ea typeface="+mn-ea"/>
+                          <a:cs typeface="+mn-cs"/>
+                        </a:rPr>
+                        <a:t>employeeBySalary.entities</a:t>
+                      </a:r>
+                      <a:r>
+                        <a:rPr lang="en-US" sz="1800" kern="1200" dirty="0" smtClean="0">
+                          <a:solidFill>
+                            <a:schemeClr val="dk1"/>
+                          </a:solidFill>
+                          <a:effectLst/>
+                          <a:latin typeface="+mn-lt"/>
+                          <a:ea typeface="+mn-ea"/>
+                          <a:cs typeface="+mn-cs"/>
+                        </a:rPr>
+                        <a:t>(new Float(6000), //</a:t>
+                      </a:r>
+                      <a:r>
+                        <a:rPr lang="en-US" sz="1800" kern="1200" dirty="0" err="1" smtClean="0">
+                          <a:solidFill>
+                            <a:schemeClr val="dk1"/>
+                          </a:solidFill>
+                          <a:effectLst/>
+                          <a:latin typeface="+mn-lt"/>
+                          <a:ea typeface="+mn-ea"/>
+                          <a:cs typeface="+mn-cs"/>
+                        </a:rPr>
+                        <a:t>fromKey</a:t>
+                      </a:r>
+                      <a:r>
+                        <a:rPr lang="en-US" sz="1800" kern="1200" dirty="0" smtClean="0">
+                          <a:solidFill>
+                            <a:schemeClr val="dk1"/>
+                          </a:solidFill>
+                          <a:effectLst/>
+                          <a:latin typeface="+mn-lt"/>
+                          <a:ea typeface="+mn-ea"/>
+                          <a:cs typeface="+mn-cs"/>
+                        </a:rPr>
+                        <a:t> </a:t>
+                      </a:r>
+                    </a:p>
+                    <a:p>
+                      <a:r>
+                        <a:rPr lang="en-US" sz="1800" kern="1200" dirty="0" smtClean="0">
+                          <a:solidFill>
+                            <a:schemeClr val="dk1"/>
+                          </a:solidFill>
+                          <a:effectLst/>
+                          <a:latin typeface="+mn-lt"/>
+                          <a:ea typeface="+mn-ea"/>
+                          <a:cs typeface="+mn-cs"/>
+                        </a:rPr>
+                        <a:t>true, //</a:t>
+                      </a:r>
+                      <a:r>
+                        <a:rPr lang="en-US" sz="1800" kern="1200" dirty="0" err="1" smtClean="0">
+                          <a:solidFill>
+                            <a:schemeClr val="dk1"/>
+                          </a:solidFill>
+                          <a:effectLst/>
+                          <a:latin typeface="+mn-lt"/>
+                          <a:ea typeface="+mn-ea"/>
+                          <a:cs typeface="+mn-cs"/>
+                        </a:rPr>
+                        <a:t>fromInclusive</a:t>
+                      </a:r>
+                      <a:r>
+                        <a:rPr lang="en-US" sz="1800" kern="1200" dirty="0" smtClean="0">
+                          <a:solidFill>
+                            <a:schemeClr val="dk1"/>
+                          </a:solidFill>
+                          <a:effectLst/>
+                          <a:latin typeface="+mn-lt"/>
+                          <a:ea typeface="+mn-ea"/>
+                          <a:cs typeface="+mn-cs"/>
+                        </a:rPr>
+                        <a:t> </a:t>
+                      </a:r>
+                    </a:p>
+                    <a:p>
+                      <a:r>
+                        <a:rPr lang="en-US" sz="1800" kern="1200" dirty="0" smtClean="0">
+                          <a:solidFill>
+                            <a:schemeClr val="dk1"/>
+                          </a:solidFill>
+                          <a:effectLst/>
+                          <a:latin typeface="+mn-lt"/>
+                          <a:ea typeface="+mn-ea"/>
+                          <a:cs typeface="+mn-cs"/>
+                        </a:rPr>
+                        <a:t>new Float(8000), //</a:t>
+                      </a:r>
+                      <a:r>
+                        <a:rPr lang="en-US" sz="1800" kern="1200" dirty="0" err="1" smtClean="0">
+                          <a:solidFill>
+                            <a:schemeClr val="dk1"/>
+                          </a:solidFill>
+                          <a:effectLst/>
+                          <a:latin typeface="+mn-lt"/>
+                          <a:ea typeface="+mn-ea"/>
+                          <a:cs typeface="+mn-cs"/>
+                        </a:rPr>
+                        <a:t>toKey</a:t>
+                      </a:r>
+                      <a:r>
+                        <a:rPr lang="en-US" sz="1800" kern="1200" dirty="0" smtClean="0">
+                          <a:solidFill>
+                            <a:schemeClr val="dk1"/>
+                          </a:solidFill>
+                          <a:effectLst/>
+                          <a:latin typeface="+mn-lt"/>
+                          <a:ea typeface="+mn-ea"/>
+                          <a:cs typeface="+mn-cs"/>
+                        </a:rPr>
+                        <a:t> </a:t>
+                      </a:r>
+                    </a:p>
+                    <a:p>
+                      <a:r>
+                        <a:rPr lang="en-US" sz="1800" kern="1200" dirty="0" smtClean="0">
+                          <a:solidFill>
+                            <a:schemeClr val="dk1"/>
+                          </a:solidFill>
+                          <a:effectLst/>
+                          <a:latin typeface="+mn-lt"/>
+                          <a:ea typeface="+mn-ea"/>
+                          <a:cs typeface="+mn-cs"/>
+                        </a:rPr>
+                        <a:t>true); </a:t>
+                      </a:r>
+                    </a:p>
+                    <a:p>
+                      <a:endParaRPr lang="fr-FR" dirty="0"/>
+                    </a:p>
+                  </a:txBody>
+                  <a:tcPr>
+                    <a:solidFill>
+                      <a:schemeClr val="bg2">
+                        <a:lumMod val="40000"/>
+                        <a:lumOff val="60000"/>
+                      </a:schemeClr>
+                    </a:solidFill>
+                  </a:tcPr>
                 </a:tc>
               </a:tr>
             </a:tbl>
@@ -12440,98 +13284,764 @@
         </p:nvSpPr>
         <p:spPr/>
         <p:txBody>
-          <a:bodyPr/>
-          <a:lstStyle/>
-          <a:p>
-            <a:endParaRPr lang="fr-FR"/>
-          </a:p>
-        </p:txBody>
-      </p:sp>
-      <p:sp>
-        <p:nvSpPr>
-          <p:cNvPr id="3" name="Espace réservé du contenu 2"/>
-          <p:cNvSpPr>
-            <a:spLocks noGrp="1"/>
-          </p:cNvSpPr>
-          <p:nvPr>
-            <p:ph idx="1"/>
-          </p:nvPr>
-        </p:nvSpPr>
-        <p:spPr/>
-        <p:txBody>
           <a:bodyPr>
-            <a:normAutofit/>
+            <a:normAutofit fontScale="90000"/>
           </a:bodyPr>
           <a:lstStyle/>
           <a:p>
-            <a:pPr algn="ctr">
-              <a:buNone/>
-            </a:pPr>
-            <a:endParaRPr lang="fr-FR" sz="6000" dirty="0" smtClean="0">
-              <a:ln w="18415" cmpd="sng">
-                <a:solidFill>
-                  <a:srgbClr val="FFFFFF"/>
-                </a:solidFill>
-                <a:prstDash val="solid"/>
-              </a:ln>
-              <a:solidFill>
-                <a:srgbClr val="FFFFFF"/>
-              </a:solidFill>
-              <a:effectLst>
-                <a:outerShdw blurRad="63500" dir="3600000" algn="tl" rotWithShape="0">
-                  <a:srgbClr val="000000">
-                    <a:alpha val="70000"/>
-                  </a:srgbClr>
-                </a:outerShdw>
-              </a:effectLst>
-            </a:endParaRPr>
-          </a:p>
-          <a:p>
-            <a:pPr algn="ctr">
-              <a:buNone/>
-            </a:pPr>
-            <a:r>
-              <a:rPr lang="fr-FR" sz="6000" dirty="0" smtClean="0">
-                <a:ln w="18415" cmpd="sng">
-                  <a:solidFill>
-                    <a:srgbClr val="FFFFFF"/>
-                  </a:solidFill>
-                  <a:prstDash val="solid"/>
-                </a:ln>
-                <a:solidFill>
-                  <a:srgbClr val="FFFFFF"/>
-                </a:solidFill>
-                <a:effectLst>
-                  <a:outerShdw blurRad="63500" dir="3600000" algn="tl" rotWithShape="0">
-                    <a:srgbClr val="000000">
-                      <a:alpha val="70000"/>
-                    </a:srgbClr>
-                  </a:outerShdw>
-                </a:effectLst>
-              </a:rPr>
-              <a:t>Démonstration</a:t>
-            </a:r>
-            <a:endParaRPr lang="fr-FR" sz="6000" dirty="0">
-              <a:ln w="18415" cmpd="sng">
-                <a:solidFill>
-                  <a:srgbClr val="FFFFFF"/>
-                </a:solidFill>
-                <a:prstDash val="solid"/>
-              </a:ln>
-              <a:solidFill>
-                <a:srgbClr val="FFFFFF"/>
-              </a:solidFill>
-              <a:effectLst>
-                <a:outerShdw blurRad="63500" dir="3600000" algn="tl" rotWithShape="0">
-                  <a:srgbClr val="000000">
-                    <a:alpha val="70000"/>
-                  </a:srgbClr>
-                </a:outerShdw>
-              </a:effectLst>
-            </a:endParaRPr>
+            <a:r>
+              <a:rPr lang="fr-FR" dirty="0" smtClean="0"/>
+              <a:t>Comparaison entre SQL et BDB </a:t>
+            </a:r>
+            <a:r>
+              <a:rPr lang="fr-FR" dirty="0" err="1" smtClean="0"/>
+              <a:t>query</a:t>
+            </a:r>
+            <a:r>
+              <a:rPr lang="fr-FR" dirty="0" smtClean="0"/>
+              <a:t> </a:t>
+            </a:r>
+            <a:r>
+              <a:rPr lang="fr-FR" dirty="0" err="1" smtClean="0"/>
+              <a:t>language</a:t>
+            </a:r>
+            <a:endParaRPr lang="fr-FR" dirty="0"/>
           </a:p>
         </p:txBody>
       </p:sp>
+      <p:graphicFrame>
+        <p:nvGraphicFramePr>
+          <p:cNvPr id="5" name="Espace réservé du contenu 4"/>
+          <p:cNvGraphicFramePr>
+            <a:graphicFrameLocks noGrp="1"/>
+          </p:cNvGraphicFramePr>
+          <p:nvPr>
+            <p:ph idx="1"/>
+            <p:extLst>
+              <p:ext uri="{D42A27DB-BD31-4B8C-83A1-F6EECF244321}">
+                <p14:modId xmlns:p14="http://schemas.microsoft.com/office/powerpoint/2010/main" val="3232237089"/>
+              </p:ext>
+            </p:extLst>
+          </p:nvPr>
+        </p:nvGraphicFramePr>
+        <p:xfrm>
+          <a:off x="487829" y="1492362"/>
+          <a:ext cx="8229600" cy="4846320"/>
+        </p:xfrm>
+        <a:graphic>
+          <a:graphicData uri="http://schemas.openxmlformats.org/drawingml/2006/table">
+            <a:tbl>
+              <a:tblPr firstRow="1" bandRow="1">
+                <a:tableStyleId>{5C22544A-7EE6-4342-B048-85BDC9FD1C3A}</a:tableStyleId>
+              </a:tblPr>
+              <a:tblGrid>
+                <a:gridCol w="2644011"/>
+                <a:gridCol w="5585589"/>
+              </a:tblGrid>
+              <a:tr h="895131">
+                <a:tc>
+                  <a:txBody>
+                    <a:bodyPr/>
+                    <a:lstStyle/>
+                    <a:p>
+                      <a:r>
+                        <a:rPr lang="en-US" dirty="0" smtClean="0"/>
+                        <a:t>SELECT * FROM tab WHERE col1 = A AND col2 = B; </a:t>
+                      </a:r>
+                      <a:endParaRPr lang="en-US" sz="1800" b="1" kern="1200" dirty="0">
+                        <a:solidFill>
+                          <a:schemeClr val="lt1"/>
+                        </a:solidFill>
+                        <a:effectLst/>
+                        <a:latin typeface="+mn-lt"/>
+                        <a:ea typeface="+mn-ea"/>
+                        <a:cs typeface="+mn-cs"/>
+                      </a:endParaRPr>
+                    </a:p>
+                  </a:txBody>
+                  <a:tcPr/>
+                </a:tc>
+                <a:tc>
+                  <a:txBody>
+                    <a:bodyPr/>
+                    <a:lstStyle/>
+                    <a:p>
+                      <a:r>
+                        <a:rPr lang="en-US" sz="1800" b="1" kern="1200" dirty="0" err="1" smtClean="0">
+                          <a:solidFill>
+                            <a:schemeClr val="lt1"/>
+                          </a:solidFill>
+                          <a:effectLst/>
+                          <a:latin typeface="+mn-lt"/>
+                          <a:ea typeface="+mn-ea"/>
+                          <a:cs typeface="+mn-cs"/>
+                        </a:rPr>
+                        <a:t>addCondition</a:t>
+                      </a:r>
+                      <a:r>
+                        <a:rPr lang="en-US" sz="1800" b="1" kern="1200" dirty="0" smtClean="0">
+                          <a:solidFill>
+                            <a:schemeClr val="lt1"/>
+                          </a:solidFill>
+                          <a:effectLst/>
+                          <a:latin typeface="+mn-lt"/>
+                          <a:ea typeface="+mn-ea"/>
+                          <a:cs typeface="+mn-cs"/>
+                        </a:rPr>
+                        <a:t>(</a:t>
+                      </a:r>
+                      <a:r>
+                        <a:rPr lang="en-US" sz="1800" b="1" kern="1200" dirty="0" err="1" smtClean="0">
+                          <a:solidFill>
+                            <a:schemeClr val="lt1"/>
+                          </a:solidFill>
+                          <a:effectLst/>
+                          <a:latin typeface="+mn-lt"/>
+                          <a:ea typeface="+mn-ea"/>
+                          <a:cs typeface="+mn-cs"/>
+                        </a:rPr>
+                        <a:t>SecondaryIndex</a:t>
+                      </a:r>
+                      <a:r>
+                        <a:rPr lang="en-US" sz="1800" b="1" kern="1200" dirty="0" smtClean="0">
+                          <a:solidFill>
+                            <a:schemeClr val="lt1"/>
+                          </a:solidFill>
+                          <a:effectLst/>
+                          <a:latin typeface="+mn-lt"/>
+                          <a:ea typeface="+mn-ea"/>
+                          <a:cs typeface="+mn-cs"/>
+                        </a:rPr>
+                        <a:t>&lt;SK, PK, E&gt; index, SK key) </a:t>
+                      </a:r>
+                    </a:p>
+                    <a:p>
+                      <a:endParaRPr lang="fr-FR" dirty="0"/>
+                    </a:p>
+                  </a:txBody>
+                  <a:tcPr/>
+                </a:tc>
+              </a:tr>
+              <a:tr h="3777811">
+                <a:tc>
+                  <a:txBody>
+                    <a:bodyPr/>
+                    <a:lstStyle/>
+                    <a:p>
+                      <a:r>
+                        <a:rPr lang="en-US" sz="1800" kern="1200" dirty="0" smtClean="0">
+                          <a:solidFill>
+                            <a:schemeClr val="dk1"/>
+                          </a:solidFill>
+                          <a:effectLst/>
+                          <a:latin typeface="+mn-lt"/>
+                          <a:ea typeface="+mn-ea"/>
+                          <a:cs typeface="+mn-cs"/>
+                        </a:rPr>
+                        <a:t>SELECT * FROM employee e, department d </a:t>
+                      </a:r>
+                    </a:p>
+                    <a:p>
+                      <a:r>
+                        <a:rPr lang="en-US" sz="1800" kern="1200" dirty="0" smtClean="0">
+                          <a:solidFill>
+                            <a:schemeClr val="dk1"/>
+                          </a:solidFill>
+                          <a:effectLst/>
+                          <a:latin typeface="+mn-lt"/>
+                          <a:ea typeface="+mn-ea"/>
+                          <a:cs typeface="+mn-cs"/>
+                        </a:rPr>
+                        <a:t>WHERE </a:t>
+                      </a:r>
+                      <a:r>
+                        <a:rPr lang="en-US" sz="1800" kern="1200" dirty="0" err="1" smtClean="0">
+                          <a:solidFill>
+                            <a:schemeClr val="dk1"/>
+                          </a:solidFill>
+                          <a:effectLst/>
+                          <a:latin typeface="+mn-lt"/>
+                          <a:ea typeface="+mn-ea"/>
+                          <a:cs typeface="+mn-cs"/>
+                        </a:rPr>
+                        <a:t>e.departmentId</a:t>
+                      </a:r>
+                      <a:r>
+                        <a:rPr lang="en-US" sz="1800" kern="1200" dirty="0" smtClean="0">
+                          <a:solidFill>
+                            <a:schemeClr val="dk1"/>
+                          </a:solidFill>
+                          <a:effectLst/>
+                          <a:latin typeface="+mn-lt"/>
+                          <a:ea typeface="+mn-ea"/>
+                          <a:cs typeface="+mn-cs"/>
+                        </a:rPr>
+                        <a:t> = </a:t>
+                      </a:r>
+                      <a:r>
+                        <a:rPr lang="en-US" sz="1800" kern="1200" dirty="0" err="1" smtClean="0">
+                          <a:solidFill>
+                            <a:schemeClr val="dk1"/>
+                          </a:solidFill>
+                          <a:effectLst/>
+                          <a:latin typeface="+mn-lt"/>
+                          <a:ea typeface="+mn-ea"/>
+                          <a:cs typeface="+mn-cs"/>
+                        </a:rPr>
+                        <a:t>d.departmentId</a:t>
+                      </a:r>
+                      <a:r>
+                        <a:rPr lang="en-US" sz="1800" kern="1200" dirty="0" smtClean="0">
+                          <a:solidFill>
+                            <a:schemeClr val="dk1"/>
+                          </a:solidFill>
+                          <a:effectLst/>
+                          <a:latin typeface="+mn-lt"/>
+                          <a:ea typeface="+mn-ea"/>
+                          <a:cs typeface="+mn-cs"/>
+                        </a:rPr>
+                        <a:t> </a:t>
+                      </a:r>
+                    </a:p>
+                    <a:p>
+                      <a:r>
+                        <a:rPr lang="en-US" sz="1800" kern="1200" dirty="0" smtClean="0">
+                          <a:solidFill>
+                            <a:schemeClr val="dk1"/>
+                          </a:solidFill>
+                          <a:effectLst/>
+                          <a:latin typeface="+mn-lt"/>
+                          <a:ea typeface="+mn-ea"/>
+                          <a:cs typeface="+mn-cs"/>
+                        </a:rPr>
+                        <a:t>AND </a:t>
+                      </a:r>
+                      <a:r>
+                        <a:rPr lang="en-US" sz="1800" kern="1200" dirty="0" err="1" smtClean="0">
+                          <a:solidFill>
+                            <a:schemeClr val="dk1"/>
+                          </a:solidFill>
+                          <a:effectLst/>
+                          <a:latin typeface="+mn-lt"/>
+                          <a:ea typeface="+mn-ea"/>
+                          <a:cs typeface="+mn-cs"/>
+                        </a:rPr>
+                        <a:t>d.departmentName</a:t>
+                      </a:r>
+                      <a:r>
+                        <a:rPr lang="en-US" sz="1800" kern="1200" dirty="0" smtClean="0">
+                          <a:solidFill>
+                            <a:schemeClr val="dk1"/>
+                          </a:solidFill>
+                          <a:effectLst/>
+                          <a:latin typeface="+mn-lt"/>
+                          <a:ea typeface="+mn-ea"/>
+                          <a:cs typeface="+mn-cs"/>
+                        </a:rPr>
+                        <a:t> = '</a:t>
+                      </a:r>
+                      <a:r>
+                        <a:rPr lang="en-US" sz="1800" kern="1200" dirty="0" err="1" smtClean="0">
+                          <a:solidFill>
+                            <a:schemeClr val="dk1"/>
+                          </a:solidFill>
+                          <a:effectLst/>
+                          <a:latin typeface="+mn-lt"/>
+                          <a:ea typeface="+mn-ea"/>
+                          <a:cs typeface="+mn-cs"/>
+                        </a:rPr>
+                        <a:t>deptName</a:t>
+                      </a:r>
+                      <a:r>
+                        <a:rPr lang="en-US" sz="1800" kern="1200" dirty="0" smtClean="0">
+                          <a:solidFill>
+                            <a:schemeClr val="dk1"/>
+                          </a:solidFill>
+                          <a:effectLst/>
+                          <a:latin typeface="+mn-lt"/>
+                          <a:ea typeface="+mn-ea"/>
+                          <a:cs typeface="+mn-cs"/>
+                        </a:rPr>
+                        <a:t>'; </a:t>
+                      </a:r>
+                    </a:p>
+                    <a:p>
+                      <a:endParaRPr lang="en-US" sz="1800" b="1" kern="1200" dirty="0">
+                        <a:solidFill>
+                          <a:schemeClr val="lt1"/>
+                        </a:solidFill>
+                        <a:effectLst/>
+                        <a:latin typeface="+mn-lt"/>
+                        <a:ea typeface="+mn-ea"/>
+                        <a:cs typeface="+mn-cs"/>
+                      </a:endParaRPr>
+                    </a:p>
+                  </a:txBody>
+                  <a:tcPr>
+                    <a:solidFill>
+                      <a:schemeClr val="bg2">
+                        <a:lumMod val="40000"/>
+                        <a:lumOff val="60000"/>
+                      </a:schemeClr>
+                    </a:solidFill>
+                  </a:tcPr>
+                </a:tc>
+                <a:tc>
+                  <a:txBody>
+                    <a:bodyPr/>
+                    <a:lstStyle/>
+                    <a:p>
+                      <a:r>
+                        <a:rPr lang="en-US" sz="1800" kern="1200" dirty="0" smtClean="0">
+                          <a:solidFill>
+                            <a:schemeClr val="dk1"/>
+                          </a:solidFill>
+                          <a:effectLst/>
+                          <a:latin typeface="+mn-lt"/>
+                          <a:ea typeface="+mn-ea"/>
+                          <a:cs typeface="+mn-cs"/>
+                        </a:rPr>
+                        <a:t>Department </a:t>
+                      </a:r>
+                      <a:r>
+                        <a:rPr lang="en-US" sz="1800" kern="1200" dirty="0" err="1" smtClean="0">
+                          <a:solidFill>
+                            <a:schemeClr val="dk1"/>
+                          </a:solidFill>
+                          <a:effectLst/>
+                          <a:latin typeface="+mn-lt"/>
+                          <a:ea typeface="+mn-ea"/>
+                          <a:cs typeface="+mn-cs"/>
+                        </a:rPr>
+                        <a:t>dept</a:t>
+                      </a:r>
+                      <a:r>
+                        <a:rPr lang="en-US" sz="1800" kern="1200" dirty="0" smtClean="0">
+                          <a:solidFill>
+                            <a:schemeClr val="dk1"/>
+                          </a:solidFill>
+                          <a:effectLst/>
+                          <a:latin typeface="+mn-lt"/>
+                          <a:ea typeface="+mn-ea"/>
+                          <a:cs typeface="+mn-cs"/>
+                        </a:rPr>
+                        <a:t> = </a:t>
+                      </a:r>
+                      <a:r>
+                        <a:rPr lang="en-US" sz="1800" kern="1200" dirty="0" err="1" smtClean="0">
+                          <a:solidFill>
+                            <a:schemeClr val="dk1"/>
+                          </a:solidFill>
+                          <a:effectLst/>
+                          <a:latin typeface="+mn-lt"/>
+                          <a:ea typeface="+mn-ea"/>
+                          <a:cs typeface="+mn-cs"/>
+                        </a:rPr>
+                        <a:t>departmentByName.get</a:t>
+                      </a:r>
+                      <a:r>
+                        <a:rPr lang="en-US" sz="1800" kern="1200" dirty="0" smtClean="0">
+                          <a:solidFill>
+                            <a:schemeClr val="dk1"/>
+                          </a:solidFill>
+                          <a:effectLst/>
+                          <a:latin typeface="+mn-lt"/>
+                          <a:ea typeface="+mn-ea"/>
+                          <a:cs typeface="+mn-cs"/>
+                        </a:rPr>
+                        <a:t>(</a:t>
+                      </a:r>
+                      <a:r>
+                        <a:rPr lang="en-US" sz="1800" kern="1200" dirty="0" err="1" smtClean="0">
+                          <a:solidFill>
+                            <a:schemeClr val="dk1"/>
+                          </a:solidFill>
+                          <a:effectLst/>
+                          <a:latin typeface="+mn-lt"/>
+                          <a:ea typeface="+mn-ea"/>
+                          <a:cs typeface="+mn-cs"/>
+                        </a:rPr>
+                        <a:t>deptName</a:t>
+                      </a:r>
+                      <a:r>
+                        <a:rPr lang="en-US" sz="1800" kern="1200" dirty="0" smtClean="0">
+                          <a:solidFill>
+                            <a:schemeClr val="dk1"/>
+                          </a:solidFill>
+                          <a:effectLst/>
+                          <a:latin typeface="+mn-lt"/>
+                          <a:ea typeface="+mn-ea"/>
+                          <a:cs typeface="+mn-cs"/>
+                        </a:rPr>
+                        <a:t>); </a:t>
+                      </a:r>
+                    </a:p>
+                    <a:p>
+                      <a:r>
+                        <a:rPr lang="en-US" sz="1800" kern="1200" dirty="0" err="1" smtClean="0">
+                          <a:solidFill>
+                            <a:schemeClr val="dk1"/>
+                          </a:solidFill>
+                          <a:effectLst/>
+                          <a:latin typeface="+mn-lt"/>
+                          <a:ea typeface="+mn-ea"/>
+                          <a:cs typeface="+mn-cs"/>
+                        </a:rPr>
+                        <a:t>EntityCursor</a:t>
+                      </a:r>
+                      <a:r>
+                        <a:rPr lang="en-US" sz="1800" kern="1200" dirty="0" smtClean="0">
+                          <a:solidFill>
+                            <a:schemeClr val="dk1"/>
+                          </a:solidFill>
+                          <a:effectLst/>
+                          <a:latin typeface="+mn-lt"/>
+                          <a:ea typeface="+mn-ea"/>
+                          <a:cs typeface="+mn-cs"/>
+                        </a:rPr>
+                        <a:t>&lt;Employee&gt; </a:t>
+                      </a:r>
+                      <a:r>
+                        <a:rPr lang="en-US" sz="1800" kern="1200" dirty="0" err="1" smtClean="0">
+                          <a:solidFill>
+                            <a:schemeClr val="dk1"/>
+                          </a:solidFill>
+                          <a:effectLst/>
+                          <a:latin typeface="+mn-lt"/>
+                          <a:ea typeface="+mn-ea"/>
+                          <a:cs typeface="+mn-cs"/>
+                        </a:rPr>
+                        <a:t>empCursor</a:t>
+                      </a:r>
+                      <a:r>
+                        <a:rPr lang="en-US" sz="1800" kern="1200" dirty="0" smtClean="0">
+                          <a:solidFill>
+                            <a:schemeClr val="dk1"/>
+                          </a:solidFill>
+                          <a:effectLst/>
+                          <a:latin typeface="+mn-lt"/>
+                          <a:ea typeface="+mn-ea"/>
+                          <a:cs typeface="+mn-cs"/>
+                        </a:rPr>
+                        <a:t> = </a:t>
+                      </a:r>
+                    </a:p>
+                    <a:p>
+                      <a:r>
+                        <a:rPr lang="en-US" sz="1800" kern="1200" dirty="0" err="1" smtClean="0">
+                          <a:solidFill>
+                            <a:schemeClr val="dk1"/>
+                          </a:solidFill>
+                          <a:effectLst/>
+                          <a:latin typeface="+mn-lt"/>
+                          <a:ea typeface="+mn-ea"/>
+                          <a:cs typeface="+mn-cs"/>
+                        </a:rPr>
+                        <a:t>employeeByDepartmentId</a:t>
+                      </a:r>
+                      <a:r>
+                        <a:rPr lang="en-US" sz="1800" kern="1200" dirty="0" smtClean="0">
+                          <a:solidFill>
+                            <a:schemeClr val="dk1"/>
+                          </a:solidFill>
+                          <a:effectLst/>
+                          <a:latin typeface="+mn-lt"/>
+                          <a:ea typeface="+mn-ea"/>
+                          <a:cs typeface="+mn-cs"/>
+                        </a:rPr>
+                        <a:t>. </a:t>
+                      </a:r>
+                    </a:p>
+                    <a:p>
+                      <a:r>
+                        <a:rPr lang="en-US" sz="1800" kern="1200" dirty="0" err="1" smtClean="0">
+                          <a:solidFill>
+                            <a:schemeClr val="dk1"/>
+                          </a:solidFill>
+                          <a:effectLst/>
+                          <a:latin typeface="+mn-lt"/>
+                          <a:ea typeface="+mn-ea"/>
+                          <a:cs typeface="+mn-cs"/>
+                        </a:rPr>
+                        <a:t>subIndex</a:t>
+                      </a:r>
+                      <a:r>
+                        <a:rPr lang="en-US" sz="1800" kern="1200" dirty="0" smtClean="0">
+                          <a:solidFill>
+                            <a:schemeClr val="dk1"/>
+                          </a:solidFill>
+                          <a:effectLst/>
+                          <a:latin typeface="+mn-lt"/>
+                          <a:ea typeface="+mn-ea"/>
+                          <a:cs typeface="+mn-cs"/>
+                        </a:rPr>
+                        <a:t>(</a:t>
+                      </a:r>
+                      <a:r>
+                        <a:rPr lang="en-US" sz="1800" kern="1200" dirty="0" err="1" smtClean="0">
+                          <a:solidFill>
+                            <a:schemeClr val="dk1"/>
+                          </a:solidFill>
+                          <a:effectLst/>
+                          <a:latin typeface="+mn-lt"/>
+                          <a:ea typeface="+mn-ea"/>
+                          <a:cs typeface="+mn-cs"/>
+                        </a:rPr>
+                        <a:t>dept.getDepartmentId</a:t>
+                      </a:r>
+                      <a:r>
+                        <a:rPr lang="en-US" sz="1800" kern="1200" dirty="0" smtClean="0">
+                          <a:solidFill>
+                            <a:schemeClr val="dk1"/>
+                          </a:solidFill>
+                          <a:effectLst/>
+                          <a:latin typeface="+mn-lt"/>
+                          <a:ea typeface="+mn-ea"/>
+                          <a:cs typeface="+mn-cs"/>
+                        </a:rPr>
+                        <a:t>()).entities(); </a:t>
+                      </a:r>
+                    </a:p>
+                    <a:p>
+                      <a:r>
+                        <a:rPr lang="en-US" sz="1800" kern="1200" dirty="0" smtClean="0">
+                          <a:solidFill>
+                            <a:schemeClr val="dk1"/>
+                          </a:solidFill>
+                          <a:effectLst/>
+                          <a:latin typeface="+mn-lt"/>
+                          <a:ea typeface="+mn-ea"/>
+                          <a:cs typeface="+mn-cs"/>
+                        </a:rPr>
+                        <a:t>try { </a:t>
+                      </a:r>
+                    </a:p>
+                    <a:p>
+                      <a:r>
+                        <a:rPr lang="en-US" sz="1800" kern="1200" dirty="0" smtClean="0">
+                          <a:solidFill>
+                            <a:schemeClr val="dk1"/>
+                          </a:solidFill>
+                          <a:effectLst/>
+                          <a:latin typeface="+mn-lt"/>
+                          <a:ea typeface="+mn-ea"/>
+                          <a:cs typeface="+mn-cs"/>
+                        </a:rPr>
+                        <a:t>/* Do an inner join on Department and Employee.</a:t>
+                      </a:r>
+                    </a:p>
+                    <a:p>
+                      <a:r>
+                        <a:rPr lang="en-US" sz="1800" kern="1200" dirty="0" smtClean="0">
+                          <a:solidFill>
+                            <a:schemeClr val="dk1"/>
+                          </a:solidFill>
+                          <a:effectLst/>
+                          <a:latin typeface="+mn-lt"/>
+                          <a:ea typeface="+mn-ea"/>
+                          <a:cs typeface="+mn-cs"/>
+                        </a:rPr>
+                        <a:t>*/ </a:t>
+                      </a:r>
+                    </a:p>
+                    <a:p>
+                      <a:r>
+                        <a:rPr lang="en-US" sz="1800" kern="1200" dirty="0" smtClean="0">
+                          <a:solidFill>
+                            <a:schemeClr val="dk1"/>
+                          </a:solidFill>
+                          <a:effectLst/>
+                          <a:latin typeface="+mn-lt"/>
+                          <a:ea typeface="+mn-ea"/>
+                          <a:cs typeface="+mn-cs"/>
+                        </a:rPr>
+                        <a:t>for (Employee </a:t>
+                      </a:r>
+                      <a:r>
+                        <a:rPr lang="en-US" sz="1800" kern="1200" dirty="0" err="1" smtClean="0">
+                          <a:solidFill>
+                            <a:schemeClr val="dk1"/>
+                          </a:solidFill>
+                          <a:effectLst/>
+                          <a:latin typeface="+mn-lt"/>
+                          <a:ea typeface="+mn-ea"/>
+                          <a:cs typeface="+mn-cs"/>
+                        </a:rPr>
+                        <a:t>emp</a:t>
+                      </a:r>
+                      <a:r>
+                        <a:rPr lang="en-US" sz="1800" kern="1200" dirty="0" smtClean="0">
+                          <a:solidFill>
+                            <a:schemeClr val="dk1"/>
+                          </a:solidFill>
+                          <a:effectLst/>
+                          <a:latin typeface="+mn-lt"/>
+                          <a:ea typeface="+mn-ea"/>
+                          <a:cs typeface="+mn-cs"/>
+                        </a:rPr>
+                        <a:t> : </a:t>
+                      </a:r>
+                      <a:r>
+                        <a:rPr lang="en-US" sz="1800" kern="1200" dirty="0" err="1" smtClean="0">
+                          <a:solidFill>
+                            <a:schemeClr val="dk1"/>
+                          </a:solidFill>
+                          <a:effectLst/>
+                          <a:latin typeface="+mn-lt"/>
+                          <a:ea typeface="+mn-ea"/>
+                          <a:cs typeface="+mn-cs"/>
+                        </a:rPr>
+                        <a:t>empCursor</a:t>
+                      </a:r>
+                      <a:r>
+                        <a:rPr lang="en-US" sz="1800" kern="1200" dirty="0" smtClean="0">
+                          <a:solidFill>
+                            <a:schemeClr val="dk1"/>
+                          </a:solidFill>
+                          <a:effectLst/>
+                          <a:latin typeface="+mn-lt"/>
+                          <a:ea typeface="+mn-ea"/>
+                          <a:cs typeface="+mn-cs"/>
+                        </a:rPr>
+                        <a:t>) { </a:t>
+                      </a:r>
+                    </a:p>
+                    <a:p>
+                      <a:r>
+                        <a:rPr lang="en-US" sz="1800" kern="1200" dirty="0" err="1" smtClean="0">
+                          <a:solidFill>
+                            <a:schemeClr val="dk1"/>
+                          </a:solidFill>
+                          <a:effectLst/>
+                          <a:latin typeface="+mn-lt"/>
+                          <a:ea typeface="+mn-ea"/>
+                          <a:cs typeface="+mn-cs"/>
+                        </a:rPr>
+                        <a:t>System.out.println</a:t>
+                      </a:r>
+                      <a:r>
+                        <a:rPr lang="en-US" sz="1800" kern="1200" dirty="0" smtClean="0">
+                          <a:solidFill>
+                            <a:schemeClr val="dk1"/>
+                          </a:solidFill>
+                          <a:effectLst/>
+                          <a:latin typeface="+mn-lt"/>
+                          <a:ea typeface="+mn-ea"/>
+                          <a:cs typeface="+mn-cs"/>
+                        </a:rPr>
+                        <a:t>(</a:t>
+                      </a:r>
+                      <a:r>
+                        <a:rPr lang="en-US" sz="1800" kern="1200" dirty="0" err="1" smtClean="0">
+                          <a:solidFill>
+                            <a:schemeClr val="dk1"/>
+                          </a:solidFill>
+                          <a:effectLst/>
+                          <a:latin typeface="+mn-lt"/>
+                          <a:ea typeface="+mn-ea"/>
+                          <a:cs typeface="+mn-cs"/>
+                        </a:rPr>
+                        <a:t>emp</a:t>
+                      </a:r>
+                      <a:r>
+                        <a:rPr lang="en-US" sz="1800" kern="1200" dirty="0" smtClean="0">
+                          <a:solidFill>
+                            <a:schemeClr val="dk1"/>
+                          </a:solidFill>
+                          <a:effectLst/>
+                          <a:latin typeface="+mn-lt"/>
+                          <a:ea typeface="+mn-ea"/>
+                          <a:cs typeface="+mn-cs"/>
+                        </a:rPr>
+                        <a:t>); </a:t>
+                      </a:r>
+                    </a:p>
+                    <a:p>
+                      <a:r>
+                        <a:rPr lang="en-US" sz="1800" kern="1200" dirty="0" smtClean="0">
+                          <a:solidFill>
+                            <a:schemeClr val="dk1"/>
+                          </a:solidFill>
+                          <a:effectLst/>
+                          <a:latin typeface="+mn-lt"/>
+                          <a:ea typeface="+mn-ea"/>
+                          <a:cs typeface="+mn-cs"/>
+                        </a:rPr>
+                        <a:t>} </a:t>
+                      </a:r>
+                    </a:p>
+                    <a:p>
+                      <a:r>
+                        <a:rPr lang="en-US" sz="1800" kern="1200" dirty="0" smtClean="0">
+                          <a:solidFill>
+                            <a:schemeClr val="dk1"/>
+                          </a:solidFill>
+                          <a:effectLst/>
+                          <a:latin typeface="+mn-lt"/>
+                          <a:ea typeface="+mn-ea"/>
+                          <a:cs typeface="+mn-cs"/>
+                        </a:rPr>
+                        <a:t>} finally { </a:t>
+                      </a:r>
+                    </a:p>
+                    <a:p>
+                      <a:r>
+                        <a:rPr lang="en-US" sz="1800" kern="1200" dirty="0" err="1" smtClean="0">
+                          <a:solidFill>
+                            <a:schemeClr val="dk1"/>
+                          </a:solidFill>
+                          <a:effectLst/>
+                          <a:latin typeface="+mn-lt"/>
+                          <a:ea typeface="+mn-ea"/>
+                          <a:cs typeface="+mn-cs"/>
+                        </a:rPr>
+                        <a:t>empCursor.close</a:t>
+                      </a:r>
+                      <a:r>
+                        <a:rPr lang="en-US" sz="1800" kern="1200" dirty="0" smtClean="0">
+                          <a:solidFill>
+                            <a:schemeClr val="dk1"/>
+                          </a:solidFill>
+                          <a:effectLst/>
+                          <a:latin typeface="+mn-lt"/>
+                          <a:ea typeface="+mn-ea"/>
+                          <a:cs typeface="+mn-cs"/>
+                        </a:rPr>
+                        <a:t>(); </a:t>
+                      </a:r>
+                    </a:p>
+                    <a:p>
+                      <a:r>
+                        <a:rPr lang="en-US" sz="1800" kern="1200" dirty="0" smtClean="0">
+                          <a:solidFill>
+                            <a:schemeClr val="dk1"/>
+                          </a:solidFill>
+                          <a:effectLst/>
+                          <a:latin typeface="+mn-lt"/>
+                          <a:ea typeface="+mn-ea"/>
+                          <a:cs typeface="+mn-cs"/>
+                        </a:rPr>
+                        <a:t>} </a:t>
+                      </a:r>
+                    </a:p>
+                    <a:p>
+                      <a:endParaRPr lang="fr-FR" dirty="0"/>
+                    </a:p>
+                  </a:txBody>
+                  <a:tcPr>
+                    <a:solidFill>
+                      <a:schemeClr val="bg2">
+                        <a:lumMod val="40000"/>
+                        <a:lumOff val="60000"/>
+                      </a:schemeClr>
+                    </a:solidFill>
+                  </a:tcPr>
+                </a:tc>
+              </a:tr>
+            </a:tbl>
+          </a:graphicData>
+        </a:graphic>
+      </p:graphicFrame>
       <p:sp>
         <p:nvSpPr>
           <p:cNvPr id="4" name="Espace réservé du numéro de diapositive 3"/>
@@ -12557,6 +14067,11 @@
         </p:txBody>
       </p:sp>
     </p:spTree>
+    <p:extLst>
+      <p:ext uri="{BB962C8B-B14F-4D97-AF65-F5344CB8AC3E}">
+        <p14:creationId xmlns:p14="http://schemas.microsoft.com/office/powerpoint/2010/main" val="2099617840"/>
+      </p:ext>
+    </p:extLst>
   </p:cSld>
   <p:clrMapOvr>
     <a:masterClrMapping/>
@@ -12603,11 +14118,7 @@
           <a:bodyPr/>
           <a:lstStyle/>
           <a:p>
-            <a:r>
-              <a:rPr lang="fr-FR" dirty="0" smtClean="0"/>
-              <a:t>Conclusion</a:t>
-            </a:r>
-            <a:endParaRPr lang="fr-FR" dirty="0"/>
+            <a:endParaRPr lang="fr-FR"/>
           </a:p>
         </p:txBody>
       </p:sp>
@@ -12628,50 +14139,77 @@
           </a:bodyPr>
           <a:lstStyle/>
           <a:p>
-            <a:pPr marL="0" indent="0" algn="just">
+            <a:pPr algn="ctr">
               <a:buNone/>
             </a:pPr>
-            <a:r>
-              <a:rPr lang="fr-FR" sz="3600" dirty="0" smtClean="0"/>
-              <a:t>L’ensembles des SGBD ont:</a:t>
-            </a:r>
-          </a:p>
-          <a:p>
-            <a:pPr marL="0" indent="0" algn="just">
-              <a:buFont typeface="Wingdings" pitchFamily="2" charset="2"/>
-              <a:buChar char="ü"/>
+            <a:endParaRPr lang="fr-FR" sz="6000" dirty="0" smtClean="0">
+              <a:ln w="18415" cmpd="sng">
+                <a:solidFill>
+                  <a:srgbClr val="FFFFFF"/>
+                </a:solidFill>
+                <a:prstDash val="solid"/>
+              </a:ln>
+              <a:solidFill>
+                <a:srgbClr val="FFFFFF"/>
+              </a:solidFill>
+              <a:effectLst>
+                <a:outerShdw blurRad="63500" dir="3600000" algn="tl" rotWithShape="0">
+                  <a:srgbClr val="000000">
+                    <a:alpha val="70000"/>
+                  </a:srgbClr>
+                </a:outerShdw>
+              </a:effectLst>
+            </a:endParaRPr>
+          </a:p>
+          <a:p>
+            <a:pPr algn="ctr">
+              <a:buNone/>
             </a:pPr>
             <a:r>
-              <a:rPr lang="fr-FR" sz="3600" dirty="0" smtClean="0"/>
-              <a:t>Une centralisation des données.</a:t>
-            </a:r>
-          </a:p>
-          <a:p>
-            <a:pPr marL="0" indent="0" algn="just">
-              <a:buFont typeface="Wingdings" pitchFamily="2" charset="2"/>
-              <a:buChar char="ü"/>
-            </a:pPr>
-            <a:r>
-              <a:rPr lang="fr-FR" sz="3600" dirty="0" smtClean="0"/>
-              <a:t>Un contrôle centralisé de l'accès aux données</a:t>
-            </a:r>
-          </a:p>
-          <a:p>
-            <a:pPr marL="0" indent="0" algn="just">
-              <a:buFont typeface="Wingdings" pitchFamily="2" charset="2"/>
-              <a:buChar char="ü"/>
-            </a:pPr>
-            <a:r>
-              <a:rPr lang="fr-FR" sz="3600" dirty="0" smtClean="0"/>
-              <a:t>Indépendance vis -à -vis de la structure physique et logique des données </a:t>
-            </a:r>
-            <a:endParaRPr lang="fr-FR" sz="3600" dirty="0"/>
+              <a:rPr lang="fr-FR" sz="6000" dirty="0" smtClean="0">
+                <a:ln w="18415" cmpd="sng">
+                  <a:solidFill>
+                    <a:srgbClr val="FFFFFF"/>
+                  </a:solidFill>
+                  <a:prstDash val="solid"/>
+                </a:ln>
+                <a:solidFill>
+                  <a:srgbClr val="FFFFFF"/>
+                </a:solidFill>
+                <a:effectLst>
+                  <a:outerShdw blurRad="63500" dir="3600000" algn="tl" rotWithShape="0">
+                    <a:srgbClr val="000000">
+                      <a:alpha val="70000"/>
+                    </a:srgbClr>
+                  </a:outerShdw>
+                </a:effectLst>
+              </a:rPr>
+              <a:t>Démonstration</a:t>
+            </a:r>
+            <a:endParaRPr lang="fr-FR" sz="6000" dirty="0">
+              <a:ln w="18415" cmpd="sng">
+                <a:solidFill>
+                  <a:srgbClr val="FFFFFF"/>
+                </a:solidFill>
+                <a:prstDash val="solid"/>
+              </a:ln>
+              <a:solidFill>
+                <a:srgbClr val="FFFFFF"/>
+              </a:solidFill>
+              <a:effectLst>
+                <a:outerShdw blurRad="63500" dir="3600000" algn="tl" rotWithShape="0">
+                  <a:srgbClr val="000000">
+                    <a:alpha val="70000"/>
+                  </a:srgbClr>
+                </a:outerShdw>
+              </a:effectLst>
+            </a:endParaRPr>
           </a:p>
         </p:txBody>
       </p:sp>
       <p:sp>
         <p:nvSpPr>
-          <p:cNvPr id="5" name="Espace réservé du numéro de diapositive 4"/>
+          <p:cNvPr id="4" name="Espace réservé du numéro de diapositive 3"/>
           <p:cNvSpPr>
             <a:spLocks noGrp="1"/>
           </p:cNvSpPr>
@@ -12694,11 +14232,6 @@
         </p:txBody>
       </p:sp>
     </p:spTree>
-    <p:extLst>
-      <p:ext uri="{BB962C8B-B14F-4D97-AF65-F5344CB8AC3E}">
-        <p14:creationId xmlns:p14="http://schemas.microsoft.com/office/powerpoint/2010/main" val="2712322379"/>
-      </p:ext>
-    </p:extLst>
   </p:cSld>
   <p:clrMapOvr>
     <a:masterClrMapping/>
@@ -12706,442 +14239,7 @@
   <p:timing>
     <p:tnLst>
       <p:par>
-        <p:cTn id="1" dur="indefinite" restart="never" nodeType="tmRoot">
-          <p:childTnLst>
-            <p:seq concurrent="1" nextAc="seek">
-              <p:cTn id="2" dur="indefinite" nodeType="mainSeq">
-                <p:childTnLst>
-                  <p:par>
-                    <p:cTn id="3" fill="hold">
-                      <p:stCondLst>
-                        <p:cond delay="indefinite"/>
-                      </p:stCondLst>
-                      <p:childTnLst>
-                        <p:par>
-                          <p:cTn id="4" fill="hold">
-                            <p:stCondLst>
-                              <p:cond delay="0"/>
-                            </p:stCondLst>
-                            <p:childTnLst>
-                              <p:par>
-                                <p:cTn id="5" presetID="2" presetClass="entr" presetSubtype="4" fill="hold" nodeType="clickEffect">
-                                  <p:stCondLst>
-                                    <p:cond delay="0"/>
-                                  </p:stCondLst>
-                                  <p:childTnLst>
-                                    <p:set>
-                                      <p:cBhvr>
-                                        <p:cTn id="6" dur="1" fill="hold">
-                                          <p:stCondLst>
-                                            <p:cond delay="0"/>
-                                          </p:stCondLst>
-                                        </p:cTn>
-                                        <p:tgtEl>
-                                          <p:spTgt spid="3">
-                                            <p:txEl>
-                                              <p:pRg st="0" end="0"/>
-                                            </p:txEl>
-                                          </p:spTgt>
-                                        </p:tgtEl>
-                                        <p:attrNameLst>
-                                          <p:attrName>style.visibility</p:attrName>
-                                        </p:attrNameLst>
-                                      </p:cBhvr>
-                                      <p:to>
-                                        <p:strVal val="visible"/>
-                                      </p:to>
-                                    </p:set>
-                                    <p:anim calcmode="lin" valueType="num">
-                                      <p:cBhvr additive="base">
-                                        <p:cTn id="7" dur="500" fill="hold"/>
-                                        <p:tgtEl>
-                                          <p:spTgt spid="3">
-                                            <p:txEl>
-                                              <p:pRg st="0" end="0"/>
-                                            </p:txEl>
-                                          </p:spTgt>
-                                        </p:tgtEl>
-                                        <p:attrNameLst>
-                                          <p:attrName>ppt_x</p:attrName>
-                                        </p:attrNameLst>
-                                      </p:cBhvr>
-                                      <p:tavLst>
-                                        <p:tav tm="0">
-                                          <p:val>
-                                            <p:strVal val="#ppt_x"/>
-                                          </p:val>
-                                        </p:tav>
-                                        <p:tav tm="100000">
-                                          <p:val>
-                                            <p:strVal val="#ppt_x"/>
-                                          </p:val>
-                                        </p:tav>
-                                      </p:tavLst>
-                                    </p:anim>
-                                    <p:anim calcmode="lin" valueType="num">
-                                      <p:cBhvr additive="base">
-                                        <p:cTn id="8" dur="500" fill="hold"/>
-                                        <p:tgtEl>
-                                          <p:spTgt spid="3">
-                                            <p:txEl>
-                                              <p:pRg st="0" end="0"/>
-                                            </p:txEl>
-                                          </p:spTgt>
-                                        </p:tgtEl>
-                                        <p:attrNameLst>
-                                          <p:attrName>ppt_y</p:attrName>
-                                        </p:attrNameLst>
-                                      </p:cBhvr>
-                                      <p:tavLst>
-                                        <p:tav tm="0">
-                                          <p:val>
-                                            <p:strVal val="1+#ppt_h/2"/>
-                                          </p:val>
-                                        </p:tav>
-                                        <p:tav tm="100000">
-                                          <p:val>
-                                            <p:strVal val="#ppt_y"/>
-                                          </p:val>
-                                        </p:tav>
-                                      </p:tavLst>
-                                    </p:anim>
-                                  </p:childTnLst>
-                                </p:cTn>
-                              </p:par>
-                            </p:childTnLst>
-                          </p:cTn>
-                        </p:par>
-                      </p:childTnLst>
-                    </p:cTn>
-                  </p:par>
-                  <p:par>
-                    <p:cTn id="9" fill="hold">
-                      <p:stCondLst>
-                        <p:cond delay="indefinite"/>
-                      </p:stCondLst>
-                      <p:childTnLst>
-                        <p:par>
-                          <p:cTn id="10" fill="hold">
-                            <p:stCondLst>
-                              <p:cond delay="0"/>
-                            </p:stCondLst>
-                            <p:childTnLst>
-                              <p:par>
-                                <p:cTn id="11" presetID="2" presetClass="entr" presetSubtype="4" fill="hold" nodeType="clickEffect">
-                                  <p:stCondLst>
-                                    <p:cond delay="0"/>
-                                  </p:stCondLst>
-                                  <p:childTnLst>
-                                    <p:set>
-                                      <p:cBhvr>
-                                        <p:cTn id="12" dur="1" fill="hold">
-                                          <p:stCondLst>
-                                            <p:cond delay="0"/>
-                                          </p:stCondLst>
-                                        </p:cTn>
-                                        <p:tgtEl>
-                                          <p:spTgt spid="3">
-                                            <p:txEl>
-                                              <p:pRg st="1" end="1"/>
-                                            </p:txEl>
-                                          </p:spTgt>
-                                        </p:tgtEl>
-                                        <p:attrNameLst>
-                                          <p:attrName>style.visibility</p:attrName>
-                                        </p:attrNameLst>
-                                      </p:cBhvr>
-                                      <p:to>
-                                        <p:strVal val="visible"/>
-                                      </p:to>
-                                    </p:set>
-                                    <p:anim calcmode="lin" valueType="num">
-                                      <p:cBhvr additive="base">
-                                        <p:cTn id="13" dur="500" fill="hold"/>
-                                        <p:tgtEl>
-                                          <p:spTgt spid="3">
-                                            <p:txEl>
-                                              <p:pRg st="1" end="1"/>
-                                            </p:txEl>
-                                          </p:spTgt>
-                                        </p:tgtEl>
-                                        <p:attrNameLst>
-                                          <p:attrName>ppt_x</p:attrName>
-                                        </p:attrNameLst>
-                                      </p:cBhvr>
-                                      <p:tavLst>
-                                        <p:tav tm="0">
-                                          <p:val>
-                                            <p:strVal val="#ppt_x"/>
-                                          </p:val>
-                                        </p:tav>
-                                        <p:tav tm="100000">
-                                          <p:val>
-                                            <p:strVal val="#ppt_x"/>
-                                          </p:val>
-                                        </p:tav>
-                                      </p:tavLst>
-                                    </p:anim>
-                                    <p:anim calcmode="lin" valueType="num">
-                                      <p:cBhvr additive="base">
-                                        <p:cTn id="14" dur="500" fill="hold"/>
-                                        <p:tgtEl>
-                                          <p:spTgt spid="3">
-                                            <p:txEl>
-                                              <p:pRg st="1" end="1"/>
-                                            </p:txEl>
-                                          </p:spTgt>
-                                        </p:tgtEl>
-                                        <p:attrNameLst>
-                                          <p:attrName>ppt_y</p:attrName>
-                                        </p:attrNameLst>
-                                      </p:cBhvr>
-                                      <p:tavLst>
-                                        <p:tav tm="0">
-                                          <p:val>
-                                            <p:strVal val="1+#ppt_h/2"/>
-                                          </p:val>
-                                        </p:tav>
-                                        <p:tav tm="100000">
-                                          <p:val>
-                                            <p:strVal val="#ppt_y"/>
-                                          </p:val>
-                                        </p:tav>
-                                      </p:tavLst>
-                                    </p:anim>
-                                  </p:childTnLst>
-                                </p:cTn>
-                              </p:par>
-                            </p:childTnLst>
-                          </p:cTn>
-                        </p:par>
-                      </p:childTnLst>
-                    </p:cTn>
-                  </p:par>
-                  <p:par>
-                    <p:cTn id="15" fill="hold">
-                      <p:stCondLst>
-                        <p:cond delay="indefinite"/>
-                      </p:stCondLst>
-                      <p:childTnLst>
-                        <p:par>
-                          <p:cTn id="16" fill="hold">
-                            <p:stCondLst>
-                              <p:cond delay="0"/>
-                            </p:stCondLst>
-                            <p:childTnLst>
-                              <p:par>
-                                <p:cTn id="17" presetID="2" presetClass="entr" presetSubtype="4" fill="hold" nodeType="clickEffect">
-                                  <p:stCondLst>
-                                    <p:cond delay="0"/>
-                                  </p:stCondLst>
-                                  <p:childTnLst>
-                                    <p:set>
-                                      <p:cBhvr>
-                                        <p:cTn id="18" dur="1" fill="hold">
-                                          <p:stCondLst>
-                                            <p:cond delay="0"/>
-                                          </p:stCondLst>
-                                        </p:cTn>
-                                        <p:tgtEl>
-                                          <p:spTgt spid="3">
-                                            <p:txEl>
-                                              <p:pRg st="2" end="2"/>
-                                            </p:txEl>
-                                          </p:spTgt>
-                                        </p:tgtEl>
-                                        <p:attrNameLst>
-                                          <p:attrName>style.visibility</p:attrName>
-                                        </p:attrNameLst>
-                                      </p:cBhvr>
-                                      <p:to>
-                                        <p:strVal val="visible"/>
-                                      </p:to>
-                                    </p:set>
-                                    <p:anim calcmode="lin" valueType="num">
-                                      <p:cBhvr additive="base">
-                                        <p:cTn id="19" dur="500" fill="hold"/>
-                                        <p:tgtEl>
-                                          <p:spTgt spid="3">
-                                            <p:txEl>
-                                              <p:pRg st="2" end="2"/>
-                                            </p:txEl>
-                                          </p:spTgt>
-                                        </p:tgtEl>
-                                        <p:attrNameLst>
-                                          <p:attrName>ppt_x</p:attrName>
-                                        </p:attrNameLst>
-                                      </p:cBhvr>
-                                      <p:tavLst>
-                                        <p:tav tm="0">
-                                          <p:val>
-                                            <p:strVal val="#ppt_x"/>
-                                          </p:val>
-                                        </p:tav>
-                                        <p:tav tm="100000">
-                                          <p:val>
-                                            <p:strVal val="#ppt_x"/>
-                                          </p:val>
-                                        </p:tav>
-                                      </p:tavLst>
-                                    </p:anim>
-                                    <p:anim calcmode="lin" valueType="num">
-                                      <p:cBhvr additive="base">
-                                        <p:cTn id="20" dur="500" fill="hold"/>
-                                        <p:tgtEl>
-                                          <p:spTgt spid="3">
-                                            <p:txEl>
-                                              <p:pRg st="2" end="2"/>
-                                            </p:txEl>
-                                          </p:spTgt>
-                                        </p:tgtEl>
-                                        <p:attrNameLst>
-                                          <p:attrName>ppt_y</p:attrName>
-                                        </p:attrNameLst>
-                                      </p:cBhvr>
-                                      <p:tavLst>
-                                        <p:tav tm="0">
-                                          <p:val>
-                                            <p:strVal val="1+#ppt_h/2"/>
-                                          </p:val>
-                                        </p:tav>
-                                        <p:tav tm="100000">
-                                          <p:val>
-                                            <p:strVal val="#ppt_y"/>
-                                          </p:val>
-                                        </p:tav>
-                                      </p:tavLst>
-                                    </p:anim>
-                                  </p:childTnLst>
-                                </p:cTn>
-                              </p:par>
-                            </p:childTnLst>
-                          </p:cTn>
-                        </p:par>
-                      </p:childTnLst>
-                    </p:cTn>
-                  </p:par>
-                  <p:par>
-                    <p:cTn id="21" fill="hold">
-                      <p:stCondLst>
-                        <p:cond delay="indefinite"/>
-                      </p:stCondLst>
-                      <p:childTnLst>
-                        <p:par>
-                          <p:cTn id="22" fill="hold">
-                            <p:stCondLst>
-                              <p:cond delay="0"/>
-                            </p:stCondLst>
-                            <p:childTnLst>
-                              <p:par>
-                                <p:cTn id="23" presetID="2" presetClass="entr" presetSubtype="4" fill="hold" nodeType="clickEffect">
-                                  <p:stCondLst>
-                                    <p:cond delay="0"/>
-                                  </p:stCondLst>
-                                  <p:childTnLst>
-                                    <p:set>
-                                      <p:cBhvr>
-                                        <p:cTn id="24" dur="1" fill="hold">
-                                          <p:stCondLst>
-                                            <p:cond delay="0"/>
-                                          </p:stCondLst>
-                                        </p:cTn>
-                                        <p:tgtEl>
-                                          <p:spTgt spid="3">
-                                            <p:txEl>
-                                              <p:pRg st="3" end="3"/>
-                                            </p:txEl>
-                                          </p:spTgt>
-                                        </p:tgtEl>
-                                        <p:attrNameLst>
-                                          <p:attrName>style.visibility</p:attrName>
-                                        </p:attrNameLst>
-                                      </p:cBhvr>
-                                      <p:to>
-                                        <p:strVal val="visible"/>
-                                      </p:to>
-                                    </p:set>
-                                    <p:anim calcmode="lin" valueType="num">
-                                      <p:cBhvr additive="base">
-                                        <p:cTn id="25" dur="500" fill="hold"/>
-                                        <p:tgtEl>
-                                          <p:spTgt spid="3">
-                                            <p:txEl>
-                                              <p:pRg st="3" end="3"/>
-                                            </p:txEl>
-                                          </p:spTgt>
-                                        </p:tgtEl>
-                                        <p:attrNameLst>
-                                          <p:attrName>ppt_x</p:attrName>
-                                        </p:attrNameLst>
-                                      </p:cBhvr>
-                                      <p:tavLst>
-                                        <p:tav tm="0">
-                                          <p:val>
-                                            <p:strVal val="#ppt_x"/>
-                                          </p:val>
-                                        </p:tav>
-                                        <p:tav tm="100000">
-                                          <p:val>
-                                            <p:strVal val="#ppt_x"/>
-                                          </p:val>
-                                        </p:tav>
-                                      </p:tavLst>
-                                    </p:anim>
-                                    <p:anim calcmode="lin" valueType="num">
-                                      <p:cBhvr additive="base">
-                                        <p:cTn id="26" dur="500" fill="hold"/>
-                                        <p:tgtEl>
-                                          <p:spTgt spid="3">
-                                            <p:txEl>
-                                              <p:pRg st="3" end="3"/>
-                                            </p:txEl>
-                                          </p:spTgt>
-                                        </p:tgtEl>
-                                        <p:attrNameLst>
-                                          <p:attrName>ppt_y</p:attrName>
-                                        </p:attrNameLst>
-                                      </p:cBhvr>
-                                      <p:tavLst>
-                                        <p:tav tm="0">
-                                          <p:val>
-                                            <p:strVal val="1+#ppt_h/2"/>
-                                          </p:val>
-                                        </p:tav>
-                                        <p:tav tm="100000">
-                                          <p:val>
-                                            <p:strVal val="#ppt_y"/>
-                                          </p:val>
-                                        </p:tav>
-                                      </p:tavLst>
-                                    </p:anim>
-                                  </p:childTnLst>
-                                </p:cTn>
-                              </p:par>
-                            </p:childTnLst>
-                          </p:cTn>
-                        </p:par>
-                      </p:childTnLst>
-                    </p:cTn>
-                  </p:par>
-                </p:childTnLst>
-              </p:cTn>
-              <p:prevCondLst>
-                <p:cond evt="onPrev" delay="0">
-                  <p:tgtEl>
-                    <p:sldTgt/>
-                  </p:tgtEl>
-                </p:cond>
-              </p:prevCondLst>
-              <p:nextCondLst>
-                <p:cond evt="onNext" delay="0">
-                  <p:tgtEl>
-                    <p:sldTgt/>
-                  </p:tgtEl>
-                </p:cond>
-              </p:nextCondLst>
-            </p:seq>
-          </p:childTnLst>
-        </p:cTn>
+        <p:cTn id="1" dur="indefinite" restart="never" nodeType="tmRoot"/>
       </p:par>
     </p:tnLst>
   </p:timing>
@@ -13210,7 +14308,7 @@
             </a:pPr>
             <a:r>
               <a:rPr lang="fr-FR" sz="3600" dirty="0" smtClean="0"/>
-              <a:t>L’ensembles des SGBD assure:</a:t>
+              <a:t>L’ensembles des SGBD ont:</a:t>
             </a:r>
           </a:p>
           <a:p>
@@ -13230,7 +14328,7 @@
             </a:pPr>
             <a:r>
               <a:rPr lang="fr-FR" sz="3600" dirty="0" smtClean="0"/>
-              <a:t>Un contrôle centralisé pour l'accès aux données</a:t>
+              <a:t>Un contrôle centralisé de l'accès aux données</a:t>
             </a:r>
           </a:p>
           <a:p>
@@ -13787,49 +14885,39 @@
             </a:pPr>
             <a:r>
               <a:rPr lang="fr-FR" sz="3600" dirty="0" smtClean="0"/>
-              <a:t>Berkeley diffère des autres SGBD dans:</a:t>
-            </a:r>
-          </a:p>
-          <a:p>
-            <a:pPr marL="0" indent="0" algn="just"/>
+              <a:t>L’ensembles des SGBD assure:</a:t>
+            </a:r>
+          </a:p>
+          <a:p>
+            <a:pPr marL="0" indent="0" algn="just">
+              <a:buFont typeface="Wingdings" pitchFamily="2" charset="2"/>
+              <a:buChar char="ü"/>
+            </a:pPr>
             <a:r>
               <a:rPr lang="fr-FR" sz="3600" dirty="0" smtClean="0"/>
-              <a:t> Sa flexibilisé et rapidité.</a:t>
-            </a:r>
-          </a:p>
-          <a:p>
-            <a:pPr marL="0" indent="0" algn="just"/>
-            <a:r>
-              <a:rPr lang="fr-FR" sz="3600" dirty="0" err="1" smtClean="0"/>
-              <a:t>Reliable</a:t>
-            </a:r>
+              <a:t>Une centralisation des données.</a:t>
+            </a:r>
+          </a:p>
+          <a:p>
+            <a:pPr marL="0" indent="0" algn="just">
+              <a:buFont typeface="Wingdings" pitchFamily="2" charset="2"/>
+              <a:buChar char="ü"/>
+            </a:pPr>
             <a:r>
               <a:rPr lang="fr-FR" sz="3600" dirty="0" smtClean="0"/>
-              <a:t> et </a:t>
-            </a:r>
-            <a:r>
-              <a:rPr lang="fr-FR" sz="3600" dirty="0" err="1" smtClean="0"/>
-              <a:t>scalable</a:t>
-            </a:r>
+              <a:t>Un contrôle centralisé pour l'accès aux données</a:t>
+            </a:r>
+          </a:p>
+          <a:p>
+            <a:pPr marL="0" indent="0" algn="just">
+              <a:buFont typeface="Wingdings" pitchFamily="2" charset="2"/>
+              <a:buChar char="ü"/>
+            </a:pPr>
             <a:r>
               <a:rPr lang="fr-FR" sz="3600" dirty="0" smtClean="0"/>
-              <a:t>.</a:t>
-            </a:r>
-          </a:p>
-          <a:p>
-            <a:pPr marL="0" indent="0" algn="just"/>
-            <a:r>
-              <a:rPr lang="fr-FR" sz="3600" dirty="0" smtClean="0"/>
-              <a:t>Abélite car on peut choisir les </a:t>
-            </a:r>
-            <a:r>
-              <a:rPr lang="fr-FR" sz="3600" dirty="0" err="1" smtClean="0"/>
-              <a:t>features</a:t>
-            </a:r>
-            <a:r>
-              <a:rPr lang="fr-FR" sz="3600" dirty="0" smtClean="0"/>
-              <a:t> a utilisé. </a:t>
-            </a:r>
+              <a:t>Indépendance vis -à -vis de la structure physique et logique des données </a:t>
+            </a:r>
+            <a:endParaRPr lang="fr-FR" sz="3600" dirty="0"/>
           </a:p>
         </p:txBody>
       </p:sp>
@@ -14704,7 +15792,11 @@
           <a:bodyPr/>
           <a:lstStyle/>
           <a:p>
-            <a:endParaRPr lang="fr-FR"/>
+            <a:r>
+              <a:rPr lang="fr-FR" dirty="0" smtClean="0"/>
+              <a:t>Conclusion</a:t>
+            </a:r>
+            <a:endParaRPr lang="fr-FR" dirty="0"/>
           </a:p>
         </p:txBody>
       </p:sp>
@@ -14718,30 +15810,67 @@
             <p:ph idx="1"/>
           </p:nvPr>
         </p:nvSpPr>
-        <p:spPr>
-          <a:xfrm>
-            <a:off x="457200" y="2060848"/>
-            <a:ext cx="8229600" cy="4065315"/>
-          </a:xfrm>
-        </p:spPr>
+        <p:spPr/>
         <p:txBody>
-          <a:bodyPr/>
+          <a:bodyPr>
+            <a:normAutofit/>
+          </a:bodyPr>
           <a:lstStyle/>
           <a:p>
-            <a:pPr marL="0" indent="0" algn="ctr">
+            <a:pPr marL="0" indent="0" algn="just">
               <a:buNone/>
             </a:pPr>
             <a:r>
-              <a:rPr lang="fr-FR" sz="7200" b="1" i="1" dirty="0" smtClean="0"/>
-              <a:t> Merci pour votre attention</a:t>
-            </a:r>
-            <a:endParaRPr lang="fr-FR" sz="7200" b="1" i="1" dirty="0"/>
+              <a:rPr lang="fr-FR" sz="3600" dirty="0" smtClean="0"/>
+              <a:t>Berkeley diffère des autres SGBD dans:</a:t>
+            </a:r>
+          </a:p>
+          <a:p>
+            <a:pPr marL="0" indent="0" algn="just"/>
+            <a:r>
+              <a:rPr lang="fr-FR" sz="3600" dirty="0" smtClean="0"/>
+              <a:t> Sa flexibilisé et rapidité.</a:t>
+            </a:r>
+          </a:p>
+          <a:p>
+            <a:pPr marL="0" indent="0" algn="just"/>
+            <a:r>
+              <a:rPr lang="fr-FR" sz="3600" dirty="0" err="1" smtClean="0"/>
+              <a:t>Reliable</a:t>
+            </a:r>
+            <a:r>
+              <a:rPr lang="fr-FR" sz="3600" dirty="0" smtClean="0"/>
+              <a:t> et </a:t>
+            </a:r>
+            <a:r>
+              <a:rPr lang="fr-FR" sz="3600" dirty="0" err="1" smtClean="0"/>
+              <a:t>scalable</a:t>
+            </a:r>
+            <a:r>
+              <a:rPr lang="fr-FR" sz="3600" dirty="0" smtClean="0"/>
+              <a:t>.</a:t>
+            </a:r>
+          </a:p>
+          <a:p>
+            <a:pPr marL="0" indent="0" algn="just"/>
+            <a:r>
+              <a:rPr lang="fr-FR" sz="3600" dirty="0" smtClean="0"/>
+              <a:t>Abélite car on peut choisir les </a:t>
+            </a:r>
+            <a:r>
+              <a:rPr lang="fr-FR" sz="3600" dirty="0" err="1" smtClean="0"/>
+              <a:t>features</a:t>
+            </a:r>
+            <a:r>
+              <a:rPr lang="fr-FR" sz="3600" dirty="0" smtClean="0"/>
+              <a:t> a utilisé. </a:t>
+            </a:r>
           </a:p>
         </p:txBody>
       </p:sp>
       <p:sp>
         <p:nvSpPr>
-          <p:cNvPr id="4" name="Espace réservé du numéro de diapositive 3"/>
+          <p:cNvPr id="5" name="Espace réservé du numéro de diapositive 4"/>
           <p:cNvSpPr>
             <a:spLocks noGrp="1"/>
           </p:cNvSpPr>
@@ -14766,7 +15895,7 @@
     </p:spTree>
     <p:extLst>
       <p:ext uri="{BB962C8B-B14F-4D97-AF65-F5344CB8AC3E}">
-        <p14:creationId xmlns:p14="http://schemas.microsoft.com/office/powerpoint/2010/main" val="601745931"/>
+        <p14:creationId xmlns:p14="http://schemas.microsoft.com/office/powerpoint/2010/main" val="2712322379"/>
       </p:ext>
     </p:extLst>
   </p:cSld>
@@ -14776,7 +15905,442 @@
   <p:timing>
     <p:tnLst>
       <p:par>
-        <p:cTn id="1" dur="indefinite" restart="never" nodeType="tmRoot"/>
+        <p:cTn id="1" dur="indefinite" restart="never" nodeType="tmRoot">
+          <p:childTnLst>
+            <p:seq concurrent="1" nextAc="seek">
+              <p:cTn id="2" dur="indefinite" nodeType="mainSeq">
+                <p:childTnLst>
+                  <p:par>
+                    <p:cTn id="3" fill="hold">
+                      <p:stCondLst>
+                        <p:cond delay="indefinite"/>
+                      </p:stCondLst>
+                      <p:childTnLst>
+                        <p:par>
+                          <p:cTn id="4" fill="hold">
+                            <p:stCondLst>
+                              <p:cond delay="0"/>
+                            </p:stCondLst>
+                            <p:childTnLst>
+                              <p:par>
+                                <p:cTn id="5" presetID="2" presetClass="entr" presetSubtype="4" fill="hold" nodeType="clickEffect">
+                                  <p:stCondLst>
+                                    <p:cond delay="0"/>
+                                  </p:stCondLst>
+                                  <p:childTnLst>
+                                    <p:set>
+                                      <p:cBhvr>
+                                        <p:cTn id="6" dur="1" fill="hold">
+                                          <p:stCondLst>
+                                            <p:cond delay="0"/>
+                                          </p:stCondLst>
+                                        </p:cTn>
+                                        <p:tgtEl>
+                                          <p:spTgt spid="3">
+                                            <p:txEl>
+                                              <p:pRg st="0" end="0"/>
+                                            </p:txEl>
+                                          </p:spTgt>
+                                        </p:tgtEl>
+                                        <p:attrNameLst>
+                                          <p:attrName>style.visibility</p:attrName>
+                                        </p:attrNameLst>
+                                      </p:cBhvr>
+                                      <p:to>
+                                        <p:strVal val="visible"/>
+                                      </p:to>
+                                    </p:set>
+                                    <p:anim calcmode="lin" valueType="num">
+                                      <p:cBhvr additive="base">
+                                        <p:cTn id="7" dur="500" fill="hold"/>
+                                        <p:tgtEl>
+                                          <p:spTgt spid="3">
+                                            <p:txEl>
+                                              <p:pRg st="0" end="0"/>
+                                            </p:txEl>
+                                          </p:spTgt>
+                                        </p:tgtEl>
+                                        <p:attrNameLst>
+                                          <p:attrName>ppt_x</p:attrName>
+                                        </p:attrNameLst>
+                                      </p:cBhvr>
+                                      <p:tavLst>
+                                        <p:tav tm="0">
+                                          <p:val>
+                                            <p:strVal val="#ppt_x"/>
+                                          </p:val>
+                                        </p:tav>
+                                        <p:tav tm="100000">
+                                          <p:val>
+                                            <p:strVal val="#ppt_x"/>
+                                          </p:val>
+                                        </p:tav>
+                                      </p:tavLst>
+                                    </p:anim>
+                                    <p:anim calcmode="lin" valueType="num">
+                                      <p:cBhvr additive="base">
+                                        <p:cTn id="8" dur="500" fill="hold"/>
+                                        <p:tgtEl>
+                                          <p:spTgt spid="3">
+                                            <p:txEl>
+                                              <p:pRg st="0" end="0"/>
+                                            </p:txEl>
+                                          </p:spTgt>
+                                        </p:tgtEl>
+                                        <p:attrNameLst>
+                                          <p:attrName>ppt_y</p:attrName>
+                                        </p:attrNameLst>
+                                      </p:cBhvr>
+                                      <p:tavLst>
+                                        <p:tav tm="0">
+                                          <p:val>
+                                            <p:strVal val="1+#ppt_h/2"/>
+                                          </p:val>
+                                        </p:tav>
+                                        <p:tav tm="100000">
+                                          <p:val>
+                                            <p:strVal val="#ppt_y"/>
+                                          </p:val>
+                                        </p:tav>
+                                      </p:tavLst>
+                                    </p:anim>
+                                  </p:childTnLst>
+                                </p:cTn>
+                              </p:par>
+                            </p:childTnLst>
+                          </p:cTn>
+                        </p:par>
+                      </p:childTnLst>
+                    </p:cTn>
+                  </p:par>
+                  <p:par>
+                    <p:cTn id="9" fill="hold">
+                      <p:stCondLst>
+                        <p:cond delay="indefinite"/>
+                      </p:stCondLst>
+                      <p:childTnLst>
+                        <p:par>
+                          <p:cTn id="10" fill="hold">
+                            <p:stCondLst>
+                              <p:cond delay="0"/>
+                            </p:stCondLst>
+                            <p:childTnLst>
+                              <p:par>
+                                <p:cTn id="11" presetID="2" presetClass="entr" presetSubtype="4" fill="hold" nodeType="clickEffect">
+                                  <p:stCondLst>
+                                    <p:cond delay="0"/>
+                                  </p:stCondLst>
+                                  <p:childTnLst>
+                                    <p:set>
+                                      <p:cBhvr>
+                                        <p:cTn id="12" dur="1" fill="hold">
+                                          <p:stCondLst>
+                                            <p:cond delay="0"/>
+                                          </p:stCondLst>
+                                        </p:cTn>
+                                        <p:tgtEl>
+                                          <p:spTgt spid="3">
+                                            <p:txEl>
+                                              <p:pRg st="1" end="1"/>
+                                            </p:txEl>
+                                          </p:spTgt>
+                                        </p:tgtEl>
+                                        <p:attrNameLst>
+                                          <p:attrName>style.visibility</p:attrName>
+                                        </p:attrNameLst>
+                                      </p:cBhvr>
+                                      <p:to>
+                                        <p:strVal val="visible"/>
+                                      </p:to>
+                                    </p:set>
+                                    <p:anim calcmode="lin" valueType="num">
+                                      <p:cBhvr additive="base">
+                                        <p:cTn id="13" dur="500" fill="hold"/>
+                                        <p:tgtEl>
+                                          <p:spTgt spid="3">
+                                            <p:txEl>
+                                              <p:pRg st="1" end="1"/>
+                                            </p:txEl>
+                                          </p:spTgt>
+                                        </p:tgtEl>
+                                        <p:attrNameLst>
+                                          <p:attrName>ppt_x</p:attrName>
+                                        </p:attrNameLst>
+                                      </p:cBhvr>
+                                      <p:tavLst>
+                                        <p:tav tm="0">
+                                          <p:val>
+                                            <p:strVal val="#ppt_x"/>
+                                          </p:val>
+                                        </p:tav>
+                                        <p:tav tm="100000">
+                                          <p:val>
+                                            <p:strVal val="#ppt_x"/>
+                                          </p:val>
+                                        </p:tav>
+                                      </p:tavLst>
+                                    </p:anim>
+                                    <p:anim calcmode="lin" valueType="num">
+                                      <p:cBhvr additive="base">
+                                        <p:cTn id="14" dur="500" fill="hold"/>
+                                        <p:tgtEl>
+                                          <p:spTgt spid="3">
+                                            <p:txEl>
+                                              <p:pRg st="1" end="1"/>
+                                            </p:txEl>
+                                          </p:spTgt>
+                                        </p:tgtEl>
+                                        <p:attrNameLst>
+                                          <p:attrName>ppt_y</p:attrName>
+                                        </p:attrNameLst>
+                                      </p:cBhvr>
+                                      <p:tavLst>
+                                        <p:tav tm="0">
+                                          <p:val>
+                                            <p:strVal val="1+#ppt_h/2"/>
+                                          </p:val>
+                                        </p:tav>
+                                        <p:tav tm="100000">
+                                          <p:val>
+                                            <p:strVal val="#ppt_y"/>
+                                          </p:val>
+                                        </p:tav>
+                                      </p:tavLst>
+                                    </p:anim>
+                                  </p:childTnLst>
+                                </p:cTn>
+                              </p:par>
+                            </p:childTnLst>
+                          </p:cTn>
+                        </p:par>
+                      </p:childTnLst>
+                    </p:cTn>
+                  </p:par>
+                  <p:par>
+                    <p:cTn id="15" fill="hold">
+                      <p:stCondLst>
+                        <p:cond delay="indefinite"/>
+                      </p:stCondLst>
+                      <p:childTnLst>
+                        <p:par>
+                          <p:cTn id="16" fill="hold">
+                            <p:stCondLst>
+                              <p:cond delay="0"/>
+                            </p:stCondLst>
+                            <p:childTnLst>
+                              <p:par>
+                                <p:cTn id="17" presetID="2" presetClass="entr" presetSubtype="4" fill="hold" nodeType="clickEffect">
+                                  <p:stCondLst>
+                                    <p:cond delay="0"/>
+                                  </p:stCondLst>
+                                  <p:childTnLst>
+                                    <p:set>
+                                      <p:cBhvr>
+                                        <p:cTn id="18" dur="1" fill="hold">
+                                          <p:stCondLst>
+                                            <p:cond delay="0"/>
+                                          </p:stCondLst>
+                                        </p:cTn>
+                                        <p:tgtEl>
+                                          <p:spTgt spid="3">
+                                            <p:txEl>
+                                              <p:pRg st="2" end="2"/>
+                                            </p:txEl>
+                                          </p:spTgt>
+                                        </p:tgtEl>
+                                        <p:attrNameLst>
+                                          <p:attrName>style.visibility</p:attrName>
+                                        </p:attrNameLst>
+                                      </p:cBhvr>
+                                      <p:to>
+                                        <p:strVal val="visible"/>
+                                      </p:to>
+                                    </p:set>
+                                    <p:anim calcmode="lin" valueType="num">
+                                      <p:cBhvr additive="base">
+                                        <p:cTn id="19" dur="500" fill="hold"/>
+                                        <p:tgtEl>
+                                          <p:spTgt spid="3">
+                                            <p:txEl>
+                                              <p:pRg st="2" end="2"/>
+                                            </p:txEl>
+                                          </p:spTgt>
+                                        </p:tgtEl>
+                                        <p:attrNameLst>
+                                          <p:attrName>ppt_x</p:attrName>
+                                        </p:attrNameLst>
+                                      </p:cBhvr>
+                                      <p:tavLst>
+                                        <p:tav tm="0">
+                                          <p:val>
+                                            <p:strVal val="#ppt_x"/>
+                                          </p:val>
+                                        </p:tav>
+                                        <p:tav tm="100000">
+                                          <p:val>
+                                            <p:strVal val="#ppt_x"/>
+                                          </p:val>
+                                        </p:tav>
+                                      </p:tavLst>
+                                    </p:anim>
+                                    <p:anim calcmode="lin" valueType="num">
+                                      <p:cBhvr additive="base">
+                                        <p:cTn id="20" dur="500" fill="hold"/>
+                                        <p:tgtEl>
+                                          <p:spTgt spid="3">
+                                            <p:txEl>
+                                              <p:pRg st="2" end="2"/>
+                                            </p:txEl>
+                                          </p:spTgt>
+                                        </p:tgtEl>
+                                        <p:attrNameLst>
+                                          <p:attrName>ppt_y</p:attrName>
+                                        </p:attrNameLst>
+                                      </p:cBhvr>
+                                      <p:tavLst>
+                                        <p:tav tm="0">
+                                          <p:val>
+                                            <p:strVal val="1+#ppt_h/2"/>
+                                          </p:val>
+                                        </p:tav>
+                                        <p:tav tm="100000">
+                                          <p:val>
+                                            <p:strVal val="#ppt_y"/>
+                                          </p:val>
+                                        </p:tav>
+                                      </p:tavLst>
+                                    </p:anim>
+                                  </p:childTnLst>
+                                </p:cTn>
+                              </p:par>
+                            </p:childTnLst>
+                          </p:cTn>
+                        </p:par>
+                      </p:childTnLst>
+                    </p:cTn>
+                  </p:par>
+                  <p:par>
+                    <p:cTn id="21" fill="hold">
+                      <p:stCondLst>
+                        <p:cond delay="indefinite"/>
+                      </p:stCondLst>
+                      <p:childTnLst>
+                        <p:par>
+                          <p:cTn id="22" fill="hold">
+                            <p:stCondLst>
+                              <p:cond delay="0"/>
+                            </p:stCondLst>
+                            <p:childTnLst>
+                              <p:par>
+                                <p:cTn id="23" presetID="2" presetClass="entr" presetSubtype="4" fill="hold" nodeType="clickEffect">
+                                  <p:stCondLst>
+                                    <p:cond delay="0"/>
+                                  </p:stCondLst>
+                                  <p:childTnLst>
+                                    <p:set>
+                                      <p:cBhvr>
+                                        <p:cTn id="24" dur="1" fill="hold">
+                                          <p:stCondLst>
+                                            <p:cond delay="0"/>
+                                          </p:stCondLst>
+                                        </p:cTn>
+                                        <p:tgtEl>
+                                          <p:spTgt spid="3">
+                                            <p:txEl>
+                                              <p:pRg st="3" end="3"/>
+                                            </p:txEl>
+                                          </p:spTgt>
+                                        </p:tgtEl>
+                                        <p:attrNameLst>
+                                          <p:attrName>style.visibility</p:attrName>
+                                        </p:attrNameLst>
+                                      </p:cBhvr>
+                                      <p:to>
+                                        <p:strVal val="visible"/>
+                                      </p:to>
+                                    </p:set>
+                                    <p:anim calcmode="lin" valueType="num">
+                                      <p:cBhvr additive="base">
+                                        <p:cTn id="25" dur="500" fill="hold"/>
+                                        <p:tgtEl>
+                                          <p:spTgt spid="3">
+                                            <p:txEl>
+                                              <p:pRg st="3" end="3"/>
+                                            </p:txEl>
+                                          </p:spTgt>
+                                        </p:tgtEl>
+                                        <p:attrNameLst>
+                                          <p:attrName>ppt_x</p:attrName>
+                                        </p:attrNameLst>
+                                      </p:cBhvr>
+                                      <p:tavLst>
+                                        <p:tav tm="0">
+                                          <p:val>
+                                            <p:strVal val="#ppt_x"/>
+                                          </p:val>
+                                        </p:tav>
+                                        <p:tav tm="100000">
+                                          <p:val>
+                                            <p:strVal val="#ppt_x"/>
+                                          </p:val>
+                                        </p:tav>
+                                      </p:tavLst>
+                                    </p:anim>
+                                    <p:anim calcmode="lin" valueType="num">
+                                      <p:cBhvr additive="base">
+                                        <p:cTn id="26" dur="500" fill="hold"/>
+                                        <p:tgtEl>
+                                          <p:spTgt spid="3">
+                                            <p:txEl>
+                                              <p:pRg st="3" end="3"/>
+                                            </p:txEl>
+                                          </p:spTgt>
+                                        </p:tgtEl>
+                                        <p:attrNameLst>
+                                          <p:attrName>ppt_y</p:attrName>
+                                        </p:attrNameLst>
+                                      </p:cBhvr>
+                                      <p:tavLst>
+                                        <p:tav tm="0">
+                                          <p:val>
+                                            <p:strVal val="1+#ppt_h/2"/>
+                                          </p:val>
+                                        </p:tav>
+                                        <p:tav tm="100000">
+                                          <p:val>
+                                            <p:strVal val="#ppt_y"/>
+                                          </p:val>
+                                        </p:tav>
+                                      </p:tavLst>
+                                    </p:anim>
+                                  </p:childTnLst>
+                                </p:cTn>
+                              </p:par>
+                            </p:childTnLst>
+                          </p:cTn>
+                        </p:par>
+                      </p:childTnLst>
+                    </p:cTn>
+                  </p:par>
+                </p:childTnLst>
+              </p:cTn>
+              <p:prevCondLst>
+                <p:cond evt="onPrev" delay="0">
+                  <p:tgtEl>
+                    <p:sldTgt/>
+                  </p:tgtEl>
+                </p:cond>
+              </p:prevCondLst>
+              <p:nextCondLst>
+                <p:cond evt="onNext" delay="0">
+                  <p:tgtEl>
+                    <p:sldTgt/>
+                  </p:tgtEl>
+                </p:cond>
+              </p:nextCondLst>
+            </p:seq>
+          </p:childTnLst>
+        </p:cTn>
       </p:par>
     </p:tnLst>
   </p:timing>
@@ -14831,6 +16395,117 @@
         </p:nvSpPr>
         <p:spPr>
           <a:xfrm>
+            <a:off x="457200" y="2060848"/>
+            <a:ext cx="8229600" cy="4065315"/>
+          </a:xfrm>
+        </p:spPr>
+        <p:txBody>
+          <a:bodyPr/>
+          <a:lstStyle/>
+          <a:p>
+            <a:pPr marL="0" indent="0" algn="ctr">
+              <a:buNone/>
+            </a:pPr>
+            <a:r>
+              <a:rPr lang="fr-FR" sz="7200" b="1" i="1" dirty="0" smtClean="0"/>
+              <a:t> Merci pour votre attention</a:t>
+            </a:r>
+            <a:endParaRPr lang="fr-FR" sz="7200" b="1" i="1" dirty="0"/>
+          </a:p>
+        </p:txBody>
+      </p:sp>
+      <p:sp>
+        <p:nvSpPr>
+          <p:cNvPr id="4" name="Espace réservé du numéro de diapositive 3"/>
+          <p:cNvSpPr>
+            <a:spLocks noGrp="1"/>
+          </p:cNvSpPr>
+          <p:nvPr>
+            <p:ph type="sldNum" sz="quarter" idx="12"/>
+          </p:nvPr>
+        </p:nvSpPr>
+        <p:spPr/>
+        <p:txBody>
+          <a:bodyPr/>
+          <a:lstStyle/>
+          <a:p>
+            <a:fld id="{E31CB3CC-2B44-47CE-ACFB-D5D84FBE0F2F}" type="slidenum">
+              <a:rPr lang="fr-FR" smtClean="0"/>
+              <a:pPr/>
+              <a:t>31</a:t>
+            </a:fld>
+            <a:endParaRPr lang="fr-FR"/>
+          </a:p>
+        </p:txBody>
+      </p:sp>
+    </p:spTree>
+    <p:extLst>
+      <p:ext uri="{BB962C8B-B14F-4D97-AF65-F5344CB8AC3E}">
+        <p14:creationId xmlns:p14="http://schemas.microsoft.com/office/powerpoint/2010/main" val="601745931"/>
+      </p:ext>
+    </p:extLst>
+  </p:cSld>
+  <p:clrMapOvr>
+    <a:masterClrMapping/>
+  </p:clrMapOvr>
+  <p:timing>
+    <p:tnLst>
+      <p:par>
+        <p:cTn id="1" dur="indefinite" restart="never" nodeType="tmRoot"/>
+      </p:par>
+    </p:tnLst>
+  </p:timing>
+</p:sld>
+</file>
+
+<file path=ppt/slides/slide32.xml><?xml version="1.0" encoding="utf-8"?>
+<p:sld xmlns:a="http://schemas.openxmlformats.org/drawingml/2006/main" xmlns:r="http://schemas.openxmlformats.org/officeDocument/2006/relationships" xmlns:p="http://schemas.openxmlformats.org/presentationml/2006/main" showMasterSp="0">
+  <p:cSld>
+    <p:spTree>
+      <p:nvGrpSpPr>
+        <p:cNvPr id="1" name=""/>
+        <p:cNvGrpSpPr/>
+        <p:nvPr/>
+      </p:nvGrpSpPr>
+      <p:grpSpPr>
+        <a:xfrm>
+          <a:off x="0" y="0"/>
+          <a:ext cx="0" cy="0"/>
+          <a:chOff x="0" y="0"/>
+          <a:chExt cx="0" cy="0"/>
+        </a:xfrm>
+      </p:grpSpPr>
+      <p:sp>
+        <p:nvSpPr>
+          <p:cNvPr id="2" name="Titre 1"/>
+          <p:cNvSpPr>
+            <a:spLocks noGrp="1"/>
+          </p:cNvSpPr>
+          <p:nvPr>
+            <p:ph type="title"/>
+          </p:nvPr>
+        </p:nvSpPr>
+        <p:spPr/>
+        <p:txBody>
+          <a:bodyPr/>
+          <a:lstStyle/>
+          <a:p>
+            <a:endParaRPr lang="fr-FR"/>
+          </a:p>
+        </p:txBody>
+      </p:sp>
+      <p:sp>
+        <p:nvSpPr>
+          <p:cNvPr id="3" name="Espace réservé du contenu 2"/>
+          <p:cNvSpPr>
+            <a:spLocks noGrp="1"/>
+          </p:cNvSpPr>
+          <p:nvPr>
+            <p:ph idx="1"/>
+          </p:nvPr>
+        </p:nvSpPr>
+        <p:spPr>
+          <a:xfrm>
             <a:off x="467544" y="2792685"/>
             <a:ext cx="8229600" cy="4065315"/>
           </a:xfrm>
@@ -14905,7 +16580,7 @@
             <a:fld id="{E31CB3CC-2B44-47CE-ACFB-D5D84FBE0F2F}" type="slidenum">
               <a:rPr lang="fr-FR" smtClean="0"/>
               <a:pPr/>
-              <a:t>31</a:t>
+              <a:t>32</a:t>
             </a:fld>
             <a:endParaRPr lang="fr-FR"/>
           </a:p>
@@ -15783,15 +17458,7 @@
             </a:r>
             <a:r>
               <a:rPr lang="fr-FR" dirty="0" smtClean="0"/>
-              <a:t> </a:t>
-            </a:r>
-            <a:r>
-              <a:rPr lang="fr-FR" dirty="0" smtClean="0"/>
-              <a:t>(Embarqué </a:t>
-            </a:r>
-            <a:r>
-              <a:rPr lang="fr-FR" dirty="0" smtClean="0"/>
-              <a:t>dans beaucoup de serveur de messagerie).</a:t>
+              <a:t> (Embarqué dans beaucoup de serveur de messagerie).</a:t>
             </a:r>
           </a:p>
           <a:p>
@@ -15801,15 +17468,7 @@
             </a:pPr>
             <a:r>
               <a:rPr lang="fr-FR" dirty="0" smtClean="0"/>
-              <a:t>On retrouve aussi </a:t>
-            </a:r>
-            <a:r>
-              <a:rPr lang="fr-FR" dirty="0" smtClean="0"/>
-              <a:t>Berkeley </a:t>
-            </a:r>
-            <a:r>
-              <a:rPr lang="fr-FR" dirty="0" smtClean="0"/>
-              <a:t>DB dans le Apache web serveur et le Gnome desktop.</a:t>
+              <a:t>On retrouve aussi Berkeley DB dans le Apache web serveur et le Gnome desktop.</a:t>
             </a:r>
           </a:p>
           <a:p>
@@ -16630,11 +18289,7 @@
           <a:p>
             <a:r>
               <a:rPr lang="fr-FR" sz="4400" dirty="0" smtClean="0"/>
-              <a:t>Oracle </a:t>
-            </a:r>
-            <a:r>
-              <a:rPr lang="fr-FR" sz="4400" dirty="0" smtClean="0"/>
-              <a:t>BDB </a:t>
+              <a:t>Oracle BDB </a:t>
             </a:r>
             <a:r>
               <a:rPr lang="fr-FR" sz="4400" dirty="0" err="1" smtClean="0">
@@ -16650,21 +18305,8 @@
                   <a:schemeClr val="bg1"/>
                 </a:solidFill>
               </a:rPr>
-              <a:t> </a:t>
-            </a:r>
-            <a:r>
-              <a:rPr lang="fr-FR" sz="4400" dirty="0" smtClean="0">
-                <a:solidFill>
-                  <a:schemeClr val="bg1"/>
-                </a:solidFill>
-              </a:rPr>
-              <a:t>(C++)</a:t>
-            </a:r>
-            <a:endParaRPr lang="fr-FR" sz="4400" dirty="0" smtClean="0">
-              <a:solidFill>
-                <a:schemeClr val="bg1"/>
-              </a:solidFill>
-            </a:endParaRPr>
+              <a:t> (C++)</a:t>
+            </a:r>
           </a:p>
           <a:p>
             <a:r>

--- a/Presentation Oracle Berkeley DB SMB214.pptx
+++ b/Presentation Oracle Berkeley DB SMB214.pptx
@@ -5,7 +5,7 @@
     <p:sldMasterId id="2147483744" r:id="rId1"/>
   </p:sldMasterIdLst>
   <p:notesMasterIdLst>
-    <p:notesMasterId r:id="rId33"/>
+    <p:notesMasterId r:id="rId37"/>
   </p:notesMasterIdLst>
   <p:sldIdLst>
     <p:sldId id="256" r:id="rId2"/>
@@ -27,18 +27,22 @@
     <p:sldId id="265" r:id="rId18"/>
     <p:sldId id="266" r:id="rId19"/>
     <p:sldId id="268" r:id="rId20"/>
-    <p:sldId id="293" r:id="rId21"/>
-    <p:sldId id="285" r:id="rId22"/>
-    <p:sldId id="286" r:id="rId23"/>
-    <p:sldId id="289" r:id="rId24"/>
-    <p:sldId id="290" r:id="rId25"/>
-    <p:sldId id="291" r:id="rId26"/>
-    <p:sldId id="277" r:id="rId27"/>
-    <p:sldId id="269" r:id="rId28"/>
-    <p:sldId id="278" r:id="rId29"/>
-    <p:sldId id="280" r:id="rId30"/>
-    <p:sldId id="274" r:id="rId31"/>
-    <p:sldId id="276" r:id="rId32"/>
+    <p:sldId id="285" r:id="rId21"/>
+    <p:sldId id="293" r:id="rId22"/>
+    <p:sldId id="294" r:id="rId23"/>
+    <p:sldId id="295" r:id="rId24"/>
+    <p:sldId id="296" r:id="rId25"/>
+    <p:sldId id="297" r:id="rId26"/>
+    <p:sldId id="286" r:id="rId27"/>
+    <p:sldId id="289" r:id="rId28"/>
+    <p:sldId id="290" r:id="rId29"/>
+    <p:sldId id="291" r:id="rId30"/>
+    <p:sldId id="277" r:id="rId31"/>
+    <p:sldId id="269" r:id="rId32"/>
+    <p:sldId id="278" r:id="rId33"/>
+    <p:sldId id="280" r:id="rId34"/>
+    <p:sldId id="274" r:id="rId35"/>
+    <p:sldId id="276" r:id="rId36"/>
   </p:sldIdLst>
   <p:sldSz cx="9144000" cy="6858000" type="screen4x3"/>
   <p:notesSz cx="6858000" cy="9144000"/>
@@ -239,7 +243,7 @@
             <a:fld id="{3552B5B3-F216-4DE7-A802-1632A9865AE2}" type="datetimeFigureOut">
               <a:rPr lang="fr-FR" smtClean="0"/>
               <a:pPr/>
-              <a:t>27/01/2016</a:t>
+              <a:t>28/01/2016</a:t>
             </a:fld>
             <a:endParaRPr lang="fr-FR"/>
           </a:p>
@@ -1598,7 +1602,7 @@
             <a:fld id="{13E75CF6-7759-483E-9466-3C83C36B35DA}" type="slidenum">
               <a:rPr lang="fr-FR" smtClean="0"/>
               <a:pPr/>
-              <a:t>27</a:t>
+              <a:t>31</a:t>
             </a:fld>
             <a:endParaRPr lang="fr-FR"/>
           </a:p>
@@ -1715,7 +1719,7 @@
             <a:fld id="{13E75CF6-7759-483E-9466-3C83C36B35DA}" type="slidenum">
               <a:rPr lang="fr-FR" smtClean="0"/>
               <a:pPr/>
-              <a:t>28</a:t>
+              <a:t>32</a:t>
             </a:fld>
             <a:endParaRPr lang="fr-FR"/>
           </a:p>
@@ -1815,7 +1819,7 @@
             <a:fld id="{13E75CF6-7759-483E-9466-3C83C36B35DA}" type="slidenum">
               <a:rPr lang="fr-FR" smtClean="0"/>
               <a:pPr/>
-              <a:t>29</a:t>
+              <a:t>33</a:t>
             </a:fld>
             <a:endParaRPr lang="fr-FR"/>
           </a:p>
@@ -3012,7 +3016,7 @@
             <a:fld id="{58AD8D6E-6829-4D52-969C-44AC7ED7CBC1}" type="datetime1">
               <a:rPr lang="fr-FR" smtClean="0"/>
               <a:pPr/>
-              <a:t>27/01/2016</a:t>
+              <a:t>28/01/2016</a:t>
             </a:fld>
             <a:endParaRPr lang="fr-FR"/>
           </a:p>
@@ -3184,7 +3188,7 @@
             <a:fld id="{875790F1-55E3-4C63-AEBD-3595FD455C82}" type="datetime1">
               <a:rPr lang="fr-FR" smtClean="0"/>
               <a:pPr/>
-              <a:t>27/01/2016</a:t>
+              <a:t>28/01/2016</a:t>
             </a:fld>
             <a:endParaRPr lang="fr-FR"/>
           </a:p>
@@ -3366,7 +3370,7 @@
             <a:fld id="{6DA43F66-79DB-4431-97CD-131103CA7D95}" type="datetime1">
               <a:rPr lang="fr-FR" smtClean="0"/>
               <a:pPr/>
-              <a:t>27/01/2016</a:t>
+              <a:t>28/01/2016</a:t>
             </a:fld>
             <a:endParaRPr lang="fr-FR"/>
           </a:p>
@@ -3538,7 +3542,7 @@
             <a:fld id="{E2C29F69-1ACC-4E0C-9CD9-8251E1DDB125}" type="datetime1">
               <a:rPr lang="fr-FR" smtClean="0"/>
               <a:pPr/>
-              <a:t>27/01/2016</a:t>
+              <a:t>28/01/2016</a:t>
             </a:fld>
             <a:endParaRPr lang="fr-FR"/>
           </a:p>
@@ -3786,7 +3790,7 @@
             <a:fld id="{B8D960DC-234F-4CD4-9CF4-F26E8CDB4995}" type="datetime1">
               <a:rPr lang="fr-FR" smtClean="0"/>
               <a:pPr/>
-              <a:t>27/01/2016</a:t>
+              <a:t>28/01/2016</a:t>
             </a:fld>
             <a:endParaRPr lang="fr-FR"/>
           </a:p>
@@ -4076,7 +4080,7 @@
             <a:fld id="{A23BA819-4ABA-4712-8CAF-8A2789F7ABA4}" type="datetime1">
               <a:rPr lang="fr-FR" smtClean="0"/>
               <a:pPr/>
-              <a:t>27/01/2016</a:t>
+              <a:t>28/01/2016</a:t>
             </a:fld>
             <a:endParaRPr lang="fr-FR"/>
           </a:p>
@@ -4500,7 +4504,7 @@
             <a:fld id="{493F5719-0AEC-42B9-B6FF-A933BAB6F1EA}" type="datetime1">
               <a:rPr lang="fr-FR" smtClean="0"/>
               <a:pPr/>
-              <a:t>27/01/2016</a:t>
+              <a:t>28/01/2016</a:t>
             </a:fld>
             <a:endParaRPr lang="fr-FR"/>
           </a:p>
@@ -4620,7 +4624,7 @@
             <a:fld id="{C148CFA5-81FD-4C3D-BF0B-EAF7E3EEB454}" type="datetime1">
               <a:rPr lang="fr-FR" smtClean="0"/>
               <a:pPr/>
-              <a:t>27/01/2016</a:t>
+              <a:t>28/01/2016</a:t>
             </a:fld>
             <a:endParaRPr lang="fr-FR"/>
           </a:p>
@@ -4717,7 +4721,7 @@
             <a:fld id="{D4F9ABE6-712F-42C3-ADF6-6466B01744A0}" type="datetime1">
               <a:rPr lang="fr-FR" smtClean="0"/>
               <a:pPr/>
-              <a:t>27/01/2016</a:t>
+              <a:t>28/01/2016</a:t>
             </a:fld>
             <a:endParaRPr lang="fr-FR"/>
           </a:p>
@@ -4996,7 +5000,7 @@
             <a:fld id="{9C2D04C7-950C-4C32-A10F-7FEBF4D84F23}" type="datetime1">
               <a:rPr lang="fr-FR" smtClean="0"/>
               <a:pPr/>
-              <a:t>27/01/2016</a:t>
+              <a:t>28/01/2016</a:t>
             </a:fld>
             <a:endParaRPr lang="fr-FR"/>
           </a:p>
@@ -5251,7 +5255,7 @@
             <a:fld id="{124B2686-4961-472F-A8F0-7005DA1D44CF}" type="datetime1">
               <a:rPr lang="fr-FR" smtClean="0"/>
               <a:pPr/>
-              <a:t>27/01/2016</a:t>
+              <a:t>28/01/2016</a:t>
             </a:fld>
             <a:endParaRPr lang="fr-FR"/>
           </a:p>
@@ -5471,7 +5475,7 @@
             <a:fld id="{0FED136F-5975-47A4-A359-BE2B7C479F12}" type="datetime1">
               <a:rPr lang="fr-FR" smtClean="0"/>
               <a:pPr/>
-              <a:t>27/01/2016</a:t>
+              <a:t>28/01/2016</a:t>
             </a:fld>
             <a:endParaRPr lang="fr-FR"/>
           </a:p>
@@ -5964,8 +5968,8 @@
         </p:nvSpPr>
         <p:spPr>
           <a:xfrm>
-            <a:off x="3243463" y="5013176"/>
-            <a:ext cx="2721170" cy="1200329"/>
+            <a:off x="3439679" y="5013176"/>
+            <a:ext cx="2264641" cy="1200329"/>
           </a:xfrm>
           <a:prstGeom prst="rect">
             <a:avLst/>
@@ -5978,15 +5982,24 @@
           </a:bodyPr>
           <a:lstStyle/>
           <a:p>
+            <a:pPr algn="ctr"/>
             <a:r>
               <a:rPr lang="fr-FR" sz="2400" b="1" dirty="0" smtClean="0">
                 <a:latin typeface="Times New Roman" pitchFamily="18" charset="0"/>
                 <a:cs typeface="Times New Roman" pitchFamily="18" charset="0"/>
               </a:rPr>
-              <a:t>     Réalisé par:</a:t>
-            </a:r>
-          </a:p>
-          <a:p>
+              <a:t>Réalisé </a:t>
+            </a:r>
+            <a:r>
+              <a:rPr lang="fr-FR" sz="2400" b="1" dirty="0" smtClean="0">
+                <a:latin typeface="Times New Roman" pitchFamily="18" charset="0"/>
+                <a:cs typeface="Times New Roman" pitchFamily="18" charset="0"/>
+              </a:rPr>
+              <a:t>par:</a:t>
+            </a:r>
+          </a:p>
+          <a:p>
+            <a:pPr algn="ctr"/>
             <a:r>
               <a:rPr lang="fr-FR" sz="2400" b="1" dirty="0">
                 <a:latin typeface="Times New Roman" pitchFamily="18" charset="0"/>
@@ -6352,20 +6365,11 @@
               </a:rPr>
               <a:t> </a:t>
             </a:r>
-            <a:endParaRPr lang="fr-FR" sz="4400" dirty="0" smtClean="0">
-              <a:solidFill>
-                <a:schemeClr val="bg1"/>
-              </a:solidFill>
-            </a:endParaRPr>
           </a:p>
           <a:p>
             <a:r>
               <a:rPr lang="fr-FR" sz="4400" dirty="0" smtClean="0"/>
-              <a:t>Oracle </a:t>
-            </a:r>
-            <a:r>
-              <a:rPr lang="fr-FR" sz="4400" dirty="0" smtClean="0"/>
-              <a:t>BDB XML Edition</a:t>
+              <a:t>Oracle BDB XML Edition</a:t>
             </a:r>
           </a:p>
           <a:p>
@@ -6856,11 +6860,7 @@
           <a:p>
             <a:r>
               <a:rPr lang="fr-FR" dirty="0" smtClean="0"/>
-              <a:t>Fonctionnalités des </a:t>
-            </a:r>
-            <a:r>
-              <a:rPr lang="fr-FR" dirty="0" smtClean="0"/>
-              <a:t>distributions de BDB</a:t>
+              <a:t>Fonctionnalités des distributions de BDB</a:t>
             </a:r>
             <a:endParaRPr lang="fr-FR" dirty="0"/>
           </a:p>
@@ -6922,11 +6922,7 @@
           <a:p>
             <a:r>
               <a:rPr lang="fr-FR" dirty="0" smtClean="0"/>
-              <a:t>Fonctionnalités des </a:t>
-            </a:r>
-            <a:r>
-              <a:rPr lang="fr-FR" dirty="0" smtClean="0"/>
-              <a:t>distributions de BDB</a:t>
+              <a:t>Fonctionnalités des distributions de BDB</a:t>
             </a:r>
             <a:endParaRPr lang="fr-FR" dirty="0"/>
           </a:p>
@@ -7164,11 +7160,7 @@
           <a:p>
             <a:r>
               <a:rPr lang="fr-FR" dirty="0" smtClean="0"/>
-              <a:t>Fonctionnalités des </a:t>
-            </a:r>
-            <a:r>
-              <a:rPr lang="fr-FR" dirty="0" smtClean="0"/>
-              <a:t>distributions de BDB</a:t>
+              <a:t>Fonctionnalités des distributions de BDB</a:t>
             </a:r>
             <a:endParaRPr lang="fr-FR" dirty="0"/>
           </a:p>
@@ -7305,11 +7297,7 @@
           <a:p>
             <a:r>
               <a:rPr lang="fr-FR" dirty="0" smtClean="0"/>
-              <a:t>Fonctionnalités des </a:t>
-            </a:r>
-            <a:r>
-              <a:rPr lang="fr-FR" dirty="0" smtClean="0"/>
-              <a:t>distributions de BDB</a:t>
+              <a:t>Fonctionnalités des distributions de BDB</a:t>
             </a:r>
             <a:endParaRPr lang="fr-FR" dirty="0"/>
           </a:p>
@@ -8404,6 +8392,13 @@
   <p:clrMapOvr>
     <a:masterClrMapping/>
   </p:clrMapOvr>
+  <p:timing>
+    <p:tnLst>
+      <p:par>
+        <p:cTn id="1" dur="indefinite" restart="never" nodeType="tmRoot"/>
+      </p:par>
+    </p:tnLst>
+  </p:timing>
 </p:sld>
 </file>
 
@@ -10432,79 +10427,240 @@
             <p:ph idx="1"/>
           </p:nvPr>
         </p:nvSpPr>
-        <p:spPr/>
+        <p:spPr>
+          <a:xfrm>
+            <a:off x="423934" y="1196752"/>
+            <a:ext cx="8229600" cy="5056972"/>
+          </a:xfrm>
+        </p:spPr>
         <p:txBody>
           <a:bodyPr>
-            <a:normAutofit fontScale="70000" lnSpcReduction="20000"/>
+            <a:normAutofit fontScale="47500" lnSpcReduction="20000"/>
           </a:bodyPr>
           <a:lstStyle/>
           <a:p>
+            <a:pPr>
+              <a:lnSpc>
+                <a:spcPct val="120000"/>
+              </a:lnSpc>
+            </a:pPr>
+            <a:r>
+              <a:rPr lang="fr-FR" dirty="0" smtClean="0"/>
+              <a:t>Introduction, Qu’est ce qu'un SGBD ?</a:t>
+            </a:r>
             <a:endParaRPr lang="fr-FR" dirty="0" smtClean="0"/>
           </a:p>
           <a:p>
+            <a:pPr>
+              <a:lnSpc>
+                <a:spcPct val="120000"/>
+              </a:lnSpc>
+            </a:pPr>
             <a:r>
               <a:rPr lang="fr-FR" dirty="0" smtClean="0"/>
-              <a:t>Introduction.</a:t>
-            </a:r>
-          </a:p>
-          <a:p>
+              <a:t>Berkeley DB Histoire et actualités.</a:t>
+            </a:r>
+            <a:endParaRPr lang="fr-FR" dirty="0" smtClean="0"/>
+          </a:p>
+          <a:p>
+            <a:pPr>
+              <a:lnSpc>
+                <a:spcPct val="120000"/>
+              </a:lnSpc>
+            </a:pPr>
+            <a:r>
+              <a:rPr lang="fr-FR" dirty="0" err="1" smtClean="0"/>
+              <a:t>NoSQL</a:t>
+            </a:r>
             <a:r>
               <a:rPr lang="fr-FR" dirty="0" smtClean="0"/>
-              <a:t>C’est quoi Berkeley?</a:t>
-            </a:r>
-          </a:p>
-          <a:p>
+              <a:t> el les Bases de données clé/valeur.</a:t>
+            </a:r>
+          </a:p>
+          <a:p>
+            <a:pPr>
+              <a:lnSpc>
+                <a:spcPct val="120000"/>
+              </a:lnSpc>
+            </a:pPr>
             <a:r>
               <a:rPr lang="fr-FR" dirty="0" smtClean="0"/>
-              <a:t>Utilisation de Berkeley DB.</a:t>
-            </a:r>
-          </a:p>
-          <a:p>
+              <a:t>Outils Berkeley DB.</a:t>
+            </a:r>
+            <a:endParaRPr lang="fr-FR" dirty="0" smtClean="0"/>
+          </a:p>
+          <a:p>
+            <a:pPr>
+              <a:lnSpc>
+                <a:spcPct val="120000"/>
+              </a:lnSpc>
+            </a:pPr>
             <a:r>
               <a:rPr lang="fr-FR" dirty="0" smtClean="0"/>
-              <a:t>Famille de Berkeley DB.</a:t>
-            </a:r>
-          </a:p>
-          <a:p>
+              <a:t>Utilisation de Berkeley </a:t>
+            </a:r>
             <a:r>
               <a:rPr lang="fr-FR" dirty="0" smtClean="0"/>
-              <a:t>Berkeley DB Tools.</a:t>
-            </a:r>
-          </a:p>
-          <a:p>
+              <a:t>DB</a:t>
+            </a:r>
             <a:r>
               <a:rPr lang="fr-FR" dirty="0" smtClean="0"/>
-              <a:t>La Paire Clé/Valeur.</a:t>
-            </a:r>
-          </a:p>
-          <a:p>
+              <a:t>.</a:t>
+            </a:r>
+          </a:p>
+          <a:p>
+            <a:pPr>
+              <a:lnSpc>
+                <a:spcPct val="120000"/>
+              </a:lnSpc>
+            </a:pPr>
+            <a:r>
+              <a:rPr lang="fr-FR" dirty="0"/>
+              <a:t>Famille Berkeley DB</a:t>
+            </a:r>
             <a:r>
               <a:rPr lang="fr-FR" dirty="0" smtClean="0"/>
-              <a:t>Méthodes d’accès aux données.</a:t>
-            </a:r>
-          </a:p>
-          <a:p>
+              <a:t>.</a:t>
+            </a:r>
+            <a:endParaRPr lang="fr-FR" dirty="0" smtClean="0"/>
+          </a:p>
+          <a:p>
+            <a:pPr>
+              <a:lnSpc>
+                <a:spcPct val="120000"/>
+              </a:lnSpc>
+            </a:pPr>
             <a:r>
               <a:rPr lang="fr-FR" dirty="0" smtClean="0"/>
-              <a:t>Architecture de BDB.</a:t>
-            </a:r>
-          </a:p>
-          <a:p>
+              <a:t>Fonctionnalités des distribution de Berkeley DB.</a:t>
+            </a:r>
+          </a:p>
+          <a:p>
+            <a:pPr>
+              <a:lnSpc>
+                <a:spcPct val="120000"/>
+              </a:lnSpc>
+            </a:pPr>
             <a:r>
               <a:rPr lang="fr-FR" dirty="0" smtClean="0"/>
-              <a:t>Gestion des données.</a:t>
-            </a:r>
-          </a:p>
-          <a:p>
+              <a:t>Comparaison et fonctionnalités des membres de la famille Berkeley DB.</a:t>
+            </a:r>
+          </a:p>
+          <a:p>
+            <a:pPr>
+              <a:lnSpc>
+                <a:spcPct val="120000"/>
+              </a:lnSpc>
+            </a:pPr>
+            <a:r>
+              <a:rPr lang="fr-FR" dirty="0" smtClean="0"/>
+              <a:t>Méthodes d’</a:t>
+            </a:r>
+            <a:r>
+              <a:rPr lang="fr-FR" dirty="0" err="1" smtClean="0"/>
+              <a:t>accés</a:t>
+            </a:r>
+            <a:r>
+              <a:rPr lang="fr-FR" dirty="0" smtClean="0"/>
+              <a:t> et gestion des données / Quelques propriétés de BDB.</a:t>
+            </a:r>
+            <a:endParaRPr lang="fr-FR" dirty="0" smtClean="0"/>
+          </a:p>
+          <a:p>
+            <a:pPr>
+              <a:lnSpc>
+                <a:spcPct val="120000"/>
+              </a:lnSpc>
+            </a:pPr>
+            <a:r>
+              <a:rPr lang="fr-FR" dirty="0" smtClean="0"/>
+              <a:t>Berkeley DB Java Edition </a:t>
+            </a:r>
+          </a:p>
+          <a:p>
+            <a:pPr lvl="1">
+              <a:lnSpc>
+                <a:spcPct val="120000"/>
+              </a:lnSpc>
+            </a:pPr>
+            <a:r>
+              <a:rPr lang="fr-FR" dirty="0" smtClean="0"/>
+              <a:t>Installation</a:t>
+            </a:r>
+          </a:p>
+          <a:p>
+            <a:pPr lvl="1">
+              <a:lnSpc>
+                <a:spcPct val="120000"/>
+              </a:lnSpc>
+            </a:pPr>
+            <a:r>
+              <a:rPr lang="fr-FR" dirty="0" smtClean="0"/>
+              <a:t>Description de l’environnement.</a:t>
+            </a:r>
+          </a:p>
+          <a:p>
+            <a:pPr lvl="1">
+              <a:lnSpc>
+                <a:spcPct val="120000"/>
+              </a:lnSpc>
+            </a:pPr>
+            <a:r>
+              <a:rPr lang="fr-FR" dirty="0" smtClean="0"/>
+              <a:t>Caractéristiques et Fonctionnalités de Berkeley DB JE.</a:t>
+            </a:r>
+          </a:p>
+          <a:p>
+            <a:pPr lvl="1">
+              <a:lnSpc>
+                <a:spcPct val="120000"/>
+              </a:lnSpc>
+            </a:pPr>
+            <a:r>
+              <a:rPr lang="fr-FR" dirty="0" smtClean="0"/>
+              <a:t>API Disponibles.</a:t>
+            </a:r>
+          </a:p>
+          <a:p>
+            <a:pPr lvl="1">
+              <a:lnSpc>
+                <a:spcPct val="120000"/>
+              </a:lnSpc>
+            </a:pPr>
+            <a:r>
+              <a:rPr lang="fr-FR" dirty="0" smtClean="0"/>
+              <a:t>Quel API faut il utilis</a:t>
+            </a:r>
+            <a:r>
+              <a:rPr lang="fr-FR" dirty="0" smtClean="0"/>
+              <a:t>é ?</a:t>
+            </a:r>
+            <a:endParaRPr lang="fr-FR" dirty="0" smtClean="0"/>
+          </a:p>
+          <a:p>
+            <a:pPr>
+              <a:lnSpc>
+                <a:spcPct val="120000"/>
+              </a:lnSpc>
+            </a:pPr>
             <a:r>
               <a:rPr lang="fr-FR" dirty="0" smtClean="0"/>
               <a:t>Démonstration.</a:t>
             </a:r>
           </a:p>
           <a:p>
+            <a:pPr>
+              <a:lnSpc>
+                <a:spcPct val="120000"/>
+              </a:lnSpc>
+            </a:pPr>
             <a:r>
               <a:rPr lang="fr-FR" dirty="0" smtClean="0"/>
-              <a:t>Conclusion.</a:t>
+              <a:t>Conclusion</a:t>
+            </a:r>
+            <a:r>
+              <a:rPr lang="fr-FR" dirty="0" smtClean="0"/>
+              <a:t>.</a:t>
             </a:r>
           </a:p>
         </p:txBody>
@@ -10554,6 +10710,146 @@
 </file>
 
 <file path=ppt/slides/slide20.xml><?xml version="1.0" encoding="utf-8"?>
+<p:sld xmlns:a="http://schemas.openxmlformats.org/drawingml/2006/main" xmlns:r="http://schemas.openxmlformats.org/officeDocument/2006/relationships" xmlns:p="http://schemas.openxmlformats.org/presentationml/2006/main" showMasterSp="0">
+  <p:cSld>
+    <p:spTree>
+      <p:nvGrpSpPr>
+        <p:cNvPr id="1" name=""/>
+        <p:cNvGrpSpPr/>
+        <p:nvPr/>
+      </p:nvGrpSpPr>
+      <p:grpSpPr>
+        <a:xfrm>
+          <a:off x="0" y="0"/>
+          <a:ext cx="0" cy="0"/>
+          <a:chOff x="0" y="0"/>
+          <a:chExt cx="0" cy="0"/>
+        </a:xfrm>
+      </p:grpSpPr>
+      <p:sp>
+        <p:nvSpPr>
+          <p:cNvPr id="2" name="Titre 1"/>
+          <p:cNvSpPr>
+            <a:spLocks noGrp="1"/>
+          </p:cNvSpPr>
+          <p:nvPr>
+            <p:ph type="title"/>
+          </p:nvPr>
+        </p:nvSpPr>
+        <p:spPr/>
+        <p:txBody>
+          <a:bodyPr/>
+          <a:lstStyle/>
+          <a:p>
+            <a:r>
+              <a:rPr lang="fr-FR" dirty="0" smtClean="0"/>
+              <a:t>Quelques propriétés de BDB</a:t>
+            </a:r>
+            <a:endParaRPr lang="fr-FR" dirty="0"/>
+          </a:p>
+        </p:txBody>
+      </p:sp>
+      <p:sp>
+        <p:nvSpPr>
+          <p:cNvPr id="3" name="Espace réservé du contenu 2"/>
+          <p:cNvSpPr>
+            <a:spLocks noGrp="1"/>
+          </p:cNvSpPr>
+          <p:nvPr>
+            <p:ph idx="1"/>
+          </p:nvPr>
+        </p:nvSpPr>
+        <p:spPr>
+          <a:xfrm>
+            <a:off x="457200" y="1600200"/>
+            <a:ext cx="8686800" cy="4853136"/>
+          </a:xfrm>
+        </p:spPr>
+        <p:txBody>
+          <a:bodyPr>
+            <a:normAutofit lnSpcReduction="10000"/>
+          </a:bodyPr>
+          <a:lstStyle/>
+          <a:p>
+            <a:r>
+              <a:rPr lang="fr-FR" dirty="0" smtClean="0"/>
+              <a:t>La taille de des clés est de 2^32 bits.</a:t>
+            </a:r>
+          </a:p>
+          <a:p>
+            <a:r>
+              <a:rPr lang="fr-FR" dirty="0" smtClean="0"/>
+              <a:t>La taille des page est paramétrable, à la création de la base, le développeur peut choisir la taille de la page.</a:t>
+            </a:r>
+          </a:p>
+          <a:p>
+            <a:r>
+              <a:rPr lang="fr-FR" dirty="0" smtClean="0"/>
+              <a:t>Offre aux utilisateurs le service de </a:t>
+            </a:r>
+            <a:r>
+              <a:rPr lang="fr-FR" dirty="0" err="1" smtClean="0"/>
+              <a:t>checkpoints</a:t>
+            </a:r>
+            <a:r>
+              <a:rPr lang="fr-FR" dirty="0" smtClean="0"/>
+              <a:t>, se service vérifie le fichier log et l’état de la base de donnée pour éventuellement lancer un update.</a:t>
+            </a:r>
+          </a:p>
+          <a:p>
+            <a:r>
+              <a:rPr lang="fr-FR" dirty="0" smtClean="0"/>
+              <a:t>Les dernières versions du BDB implémentent le langage SQL.</a:t>
+            </a:r>
+          </a:p>
+          <a:p>
+            <a:endParaRPr lang="fr-FR" dirty="0" smtClean="0"/>
+          </a:p>
+          <a:p>
+            <a:endParaRPr lang="fr-FR" dirty="0"/>
+          </a:p>
+        </p:txBody>
+      </p:sp>
+      <p:sp>
+        <p:nvSpPr>
+          <p:cNvPr id="4" name="Espace réservé du numéro de diapositive 3"/>
+          <p:cNvSpPr>
+            <a:spLocks noGrp="1"/>
+          </p:cNvSpPr>
+          <p:nvPr>
+            <p:ph type="sldNum" sz="quarter" idx="12"/>
+          </p:nvPr>
+        </p:nvSpPr>
+        <p:spPr/>
+        <p:txBody>
+          <a:bodyPr/>
+          <a:lstStyle/>
+          <a:p>
+            <a:fld id="{E31CB3CC-2B44-47CE-ACFB-D5D84FBE0F2F}" type="slidenum">
+              <a:rPr lang="fr-FR" smtClean="0"/>
+              <a:pPr/>
+              <a:t>20</a:t>
+            </a:fld>
+            <a:endParaRPr lang="fr-FR"/>
+          </a:p>
+        </p:txBody>
+      </p:sp>
+    </p:spTree>
+  </p:cSld>
+  <p:clrMapOvr>
+    <a:masterClrMapping/>
+  </p:clrMapOvr>
+  <p:timing>
+    <p:tnLst>
+      <p:par>
+        <p:cTn id="1" dur="indefinite" restart="never" nodeType="tmRoot"/>
+      </p:par>
+    </p:tnLst>
+  </p:timing>
+</p:sld>
+</file>
+
+<file path=ppt/slides/slide21.xml><?xml version="1.0" encoding="utf-8"?>
 <p:sld xmlns:a="http://schemas.openxmlformats.org/drawingml/2006/main" xmlns:r="http://schemas.openxmlformats.org/officeDocument/2006/relationships" xmlns:p="http://schemas.openxmlformats.org/presentationml/2006/main">
   <p:cSld>
     <p:spTree>
@@ -10737,7 +11033,7 @@
             <a:fld id="{E31CB3CC-2B44-47CE-ACFB-D5D84FBE0F2F}" type="slidenum">
               <a:rPr lang="fr-FR" smtClean="0"/>
               <a:pPr/>
-              <a:t>20</a:t>
+              <a:t>21</a:t>
             </a:fld>
             <a:endParaRPr lang="fr-FR"/>
           </a:p>
@@ -10753,11 +11049,417 @@
   <p:clrMapOvr>
     <a:masterClrMapping/>
   </p:clrMapOvr>
+  <mc:AlternateContent xmlns:mc="http://schemas.openxmlformats.org/markup-compatibility/2006">
+    <mc:Choice xmlns:p14="http://schemas.microsoft.com/office/powerpoint/2010/main" Requires="p14">
+      <p:transition p14:dur="0"/>
+    </mc:Choice>
+    <mc:Fallback>
+      <p:transition/>
+    </mc:Fallback>
+  </mc:AlternateContent>
+  <p:timing>
+    <p:tnLst>
+      <p:par>
+        <p:cTn id="1" dur="indefinite" restart="never" nodeType="tmRoot">
+          <p:childTnLst>
+            <p:seq concurrent="1" nextAc="seek">
+              <p:cTn id="2" dur="indefinite" nodeType="mainSeq">
+                <p:childTnLst>
+                  <p:par>
+                    <p:cTn id="3" fill="hold">
+                      <p:stCondLst>
+                        <p:cond delay="indefinite"/>
+                      </p:stCondLst>
+                      <p:childTnLst>
+                        <p:par>
+                          <p:cTn id="4" fill="hold">
+                            <p:stCondLst>
+                              <p:cond delay="0"/>
+                            </p:stCondLst>
+                            <p:childTnLst>
+                              <p:par>
+                                <p:cTn id="5" presetID="16" presetClass="entr" presetSubtype="21" fill="hold" grpId="0" nodeType="clickEffect">
+                                  <p:stCondLst>
+                                    <p:cond delay="0"/>
+                                  </p:stCondLst>
+                                  <p:childTnLst>
+                                    <p:set>
+                                      <p:cBhvr>
+                                        <p:cTn id="6" dur="1" fill="hold">
+                                          <p:stCondLst>
+                                            <p:cond delay="0"/>
+                                          </p:stCondLst>
+                                        </p:cTn>
+                                        <p:tgtEl>
+                                          <p:spTgt spid="2"/>
+                                        </p:tgtEl>
+                                        <p:attrNameLst>
+                                          <p:attrName>style.visibility</p:attrName>
+                                        </p:attrNameLst>
+                                      </p:cBhvr>
+                                      <p:to>
+                                        <p:strVal val="visible"/>
+                                      </p:to>
+                                    </p:set>
+                                    <p:animEffect transition="in" filter="barn(inVertical)">
+                                      <p:cBhvr>
+                                        <p:cTn id="7" dur="500"/>
+                                        <p:tgtEl>
+                                          <p:spTgt spid="2"/>
+                                        </p:tgtEl>
+                                      </p:cBhvr>
+                                    </p:animEffect>
+                                  </p:childTnLst>
+                                </p:cTn>
+                              </p:par>
+                            </p:childTnLst>
+                          </p:cTn>
+                        </p:par>
+                      </p:childTnLst>
+                    </p:cTn>
+                  </p:par>
+                  <p:par>
+                    <p:cTn id="8" fill="hold">
+                      <p:stCondLst>
+                        <p:cond delay="indefinite"/>
+                      </p:stCondLst>
+                      <p:childTnLst>
+                        <p:par>
+                          <p:cTn id="9" fill="hold">
+                            <p:stCondLst>
+                              <p:cond delay="0"/>
+                            </p:stCondLst>
+                            <p:childTnLst>
+                              <p:par>
+                                <p:cTn id="10" presetID="22" presetClass="entr" presetSubtype="4" fill="hold" nodeType="clickEffect">
+                                  <p:stCondLst>
+                                    <p:cond delay="0"/>
+                                  </p:stCondLst>
+                                  <p:childTnLst>
+                                    <p:set>
+                                      <p:cBhvr>
+                                        <p:cTn id="11" dur="1" fill="hold">
+                                          <p:stCondLst>
+                                            <p:cond delay="0"/>
+                                          </p:stCondLst>
+                                        </p:cTn>
+                                        <p:tgtEl>
+                                          <p:spTgt spid="3">
+                                            <p:txEl>
+                                              <p:pRg st="0" end="0"/>
+                                            </p:txEl>
+                                          </p:spTgt>
+                                        </p:tgtEl>
+                                        <p:attrNameLst>
+                                          <p:attrName>style.visibility</p:attrName>
+                                        </p:attrNameLst>
+                                      </p:cBhvr>
+                                      <p:to>
+                                        <p:strVal val="visible"/>
+                                      </p:to>
+                                    </p:set>
+                                    <p:animEffect transition="in" filter="wipe(down)">
+                                      <p:cBhvr>
+                                        <p:cTn id="12" dur="500"/>
+                                        <p:tgtEl>
+                                          <p:spTgt spid="3">
+                                            <p:txEl>
+                                              <p:pRg st="0" end="0"/>
+                                            </p:txEl>
+                                          </p:spTgt>
+                                        </p:tgtEl>
+                                      </p:cBhvr>
+                                    </p:animEffect>
+                                  </p:childTnLst>
+                                </p:cTn>
+                              </p:par>
+                              <p:par>
+                                <p:cTn id="13" presetID="22" presetClass="entr" presetSubtype="4" fill="hold" nodeType="withEffect">
+                                  <p:stCondLst>
+                                    <p:cond delay="0"/>
+                                  </p:stCondLst>
+                                  <p:childTnLst>
+                                    <p:set>
+                                      <p:cBhvr>
+                                        <p:cTn id="14" dur="1" fill="hold">
+                                          <p:stCondLst>
+                                            <p:cond delay="0"/>
+                                          </p:stCondLst>
+                                        </p:cTn>
+                                        <p:tgtEl>
+                                          <p:spTgt spid="3">
+                                            <p:txEl>
+                                              <p:pRg st="1" end="1"/>
+                                            </p:txEl>
+                                          </p:spTgt>
+                                        </p:tgtEl>
+                                        <p:attrNameLst>
+                                          <p:attrName>style.visibility</p:attrName>
+                                        </p:attrNameLst>
+                                      </p:cBhvr>
+                                      <p:to>
+                                        <p:strVal val="visible"/>
+                                      </p:to>
+                                    </p:set>
+                                    <p:animEffect transition="in" filter="wipe(down)">
+                                      <p:cBhvr>
+                                        <p:cTn id="15" dur="500"/>
+                                        <p:tgtEl>
+                                          <p:spTgt spid="3">
+                                            <p:txEl>
+                                              <p:pRg st="1" end="1"/>
+                                            </p:txEl>
+                                          </p:spTgt>
+                                        </p:tgtEl>
+                                      </p:cBhvr>
+                                    </p:animEffect>
+                                  </p:childTnLst>
+                                </p:cTn>
+                              </p:par>
+                              <p:par>
+                                <p:cTn id="16" presetID="22" presetClass="entr" presetSubtype="4" fill="hold" nodeType="withEffect">
+                                  <p:stCondLst>
+                                    <p:cond delay="0"/>
+                                  </p:stCondLst>
+                                  <p:childTnLst>
+                                    <p:set>
+                                      <p:cBhvr>
+                                        <p:cTn id="17" dur="1" fill="hold">
+                                          <p:stCondLst>
+                                            <p:cond delay="0"/>
+                                          </p:stCondLst>
+                                        </p:cTn>
+                                        <p:tgtEl>
+                                          <p:spTgt spid="3">
+                                            <p:txEl>
+                                              <p:pRg st="2" end="2"/>
+                                            </p:txEl>
+                                          </p:spTgt>
+                                        </p:tgtEl>
+                                        <p:attrNameLst>
+                                          <p:attrName>style.visibility</p:attrName>
+                                        </p:attrNameLst>
+                                      </p:cBhvr>
+                                      <p:to>
+                                        <p:strVal val="visible"/>
+                                      </p:to>
+                                    </p:set>
+                                    <p:animEffect transition="in" filter="wipe(down)">
+                                      <p:cBhvr>
+                                        <p:cTn id="18" dur="500"/>
+                                        <p:tgtEl>
+                                          <p:spTgt spid="3">
+                                            <p:txEl>
+                                              <p:pRg st="2" end="2"/>
+                                            </p:txEl>
+                                          </p:spTgt>
+                                        </p:tgtEl>
+                                      </p:cBhvr>
+                                    </p:animEffect>
+                                  </p:childTnLst>
+                                </p:cTn>
+                              </p:par>
+                            </p:childTnLst>
+                          </p:cTn>
+                        </p:par>
+                      </p:childTnLst>
+                    </p:cTn>
+                  </p:par>
+                  <p:par>
+                    <p:cTn id="19" fill="hold">
+                      <p:stCondLst>
+                        <p:cond delay="indefinite"/>
+                      </p:stCondLst>
+                      <p:childTnLst>
+                        <p:par>
+                          <p:cTn id="20" fill="hold">
+                            <p:stCondLst>
+                              <p:cond delay="0"/>
+                            </p:stCondLst>
+                            <p:childTnLst>
+                              <p:par>
+                                <p:cTn id="21" presetID="16" presetClass="entr" presetSubtype="21" fill="hold" nodeType="clickEffect">
+                                  <p:stCondLst>
+                                    <p:cond delay="0"/>
+                                  </p:stCondLst>
+                                  <p:childTnLst>
+                                    <p:set>
+                                      <p:cBhvr>
+                                        <p:cTn id="22" dur="1" fill="hold">
+                                          <p:stCondLst>
+                                            <p:cond delay="0"/>
+                                          </p:stCondLst>
+                                        </p:cTn>
+                                        <p:tgtEl>
+                                          <p:spTgt spid="3">
+                                            <p:txEl>
+                                              <p:pRg st="3" end="3"/>
+                                            </p:txEl>
+                                          </p:spTgt>
+                                        </p:tgtEl>
+                                        <p:attrNameLst>
+                                          <p:attrName>style.visibility</p:attrName>
+                                        </p:attrNameLst>
+                                      </p:cBhvr>
+                                      <p:to>
+                                        <p:strVal val="visible"/>
+                                      </p:to>
+                                    </p:set>
+                                    <p:animEffect transition="in" filter="barn(inVertical)">
+                                      <p:cBhvr>
+                                        <p:cTn id="23" dur="500"/>
+                                        <p:tgtEl>
+                                          <p:spTgt spid="3">
+                                            <p:txEl>
+                                              <p:pRg st="3" end="3"/>
+                                            </p:txEl>
+                                          </p:spTgt>
+                                        </p:tgtEl>
+                                      </p:cBhvr>
+                                    </p:animEffect>
+                                  </p:childTnLst>
+                                </p:cTn>
+                              </p:par>
+                            </p:childTnLst>
+                          </p:cTn>
+                        </p:par>
+                      </p:childTnLst>
+                    </p:cTn>
+                  </p:par>
+                  <p:par>
+                    <p:cTn id="24" fill="hold">
+                      <p:stCondLst>
+                        <p:cond delay="indefinite"/>
+                      </p:stCondLst>
+                      <p:childTnLst>
+                        <p:par>
+                          <p:cTn id="25" fill="hold">
+                            <p:stCondLst>
+                              <p:cond delay="0"/>
+                            </p:stCondLst>
+                            <p:childTnLst>
+                              <p:par>
+                                <p:cTn id="26" presetID="22" presetClass="entr" presetSubtype="4" fill="hold" nodeType="clickEffect">
+                                  <p:stCondLst>
+                                    <p:cond delay="0"/>
+                                  </p:stCondLst>
+                                  <p:childTnLst>
+                                    <p:set>
+                                      <p:cBhvr>
+                                        <p:cTn id="27" dur="1" fill="hold">
+                                          <p:stCondLst>
+                                            <p:cond delay="0"/>
+                                          </p:stCondLst>
+                                        </p:cTn>
+                                        <p:tgtEl>
+                                          <p:spTgt spid="3">
+                                            <p:txEl>
+                                              <p:pRg st="4" end="4"/>
+                                            </p:txEl>
+                                          </p:spTgt>
+                                        </p:tgtEl>
+                                        <p:attrNameLst>
+                                          <p:attrName>style.visibility</p:attrName>
+                                        </p:attrNameLst>
+                                      </p:cBhvr>
+                                      <p:to>
+                                        <p:strVal val="visible"/>
+                                      </p:to>
+                                    </p:set>
+                                    <p:animEffect transition="in" filter="wipe(down)">
+                                      <p:cBhvr>
+                                        <p:cTn id="28" dur="500"/>
+                                        <p:tgtEl>
+                                          <p:spTgt spid="3">
+                                            <p:txEl>
+                                              <p:pRg st="4" end="4"/>
+                                            </p:txEl>
+                                          </p:spTgt>
+                                        </p:tgtEl>
+                                      </p:cBhvr>
+                                    </p:animEffect>
+                                  </p:childTnLst>
+                                </p:cTn>
+                              </p:par>
+                              <p:par>
+                                <p:cTn id="29" presetID="22" presetClass="entr" presetSubtype="4" fill="hold" nodeType="withEffect">
+                                  <p:stCondLst>
+                                    <p:cond delay="0"/>
+                                  </p:stCondLst>
+                                  <p:childTnLst>
+                                    <p:set>
+                                      <p:cBhvr>
+                                        <p:cTn id="30" dur="1" fill="hold">
+                                          <p:stCondLst>
+                                            <p:cond delay="0"/>
+                                          </p:stCondLst>
+                                        </p:cTn>
+                                        <p:tgtEl>
+                                          <p:spTgt spid="3">
+                                            <p:txEl>
+                                              <p:pRg st="5" end="5"/>
+                                            </p:txEl>
+                                          </p:spTgt>
+                                        </p:tgtEl>
+                                        <p:attrNameLst>
+                                          <p:attrName>style.visibility</p:attrName>
+                                        </p:attrNameLst>
+                                      </p:cBhvr>
+                                      <p:to>
+                                        <p:strVal val="visible"/>
+                                      </p:to>
+                                    </p:set>
+                                    <p:animEffect transition="in" filter="wipe(down)">
+                                      <p:cBhvr>
+                                        <p:cTn id="31" dur="500"/>
+                                        <p:tgtEl>
+                                          <p:spTgt spid="3">
+                                            <p:txEl>
+                                              <p:pRg st="5" end="5"/>
+                                            </p:txEl>
+                                          </p:spTgt>
+                                        </p:tgtEl>
+                                      </p:cBhvr>
+                                    </p:animEffect>
+                                  </p:childTnLst>
+                                </p:cTn>
+                              </p:par>
+                            </p:childTnLst>
+                          </p:cTn>
+                        </p:par>
+                      </p:childTnLst>
+                    </p:cTn>
+                  </p:par>
+                </p:childTnLst>
+              </p:cTn>
+              <p:prevCondLst>
+                <p:cond evt="onPrev" delay="0">
+                  <p:tgtEl>
+                    <p:sldTgt/>
+                  </p:tgtEl>
+                </p:cond>
+              </p:prevCondLst>
+              <p:nextCondLst>
+                <p:cond evt="onNext" delay="0">
+                  <p:tgtEl>
+                    <p:sldTgt/>
+                  </p:tgtEl>
+                </p:cond>
+              </p:nextCondLst>
+            </p:seq>
+          </p:childTnLst>
+        </p:cTn>
+      </p:par>
+    </p:tnLst>
+    <p:bldLst>
+      <p:bldP spid="2" grpId="0"/>
+    </p:bldLst>
+  </p:timing>
 </p:sld>
 </file>
 
-<file path=ppt/slides/slide21.xml><?xml version="1.0" encoding="utf-8"?>
-<p:sld xmlns:a="http://schemas.openxmlformats.org/drawingml/2006/main" xmlns:r="http://schemas.openxmlformats.org/officeDocument/2006/relationships" xmlns:p="http://schemas.openxmlformats.org/presentationml/2006/main" showMasterSp="0">
+<file path=ppt/slides/slide22.xml><?xml version="1.0" encoding="utf-8"?>
+<p:sld xmlns:a="http://schemas.openxmlformats.org/drawingml/2006/main" xmlns:r="http://schemas.openxmlformats.org/officeDocument/2006/relationships" xmlns:p="http://schemas.openxmlformats.org/presentationml/2006/main">
   <p:cSld>
     <p:spTree>
       <p:nvGrpSpPr>
@@ -10775,7 +11477,7 @@
       </p:grpSpPr>
       <p:sp>
         <p:nvSpPr>
-          <p:cNvPr id="2" name="Titre 1"/>
+          <p:cNvPr id="2" name="Title 1"/>
           <p:cNvSpPr>
             <a:spLocks noGrp="1"/>
           </p:cNvSpPr>
@@ -10788,17 +11490,18 @@
           <a:bodyPr/>
           <a:lstStyle/>
           <a:p>
-            <a:r>
-              <a:rPr lang="fr-FR" dirty="0" smtClean="0"/>
-              <a:t>Quelques propriétés de BDB</a:t>
-            </a:r>
-            <a:endParaRPr lang="fr-FR" dirty="0"/>
+            <a:pPr lvl="0"/>
+            <a:r>
+              <a:rPr lang="fr-FR" dirty="0"/>
+              <a:t>Les API d'accès aux données : </a:t>
+            </a:r>
+            <a:endParaRPr lang="en-US" dirty="0"/>
           </a:p>
         </p:txBody>
       </p:sp>
       <p:sp>
         <p:nvSpPr>
-          <p:cNvPr id="3" name="Espace réservé du contenu 2"/>
+          <p:cNvPr id="3" name="Content Placeholder 2"/>
           <p:cNvSpPr>
             <a:spLocks noGrp="1"/>
           </p:cNvSpPr>
@@ -10808,58 +11511,65 @@
         </p:nvSpPr>
         <p:spPr>
           <a:xfrm>
-            <a:off x="457200" y="1600200"/>
-            <a:ext cx="8686800" cy="4853136"/>
+            <a:off x="457200" y="1700808"/>
+            <a:ext cx="8435280" cy="3384377"/>
           </a:xfrm>
         </p:spPr>
         <p:txBody>
-          <a:bodyPr>
-            <a:normAutofit lnSpcReduction="10000"/>
-          </a:bodyPr>
+          <a:bodyPr/>
           <a:lstStyle/>
           <a:p>
+            <a:pPr>
+              <a:lnSpc>
+                <a:spcPct val="200000"/>
+              </a:lnSpc>
+            </a:pPr>
+            <a:r>
+              <a:rPr lang="fr-FR" dirty="0"/>
+              <a:t>l'API de base </a:t>
+            </a:r>
+            <a:endParaRPr lang="fr-FR" dirty="0" smtClean="0"/>
+          </a:p>
+          <a:p>
+            <a:pPr>
+              <a:lnSpc>
+                <a:spcPct val="200000"/>
+              </a:lnSpc>
+            </a:pPr>
+            <a:r>
+              <a:rPr lang="fr-FR" dirty="0"/>
+              <a:t>l'API DPL (Direct </a:t>
+            </a:r>
+            <a:r>
+              <a:rPr lang="fr-FR" dirty="0" err="1"/>
+              <a:t>Persistence</a:t>
+            </a:r>
+            <a:r>
+              <a:rPr lang="fr-FR" dirty="0"/>
+              <a:t> </a:t>
+            </a:r>
             <a:r>
               <a:rPr lang="fr-FR" dirty="0" smtClean="0"/>
-              <a:t>La taille de des clés est de 2^32 bits.</a:t>
-            </a:r>
-          </a:p>
-          <a:p>
-            <a:r>
-              <a:rPr lang="fr-FR" dirty="0" smtClean="0"/>
-              <a:t>La taille des page est paramétrable, à la création de la base, le développeur peut choisir la taille de la page.</a:t>
-            </a:r>
-          </a:p>
-          <a:p>
-            <a:r>
-              <a:rPr lang="fr-FR" dirty="0" smtClean="0"/>
-              <a:t>Offre aux utilisateurs le service de </a:t>
-            </a:r>
-            <a:r>
-              <a:rPr lang="fr-FR" dirty="0" err="1" smtClean="0"/>
-              <a:t>checkpoints</a:t>
-            </a:r>
-            <a:r>
-              <a:rPr lang="fr-FR" dirty="0" smtClean="0"/>
-              <a:t>, se service vérifie le fichier log et l’état de la base de donnée pour éventuellement lancer un update.</a:t>
-            </a:r>
-          </a:p>
-          <a:p>
-            <a:r>
-              <a:rPr lang="fr-FR" dirty="0" smtClean="0"/>
-              <a:t>Les dernières versions du BDB implémentent le langage SQL.</a:t>
-            </a:r>
-          </a:p>
-          <a:p>
-            <a:endParaRPr lang="fr-FR" dirty="0" smtClean="0"/>
-          </a:p>
-          <a:p>
-            <a:endParaRPr lang="fr-FR" dirty="0"/>
+              <a:t>Layer)</a:t>
+            </a:r>
+          </a:p>
+          <a:p>
+            <a:pPr>
+              <a:lnSpc>
+                <a:spcPct val="200000"/>
+              </a:lnSpc>
+            </a:pPr>
+            <a:r>
+              <a:rPr lang="fr-FR" dirty="0"/>
+              <a:t>la Collection API qui étend la Java Collection API</a:t>
+            </a:r>
+            <a:endParaRPr lang="en-US" dirty="0"/>
           </a:p>
         </p:txBody>
       </p:sp>
       <p:sp>
         <p:nvSpPr>
-          <p:cNvPr id="4" name="Espace réservé du numéro de diapositive 3"/>
+          <p:cNvPr id="4" name="Slide Number Placeholder 3"/>
           <p:cNvSpPr>
             <a:spLocks noGrp="1"/>
           </p:cNvSpPr>
@@ -10875,13 +11585,1042 @@
             <a:fld id="{E31CB3CC-2B44-47CE-ACFB-D5D84FBE0F2F}" type="slidenum">
               <a:rPr lang="fr-FR" smtClean="0"/>
               <a:pPr/>
-              <a:t>21</a:t>
+              <a:t>22</a:t>
             </a:fld>
             <a:endParaRPr lang="fr-FR"/>
           </a:p>
         </p:txBody>
       </p:sp>
     </p:spTree>
+    <p:extLst>
+      <p:ext uri="{BB962C8B-B14F-4D97-AF65-F5344CB8AC3E}">
+        <p14:creationId xmlns:p14="http://schemas.microsoft.com/office/powerpoint/2010/main" val="293324896"/>
+      </p:ext>
+    </p:extLst>
+  </p:cSld>
+  <p:clrMapOvr>
+    <a:masterClrMapping/>
+  </p:clrMapOvr>
+  <p:timing>
+    <p:tnLst>
+      <p:par>
+        <p:cTn id="1" dur="indefinite" restart="never" nodeType="tmRoot">
+          <p:childTnLst>
+            <p:seq concurrent="1" nextAc="seek">
+              <p:cTn id="2" dur="indefinite" nodeType="mainSeq">
+                <p:childTnLst>
+                  <p:par>
+                    <p:cTn id="3" fill="hold">
+                      <p:stCondLst>
+                        <p:cond delay="indefinite"/>
+                      </p:stCondLst>
+                      <p:childTnLst>
+                        <p:par>
+                          <p:cTn id="4" fill="hold">
+                            <p:stCondLst>
+                              <p:cond delay="0"/>
+                            </p:stCondLst>
+                            <p:childTnLst>
+                              <p:par>
+                                <p:cTn id="5" presetID="2" presetClass="entr" presetSubtype="4" fill="hold" grpId="0" nodeType="clickEffect">
+                                  <p:stCondLst>
+                                    <p:cond delay="0"/>
+                                  </p:stCondLst>
+                                  <p:childTnLst>
+                                    <p:set>
+                                      <p:cBhvr>
+                                        <p:cTn id="6" dur="1" fill="hold">
+                                          <p:stCondLst>
+                                            <p:cond delay="0"/>
+                                          </p:stCondLst>
+                                        </p:cTn>
+                                        <p:tgtEl>
+                                          <p:spTgt spid="2"/>
+                                        </p:tgtEl>
+                                        <p:attrNameLst>
+                                          <p:attrName>style.visibility</p:attrName>
+                                        </p:attrNameLst>
+                                      </p:cBhvr>
+                                      <p:to>
+                                        <p:strVal val="visible"/>
+                                      </p:to>
+                                    </p:set>
+                                    <p:anim calcmode="lin" valueType="num">
+                                      <p:cBhvr additive="base">
+                                        <p:cTn id="7" dur="500" fill="hold"/>
+                                        <p:tgtEl>
+                                          <p:spTgt spid="2"/>
+                                        </p:tgtEl>
+                                        <p:attrNameLst>
+                                          <p:attrName>ppt_x</p:attrName>
+                                        </p:attrNameLst>
+                                      </p:cBhvr>
+                                      <p:tavLst>
+                                        <p:tav tm="0">
+                                          <p:val>
+                                            <p:strVal val="#ppt_x"/>
+                                          </p:val>
+                                        </p:tav>
+                                        <p:tav tm="100000">
+                                          <p:val>
+                                            <p:strVal val="#ppt_x"/>
+                                          </p:val>
+                                        </p:tav>
+                                      </p:tavLst>
+                                    </p:anim>
+                                    <p:anim calcmode="lin" valueType="num">
+                                      <p:cBhvr additive="base">
+                                        <p:cTn id="8" dur="500" fill="hold"/>
+                                        <p:tgtEl>
+                                          <p:spTgt spid="2"/>
+                                        </p:tgtEl>
+                                        <p:attrNameLst>
+                                          <p:attrName>ppt_y</p:attrName>
+                                        </p:attrNameLst>
+                                      </p:cBhvr>
+                                      <p:tavLst>
+                                        <p:tav tm="0">
+                                          <p:val>
+                                            <p:strVal val="1+#ppt_h/2"/>
+                                          </p:val>
+                                        </p:tav>
+                                        <p:tav tm="100000">
+                                          <p:val>
+                                            <p:strVal val="#ppt_y"/>
+                                          </p:val>
+                                        </p:tav>
+                                      </p:tavLst>
+                                    </p:anim>
+                                  </p:childTnLst>
+                                </p:cTn>
+                              </p:par>
+                            </p:childTnLst>
+                          </p:cTn>
+                        </p:par>
+                      </p:childTnLst>
+                    </p:cTn>
+                  </p:par>
+                  <p:par>
+                    <p:cTn id="9" fill="hold">
+                      <p:stCondLst>
+                        <p:cond delay="indefinite"/>
+                      </p:stCondLst>
+                      <p:childTnLst>
+                        <p:par>
+                          <p:cTn id="10" fill="hold">
+                            <p:stCondLst>
+                              <p:cond delay="0"/>
+                            </p:stCondLst>
+                            <p:childTnLst>
+                              <p:par>
+                                <p:cTn id="11" presetID="2" presetClass="entr" presetSubtype="4" fill="hold" nodeType="clickEffect">
+                                  <p:stCondLst>
+                                    <p:cond delay="0"/>
+                                  </p:stCondLst>
+                                  <p:childTnLst>
+                                    <p:set>
+                                      <p:cBhvr>
+                                        <p:cTn id="12" dur="1" fill="hold">
+                                          <p:stCondLst>
+                                            <p:cond delay="0"/>
+                                          </p:stCondLst>
+                                        </p:cTn>
+                                        <p:tgtEl>
+                                          <p:spTgt spid="3">
+                                            <p:txEl>
+                                              <p:pRg st="0" end="0"/>
+                                            </p:txEl>
+                                          </p:spTgt>
+                                        </p:tgtEl>
+                                        <p:attrNameLst>
+                                          <p:attrName>style.visibility</p:attrName>
+                                        </p:attrNameLst>
+                                      </p:cBhvr>
+                                      <p:to>
+                                        <p:strVal val="visible"/>
+                                      </p:to>
+                                    </p:set>
+                                    <p:anim calcmode="lin" valueType="num">
+                                      <p:cBhvr additive="base">
+                                        <p:cTn id="13" dur="500" fill="hold"/>
+                                        <p:tgtEl>
+                                          <p:spTgt spid="3">
+                                            <p:txEl>
+                                              <p:pRg st="0" end="0"/>
+                                            </p:txEl>
+                                          </p:spTgt>
+                                        </p:tgtEl>
+                                        <p:attrNameLst>
+                                          <p:attrName>ppt_x</p:attrName>
+                                        </p:attrNameLst>
+                                      </p:cBhvr>
+                                      <p:tavLst>
+                                        <p:tav tm="0">
+                                          <p:val>
+                                            <p:strVal val="#ppt_x"/>
+                                          </p:val>
+                                        </p:tav>
+                                        <p:tav tm="100000">
+                                          <p:val>
+                                            <p:strVal val="#ppt_x"/>
+                                          </p:val>
+                                        </p:tav>
+                                      </p:tavLst>
+                                    </p:anim>
+                                    <p:anim calcmode="lin" valueType="num">
+                                      <p:cBhvr additive="base">
+                                        <p:cTn id="14" dur="500" fill="hold"/>
+                                        <p:tgtEl>
+                                          <p:spTgt spid="3">
+                                            <p:txEl>
+                                              <p:pRg st="0" end="0"/>
+                                            </p:txEl>
+                                          </p:spTgt>
+                                        </p:tgtEl>
+                                        <p:attrNameLst>
+                                          <p:attrName>ppt_y</p:attrName>
+                                        </p:attrNameLst>
+                                      </p:cBhvr>
+                                      <p:tavLst>
+                                        <p:tav tm="0">
+                                          <p:val>
+                                            <p:strVal val="1+#ppt_h/2"/>
+                                          </p:val>
+                                        </p:tav>
+                                        <p:tav tm="100000">
+                                          <p:val>
+                                            <p:strVal val="#ppt_y"/>
+                                          </p:val>
+                                        </p:tav>
+                                      </p:tavLst>
+                                    </p:anim>
+                                  </p:childTnLst>
+                                </p:cTn>
+                              </p:par>
+                            </p:childTnLst>
+                          </p:cTn>
+                        </p:par>
+                      </p:childTnLst>
+                    </p:cTn>
+                  </p:par>
+                  <p:par>
+                    <p:cTn id="15" fill="hold">
+                      <p:stCondLst>
+                        <p:cond delay="indefinite"/>
+                      </p:stCondLst>
+                      <p:childTnLst>
+                        <p:par>
+                          <p:cTn id="16" fill="hold">
+                            <p:stCondLst>
+                              <p:cond delay="0"/>
+                            </p:stCondLst>
+                            <p:childTnLst>
+                              <p:par>
+                                <p:cTn id="17" presetID="2" presetClass="entr" presetSubtype="4" fill="hold" nodeType="clickEffect">
+                                  <p:stCondLst>
+                                    <p:cond delay="0"/>
+                                  </p:stCondLst>
+                                  <p:childTnLst>
+                                    <p:set>
+                                      <p:cBhvr>
+                                        <p:cTn id="18" dur="1" fill="hold">
+                                          <p:stCondLst>
+                                            <p:cond delay="0"/>
+                                          </p:stCondLst>
+                                        </p:cTn>
+                                        <p:tgtEl>
+                                          <p:spTgt spid="3">
+                                            <p:txEl>
+                                              <p:pRg st="1" end="1"/>
+                                            </p:txEl>
+                                          </p:spTgt>
+                                        </p:tgtEl>
+                                        <p:attrNameLst>
+                                          <p:attrName>style.visibility</p:attrName>
+                                        </p:attrNameLst>
+                                      </p:cBhvr>
+                                      <p:to>
+                                        <p:strVal val="visible"/>
+                                      </p:to>
+                                    </p:set>
+                                    <p:anim calcmode="lin" valueType="num">
+                                      <p:cBhvr additive="base">
+                                        <p:cTn id="19" dur="500" fill="hold"/>
+                                        <p:tgtEl>
+                                          <p:spTgt spid="3">
+                                            <p:txEl>
+                                              <p:pRg st="1" end="1"/>
+                                            </p:txEl>
+                                          </p:spTgt>
+                                        </p:tgtEl>
+                                        <p:attrNameLst>
+                                          <p:attrName>ppt_x</p:attrName>
+                                        </p:attrNameLst>
+                                      </p:cBhvr>
+                                      <p:tavLst>
+                                        <p:tav tm="0">
+                                          <p:val>
+                                            <p:strVal val="#ppt_x"/>
+                                          </p:val>
+                                        </p:tav>
+                                        <p:tav tm="100000">
+                                          <p:val>
+                                            <p:strVal val="#ppt_x"/>
+                                          </p:val>
+                                        </p:tav>
+                                      </p:tavLst>
+                                    </p:anim>
+                                    <p:anim calcmode="lin" valueType="num">
+                                      <p:cBhvr additive="base">
+                                        <p:cTn id="20" dur="500" fill="hold"/>
+                                        <p:tgtEl>
+                                          <p:spTgt spid="3">
+                                            <p:txEl>
+                                              <p:pRg st="1" end="1"/>
+                                            </p:txEl>
+                                          </p:spTgt>
+                                        </p:tgtEl>
+                                        <p:attrNameLst>
+                                          <p:attrName>ppt_y</p:attrName>
+                                        </p:attrNameLst>
+                                      </p:cBhvr>
+                                      <p:tavLst>
+                                        <p:tav tm="0">
+                                          <p:val>
+                                            <p:strVal val="1+#ppt_h/2"/>
+                                          </p:val>
+                                        </p:tav>
+                                        <p:tav tm="100000">
+                                          <p:val>
+                                            <p:strVal val="#ppt_y"/>
+                                          </p:val>
+                                        </p:tav>
+                                      </p:tavLst>
+                                    </p:anim>
+                                  </p:childTnLst>
+                                </p:cTn>
+                              </p:par>
+                            </p:childTnLst>
+                          </p:cTn>
+                        </p:par>
+                      </p:childTnLst>
+                    </p:cTn>
+                  </p:par>
+                  <p:par>
+                    <p:cTn id="21" fill="hold">
+                      <p:stCondLst>
+                        <p:cond delay="indefinite"/>
+                      </p:stCondLst>
+                      <p:childTnLst>
+                        <p:par>
+                          <p:cTn id="22" fill="hold">
+                            <p:stCondLst>
+                              <p:cond delay="0"/>
+                            </p:stCondLst>
+                            <p:childTnLst>
+                              <p:par>
+                                <p:cTn id="23" presetID="2" presetClass="entr" presetSubtype="4" fill="hold" nodeType="clickEffect">
+                                  <p:stCondLst>
+                                    <p:cond delay="0"/>
+                                  </p:stCondLst>
+                                  <p:childTnLst>
+                                    <p:set>
+                                      <p:cBhvr>
+                                        <p:cTn id="24" dur="1" fill="hold">
+                                          <p:stCondLst>
+                                            <p:cond delay="0"/>
+                                          </p:stCondLst>
+                                        </p:cTn>
+                                        <p:tgtEl>
+                                          <p:spTgt spid="3">
+                                            <p:txEl>
+                                              <p:pRg st="2" end="2"/>
+                                            </p:txEl>
+                                          </p:spTgt>
+                                        </p:tgtEl>
+                                        <p:attrNameLst>
+                                          <p:attrName>style.visibility</p:attrName>
+                                        </p:attrNameLst>
+                                      </p:cBhvr>
+                                      <p:to>
+                                        <p:strVal val="visible"/>
+                                      </p:to>
+                                    </p:set>
+                                    <p:anim calcmode="lin" valueType="num">
+                                      <p:cBhvr additive="base">
+                                        <p:cTn id="25" dur="500" fill="hold"/>
+                                        <p:tgtEl>
+                                          <p:spTgt spid="3">
+                                            <p:txEl>
+                                              <p:pRg st="2" end="2"/>
+                                            </p:txEl>
+                                          </p:spTgt>
+                                        </p:tgtEl>
+                                        <p:attrNameLst>
+                                          <p:attrName>ppt_x</p:attrName>
+                                        </p:attrNameLst>
+                                      </p:cBhvr>
+                                      <p:tavLst>
+                                        <p:tav tm="0">
+                                          <p:val>
+                                            <p:strVal val="#ppt_x"/>
+                                          </p:val>
+                                        </p:tav>
+                                        <p:tav tm="100000">
+                                          <p:val>
+                                            <p:strVal val="#ppt_x"/>
+                                          </p:val>
+                                        </p:tav>
+                                      </p:tavLst>
+                                    </p:anim>
+                                    <p:anim calcmode="lin" valueType="num">
+                                      <p:cBhvr additive="base">
+                                        <p:cTn id="26" dur="500" fill="hold"/>
+                                        <p:tgtEl>
+                                          <p:spTgt spid="3">
+                                            <p:txEl>
+                                              <p:pRg st="2" end="2"/>
+                                            </p:txEl>
+                                          </p:spTgt>
+                                        </p:tgtEl>
+                                        <p:attrNameLst>
+                                          <p:attrName>ppt_y</p:attrName>
+                                        </p:attrNameLst>
+                                      </p:cBhvr>
+                                      <p:tavLst>
+                                        <p:tav tm="0">
+                                          <p:val>
+                                            <p:strVal val="1+#ppt_h/2"/>
+                                          </p:val>
+                                        </p:tav>
+                                        <p:tav tm="100000">
+                                          <p:val>
+                                            <p:strVal val="#ppt_y"/>
+                                          </p:val>
+                                        </p:tav>
+                                      </p:tavLst>
+                                    </p:anim>
+                                  </p:childTnLst>
+                                </p:cTn>
+                              </p:par>
+                            </p:childTnLst>
+                          </p:cTn>
+                        </p:par>
+                      </p:childTnLst>
+                    </p:cTn>
+                  </p:par>
+                </p:childTnLst>
+              </p:cTn>
+              <p:prevCondLst>
+                <p:cond evt="onPrev" delay="0">
+                  <p:tgtEl>
+                    <p:sldTgt/>
+                  </p:tgtEl>
+                </p:cond>
+              </p:prevCondLst>
+              <p:nextCondLst>
+                <p:cond evt="onNext" delay="0">
+                  <p:tgtEl>
+                    <p:sldTgt/>
+                  </p:tgtEl>
+                </p:cond>
+              </p:nextCondLst>
+            </p:seq>
+          </p:childTnLst>
+        </p:cTn>
+      </p:par>
+    </p:tnLst>
+    <p:bldLst>
+      <p:bldP spid="2" grpId="0"/>
+    </p:bldLst>
+  </p:timing>
+</p:sld>
+</file>
+
+<file path=ppt/slides/slide23.xml><?xml version="1.0" encoding="utf-8"?>
+<p:sld xmlns:a="http://schemas.openxmlformats.org/drawingml/2006/main" xmlns:r="http://schemas.openxmlformats.org/officeDocument/2006/relationships" xmlns:p="http://schemas.openxmlformats.org/presentationml/2006/main">
+  <p:cSld>
+    <p:spTree>
+      <p:nvGrpSpPr>
+        <p:cNvPr id="1" name=""/>
+        <p:cNvGrpSpPr/>
+        <p:nvPr/>
+      </p:nvGrpSpPr>
+      <p:grpSpPr>
+        <a:xfrm>
+          <a:off x="0" y="0"/>
+          <a:ext cx="0" cy="0"/>
+          <a:chOff x="0" y="0"/>
+          <a:chExt cx="0" cy="0"/>
+        </a:xfrm>
+      </p:grpSpPr>
+      <p:sp>
+        <p:nvSpPr>
+          <p:cNvPr id="2" name="Title 1"/>
+          <p:cNvSpPr>
+            <a:spLocks noGrp="1"/>
+          </p:cNvSpPr>
+          <p:nvPr>
+            <p:ph type="title"/>
+          </p:nvPr>
+        </p:nvSpPr>
+        <p:spPr/>
+        <p:txBody>
+          <a:bodyPr/>
+          <a:lstStyle/>
+          <a:p>
+            <a:r>
+              <a:rPr lang="en-US" dirty="0" smtClean="0"/>
+              <a:t>L’API de Base:</a:t>
+            </a:r>
+            <a:endParaRPr lang="en-US" dirty="0"/>
+          </a:p>
+        </p:txBody>
+      </p:sp>
+      <p:sp>
+        <p:nvSpPr>
+          <p:cNvPr id="3" name="Content Placeholder 2"/>
+          <p:cNvSpPr>
+            <a:spLocks noGrp="1"/>
+          </p:cNvSpPr>
+          <p:nvPr>
+            <p:ph idx="1"/>
+          </p:nvPr>
+        </p:nvSpPr>
+        <p:spPr>
+          <a:xfrm>
+            <a:off x="570384" y="1844824"/>
+            <a:ext cx="8003232" cy="3816424"/>
+          </a:xfrm>
+        </p:spPr>
+        <p:txBody>
+          <a:bodyPr>
+            <a:normAutofit/>
+          </a:bodyPr>
+          <a:lstStyle/>
+          <a:p>
+            <a:r>
+              <a:rPr lang="en-US" sz="2400" dirty="0" smtClean="0"/>
+              <a:t>API de bas </a:t>
+            </a:r>
+            <a:r>
+              <a:rPr lang="en-US" sz="2400" dirty="0" err="1" smtClean="0"/>
+              <a:t>niveau</a:t>
+            </a:r>
+            <a:r>
+              <a:rPr lang="en-US" sz="2400" dirty="0"/>
+              <a:t>.</a:t>
+            </a:r>
+            <a:endParaRPr lang="en-US" sz="2400" dirty="0" smtClean="0"/>
+          </a:p>
+          <a:p>
+            <a:r>
+              <a:rPr lang="fr-FR" sz="2400" dirty="0" smtClean="0"/>
+              <a:t>Les </a:t>
+            </a:r>
+            <a:r>
+              <a:rPr lang="fr-FR" sz="2400" dirty="0"/>
+              <a:t>clés et les données peuvent être des types Java primitifs ou même des objets Java complexes</a:t>
+            </a:r>
+            <a:r>
+              <a:rPr lang="fr-FR" sz="2400" dirty="0" smtClean="0"/>
+              <a:t>.</a:t>
+            </a:r>
+          </a:p>
+          <a:p>
+            <a:r>
+              <a:rPr lang="fr-FR" sz="2400" dirty="0" smtClean="0"/>
+              <a:t>Lecture et Ecriture direct de la BD.</a:t>
+            </a:r>
+          </a:p>
+          <a:p>
+            <a:r>
+              <a:rPr lang="fr-FR" sz="2400" dirty="0"/>
+              <a:t>Les Curseurs </a:t>
+            </a:r>
+            <a:r>
+              <a:rPr lang="fr-FR" sz="2400" dirty="0" smtClean="0"/>
+              <a:t>qui </a:t>
+            </a:r>
+            <a:r>
+              <a:rPr lang="fr-FR" sz="2400" dirty="0"/>
+              <a:t>donnent la possibilité de se déplacer successivement </a:t>
+            </a:r>
+            <a:r>
+              <a:rPr lang="fr-FR" sz="2400" dirty="0" smtClean="0"/>
+              <a:t>.</a:t>
+            </a:r>
+          </a:p>
+          <a:p>
+            <a:r>
+              <a:rPr lang="fr-FR" sz="2400" dirty="0" smtClean="0"/>
+              <a:t>Adaptation avec</a:t>
+            </a:r>
+            <a:r>
+              <a:rPr lang="fr-FR" sz="2400" dirty="0"/>
+              <a:t> </a:t>
+            </a:r>
+            <a:r>
+              <a:rPr lang="fr-FR" sz="2400" dirty="0" smtClean="0"/>
+              <a:t>l’Architecture Java </a:t>
+            </a:r>
+            <a:r>
+              <a:rPr lang="fr-FR" sz="2400" dirty="0" err="1" smtClean="0"/>
+              <a:t>Connector</a:t>
+            </a:r>
+            <a:r>
+              <a:rPr lang="fr-FR" sz="2400" dirty="0" smtClean="0"/>
+              <a:t>.</a:t>
+            </a:r>
+          </a:p>
+          <a:p>
+            <a:r>
+              <a:rPr lang="fr-FR" sz="2400" dirty="0" smtClean="0"/>
+              <a:t>Adaptation avec </a:t>
+            </a:r>
+            <a:r>
+              <a:rPr lang="fr-FR" sz="2400" dirty="0"/>
+              <a:t> </a:t>
+            </a:r>
+            <a:r>
+              <a:rPr lang="fr-FR" sz="2400" dirty="0" smtClean="0"/>
+              <a:t>les Extensions Java Management.</a:t>
+            </a:r>
+          </a:p>
+          <a:p>
+            <a:endParaRPr lang="en-US" sz="2400" dirty="0" smtClean="0"/>
+          </a:p>
+        </p:txBody>
+      </p:sp>
+      <p:sp>
+        <p:nvSpPr>
+          <p:cNvPr id="4" name="Slide Number Placeholder 3"/>
+          <p:cNvSpPr>
+            <a:spLocks noGrp="1"/>
+          </p:cNvSpPr>
+          <p:nvPr>
+            <p:ph type="sldNum" sz="quarter" idx="12"/>
+          </p:nvPr>
+        </p:nvSpPr>
+        <p:spPr/>
+        <p:txBody>
+          <a:bodyPr/>
+          <a:lstStyle/>
+          <a:p>
+            <a:fld id="{E31CB3CC-2B44-47CE-ACFB-D5D84FBE0F2F}" type="slidenum">
+              <a:rPr lang="fr-FR" smtClean="0"/>
+              <a:pPr/>
+              <a:t>23</a:t>
+            </a:fld>
+            <a:endParaRPr lang="fr-FR"/>
+          </a:p>
+        </p:txBody>
+      </p:sp>
+    </p:spTree>
+    <p:extLst>
+      <p:ext uri="{BB962C8B-B14F-4D97-AF65-F5344CB8AC3E}">
+        <p14:creationId xmlns:p14="http://schemas.microsoft.com/office/powerpoint/2010/main" val="3460541241"/>
+      </p:ext>
+    </p:extLst>
+  </p:cSld>
+  <p:clrMapOvr>
+    <a:masterClrMapping/>
+  </p:clrMapOvr>
+  <p:timing>
+    <p:tnLst>
+      <p:par>
+        <p:cTn id="1" dur="indefinite" restart="never" nodeType="tmRoot">
+          <p:childTnLst>
+            <p:seq concurrent="1" nextAc="seek">
+              <p:cTn id="2" dur="indefinite" nodeType="mainSeq">
+                <p:childTnLst>
+                  <p:par>
+                    <p:cTn id="3" fill="hold">
+                      <p:stCondLst>
+                        <p:cond delay="indefinite"/>
+                      </p:stCondLst>
+                      <p:childTnLst>
+                        <p:par>
+                          <p:cTn id="4" fill="hold">
+                            <p:stCondLst>
+                              <p:cond delay="0"/>
+                            </p:stCondLst>
+                            <p:childTnLst>
+                              <p:par>
+                                <p:cTn id="5" presetID="42" presetClass="entr" presetSubtype="0" fill="hold" grpId="0" nodeType="clickEffect">
+                                  <p:stCondLst>
+                                    <p:cond delay="0"/>
+                                  </p:stCondLst>
+                                  <p:childTnLst>
+                                    <p:set>
+                                      <p:cBhvr>
+                                        <p:cTn id="6" dur="1" fill="hold">
+                                          <p:stCondLst>
+                                            <p:cond delay="0"/>
+                                          </p:stCondLst>
+                                        </p:cTn>
+                                        <p:tgtEl>
+                                          <p:spTgt spid="2"/>
+                                        </p:tgtEl>
+                                        <p:attrNameLst>
+                                          <p:attrName>style.visibility</p:attrName>
+                                        </p:attrNameLst>
+                                      </p:cBhvr>
+                                      <p:to>
+                                        <p:strVal val="visible"/>
+                                      </p:to>
+                                    </p:set>
+                                    <p:animEffect transition="in" filter="fade">
+                                      <p:cBhvr>
+                                        <p:cTn id="7" dur="1000"/>
+                                        <p:tgtEl>
+                                          <p:spTgt spid="2"/>
+                                        </p:tgtEl>
+                                      </p:cBhvr>
+                                    </p:animEffect>
+                                    <p:anim calcmode="lin" valueType="num">
+                                      <p:cBhvr>
+                                        <p:cTn id="8" dur="1000" fill="hold"/>
+                                        <p:tgtEl>
+                                          <p:spTgt spid="2"/>
+                                        </p:tgtEl>
+                                        <p:attrNameLst>
+                                          <p:attrName>ppt_x</p:attrName>
+                                        </p:attrNameLst>
+                                      </p:cBhvr>
+                                      <p:tavLst>
+                                        <p:tav tm="0">
+                                          <p:val>
+                                            <p:strVal val="#ppt_x"/>
+                                          </p:val>
+                                        </p:tav>
+                                        <p:tav tm="100000">
+                                          <p:val>
+                                            <p:strVal val="#ppt_x"/>
+                                          </p:val>
+                                        </p:tav>
+                                      </p:tavLst>
+                                    </p:anim>
+                                    <p:anim calcmode="lin" valueType="num">
+                                      <p:cBhvr>
+                                        <p:cTn id="9" dur="1000" fill="hold"/>
+                                        <p:tgtEl>
+                                          <p:spTgt spid="2"/>
+                                        </p:tgtEl>
+                                        <p:attrNameLst>
+                                          <p:attrName>ppt_y</p:attrName>
+                                        </p:attrNameLst>
+                                      </p:cBhvr>
+                                      <p:tavLst>
+                                        <p:tav tm="0">
+                                          <p:val>
+                                            <p:strVal val="#ppt_y+.1"/>
+                                          </p:val>
+                                        </p:tav>
+                                        <p:tav tm="100000">
+                                          <p:val>
+                                            <p:strVal val="#ppt_y"/>
+                                          </p:val>
+                                        </p:tav>
+                                      </p:tavLst>
+                                    </p:anim>
+                                  </p:childTnLst>
+                                </p:cTn>
+                              </p:par>
+                            </p:childTnLst>
+                          </p:cTn>
+                        </p:par>
+                      </p:childTnLst>
+                    </p:cTn>
+                  </p:par>
+                </p:childTnLst>
+              </p:cTn>
+              <p:prevCondLst>
+                <p:cond evt="onPrev" delay="0">
+                  <p:tgtEl>
+                    <p:sldTgt/>
+                  </p:tgtEl>
+                </p:cond>
+              </p:prevCondLst>
+              <p:nextCondLst>
+                <p:cond evt="onNext" delay="0">
+                  <p:tgtEl>
+                    <p:sldTgt/>
+                  </p:tgtEl>
+                </p:cond>
+              </p:nextCondLst>
+            </p:seq>
+          </p:childTnLst>
+        </p:cTn>
+      </p:par>
+    </p:tnLst>
+    <p:bldLst>
+      <p:bldP spid="2" grpId="0"/>
+    </p:bldLst>
+  </p:timing>
+</p:sld>
+</file>
+
+<file path=ppt/slides/slide24.xml><?xml version="1.0" encoding="utf-8"?>
+<p:sld xmlns:a="http://schemas.openxmlformats.org/drawingml/2006/main" xmlns:r="http://schemas.openxmlformats.org/officeDocument/2006/relationships" xmlns:p="http://schemas.openxmlformats.org/presentationml/2006/main">
+  <p:cSld>
+    <p:spTree>
+      <p:nvGrpSpPr>
+        <p:cNvPr id="1" name=""/>
+        <p:cNvGrpSpPr/>
+        <p:nvPr/>
+      </p:nvGrpSpPr>
+      <p:grpSpPr>
+        <a:xfrm>
+          <a:off x="0" y="0"/>
+          <a:ext cx="0" cy="0"/>
+          <a:chOff x="0" y="0"/>
+          <a:chExt cx="0" cy="0"/>
+        </a:xfrm>
+      </p:grpSpPr>
+      <p:sp>
+        <p:nvSpPr>
+          <p:cNvPr id="2" name="Title 1"/>
+          <p:cNvSpPr>
+            <a:spLocks noGrp="1"/>
+          </p:cNvSpPr>
+          <p:nvPr>
+            <p:ph type="title"/>
+          </p:nvPr>
+        </p:nvSpPr>
+        <p:spPr/>
+        <p:txBody>
+          <a:bodyPr/>
+          <a:lstStyle/>
+          <a:p>
+            <a:r>
+              <a:rPr lang="en-US" dirty="0" smtClean="0"/>
+              <a:t>L’API DPL</a:t>
+            </a:r>
+            <a:endParaRPr lang="en-US" dirty="0"/>
+          </a:p>
+        </p:txBody>
+      </p:sp>
+      <p:sp>
+        <p:nvSpPr>
+          <p:cNvPr id="3" name="Content Placeholder 2"/>
+          <p:cNvSpPr>
+            <a:spLocks noGrp="1"/>
+          </p:cNvSpPr>
+          <p:nvPr>
+            <p:ph idx="1"/>
+          </p:nvPr>
+        </p:nvSpPr>
+        <p:spPr>
+          <a:xfrm>
+            <a:off x="457200" y="1268760"/>
+            <a:ext cx="8229600" cy="4857403"/>
+          </a:xfrm>
+        </p:spPr>
+        <p:txBody>
+          <a:bodyPr>
+            <a:normAutofit fontScale="77500" lnSpcReduction="20000"/>
+          </a:bodyPr>
+          <a:lstStyle/>
+          <a:p>
+            <a:pPr>
+              <a:lnSpc>
+                <a:spcPct val="120000"/>
+              </a:lnSpc>
+            </a:pPr>
+            <a:r>
+              <a:rPr lang="en-US" dirty="0" smtClean="0"/>
+              <a:t>API haut </a:t>
+            </a:r>
+            <a:r>
+              <a:rPr lang="en-US" dirty="0" err="1" smtClean="0"/>
+              <a:t>niveau</a:t>
+            </a:r>
+            <a:r>
+              <a:rPr lang="en-US" dirty="0" smtClean="0"/>
+              <a:t>.</a:t>
+            </a:r>
+          </a:p>
+          <a:p>
+            <a:pPr>
+              <a:lnSpc>
+                <a:spcPct val="120000"/>
+              </a:lnSpc>
+            </a:pPr>
+            <a:r>
+              <a:rPr lang="fr-FR" dirty="0" smtClean="0"/>
+              <a:t>Capacité </a:t>
+            </a:r>
+            <a:r>
+              <a:rPr lang="fr-FR" dirty="0"/>
+              <a:t>de causer tout type Java </a:t>
+            </a:r>
+            <a:r>
+              <a:rPr lang="fr-FR" dirty="0"/>
+              <a:t>à</a:t>
+            </a:r>
+            <a:r>
+              <a:rPr lang="fr-FR" dirty="0" smtClean="0"/>
+              <a:t> </a:t>
+            </a:r>
+            <a:r>
+              <a:rPr lang="fr-FR" dirty="0"/>
+              <a:t>être </a:t>
+            </a:r>
+            <a:r>
+              <a:rPr lang="fr-FR" dirty="0" smtClean="0"/>
+              <a:t>persistant.</a:t>
+            </a:r>
+          </a:p>
+          <a:p>
+            <a:pPr>
+              <a:lnSpc>
+                <a:spcPct val="120000"/>
+              </a:lnSpc>
+            </a:pPr>
+            <a:r>
+              <a:rPr lang="fr-FR" dirty="0"/>
+              <a:t>Un moyen pratique pour accéder les objets persistants</a:t>
+            </a:r>
+            <a:r>
+              <a:rPr lang="fr-FR" dirty="0" smtClean="0"/>
+              <a:t>.</a:t>
+            </a:r>
+          </a:p>
+          <a:p>
+            <a:pPr>
+              <a:lnSpc>
+                <a:spcPct val="120000"/>
+              </a:lnSpc>
+            </a:pPr>
+            <a:r>
+              <a:rPr lang="fr-FR" dirty="0"/>
+              <a:t>Aucun codage manuel des consolidations n’est </a:t>
+            </a:r>
+            <a:r>
+              <a:rPr lang="fr-FR" dirty="0" smtClean="0"/>
+              <a:t>nécessaire.</a:t>
+            </a:r>
+          </a:p>
+          <a:p>
+            <a:pPr>
+              <a:lnSpc>
+                <a:spcPct val="120000"/>
+              </a:lnSpc>
+            </a:pPr>
+            <a:r>
+              <a:rPr lang="fr-FR" dirty="0"/>
+              <a:t>Pas de schéma externe nécessaire pour définir les clés d'index primaires et </a:t>
+            </a:r>
+            <a:r>
+              <a:rPr lang="fr-FR" dirty="0" smtClean="0"/>
+              <a:t>secondaires.</a:t>
+            </a:r>
+          </a:p>
+          <a:p>
+            <a:pPr>
+              <a:lnSpc>
+                <a:spcPct val="120000"/>
+              </a:lnSpc>
+            </a:pPr>
+            <a:r>
+              <a:rPr lang="fr-FR" dirty="0"/>
+              <a:t>Interopérabilité avec des composants externes est pris en charge en utilisant les collections </a:t>
+            </a:r>
+            <a:r>
+              <a:rPr lang="fr-FR" dirty="0" smtClean="0"/>
+              <a:t>Java cadre.</a:t>
+            </a:r>
+          </a:p>
+          <a:p>
+            <a:pPr>
+              <a:lnSpc>
+                <a:spcPct val="120000"/>
+              </a:lnSpc>
+            </a:pPr>
+            <a:r>
+              <a:rPr lang="fr-FR" dirty="0"/>
+              <a:t>l'évolution des classes est explicitement </a:t>
+            </a:r>
+            <a:r>
+              <a:rPr lang="fr-FR" dirty="0" smtClean="0"/>
+              <a:t>soutenue.</a:t>
+            </a:r>
+          </a:p>
+          <a:p>
+            <a:pPr>
+              <a:lnSpc>
+                <a:spcPct val="120000"/>
+              </a:lnSpc>
+            </a:pPr>
+            <a:r>
+              <a:rPr lang="fr-FR" dirty="0"/>
+              <a:t>Les champs de classe persistante peuvent être </a:t>
+            </a:r>
+            <a:r>
+              <a:rPr lang="fr-FR" dirty="0" err="1"/>
+              <a:t>private</a:t>
+            </a:r>
+            <a:r>
+              <a:rPr lang="fr-FR" dirty="0"/>
+              <a:t>, package-</a:t>
+            </a:r>
+            <a:r>
+              <a:rPr lang="fr-FR" dirty="0" err="1"/>
+              <a:t>private</a:t>
+            </a:r>
+            <a:r>
+              <a:rPr lang="fr-FR" dirty="0"/>
+              <a:t>, </a:t>
+            </a:r>
+            <a:r>
+              <a:rPr lang="fr-FR" dirty="0" err="1"/>
+              <a:t>protected</a:t>
+            </a:r>
+            <a:r>
+              <a:rPr lang="fr-FR" dirty="0"/>
+              <a:t> ou </a:t>
+            </a:r>
+            <a:r>
+              <a:rPr lang="fr-FR" dirty="0" smtClean="0"/>
+              <a:t>public.</a:t>
+            </a:r>
+          </a:p>
+          <a:p>
+            <a:endParaRPr lang="en-US" dirty="0"/>
+          </a:p>
+        </p:txBody>
+      </p:sp>
+      <p:sp>
+        <p:nvSpPr>
+          <p:cNvPr id="4" name="Slide Number Placeholder 3"/>
+          <p:cNvSpPr>
+            <a:spLocks noGrp="1"/>
+          </p:cNvSpPr>
+          <p:nvPr>
+            <p:ph type="sldNum" sz="quarter" idx="12"/>
+          </p:nvPr>
+        </p:nvSpPr>
+        <p:spPr/>
+        <p:txBody>
+          <a:bodyPr/>
+          <a:lstStyle/>
+          <a:p>
+            <a:fld id="{E31CB3CC-2B44-47CE-ACFB-D5D84FBE0F2F}" type="slidenum">
+              <a:rPr lang="fr-FR" smtClean="0"/>
+              <a:pPr/>
+              <a:t>24</a:t>
+            </a:fld>
+            <a:endParaRPr lang="fr-FR"/>
+          </a:p>
+        </p:txBody>
+      </p:sp>
+    </p:spTree>
+    <p:extLst>
+      <p:ext uri="{BB962C8B-B14F-4D97-AF65-F5344CB8AC3E}">
+        <p14:creationId xmlns:p14="http://schemas.microsoft.com/office/powerpoint/2010/main" val="1134042106"/>
+      </p:ext>
+    </p:extLst>
   </p:cSld>
   <p:clrMapOvr>
     <a:masterClrMapping/>
@@ -10896,7 +12635,197 @@
 </p:sld>
 </file>
 
-<file path=ppt/slides/slide22.xml><?xml version="1.0" encoding="utf-8"?>
+<file path=ppt/slides/slide25.xml><?xml version="1.0" encoding="utf-8"?>
+<p:sld xmlns:a="http://schemas.openxmlformats.org/drawingml/2006/main" xmlns:r="http://schemas.openxmlformats.org/officeDocument/2006/relationships" xmlns:p="http://schemas.openxmlformats.org/presentationml/2006/main">
+  <p:cSld>
+    <p:spTree>
+      <p:nvGrpSpPr>
+        <p:cNvPr id="1" name=""/>
+        <p:cNvGrpSpPr/>
+        <p:nvPr/>
+      </p:nvGrpSpPr>
+      <p:grpSpPr>
+        <a:xfrm>
+          <a:off x="0" y="0"/>
+          <a:ext cx="0" cy="0"/>
+          <a:chOff x="0" y="0"/>
+          <a:chExt cx="0" cy="0"/>
+        </a:xfrm>
+      </p:grpSpPr>
+      <p:sp>
+        <p:nvSpPr>
+          <p:cNvPr id="2" name="Title 1"/>
+          <p:cNvSpPr>
+            <a:spLocks noGrp="1"/>
+          </p:cNvSpPr>
+          <p:nvPr>
+            <p:ph type="title"/>
+          </p:nvPr>
+        </p:nvSpPr>
+        <p:spPr/>
+        <p:txBody>
+          <a:bodyPr>
+            <a:normAutofit fontScale="90000"/>
+          </a:bodyPr>
+          <a:lstStyle/>
+          <a:p>
+            <a:r>
+              <a:rPr lang="fr-FR" dirty="0"/>
+              <a:t>Quel API Choisir ?</a:t>
+            </a:r>
+            <a:r>
+              <a:rPr lang="en-US" dirty="0"/>
+              <a:t/>
+            </a:r>
+            <a:br>
+              <a:rPr lang="en-US" dirty="0"/>
+            </a:br>
+            <a:endParaRPr lang="en-US" dirty="0"/>
+          </a:p>
+        </p:txBody>
+      </p:sp>
+      <p:sp>
+        <p:nvSpPr>
+          <p:cNvPr id="3" name="Content Placeholder 2"/>
+          <p:cNvSpPr>
+            <a:spLocks noGrp="1"/>
+          </p:cNvSpPr>
+          <p:nvPr>
+            <p:ph idx="1"/>
+          </p:nvPr>
+        </p:nvSpPr>
+        <p:spPr>
+          <a:xfrm>
+            <a:off x="457200" y="1417638"/>
+            <a:ext cx="8229600" cy="4563284"/>
+          </a:xfrm>
+        </p:spPr>
+        <p:txBody>
+          <a:bodyPr>
+            <a:normAutofit lnSpcReduction="10000"/>
+          </a:bodyPr>
+          <a:lstStyle/>
+          <a:p>
+            <a:r>
+              <a:rPr lang="fr-FR" dirty="0" smtClean="0"/>
+              <a:t>Si on veut rendre </a:t>
+            </a:r>
+            <a:r>
+              <a:rPr lang="fr-FR" dirty="0"/>
+              <a:t>les classes avec un schéma relativement statique </a:t>
+            </a:r>
+            <a:r>
+              <a:rPr lang="fr-FR" dirty="0" smtClean="0"/>
+              <a:t>persistant: Utiliser DPL</a:t>
+            </a:r>
+          </a:p>
+          <a:p>
+            <a:r>
+              <a:rPr lang="fr-FR" dirty="0" smtClean="0"/>
+              <a:t>Si l’application </a:t>
+            </a:r>
+            <a:r>
+              <a:rPr lang="fr-FR" dirty="0"/>
+              <a:t>utilise un schéma </a:t>
+            </a:r>
+            <a:r>
+              <a:rPr lang="fr-FR" dirty="0" smtClean="0"/>
+              <a:t>très dynamique</a:t>
+            </a:r>
+            <a:r>
+              <a:rPr lang="fr-FR" dirty="0"/>
+              <a:t>, le DPL est probablement un mauvais choix </a:t>
+            </a:r>
+            <a:r>
+              <a:rPr lang="fr-FR" dirty="0" smtClean="0"/>
+              <a:t>.</a:t>
+            </a:r>
+          </a:p>
+          <a:p>
+            <a:r>
+              <a:rPr lang="fr-FR" dirty="0" smtClean="0"/>
+              <a:t>Si on </a:t>
+            </a:r>
+            <a:r>
+              <a:rPr lang="fr-FR" dirty="0"/>
+              <a:t>ne </a:t>
+            </a:r>
+            <a:r>
+              <a:rPr lang="fr-FR" dirty="0" smtClean="0"/>
+              <a:t>porte </a:t>
+            </a:r>
+            <a:r>
+              <a:rPr lang="fr-FR" dirty="0"/>
+              <a:t>pas une application entre </a:t>
+            </a:r>
+            <a:r>
+              <a:rPr lang="fr-FR" dirty="0" smtClean="0"/>
+              <a:t>Berkeley </a:t>
+            </a:r>
+            <a:r>
+              <a:rPr lang="fr-FR" dirty="0"/>
+              <a:t>DB et Berkeley DB Java </a:t>
+            </a:r>
+            <a:r>
+              <a:rPr lang="fr-FR" dirty="0" smtClean="0"/>
+              <a:t>Edition: Utiliser l’API de base.</a:t>
+            </a:r>
+            <a:r>
+              <a:rPr lang="fr-FR" dirty="0"/>
+              <a:t/>
+            </a:r>
+            <a:br>
+              <a:rPr lang="fr-FR" dirty="0"/>
+            </a:br>
+            <a:endParaRPr lang="en-US" dirty="0"/>
+          </a:p>
+        </p:txBody>
+      </p:sp>
+      <p:sp>
+        <p:nvSpPr>
+          <p:cNvPr id="4" name="Slide Number Placeholder 3"/>
+          <p:cNvSpPr>
+            <a:spLocks noGrp="1"/>
+          </p:cNvSpPr>
+          <p:nvPr>
+            <p:ph type="sldNum" sz="quarter" idx="12"/>
+          </p:nvPr>
+        </p:nvSpPr>
+        <p:spPr/>
+        <p:txBody>
+          <a:bodyPr/>
+          <a:lstStyle/>
+          <a:p>
+            <a:fld id="{E31CB3CC-2B44-47CE-ACFB-D5D84FBE0F2F}" type="slidenum">
+              <a:rPr lang="fr-FR" smtClean="0"/>
+              <a:pPr/>
+              <a:t>25</a:t>
+            </a:fld>
+            <a:endParaRPr lang="fr-FR"/>
+          </a:p>
+        </p:txBody>
+      </p:sp>
+    </p:spTree>
+    <p:extLst>
+      <p:ext uri="{BB962C8B-B14F-4D97-AF65-F5344CB8AC3E}">
+        <p14:creationId xmlns:p14="http://schemas.microsoft.com/office/powerpoint/2010/main" val="3142361245"/>
+      </p:ext>
+    </p:extLst>
+  </p:cSld>
+  <p:clrMapOvr>
+    <a:masterClrMapping/>
+  </p:clrMapOvr>
+  <p:timing>
+    <p:tnLst>
+      <p:par>
+        <p:cTn id="1" dur="indefinite" restart="never" nodeType="tmRoot"/>
+      </p:par>
+    </p:tnLst>
+  </p:timing>
+</p:sld>
+</file>
+
+<file path=ppt/slides/slide26.xml><?xml version="1.0" encoding="utf-8"?>
 <p:sld xmlns:a="http://schemas.openxmlformats.org/drawingml/2006/main" xmlns:r="http://schemas.openxmlformats.org/officeDocument/2006/relationships" xmlns:p="http://schemas.openxmlformats.org/presentationml/2006/main" showMasterSp="0">
   <p:cSld>
     <p:spTree>
@@ -11332,7 +13261,7 @@
             <a:fld id="{E31CB3CC-2B44-47CE-ACFB-D5D84FBE0F2F}" type="slidenum">
               <a:rPr lang="fr-FR" smtClean="0"/>
               <a:pPr/>
-              <a:t>22</a:t>
+              <a:t>26</a:t>
             </a:fld>
             <a:endParaRPr lang="fr-FR"/>
           </a:p>
@@ -11353,7 +13282,7 @@
 </p:sld>
 </file>
 
-<file path=ppt/slides/slide23.xml><?xml version="1.0" encoding="utf-8"?>
+<file path=ppt/slides/slide27.xml><?xml version="1.0" encoding="utf-8"?>
 <p:sld xmlns:a="http://schemas.openxmlformats.org/drawingml/2006/main" xmlns:r="http://schemas.openxmlformats.org/officeDocument/2006/relationships" xmlns:p="http://schemas.openxmlformats.org/presentationml/2006/main" showMasterSp="0">
   <p:cSld>
     <p:spTree>
@@ -11902,7 +13831,7 @@
             <a:fld id="{E31CB3CC-2B44-47CE-ACFB-D5D84FBE0F2F}" type="slidenum">
               <a:rPr lang="fr-FR" smtClean="0"/>
               <a:pPr/>
-              <a:t>23</a:t>
+              <a:t>27</a:t>
             </a:fld>
             <a:endParaRPr lang="fr-FR"/>
           </a:p>
@@ -11923,7 +13852,7 @@
 </p:sld>
 </file>
 
-<file path=ppt/slides/slide24.xml><?xml version="1.0" encoding="utf-8"?>
+<file path=ppt/slides/slide28.xml><?xml version="1.0" encoding="utf-8"?>
 <p:sld xmlns:a="http://schemas.openxmlformats.org/drawingml/2006/main" xmlns:r="http://schemas.openxmlformats.org/officeDocument/2006/relationships" xmlns:p="http://schemas.openxmlformats.org/presentationml/2006/main" showMasterSp="0">
   <p:cSld>
     <p:spTree>
@@ -12571,7 +14500,7 @@
             <a:fld id="{E31CB3CC-2B44-47CE-ACFB-D5D84FBE0F2F}" type="slidenum">
               <a:rPr lang="fr-FR" smtClean="0"/>
               <a:pPr/>
-              <a:t>24</a:t>
+              <a:t>28</a:t>
             </a:fld>
             <a:endParaRPr lang="fr-FR"/>
           </a:p>
@@ -12592,7 +14521,7 @@
 </p:sld>
 </file>
 
-<file path=ppt/slides/slide25.xml><?xml version="1.0" encoding="utf-8"?>
+<file path=ppt/slides/slide29.xml><?xml version="1.0" encoding="utf-8"?>
 <p:sld xmlns:a="http://schemas.openxmlformats.org/drawingml/2006/main" xmlns:r="http://schemas.openxmlformats.org/officeDocument/2006/relationships" xmlns:p="http://schemas.openxmlformats.org/presentationml/2006/main" showMasterSp="0">
   <p:cSld>
     <p:spTree>
@@ -13397,7 +15326,7 @@
             <a:fld id="{E31CB3CC-2B44-47CE-ACFB-D5D84FBE0F2F}" type="slidenum">
               <a:rPr lang="fr-FR" smtClean="0"/>
               <a:pPr/>
-              <a:t>25</a:t>
+              <a:t>29</a:t>
             </a:fld>
             <a:endParaRPr lang="fr-FR"/>
           </a:p>
@@ -13423,7 +15352,7 @@
 </p:sld>
 </file>
 
-<file path=ppt/slides/slide26.xml><?xml version="1.0" encoding="utf-8"?>
+<file path=ppt/slides/slide3.xml><?xml version="1.0" encoding="utf-8"?>
 <p:sld xmlns:a="http://schemas.openxmlformats.org/drawingml/2006/main" xmlns:r="http://schemas.openxmlformats.org/officeDocument/2006/relationships" xmlns:p="http://schemas.openxmlformats.org/presentationml/2006/main" showMasterSp="0">
   <p:cSld>
     <p:spTree>
@@ -13455,7 +15384,11 @@
           <a:bodyPr/>
           <a:lstStyle/>
           <a:p>
-            <a:endParaRPr lang="fr-FR"/>
+            <a:r>
+              <a:rPr lang="fr-FR" dirty="0" smtClean="0"/>
+              <a:t>Introduction</a:t>
+            </a:r>
+            <a:endParaRPr lang="fr-FR" dirty="0"/>
           </a:p>
         </p:txBody>
       </p:sp>
@@ -13471,76 +15404,16 @@
         </p:nvSpPr>
         <p:spPr/>
         <p:txBody>
-          <a:bodyPr>
-            <a:normAutofit/>
-          </a:bodyPr>
+          <a:bodyPr/>
           <a:lstStyle/>
           <a:p>
-            <a:pPr algn="ctr">
+            <a:pPr marL="0" indent="0">
               <a:buNone/>
             </a:pPr>
-            <a:endParaRPr lang="fr-FR" sz="6000" dirty="0" smtClean="0">
-              <a:ln w="18415" cmpd="sng">
-                <a:solidFill>
-                  <a:srgbClr val="FFFFFF"/>
-                </a:solidFill>
-                <a:prstDash val="solid"/>
-              </a:ln>
-              <a:solidFill>
-                <a:srgbClr val="FFFFFF"/>
-              </a:solidFill>
-              <a:effectLst>
-                <a:outerShdw blurRad="63500" dir="3600000" algn="tl" rotWithShape="0">
-                  <a:srgbClr val="000000">
-                    <a:alpha val="70000"/>
-                  </a:srgbClr>
-                </a:outerShdw>
-              </a:effectLst>
-            </a:endParaRPr>
-          </a:p>
-          <a:p>
-            <a:pPr algn="ctr">
-              <a:buNone/>
-            </a:pPr>
-            <a:r>
-              <a:rPr lang="fr-FR" sz="6000" dirty="0" smtClean="0">
-                <a:ln w="18415" cmpd="sng">
-                  <a:solidFill>
-                    <a:srgbClr val="FFFFFF"/>
-                  </a:solidFill>
-                  <a:prstDash val="solid"/>
-                </a:ln>
-                <a:solidFill>
-                  <a:srgbClr val="FFFFFF"/>
-                </a:solidFill>
-                <a:effectLst>
-                  <a:outerShdw blurRad="63500" dir="3600000" algn="tl" rotWithShape="0">
-                    <a:srgbClr val="000000">
-                      <a:alpha val="70000"/>
-                    </a:srgbClr>
-                  </a:outerShdw>
-                </a:effectLst>
-              </a:rPr>
-              <a:t>Démonstration</a:t>
-            </a:r>
-            <a:endParaRPr lang="fr-FR" sz="6000" dirty="0">
-              <a:ln w="18415" cmpd="sng">
-                <a:solidFill>
-                  <a:srgbClr val="FFFFFF"/>
-                </a:solidFill>
-                <a:prstDash val="solid"/>
-              </a:ln>
-              <a:solidFill>
-                <a:srgbClr val="FFFFFF"/>
-              </a:solidFill>
-              <a:effectLst>
-                <a:outerShdw blurRad="63500" dir="3600000" algn="tl" rotWithShape="0">
-                  <a:srgbClr val="000000">
-                    <a:alpha val="70000"/>
-                  </a:srgbClr>
-                </a:outerShdw>
-              </a:effectLst>
-            </a:endParaRPr>
+            <a:r>
+              <a:rPr lang="fr-FR" dirty="0"/>
+              <a:t> </a:t>
+            </a:r>
           </a:p>
         </p:txBody>
       </p:sp>
@@ -13562,13 +15435,49 @@
             <a:fld id="{E31CB3CC-2B44-47CE-ACFB-D5D84FBE0F2F}" type="slidenum">
               <a:rPr lang="fr-FR" smtClean="0"/>
               <a:pPr/>
-              <a:t>26</a:t>
+              <a:t>3</a:t>
             </a:fld>
             <a:endParaRPr lang="fr-FR"/>
+          </a:p>
+        </p:txBody>
+      </p:sp>
+      <p:sp>
+        <p:nvSpPr>
+          <p:cNvPr id="5" name="ZoneTexte 4"/>
+          <p:cNvSpPr txBox="1"/>
+          <p:nvPr/>
+        </p:nvSpPr>
+        <p:spPr>
+          <a:xfrm>
+            <a:off x="683568" y="2132856"/>
+            <a:ext cx="7560840" cy="3539430"/>
+          </a:xfrm>
+          <a:prstGeom prst="rect">
+            <a:avLst/>
+          </a:prstGeom>
+          <a:noFill/>
+        </p:spPr>
+        <p:txBody>
+          <a:bodyPr wrap="square" rtlCol="0">
+            <a:spAutoFit/>
+          </a:bodyPr>
+          <a:lstStyle/>
+          <a:p>
+            <a:pPr algn="just"/>
+            <a:r>
+              <a:rPr lang="fr-FR" sz="3200" dirty="0" smtClean="0"/>
+              <a:t>Le SGBD est un logiciel destiné à stocker et à partager des informations dans une base de données en garantissant la qualité, la pérennité et la confidentialité des informations, tout en cachant la complexité des opérations, permet d’interagir avec une base de données.</a:t>
+            </a:r>
+            <a:endParaRPr lang="fr-FR" sz="3200" dirty="0"/>
           </a:p>
         </p:txBody>
       </p:sp>
     </p:spTree>
+    <p:extLst>
+      <p:ext uri="{BB962C8B-B14F-4D97-AF65-F5344CB8AC3E}">
+        <p14:creationId xmlns:p14="http://schemas.microsoft.com/office/powerpoint/2010/main" val="511366764"/>
+      </p:ext>
+    </p:extLst>
   </p:cSld>
   <p:clrMapOvr>
     <a:masterClrMapping/>
@@ -13576,14 +15485,234 @@
   <p:timing>
     <p:tnLst>
       <p:par>
-        <p:cTn id="1" dur="indefinite" restart="never" nodeType="tmRoot"/>
+        <p:cTn id="1" dur="indefinite" restart="never" nodeType="tmRoot">
+          <p:childTnLst>
+            <p:seq concurrent="1" nextAc="seek">
+              <p:cTn id="2" dur="indefinite" nodeType="mainSeq">
+                <p:childTnLst>
+                  <p:par>
+                    <p:cTn id="3" fill="hold">
+                      <p:stCondLst>
+                        <p:cond delay="indefinite"/>
+                      </p:stCondLst>
+                      <p:childTnLst>
+                        <p:par>
+                          <p:cTn id="4" fill="hold">
+                            <p:stCondLst>
+                              <p:cond delay="0"/>
+                            </p:stCondLst>
+                            <p:childTnLst>
+                              <p:par>
+                                <p:cTn id="5" presetID="2" presetClass="entr" presetSubtype="4" fill="hold" grpId="0" nodeType="clickEffect">
+                                  <p:stCondLst>
+                                    <p:cond delay="0"/>
+                                  </p:stCondLst>
+                                  <p:childTnLst>
+                                    <p:set>
+                                      <p:cBhvr>
+                                        <p:cTn id="6" dur="1" fill="hold">
+                                          <p:stCondLst>
+                                            <p:cond delay="0"/>
+                                          </p:stCondLst>
+                                        </p:cTn>
+                                        <p:tgtEl>
+                                          <p:spTgt spid="2"/>
+                                        </p:tgtEl>
+                                        <p:attrNameLst>
+                                          <p:attrName>style.visibility</p:attrName>
+                                        </p:attrNameLst>
+                                      </p:cBhvr>
+                                      <p:to>
+                                        <p:strVal val="visible"/>
+                                      </p:to>
+                                    </p:set>
+                                    <p:anim calcmode="lin" valueType="num">
+                                      <p:cBhvr additive="base">
+                                        <p:cTn id="7" dur="500" fill="hold"/>
+                                        <p:tgtEl>
+                                          <p:spTgt spid="2"/>
+                                        </p:tgtEl>
+                                        <p:attrNameLst>
+                                          <p:attrName>ppt_x</p:attrName>
+                                        </p:attrNameLst>
+                                      </p:cBhvr>
+                                      <p:tavLst>
+                                        <p:tav tm="0">
+                                          <p:val>
+                                            <p:strVal val="#ppt_x"/>
+                                          </p:val>
+                                        </p:tav>
+                                        <p:tav tm="100000">
+                                          <p:val>
+                                            <p:strVal val="#ppt_x"/>
+                                          </p:val>
+                                        </p:tav>
+                                      </p:tavLst>
+                                    </p:anim>
+                                    <p:anim calcmode="lin" valueType="num">
+                                      <p:cBhvr additive="base">
+                                        <p:cTn id="8" dur="500" fill="hold"/>
+                                        <p:tgtEl>
+                                          <p:spTgt spid="2"/>
+                                        </p:tgtEl>
+                                        <p:attrNameLst>
+                                          <p:attrName>ppt_y</p:attrName>
+                                        </p:attrNameLst>
+                                      </p:cBhvr>
+                                      <p:tavLst>
+                                        <p:tav tm="0">
+                                          <p:val>
+                                            <p:strVal val="1+#ppt_h/2"/>
+                                          </p:val>
+                                        </p:tav>
+                                        <p:tav tm="100000">
+                                          <p:val>
+                                            <p:strVal val="#ppt_y"/>
+                                          </p:val>
+                                        </p:tav>
+                                      </p:tavLst>
+                                    </p:anim>
+                                  </p:childTnLst>
+                                </p:cTn>
+                              </p:par>
+                            </p:childTnLst>
+                          </p:cTn>
+                        </p:par>
+                      </p:childTnLst>
+                    </p:cTn>
+                  </p:par>
+                  <p:par>
+                    <p:cTn id="9" fill="hold">
+                      <p:stCondLst>
+                        <p:cond delay="indefinite"/>
+                      </p:stCondLst>
+                      <p:childTnLst>
+                        <p:par>
+                          <p:cTn id="10" fill="hold">
+                            <p:stCondLst>
+                              <p:cond delay="0"/>
+                            </p:stCondLst>
+                            <p:childTnLst>
+                              <p:par>
+                                <p:cTn id="11" presetID="2" presetClass="entr" presetSubtype="4" fill="hold" nodeType="clickEffect">
+                                  <p:stCondLst>
+                                    <p:cond delay="0"/>
+                                  </p:stCondLst>
+                                  <p:childTnLst>
+                                    <p:set>
+                                      <p:cBhvr>
+                                        <p:cTn id="12" dur="1" fill="hold">
+                                          <p:stCondLst>
+                                            <p:cond delay="0"/>
+                                          </p:stCondLst>
+                                        </p:cTn>
+                                        <p:tgtEl>
+                                          <p:spTgt spid="5">
+                                            <p:txEl>
+                                              <p:pRg st="0" end="0"/>
+                                            </p:txEl>
+                                          </p:spTgt>
+                                        </p:tgtEl>
+                                        <p:attrNameLst>
+                                          <p:attrName>style.visibility</p:attrName>
+                                        </p:attrNameLst>
+                                      </p:cBhvr>
+                                      <p:to>
+                                        <p:strVal val="visible"/>
+                                      </p:to>
+                                    </p:set>
+                                    <p:anim calcmode="lin" valueType="num">
+                                      <p:cBhvr additive="base">
+                                        <p:cTn id="13" dur="500" fill="hold"/>
+                                        <p:tgtEl>
+                                          <p:spTgt spid="5">
+                                            <p:txEl>
+                                              <p:pRg st="0" end="0"/>
+                                            </p:txEl>
+                                          </p:spTgt>
+                                        </p:tgtEl>
+                                        <p:attrNameLst>
+                                          <p:attrName>ppt_x</p:attrName>
+                                        </p:attrNameLst>
+                                      </p:cBhvr>
+                                      <p:tavLst>
+                                        <p:tav tm="0">
+                                          <p:val>
+                                            <p:strVal val="#ppt_x"/>
+                                          </p:val>
+                                        </p:tav>
+                                        <p:tav tm="100000">
+                                          <p:val>
+                                            <p:strVal val="#ppt_x"/>
+                                          </p:val>
+                                        </p:tav>
+                                      </p:tavLst>
+                                    </p:anim>
+                                    <p:anim calcmode="lin" valueType="num">
+                                      <p:cBhvr additive="base">
+                                        <p:cTn id="14" dur="500" fill="hold"/>
+                                        <p:tgtEl>
+                                          <p:spTgt spid="5">
+                                            <p:txEl>
+                                              <p:pRg st="0" end="0"/>
+                                            </p:txEl>
+                                          </p:spTgt>
+                                        </p:tgtEl>
+                                        <p:attrNameLst>
+                                          <p:attrName>ppt_y</p:attrName>
+                                        </p:attrNameLst>
+                                      </p:cBhvr>
+                                      <p:tavLst>
+                                        <p:tav tm="0">
+                                          <p:val>
+                                            <p:strVal val="1+#ppt_h/2"/>
+                                          </p:val>
+                                        </p:tav>
+                                        <p:tav tm="100000">
+                                          <p:val>
+                                            <p:strVal val="#ppt_y"/>
+                                          </p:val>
+                                        </p:tav>
+                                      </p:tavLst>
+                                    </p:anim>
+                                  </p:childTnLst>
+                                </p:cTn>
+                              </p:par>
+                            </p:childTnLst>
+                          </p:cTn>
+                        </p:par>
+                      </p:childTnLst>
+                    </p:cTn>
+                  </p:par>
+                </p:childTnLst>
+              </p:cTn>
+              <p:prevCondLst>
+                <p:cond evt="onPrev" delay="0">
+                  <p:tgtEl>
+                    <p:sldTgt/>
+                  </p:tgtEl>
+                </p:cond>
+              </p:prevCondLst>
+              <p:nextCondLst>
+                <p:cond evt="onNext" delay="0">
+                  <p:tgtEl>
+                    <p:sldTgt/>
+                  </p:tgtEl>
+                </p:cond>
+              </p:nextCondLst>
+            </p:seq>
+          </p:childTnLst>
+        </p:cTn>
       </p:par>
     </p:tnLst>
+    <p:bldLst>
+      <p:bldP spid="2" grpId="0"/>
+    </p:bldLst>
   </p:timing>
 </p:sld>
 </file>
 
-<file path=ppt/slides/slide27.xml><?xml version="1.0" encoding="utf-8"?>
+<file path=ppt/slides/slide30.xml><?xml version="1.0" encoding="utf-8"?>
 <p:sld xmlns:a="http://schemas.openxmlformats.org/drawingml/2006/main" xmlns:r="http://schemas.openxmlformats.org/officeDocument/2006/relationships" xmlns:p="http://schemas.openxmlformats.org/presentationml/2006/main" showMasterSp="0">
   <p:cSld>
     <p:spTree>
@@ -13615,11 +15744,7 @@
           <a:bodyPr/>
           <a:lstStyle/>
           <a:p>
-            <a:r>
-              <a:rPr lang="fr-FR" dirty="0" smtClean="0"/>
-              <a:t>Conclusion</a:t>
-            </a:r>
-            <a:endParaRPr lang="fr-FR" dirty="0"/>
+            <a:endParaRPr lang="fr-FR"/>
           </a:p>
         </p:txBody>
       </p:sp>
@@ -13640,6 +15765,170 @@
           </a:bodyPr>
           <a:lstStyle/>
           <a:p>
+            <a:pPr algn="ctr">
+              <a:buNone/>
+            </a:pPr>
+            <a:endParaRPr lang="fr-FR" sz="6000" dirty="0" smtClean="0">
+              <a:ln w="18415" cmpd="sng">
+                <a:solidFill>
+                  <a:srgbClr val="FFFFFF"/>
+                </a:solidFill>
+                <a:prstDash val="solid"/>
+              </a:ln>
+              <a:solidFill>
+                <a:srgbClr val="FFFFFF"/>
+              </a:solidFill>
+              <a:effectLst>
+                <a:outerShdw blurRad="63500" dir="3600000" algn="tl" rotWithShape="0">
+                  <a:srgbClr val="000000">
+                    <a:alpha val="70000"/>
+                  </a:srgbClr>
+                </a:outerShdw>
+              </a:effectLst>
+            </a:endParaRPr>
+          </a:p>
+          <a:p>
+            <a:pPr algn="ctr">
+              <a:buNone/>
+            </a:pPr>
+            <a:r>
+              <a:rPr lang="fr-FR" sz="6000" dirty="0" smtClean="0">
+                <a:ln w="18415" cmpd="sng">
+                  <a:solidFill>
+                    <a:srgbClr val="FFFFFF"/>
+                  </a:solidFill>
+                  <a:prstDash val="solid"/>
+                </a:ln>
+                <a:solidFill>
+                  <a:srgbClr val="FFFFFF"/>
+                </a:solidFill>
+                <a:effectLst>
+                  <a:outerShdw blurRad="63500" dir="3600000" algn="tl" rotWithShape="0">
+                    <a:srgbClr val="000000">
+                      <a:alpha val="70000"/>
+                    </a:srgbClr>
+                  </a:outerShdw>
+                </a:effectLst>
+              </a:rPr>
+              <a:t>Démonstration</a:t>
+            </a:r>
+            <a:endParaRPr lang="fr-FR" sz="6000" dirty="0">
+              <a:ln w="18415" cmpd="sng">
+                <a:solidFill>
+                  <a:srgbClr val="FFFFFF"/>
+                </a:solidFill>
+                <a:prstDash val="solid"/>
+              </a:ln>
+              <a:solidFill>
+                <a:srgbClr val="FFFFFF"/>
+              </a:solidFill>
+              <a:effectLst>
+                <a:outerShdw blurRad="63500" dir="3600000" algn="tl" rotWithShape="0">
+                  <a:srgbClr val="000000">
+                    <a:alpha val="70000"/>
+                  </a:srgbClr>
+                </a:outerShdw>
+              </a:effectLst>
+            </a:endParaRPr>
+          </a:p>
+        </p:txBody>
+      </p:sp>
+      <p:sp>
+        <p:nvSpPr>
+          <p:cNvPr id="4" name="Espace réservé du numéro de diapositive 3"/>
+          <p:cNvSpPr>
+            <a:spLocks noGrp="1"/>
+          </p:cNvSpPr>
+          <p:nvPr>
+            <p:ph type="sldNum" sz="quarter" idx="12"/>
+          </p:nvPr>
+        </p:nvSpPr>
+        <p:spPr/>
+        <p:txBody>
+          <a:bodyPr/>
+          <a:lstStyle/>
+          <a:p>
+            <a:fld id="{E31CB3CC-2B44-47CE-ACFB-D5D84FBE0F2F}" type="slidenum">
+              <a:rPr lang="fr-FR" smtClean="0"/>
+              <a:pPr/>
+              <a:t>30</a:t>
+            </a:fld>
+            <a:endParaRPr lang="fr-FR"/>
+          </a:p>
+        </p:txBody>
+      </p:sp>
+    </p:spTree>
+  </p:cSld>
+  <p:clrMapOvr>
+    <a:masterClrMapping/>
+  </p:clrMapOvr>
+  <p:timing>
+    <p:tnLst>
+      <p:par>
+        <p:cTn id="1" dur="indefinite" restart="never" nodeType="tmRoot"/>
+      </p:par>
+    </p:tnLst>
+  </p:timing>
+</p:sld>
+</file>
+
+<file path=ppt/slides/slide31.xml><?xml version="1.0" encoding="utf-8"?>
+<p:sld xmlns:a="http://schemas.openxmlformats.org/drawingml/2006/main" xmlns:r="http://schemas.openxmlformats.org/officeDocument/2006/relationships" xmlns:p="http://schemas.openxmlformats.org/presentationml/2006/main" showMasterSp="0">
+  <p:cSld>
+    <p:spTree>
+      <p:nvGrpSpPr>
+        <p:cNvPr id="1" name=""/>
+        <p:cNvGrpSpPr/>
+        <p:nvPr/>
+      </p:nvGrpSpPr>
+      <p:grpSpPr>
+        <a:xfrm>
+          <a:off x="0" y="0"/>
+          <a:ext cx="0" cy="0"/>
+          <a:chOff x="0" y="0"/>
+          <a:chExt cx="0" cy="0"/>
+        </a:xfrm>
+      </p:grpSpPr>
+      <p:sp>
+        <p:nvSpPr>
+          <p:cNvPr id="2" name="Titre 1"/>
+          <p:cNvSpPr>
+            <a:spLocks noGrp="1"/>
+          </p:cNvSpPr>
+          <p:nvPr>
+            <p:ph type="title"/>
+          </p:nvPr>
+        </p:nvSpPr>
+        <p:spPr/>
+        <p:txBody>
+          <a:bodyPr/>
+          <a:lstStyle/>
+          <a:p>
+            <a:r>
+              <a:rPr lang="fr-FR" dirty="0" smtClean="0"/>
+              <a:t>Conclusion</a:t>
+            </a:r>
+            <a:endParaRPr lang="fr-FR" dirty="0"/>
+          </a:p>
+        </p:txBody>
+      </p:sp>
+      <p:sp>
+        <p:nvSpPr>
+          <p:cNvPr id="3" name="Espace réservé du contenu 2"/>
+          <p:cNvSpPr>
+            <a:spLocks noGrp="1"/>
+          </p:cNvSpPr>
+          <p:nvPr>
+            <p:ph idx="1"/>
+          </p:nvPr>
+        </p:nvSpPr>
+        <p:spPr/>
+        <p:txBody>
+          <a:bodyPr>
+            <a:normAutofit/>
+          </a:bodyPr>
+          <a:lstStyle/>
+          <a:p>
             <a:pPr marL="0" indent="0" algn="just">
               <a:buNone/>
             </a:pPr>
@@ -13699,7 +15988,7 @@
             <a:fld id="{E31CB3CC-2B44-47CE-ACFB-D5D84FBE0F2F}" type="slidenum">
               <a:rPr lang="fr-FR" smtClean="0"/>
               <a:pPr/>
-              <a:t>27</a:t>
+              <a:t>31</a:t>
             </a:fld>
             <a:endParaRPr lang="fr-FR"/>
           </a:p>
@@ -14160,7 +16449,7 @@
 </p:sld>
 </file>
 
-<file path=ppt/slides/slide28.xml><?xml version="1.0" encoding="utf-8"?>
+<file path=ppt/slides/slide32.xml><?xml version="1.0" encoding="utf-8"?>
 <p:sld xmlns:a="http://schemas.openxmlformats.org/drawingml/2006/main" xmlns:r="http://schemas.openxmlformats.org/officeDocument/2006/relationships" xmlns:p="http://schemas.openxmlformats.org/presentationml/2006/main" showMasterSp="0">
   <p:cSld>
     <p:spTree>
@@ -14276,7 +16565,7 @@
             <a:fld id="{E31CB3CC-2B44-47CE-ACFB-D5D84FBE0F2F}" type="slidenum">
               <a:rPr lang="fr-FR" smtClean="0"/>
               <a:pPr/>
-              <a:t>28</a:t>
+              <a:t>32</a:t>
             </a:fld>
             <a:endParaRPr lang="fr-FR"/>
           </a:p>
@@ -14737,7 +17026,7 @@
 </p:sld>
 </file>
 
-<file path=ppt/slides/slide29.xml><?xml version="1.0" encoding="utf-8"?>
+<file path=ppt/slides/slide33.xml><?xml version="1.0" encoding="utf-8"?>
 <p:sld xmlns:a="http://schemas.openxmlformats.org/drawingml/2006/main" xmlns:r="http://schemas.openxmlformats.org/officeDocument/2006/relationships" xmlns:p="http://schemas.openxmlformats.org/presentationml/2006/main" showMasterSp="0">
   <p:cSld>
     <p:spTree>
@@ -14863,7 +17152,7 @@
             <a:fld id="{E31CB3CC-2B44-47CE-ACFB-D5D84FBE0F2F}" type="slidenum">
               <a:rPr lang="fr-FR" smtClean="0"/>
               <a:pPr/>
-              <a:t>29</a:t>
+              <a:t>33</a:t>
             </a:fld>
             <a:endParaRPr lang="fr-FR"/>
           </a:p>
@@ -15324,7 +17613,7 @@
 </p:sld>
 </file>
 
-<file path=ppt/slides/slide3.xml><?xml version="1.0" encoding="utf-8"?>
+<file path=ppt/slides/slide34.xml><?xml version="1.0" encoding="utf-8"?>
 <p:sld xmlns:a="http://schemas.openxmlformats.org/drawingml/2006/main" xmlns:r="http://schemas.openxmlformats.org/officeDocument/2006/relationships" xmlns:p="http://schemas.openxmlformats.org/presentationml/2006/main" showMasterSp="0">
   <p:cSld>
     <p:spTree>
@@ -15356,366 +17645,6 @@
           <a:bodyPr/>
           <a:lstStyle/>
           <a:p>
-            <a:r>
-              <a:rPr lang="fr-FR" dirty="0" smtClean="0"/>
-              <a:t>Introduction</a:t>
-            </a:r>
-            <a:endParaRPr lang="fr-FR" dirty="0"/>
-          </a:p>
-        </p:txBody>
-      </p:sp>
-      <p:sp>
-        <p:nvSpPr>
-          <p:cNvPr id="3" name="Espace réservé du contenu 2"/>
-          <p:cNvSpPr>
-            <a:spLocks noGrp="1"/>
-          </p:cNvSpPr>
-          <p:nvPr>
-            <p:ph idx="1"/>
-          </p:nvPr>
-        </p:nvSpPr>
-        <p:spPr/>
-        <p:txBody>
-          <a:bodyPr/>
-          <a:lstStyle/>
-          <a:p>
-            <a:pPr marL="0" indent="0">
-              <a:buNone/>
-            </a:pPr>
-            <a:r>
-              <a:rPr lang="fr-FR" dirty="0"/>
-              <a:t> </a:t>
-            </a:r>
-          </a:p>
-        </p:txBody>
-      </p:sp>
-      <p:sp>
-        <p:nvSpPr>
-          <p:cNvPr id="4" name="Espace réservé du numéro de diapositive 3"/>
-          <p:cNvSpPr>
-            <a:spLocks noGrp="1"/>
-          </p:cNvSpPr>
-          <p:nvPr>
-            <p:ph type="sldNum" sz="quarter" idx="12"/>
-          </p:nvPr>
-        </p:nvSpPr>
-        <p:spPr/>
-        <p:txBody>
-          <a:bodyPr/>
-          <a:lstStyle/>
-          <a:p>
-            <a:fld id="{E31CB3CC-2B44-47CE-ACFB-D5D84FBE0F2F}" type="slidenum">
-              <a:rPr lang="fr-FR" smtClean="0"/>
-              <a:pPr/>
-              <a:t>3</a:t>
-            </a:fld>
-            <a:endParaRPr lang="fr-FR"/>
-          </a:p>
-        </p:txBody>
-      </p:sp>
-      <p:sp>
-        <p:nvSpPr>
-          <p:cNvPr id="5" name="ZoneTexte 4"/>
-          <p:cNvSpPr txBox="1"/>
-          <p:nvPr/>
-        </p:nvSpPr>
-        <p:spPr>
-          <a:xfrm>
-            <a:off x="683568" y="2132856"/>
-            <a:ext cx="7560840" cy="3539430"/>
-          </a:xfrm>
-          <a:prstGeom prst="rect">
-            <a:avLst/>
-          </a:prstGeom>
-          <a:noFill/>
-        </p:spPr>
-        <p:txBody>
-          <a:bodyPr wrap="square" rtlCol="0">
-            <a:spAutoFit/>
-          </a:bodyPr>
-          <a:lstStyle/>
-          <a:p>
-            <a:pPr algn="just"/>
-            <a:r>
-              <a:rPr lang="fr-FR" sz="3200" dirty="0" smtClean="0"/>
-              <a:t>Le SGBD est un logiciel destiné à stocker et à partager des informations dans une base de données en garantissant la qualité, la pérennité et la confidentialité des informations, tout en cachant la complexité des opérations, permet d’interagir avec une base de données.</a:t>
-            </a:r>
-            <a:endParaRPr lang="fr-FR" sz="3200" dirty="0"/>
-          </a:p>
-        </p:txBody>
-      </p:sp>
-    </p:spTree>
-    <p:extLst>
-      <p:ext uri="{BB962C8B-B14F-4D97-AF65-F5344CB8AC3E}">
-        <p14:creationId xmlns:p14="http://schemas.microsoft.com/office/powerpoint/2010/main" val="511366764"/>
-      </p:ext>
-    </p:extLst>
-  </p:cSld>
-  <p:clrMapOvr>
-    <a:masterClrMapping/>
-  </p:clrMapOvr>
-  <p:timing>
-    <p:tnLst>
-      <p:par>
-        <p:cTn id="1" dur="indefinite" restart="never" nodeType="tmRoot">
-          <p:childTnLst>
-            <p:seq concurrent="1" nextAc="seek">
-              <p:cTn id="2" dur="indefinite" nodeType="mainSeq">
-                <p:childTnLst>
-                  <p:par>
-                    <p:cTn id="3" fill="hold">
-                      <p:stCondLst>
-                        <p:cond delay="indefinite"/>
-                      </p:stCondLst>
-                      <p:childTnLst>
-                        <p:par>
-                          <p:cTn id="4" fill="hold">
-                            <p:stCondLst>
-                              <p:cond delay="0"/>
-                            </p:stCondLst>
-                            <p:childTnLst>
-                              <p:par>
-                                <p:cTn id="5" presetID="2" presetClass="entr" presetSubtype="4" fill="hold" grpId="0" nodeType="clickEffect">
-                                  <p:stCondLst>
-                                    <p:cond delay="0"/>
-                                  </p:stCondLst>
-                                  <p:childTnLst>
-                                    <p:set>
-                                      <p:cBhvr>
-                                        <p:cTn id="6" dur="1" fill="hold">
-                                          <p:stCondLst>
-                                            <p:cond delay="0"/>
-                                          </p:stCondLst>
-                                        </p:cTn>
-                                        <p:tgtEl>
-                                          <p:spTgt spid="2"/>
-                                        </p:tgtEl>
-                                        <p:attrNameLst>
-                                          <p:attrName>style.visibility</p:attrName>
-                                        </p:attrNameLst>
-                                      </p:cBhvr>
-                                      <p:to>
-                                        <p:strVal val="visible"/>
-                                      </p:to>
-                                    </p:set>
-                                    <p:anim calcmode="lin" valueType="num">
-                                      <p:cBhvr additive="base">
-                                        <p:cTn id="7" dur="500" fill="hold"/>
-                                        <p:tgtEl>
-                                          <p:spTgt spid="2"/>
-                                        </p:tgtEl>
-                                        <p:attrNameLst>
-                                          <p:attrName>ppt_x</p:attrName>
-                                        </p:attrNameLst>
-                                      </p:cBhvr>
-                                      <p:tavLst>
-                                        <p:tav tm="0">
-                                          <p:val>
-                                            <p:strVal val="#ppt_x"/>
-                                          </p:val>
-                                        </p:tav>
-                                        <p:tav tm="100000">
-                                          <p:val>
-                                            <p:strVal val="#ppt_x"/>
-                                          </p:val>
-                                        </p:tav>
-                                      </p:tavLst>
-                                    </p:anim>
-                                    <p:anim calcmode="lin" valueType="num">
-                                      <p:cBhvr additive="base">
-                                        <p:cTn id="8" dur="500" fill="hold"/>
-                                        <p:tgtEl>
-                                          <p:spTgt spid="2"/>
-                                        </p:tgtEl>
-                                        <p:attrNameLst>
-                                          <p:attrName>ppt_y</p:attrName>
-                                        </p:attrNameLst>
-                                      </p:cBhvr>
-                                      <p:tavLst>
-                                        <p:tav tm="0">
-                                          <p:val>
-                                            <p:strVal val="1+#ppt_h/2"/>
-                                          </p:val>
-                                        </p:tav>
-                                        <p:tav tm="100000">
-                                          <p:val>
-                                            <p:strVal val="#ppt_y"/>
-                                          </p:val>
-                                        </p:tav>
-                                      </p:tavLst>
-                                    </p:anim>
-                                  </p:childTnLst>
-                                </p:cTn>
-                              </p:par>
-                            </p:childTnLst>
-                          </p:cTn>
-                        </p:par>
-                      </p:childTnLst>
-                    </p:cTn>
-                  </p:par>
-                  <p:par>
-                    <p:cTn id="9" fill="hold">
-                      <p:stCondLst>
-                        <p:cond delay="indefinite"/>
-                      </p:stCondLst>
-                      <p:childTnLst>
-                        <p:par>
-                          <p:cTn id="10" fill="hold">
-                            <p:stCondLst>
-                              <p:cond delay="0"/>
-                            </p:stCondLst>
-                            <p:childTnLst>
-                              <p:par>
-                                <p:cTn id="11" presetID="2" presetClass="entr" presetSubtype="4" fill="hold" nodeType="clickEffect">
-                                  <p:stCondLst>
-                                    <p:cond delay="0"/>
-                                  </p:stCondLst>
-                                  <p:childTnLst>
-                                    <p:set>
-                                      <p:cBhvr>
-                                        <p:cTn id="12" dur="1" fill="hold">
-                                          <p:stCondLst>
-                                            <p:cond delay="0"/>
-                                          </p:stCondLst>
-                                        </p:cTn>
-                                        <p:tgtEl>
-                                          <p:spTgt spid="5">
-                                            <p:txEl>
-                                              <p:pRg st="0" end="0"/>
-                                            </p:txEl>
-                                          </p:spTgt>
-                                        </p:tgtEl>
-                                        <p:attrNameLst>
-                                          <p:attrName>style.visibility</p:attrName>
-                                        </p:attrNameLst>
-                                      </p:cBhvr>
-                                      <p:to>
-                                        <p:strVal val="visible"/>
-                                      </p:to>
-                                    </p:set>
-                                    <p:anim calcmode="lin" valueType="num">
-                                      <p:cBhvr additive="base">
-                                        <p:cTn id="13" dur="500" fill="hold"/>
-                                        <p:tgtEl>
-                                          <p:spTgt spid="5">
-                                            <p:txEl>
-                                              <p:pRg st="0" end="0"/>
-                                            </p:txEl>
-                                          </p:spTgt>
-                                        </p:tgtEl>
-                                        <p:attrNameLst>
-                                          <p:attrName>ppt_x</p:attrName>
-                                        </p:attrNameLst>
-                                      </p:cBhvr>
-                                      <p:tavLst>
-                                        <p:tav tm="0">
-                                          <p:val>
-                                            <p:strVal val="#ppt_x"/>
-                                          </p:val>
-                                        </p:tav>
-                                        <p:tav tm="100000">
-                                          <p:val>
-                                            <p:strVal val="#ppt_x"/>
-                                          </p:val>
-                                        </p:tav>
-                                      </p:tavLst>
-                                    </p:anim>
-                                    <p:anim calcmode="lin" valueType="num">
-                                      <p:cBhvr additive="base">
-                                        <p:cTn id="14" dur="500" fill="hold"/>
-                                        <p:tgtEl>
-                                          <p:spTgt spid="5">
-                                            <p:txEl>
-                                              <p:pRg st="0" end="0"/>
-                                            </p:txEl>
-                                          </p:spTgt>
-                                        </p:tgtEl>
-                                        <p:attrNameLst>
-                                          <p:attrName>ppt_y</p:attrName>
-                                        </p:attrNameLst>
-                                      </p:cBhvr>
-                                      <p:tavLst>
-                                        <p:tav tm="0">
-                                          <p:val>
-                                            <p:strVal val="1+#ppt_h/2"/>
-                                          </p:val>
-                                        </p:tav>
-                                        <p:tav tm="100000">
-                                          <p:val>
-                                            <p:strVal val="#ppt_y"/>
-                                          </p:val>
-                                        </p:tav>
-                                      </p:tavLst>
-                                    </p:anim>
-                                  </p:childTnLst>
-                                </p:cTn>
-                              </p:par>
-                            </p:childTnLst>
-                          </p:cTn>
-                        </p:par>
-                      </p:childTnLst>
-                    </p:cTn>
-                  </p:par>
-                </p:childTnLst>
-              </p:cTn>
-              <p:prevCondLst>
-                <p:cond evt="onPrev" delay="0">
-                  <p:tgtEl>
-                    <p:sldTgt/>
-                  </p:tgtEl>
-                </p:cond>
-              </p:prevCondLst>
-              <p:nextCondLst>
-                <p:cond evt="onNext" delay="0">
-                  <p:tgtEl>
-                    <p:sldTgt/>
-                  </p:tgtEl>
-                </p:cond>
-              </p:nextCondLst>
-            </p:seq>
-          </p:childTnLst>
-        </p:cTn>
-      </p:par>
-    </p:tnLst>
-    <p:bldLst>
-      <p:bldP spid="2" grpId="0"/>
-    </p:bldLst>
-  </p:timing>
-</p:sld>
-</file>
-
-<file path=ppt/slides/slide30.xml><?xml version="1.0" encoding="utf-8"?>
-<p:sld xmlns:a="http://schemas.openxmlformats.org/drawingml/2006/main" xmlns:r="http://schemas.openxmlformats.org/officeDocument/2006/relationships" xmlns:p="http://schemas.openxmlformats.org/presentationml/2006/main" showMasterSp="0">
-  <p:cSld>
-    <p:spTree>
-      <p:nvGrpSpPr>
-        <p:cNvPr id="1" name=""/>
-        <p:cNvGrpSpPr/>
-        <p:nvPr/>
-      </p:nvGrpSpPr>
-      <p:grpSpPr>
-        <a:xfrm>
-          <a:off x="0" y="0"/>
-          <a:ext cx="0" cy="0"/>
-          <a:chOff x="0" y="0"/>
-          <a:chExt cx="0" cy="0"/>
-        </a:xfrm>
-      </p:grpSpPr>
-      <p:sp>
-        <p:nvSpPr>
-          <p:cNvPr id="2" name="Titre 1"/>
-          <p:cNvSpPr>
-            <a:spLocks noGrp="1"/>
-          </p:cNvSpPr>
-          <p:nvPr>
-            <p:ph type="title"/>
-          </p:nvPr>
-        </p:nvSpPr>
-        <p:spPr/>
-        <p:txBody>
-          <a:bodyPr/>
-          <a:lstStyle/>
-          <a:p>
             <a:endParaRPr lang="fr-FR"/>
           </a:p>
         </p:txBody>
@@ -15769,7 +17698,7 @@
             <a:fld id="{E31CB3CC-2B44-47CE-ACFB-D5D84FBE0F2F}" type="slidenum">
               <a:rPr lang="fr-FR" smtClean="0"/>
               <a:pPr/>
-              <a:t>30</a:t>
+              <a:t>34</a:t>
             </a:fld>
             <a:endParaRPr lang="fr-FR"/>
           </a:p>
@@ -15795,7 +17724,7 @@
 </p:sld>
 </file>
 
-<file path=ppt/slides/slide31.xml><?xml version="1.0" encoding="utf-8"?>
+<file path=ppt/slides/slide35.xml><?xml version="1.0" encoding="utf-8"?>
 <p:sld xmlns:a="http://schemas.openxmlformats.org/drawingml/2006/main" xmlns:r="http://schemas.openxmlformats.org/officeDocument/2006/relationships" xmlns:p="http://schemas.openxmlformats.org/presentationml/2006/main" showMasterSp="0">
   <p:cSld>
     <p:spTree>
@@ -15917,7 +17846,7 @@
             <a:fld id="{E31CB3CC-2B44-47CE-ACFB-D5D84FBE0F2F}" type="slidenum">
               <a:rPr lang="fr-FR" smtClean="0"/>
               <a:pPr/>
-              <a:t>31</a:t>
+              <a:t>35</a:t>
             </a:fld>
             <a:endParaRPr lang="fr-FR"/>
           </a:p>
@@ -16007,7 +17936,53 @@
             </a:pPr>
             <a:r>
               <a:rPr lang="fr-FR" dirty="0" smtClean="0"/>
-              <a:t>    Berkeley DB (BDB) fait partie de la famille des bases de données « clé-valeur » et est sans doute le produit de cette famille le plus utilisé au monde avec plusieurs dizaines de millions de déploiement. La première version de BDB remonte à 1986 et est la propriété d'Oracle depuis février 2006</a:t>
+              <a:t>Berkeley </a:t>
+            </a:r>
+            <a:r>
+              <a:rPr lang="fr-FR" dirty="0" smtClean="0"/>
+              <a:t>DB (BDB) fait partie de la famille des bases de données « clé-valeur » et est sans doute le produit de cette famille le plus utilisé au monde avec plusieurs dizaines de millions de déploiement. </a:t>
+            </a:r>
+            <a:endParaRPr lang="fr-FR" dirty="0" smtClean="0"/>
+          </a:p>
+          <a:p>
+            <a:pPr algn="just">
+              <a:buNone/>
+            </a:pPr>
+            <a:r>
+              <a:rPr lang="fr-FR" dirty="0" smtClean="0"/>
+              <a:t>La </a:t>
+            </a:r>
+            <a:r>
+              <a:rPr lang="fr-FR" dirty="0" smtClean="0"/>
+              <a:t>première version de BDB </a:t>
+            </a:r>
+            <a:r>
+              <a:rPr lang="fr-FR" dirty="0" smtClean="0"/>
+              <a:t>développé par </a:t>
+            </a:r>
+            <a:r>
+              <a:rPr lang="fr-FR" dirty="0" err="1" smtClean="0"/>
+              <a:t>Sleepycat</a:t>
+            </a:r>
+            <a:r>
+              <a:rPr lang="fr-FR" dirty="0" smtClean="0"/>
+              <a:t> software </a:t>
+            </a:r>
+            <a:r>
+              <a:rPr lang="fr-FR" dirty="0" smtClean="0"/>
+              <a:t>remonte </a:t>
+            </a:r>
+            <a:r>
+              <a:rPr lang="fr-FR" dirty="0" smtClean="0"/>
+              <a:t>à 1986 et </a:t>
+            </a:r>
+            <a:r>
+              <a:rPr lang="fr-FR" dirty="0" smtClean="0"/>
+              <a:t>est devenue </a:t>
+            </a:r>
+            <a:r>
+              <a:rPr lang="fr-FR" dirty="0" smtClean="0"/>
+              <a:t>la propriété d'Oracle depuis février 2006</a:t>
             </a:r>
             <a:r>
               <a:rPr lang="fr-FR" sz="2000" dirty="0" smtClean="0"/>
@@ -16241,6 +18216,121 @@
                       </p:childTnLst>
                     </p:cTn>
                   </p:par>
+                  <p:par>
+                    <p:cTn id="15" fill="hold">
+                      <p:stCondLst>
+                        <p:cond delay="indefinite"/>
+                      </p:stCondLst>
+                      <p:childTnLst>
+                        <p:par>
+                          <p:cTn id="16" fill="hold">
+                            <p:stCondLst>
+                              <p:cond delay="0"/>
+                            </p:stCondLst>
+                            <p:childTnLst>
+                              <p:par>
+                                <p:cTn id="17" presetID="42" presetClass="entr" presetSubtype="0" fill="hold" grpId="0" nodeType="clickEffect">
+                                  <p:stCondLst>
+                                    <p:cond delay="0"/>
+                                  </p:stCondLst>
+                                  <p:childTnLst>
+                                    <p:set>
+                                      <p:cBhvr>
+                                        <p:cTn id="18" dur="1" fill="hold">
+                                          <p:stCondLst>
+                                            <p:cond delay="0"/>
+                                          </p:stCondLst>
+                                        </p:cTn>
+                                        <p:tgtEl>
+                                          <p:spTgt spid="3">
+                                            <p:txEl>
+                                              <p:pRg st="1" end="1"/>
+                                            </p:txEl>
+                                          </p:spTgt>
+                                        </p:tgtEl>
+                                        <p:attrNameLst>
+                                          <p:attrName>style.visibility</p:attrName>
+                                        </p:attrNameLst>
+                                      </p:cBhvr>
+                                      <p:to>
+                                        <p:strVal val="visible"/>
+                                      </p:to>
+                                    </p:set>
+                                    <p:animEffect transition="in" filter="fade">
+                                      <p:cBhvr>
+                                        <p:cTn id="19" dur="1000"/>
+                                        <p:tgtEl>
+                                          <p:spTgt spid="3">
+                                            <p:txEl>
+                                              <p:pRg st="1" end="1"/>
+                                            </p:txEl>
+                                          </p:spTgt>
+                                        </p:tgtEl>
+                                      </p:cBhvr>
+                                    </p:animEffect>
+                                    <p:anim calcmode="lin" valueType="num">
+                                      <p:cBhvr>
+                                        <p:cTn id="20" dur="1000" fill="hold"/>
+                                        <p:tgtEl>
+                                          <p:spTgt spid="3">
+                                            <p:txEl>
+                                              <p:pRg st="1" end="1"/>
+                                            </p:txEl>
+                                          </p:spTgt>
+                                        </p:tgtEl>
+                                        <p:attrNameLst>
+                                          <p:attrName>ppt_x</p:attrName>
+                                        </p:attrNameLst>
+                                      </p:cBhvr>
+                                      <p:tavLst>
+                                        <p:tav tm="0">
+                                          <p:val>
+                                            <p:strVal val="#ppt_x"/>
+                                          </p:val>
+                                        </p:tav>
+                                        <p:tav tm="100000">
+                                          <p:val>
+                                            <p:strVal val="#ppt_x"/>
+                                          </p:val>
+                                        </p:tav>
+                                      </p:tavLst>
+                                    </p:anim>
+                                    <p:anim calcmode="lin" valueType="num">
+                                      <p:cBhvr>
+                                        <p:cTn id="21" dur="1000" fill="hold"/>
+                                        <p:tgtEl>
+                                          <p:spTgt spid="3">
+                                            <p:txEl>
+                                              <p:pRg st="1" end="1"/>
+                                            </p:txEl>
+                                          </p:spTgt>
+                                        </p:tgtEl>
+                                        <p:attrNameLst>
+                                          <p:attrName>ppt_y</p:attrName>
+                                        </p:attrNameLst>
+                                      </p:cBhvr>
+                                      <p:tavLst>
+                                        <p:tav tm="0">
+                                          <p:val>
+                                            <p:strVal val="#ppt_y+.1"/>
+                                          </p:val>
+                                        </p:tav>
+                                        <p:tav tm="100000">
+                                          <p:val>
+                                            <p:strVal val="#ppt_y"/>
+                                          </p:val>
+                                        </p:tav>
+                                      </p:tavLst>
+                                    </p:anim>
+                                  </p:childTnLst>
+                                </p:cTn>
+                              </p:par>
+                            </p:childTnLst>
+                          </p:cTn>
+                        </p:par>
+                      </p:childTnLst>
+                    </p:cTn>
+                  </p:par>
                 </p:childTnLst>
               </p:cTn>
               <p:prevCondLst>
@@ -16338,7 +18428,11 @@
             </a:pPr>
             <a:r>
               <a:rPr lang="fr-FR" dirty="0" smtClean="0"/>
-              <a:t>    Il</a:t>
+              <a:t>I</a:t>
+            </a:r>
+            <a:r>
+              <a:rPr lang="fr-FR" dirty="0"/>
+              <a:t>l</a:t>
             </a:r>
             <a:r>
               <a:rPr lang="fr-FR" sz="2000" dirty="0" smtClean="0"/>
@@ -16358,9 +18452,40 @@
               <a:t>    La dernière version de BDB c’est  </a:t>
             </a:r>
             <a:r>
+              <a:rPr lang="fr-FR" dirty="0" smtClean="0"/>
+              <a:t>12cR1.</a:t>
+            </a:r>
+          </a:p>
+          <a:p>
+            <a:pPr algn="just">
+              <a:buNone/>
+            </a:pPr>
+            <a:r>
+              <a:rPr lang="fr-FR" dirty="0" smtClean="0"/>
+              <a:t>Depuis </a:t>
+            </a:r>
+            <a:r>
               <a:rPr lang="fr-FR" dirty="0"/>
-              <a:t>12cR1</a:t>
-            </a:r>
+              <a:t>la version 2.0, Berkeley DB est </a:t>
+            </a:r>
+            <a:r>
+              <a:rPr lang="fr-FR" dirty="0" smtClean="0"/>
+              <a:t>disponible sous </a:t>
+            </a:r>
+            <a:r>
+              <a:rPr lang="fr-FR" dirty="0"/>
+              <a:t>deux licences, une libre, certifiée par l'OSI et une licence commerciale. </a:t>
+            </a:r>
+            <a:r>
+              <a:rPr lang="fr-FR" dirty="0"/>
+              <a:t>Les versions précédentes étaient sous licence BSD.</a:t>
+            </a:r>
+            <a:endParaRPr lang="en-US" dirty="0"/>
+          </a:p>
+          <a:p>
+            <a:pPr algn="just">
+              <a:buNone/>
+            </a:pPr>
             <a:endParaRPr lang="fr-FR" sz="2000" dirty="0" smtClean="0"/>
           </a:p>
           <a:p>
@@ -16675,6 +18800,103 @@
                                   </p:childTnLst>
                                 </p:cTn>
                               </p:par>
+                              <p:par>
+                                <p:cTn id="18" presetID="42" presetClass="entr" presetSubtype="0" fill="hold" nodeType="withEffect">
+                                  <p:stCondLst>
+                                    <p:cond delay="0"/>
+                                  </p:stCondLst>
+                                  <p:childTnLst>
+                                    <p:set>
+                                      <p:cBhvr>
+                                        <p:cTn id="19" dur="1" fill="hold">
+                                          <p:stCondLst>
+                                            <p:cond delay="0"/>
+                                          </p:stCondLst>
+                                        </p:cTn>
+                                        <p:tgtEl>
+                                          <p:spTgt spid="3">
+                                            <p:txEl>
+                                              <p:pRg st="2" end="2"/>
+                                            </p:txEl>
+                                          </p:spTgt>
+                                        </p:tgtEl>
+                                        <p:attrNameLst>
+                                          <p:attrName>style.visibility</p:attrName>
+                                        </p:attrNameLst>
+                                      </p:cBhvr>
+                                      <p:to>
+                                        <p:strVal val="visible"/>
+                                      </p:to>
+                                    </p:set>
+                                    <p:animEffect transition="in" filter="fade">
+                                      <p:cBhvr>
+                                        <p:cTn id="20" dur="1000"/>
+                                        <p:tgtEl>
+                                          <p:spTgt spid="3">
+                                            <p:txEl>
+                                              <p:pRg st="2" end="2"/>
+                                            </p:txEl>
+                                          </p:spTgt>
+                                        </p:tgtEl>
+                                      </p:cBhvr>
+                                    </p:animEffect>
+                                    <p:anim calcmode="lin" valueType="num">
+                                      <p:cBhvr>
+                                        <p:cTn id="21" dur="1000" fill="hold"/>
+                                        <p:tgtEl>
+                                          <p:spTgt spid="3">
+                                            <p:txEl>
+                                              <p:pRg st="2" end="2"/>
+                                            </p:txEl>
+                                          </p:spTgt>
+                                        </p:tgtEl>
+                                        <p:attrNameLst>
+                                          <p:attrName>ppt_x</p:attrName>
+                                        </p:attrNameLst>
+                                      </p:cBhvr>
+                                      <p:tavLst>
+                                        <p:tav tm="0">
+                                          <p:val>
+                                            <p:strVal val="#ppt_x"/>
+                                          </p:val>
+                                        </p:tav>
+                                        <p:tav tm="100000">
+                                          <p:val>
+                                            <p:strVal val="#ppt_x"/>
+                                          </p:val>
+                                        </p:tav>
+                                      </p:tavLst>
+                                    </p:anim>
+                                    <p:anim calcmode="lin" valueType="num">
+                                      <p:cBhvr>
+                                        <p:cTn id="22" dur="1000" fill="hold"/>
+                                        <p:tgtEl>
+                                          <p:spTgt spid="3">
+                                            <p:txEl>
+                                              <p:pRg st="2" end="2"/>
+                                            </p:txEl>
+                                          </p:spTgt>
+                                        </p:tgtEl>
+                                        <p:attrNameLst>
+                                          <p:attrName>ppt_y</p:attrName>
+                                        </p:attrNameLst>
+                                      </p:cBhvr>
+                                      <p:tavLst>
+                                        <p:tav tm="0">
+                                          <p:val>
+                                            <p:strVal val="#ppt_y+.1"/>
+                                          </p:val>
+                                        </p:tav>
+                                        <p:tav tm="100000">
+                                          <p:val>
+                                            <p:strVal val="#ppt_y"/>
+                                          </p:val>
+                                        </p:tav>
+                                      </p:tavLst>
+                                    </p:anim>
+                                  </p:childTnLst>
+                                </p:cTn>
+                              </p:par>
                             </p:childTnLst>
                           </p:cTn>
                         </p:par>
@@ -16772,18 +18994,6 @@
           <a:lstStyle/>
           <a:p>
             <a:pPr>
-              <a:buNone/>
-            </a:pPr>
-            <a:r>
-              <a:rPr lang="fr-FR" sz="2400" b="1" dirty="0" smtClean="0">
-                <a:latin typeface="Times New Roman" pitchFamily="18" charset="0"/>
-                <a:cs typeface="Times New Roman" pitchFamily="18" charset="0"/>
-              </a:rPr>
-              <a:t>PK ?</a:t>
-            </a:r>
-          </a:p>
-          <a:p>
-            <a:pPr>
               <a:buFont typeface="Wingdings" pitchFamily="2" charset="2"/>
               <a:buChar char="ü"/>
             </a:pPr>
@@ -16792,7 +19002,14 @@
                 <a:latin typeface="Times New Roman" pitchFamily="18" charset="0"/>
                 <a:cs typeface="Times New Roman" pitchFamily="18" charset="0"/>
               </a:rPr>
-              <a:t>Quantité immense de données(Web2.0).</a:t>
+              <a:t>Quantité </a:t>
+            </a:r>
+            <a:r>
+              <a:rPr lang="fr-FR" sz="2400" dirty="0" smtClean="0">
+                <a:latin typeface="Times New Roman" pitchFamily="18" charset="0"/>
+                <a:cs typeface="Times New Roman" pitchFamily="18" charset="0"/>
+              </a:rPr>
+              <a:t>immense de données(Web2.0).</a:t>
             </a:r>
           </a:p>
           <a:p>
@@ -17580,67 +19797,6 @@
                       </p:childTnLst>
                     </p:cTn>
                   </p:par>
-                  <p:par>
-                    <p:cTn id="48" fill="hold">
-                      <p:stCondLst>
-                        <p:cond delay="indefinite"/>
-                      </p:stCondLst>
-                      <p:childTnLst>
-                        <p:par>
-                          <p:cTn id="49" fill="hold">
-                            <p:stCondLst>
-                              <p:cond delay="0"/>
-                            </p:stCondLst>
-                            <p:childTnLst>
-                              <p:par>
-                                <p:cTn id="50" presetID="10" presetClass="entr" presetSubtype="0" fill="hold" nodeType="clickEffect">
-                                  <p:stCondLst>
-                                    <p:cond delay="0"/>
-                                  </p:stCondLst>
-                                  <p:childTnLst>
-                                    <p:set>
-                                      <p:cBhvr>
-                                        <p:cTn id="51" dur="1" fill="hold">
-                                          <p:stCondLst>
-                                            <p:cond delay="0"/>
-                                          </p:stCondLst>
-                                        </p:cTn>
-                                        <p:tgtEl>
-                                          <p:spTgt spid="3">
-                                            <p:txEl>
-                                              <p:pRg st="9" end="9"/>
-                                            </p:txEl>
-                                          </p:spTgt>
-                                        </p:tgtEl>
-                                        <p:attrNameLst>
-                                          <p:attrName>style.visibility</p:attrName>
-                                        </p:attrNameLst>
-                                      </p:cBhvr>
-                                      <p:to>
-                                        <p:strVal val="visible"/>
-                                      </p:to>
-                                    </p:set>
-                                    <p:animEffect transition="in" filter="fade">
-                                      <p:cBhvr>
-                                        <p:cTn id="52" dur="500"/>
-                                        <p:tgtEl>
-                                          <p:spTgt spid="3">
-                                            <p:txEl>
-                                              <p:pRg st="9" end="9"/>
-                                            </p:txEl>
-                                          </p:spTgt>
-                                        </p:tgtEl>
-                                      </p:cBhvr>
-                                    </p:animEffect>
-                                  </p:childTnLst>
-                                </p:cTn>
-                              </p:par>
-                            </p:childTnLst>
-                          </p:cTn>
-                        </p:par>
-                      </p:childTnLst>
-                    </p:cTn>
-                  </p:par>
                 </p:childTnLst>
               </p:cTn>
               <p:prevCondLst>
@@ -17749,7 +19905,7 @@
         </p:blipFill>
         <p:spPr bwMode="auto">
           <a:xfrm>
-            <a:off x="467544" y="1556792"/>
+            <a:off x="467544" y="1268760"/>
             <a:ext cx="8229600" cy="4968552"/>
           </a:xfrm>
           <a:prstGeom prst="rect">
@@ -17781,7 +19937,7 @@
         </p:blipFill>
         <p:spPr>
           <a:xfrm>
-            <a:off x="-6013176" y="1556792"/>
+            <a:off x="-6517845" y="1268760"/>
             <a:ext cx="6516010" cy="4968552"/>
           </a:xfrm>
           <a:prstGeom prst="rect">
@@ -17825,7 +19981,7 @@
                                     <p:cond delay="0"/>
                                   </p:stCondLst>
                                   <p:childTnLst>
-                                    <p:animMotion origin="layout" path="M -4.72222E-6 -3.7037E-7 L 0.80903 -0.00509 " pathEditMode="relative" rAng="0" ptsTypes="AA">
+                                    <p:animMotion origin="layout" path="M 3.61111E-6 -2.22222E-6 L 0.80902 -0.00509 " pathEditMode="relative" rAng="0" ptsTypes="AA">
                                       <p:cBhvr>
                                         <p:cTn id="6" dur="2000" fill="hold"/>
                                         <p:tgtEl>
@@ -17836,7 +19992,7 @@
                                           <p:attrName>ppt_y</p:attrName>
                                         </p:attrNameLst>
                                       </p:cBhvr>
-                                      <p:rCtr x="40500" y="-300"/>
+                                      <p:rCtr x="40451" y="-255"/>
                                     </p:animMotion>
                                   </p:childTnLst>
                                 </p:cTn>
@@ -17941,7 +20097,7 @@
           <a:p>
             <a:r>
               <a:rPr lang="fr-FR" dirty="0" smtClean="0"/>
-              <a:t>Berkeley DB Tools</a:t>
+              <a:t>Outils Berkeley DB</a:t>
             </a:r>
             <a:endParaRPr lang="fr-FR" dirty="0"/>
           </a:p>
@@ -17978,25 +20134,8 @@
             </a:r>
             <a:r>
               <a:rPr lang="fr-FR" sz="3600" dirty="0" smtClean="0"/>
-              <a:t>Berkeley </a:t>
-            </a:r>
-            <a:r>
-              <a:rPr lang="fr-FR" sz="3600" dirty="0" smtClean="0"/>
-              <a:t>DB offre également des services de base </a:t>
-            </a:r>
-            <a:r>
-              <a:rPr lang="fr-FR" sz="3600" dirty="0" smtClean="0"/>
-              <a:t>de données </a:t>
-            </a:r>
-            <a:r>
-              <a:rPr lang="fr-FR" sz="3600" dirty="0" smtClean="0"/>
-              <a:t>basics pour les développeurs. Ces services comprennent </a:t>
-            </a:r>
-            <a:r>
-              <a:rPr lang="fr-FR" sz="3600" dirty="0" smtClean="0"/>
-              <a:t>:</a:t>
-            </a:r>
-            <a:endParaRPr lang="fr-FR" sz="3600" dirty="0" smtClean="0"/>
+              <a:t>Berkeley DB offre également des services de base de données basics pour les développeurs. Ces services comprennent :</a:t>
+            </a:r>
           </a:p>
           <a:p>
             <a:pPr lvl="0">

--- a/Presentation Oracle Berkeley DB SMB214.pptx
+++ b/Presentation Oracle Berkeley DB SMB214.pptx
@@ -243,7 +243,7 @@
             <a:fld id="{3552B5B3-F216-4DE7-A802-1632A9865AE2}" type="datetimeFigureOut">
               <a:rPr lang="fr-FR" smtClean="0"/>
               <a:pPr/>
-              <a:t>28/01/2016</a:t>
+              <a:t>29/01/2016</a:t>
             </a:fld>
             <a:endParaRPr lang="fr-FR"/>
           </a:p>
@@ -3016,7 +3016,7 @@
             <a:fld id="{58AD8D6E-6829-4D52-969C-44AC7ED7CBC1}" type="datetime1">
               <a:rPr lang="fr-FR" smtClean="0"/>
               <a:pPr/>
-              <a:t>28/01/2016</a:t>
+              <a:t>29/01/2016</a:t>
             </a:fld>
             <a:endParaRPr lang="fr-FR"/>
           </a:p>
@@ -3188,7 +3188,7 @@
             <a:fld id="{875790F1-55E3-4C63-AEBD-3595FD455C82}" type="datetime1">
               <a:rPr lang="fr-FR" smtClean="0"/>
               <a:pPr/>
-              <a:t>28/01/2016</a:t>
+              <a:t>29/01/2016</a:t>
             </a:fld>
             <a:endParaRPr lang="fr-FR"/>
           </a:p>
@@ -3370,7 +3370,7 @@
             <a:fld id="{6DA43F66-79DB-4431-97CD-131103CA7D95}" type="datetime1">
               <a:rPr lang="fr-FR" smtClean="0"/>
               <a:pPr/>
-              <a:t>28/01/2016</a:t>
+              <a:t>29/01/2016</a:t>
             </a:fld>
             <a:endParaRPr lang="fr-FR"/>
           </a:p>
@@ -3542,7 +3542,7 @@
             <a:fld id="{E2C29F69-1ACC-4E0C-9CD9-8251E1DDB125}" type="datetime1">
               <a:rPr lang="fr-FR" smtClean="0"/>
               <a:pPr/>
-              <a:t>28/01/2016</a:t>
+              <a:t>29/01/2016</a:t>
             </a:fld>
             <a:endParaRPr lang="fr-FR"/>
           </a:p>
@@ -3790,7 +3790,7 @@
             <a:fld id="{B8D960DC-234F-4CD4-9CF4-F26E8CDB4995}" type="datetime1">
               <a:rPr lang="fr-FR" smtClean="0"/>
               <a:pPr/>
-              <a:t>28/01/2016</a:t>
+              <a:t>29/01/2016</a:t>
             </a:fld>
             <a:endParaRPr lang="fr-FR"/>
           </a:p>
@@ -4080,7 +4080,7 @@
             <a:fld id="{A23BA819-4ABA-4712-8CAF-8A2789F7ABA4}" type="datetime1">
               <a:rPr lang="fr-FR" smtClean="0"/>
               <a:pPr/>
-              <a:t>28/01/2016</a:t>
+              <a:t>29/01/2016</a:t>
             </a:fld>
             <a:endParaRPr lang="fr-FR"/>
           </a:p>
@@ -4504,7 +4504,7 @@
             <a:fld id="{493F5719-0AEC-42B9-B6FF-A933BAB6F1EA}" type="datetime1">
               <a:rPr lang="fr-FR" smtClean="0"/>
               <a:pPr/>
-              <a:t>28/01/2016</a:t>
+              <a:t>29/01/2016</a:t>
             </a:fld>
             <a:endParaRPr lang="fr-FR"/>
           </a:p>
@@ -4624,7 +4624,7 @@
             <a:fld id="{C148CFA5-81FD-4C3D-BF0B-EAF7E3EEB454}" type="datetime1">
               <a:rPr lang="fr-FR" smtClean="0"/>
               <a:pPr/>
-              <a:t>28/01/2016</a:t>
+              <a:t>29/01/2016</a:t>
             </a:fld>
             <a:endParaRPr lang="fr-FR"/>
           </a:p>
@@ -4721,7 +4721,7 @@
             <a:fld id="{D4F9ABE6-712F-42C3-ADF6-6466B01744A0}" type="datetime1">
               <a:rPr lang="fr-FR" smtClean="0"/>
               <a:pPr/>
-              <a:t>28/01/2016</a:t>
+              <a:t>29/01/2016</a:t>
             </a:fld>
             <a:endParaRPr lang="fr-FR"/>
           </a:p>
@@ -5000,7 +5000,7 @@
             <a:fld id="{9C2D04C7-950C-4C32-A10F-7FEBF4D84F23}" type="datetime1">
               <a:rPr lang="fr-FR" smtClean="0"/>
               <a:pPr/>
-              <a:t>28/01/2016</a:t>
+              <a:t>29/01/2016</a:t>
             </a:fld>
             <a:endParaRPr lang="fr-FR"/>
           </a:p>
@@ -5255,7 +5255,7 @@
             <a:fld id="{124B2686-4961-472F-A8F0-7005DA1D44CF}" type="datetime1">
               <a:rPr lang="fr-FR" smtClean="0"/>
               <a:pPr/>
-              <a:t>28/01/2016</a:t>
+              <a:t>29/01/2016</a:t>
             </a:fld>
             <a:endParaRPr lang="fr-FR"/>
           </a:p>
@@ -5475,7 +5475,7 @@
             <a:fld id="{0FED136F-5975-47A4-A359-BE2B7C479F12}" type="datetime1">
               <a:rPr lang="fr-FR" smtClean="0"/>
               <a:pPr/>
-              <a:t>28/01/2016</a:t>
+              <a:t>29/01/2016</a:t>
             </a:fld>
             <a:endParaRPr lang="fr-FR"/>
           </a:p>
@@ -5988,14 +5988,7 @@
                 <a:latin typeface="Times New Roman" pitchFamily="18" charset="0"/>
                 <a:cs typeface="Times New Roman" pitchFamily="18" charset="0"/>
               </a:rPr>
-              <a:t>Réalisé </a:t>
-            </a:r>
-            <a:r>
-              <a:rPr lang="fr-FR" sz="2400" b="1" dirty="0" smtClean="0">
-                <a:latin typeface="Times New Roman" pitchFamily="18" charset="0"/>
-                <a:cs typeface="Times New Roman" pitchFamily="18" charset="0"/>
-              </a:rPr>
-              <a:t>par:</a:t>
+              <a:t>Réalisé par:</a:t>
             </a:r>
           </a:p>
           <a:p>
@@ -10448,7 +10441,6 @@
               <a:rPr lang="fr-FR" dirty="0" smtClean="0"/>
               <a:t>Introduction, Qu’est ce qu'un SGBD ?</a:t>
             </a:r>
-            <a:endParaRPr lang="fr-FR" dirty="0" smtClean="0"/>
           </a:p>
           <a:p>
             <a:pPr>
@@ -10460,7 +10452,6 @@
               <a:rPr lang="fr-FR" dirty="0" smtClean="0"/>
               <a:t>Berkeley DB Histoire et actualités.</a:t>
             </a:r>
-            <a:endParaRPr lang="fr-FR" dirty="0" smtClean="0"/>
           </a:p>
           <a:p>
             <a:pPr>
@@ -10487,7 +10478,6 @@
               <a:rPr lang="fr-FR" dirty="0" smtClean="0"/>
               <a:t>Outils Berkeley DB.</a:t>
             </a:r>
-            <a:endParaRPr lang="fr-FR" dirty="0" smtClean="0"/>
           </a:p>
           <a:p>
             <a:pPr>
@@ -10497,15 +10487,7 @@
             </a:pPr>
             <a:r>
               <a:rPr lang="fr-FR" dirty="0" smtClean="0"/>
-              <a:t>Utilisation de Berkeley </a:t>
-            </a:r>
-            <a:r>
-              <a:rPr lang="fr-FR" dirty="0" smtClean="0"/>
-              <a:t>DB</a:t>
-            </a:r>
-            <a:r>
-              <a:rPr lang="fr-FR" dirty="0" smtClean="0"/>
-              <a:t>.</a:t>
+              <a:t>Utilisation de Berkeley DB.</a:t>
             </a:r>
           </a:p>
           <a:p>
@@ -10522,7 +10504,6 @@
               <a:rPr lang="fr-FR" dirty="0" smtClean="0"/>
               <a:t>.</a:t>
             </a:r>
-            <a:endParaRPr lang="fr-FR" dirty="0" smtClean="0"/>
           </a:p>
           <a:p>
             <a:pPr>
@@ -10564,7 +10545,6 @@
               <a:rPr lang="fr-FR" dirty="0" smtClean="0"/>
               <a:t> et gestion des données / Quelques propriétés de BDB.</a:t>
             </a:r>
-            <a:endParaRPr lang="fr-FR" dirty="0" smtClean="0"/>
           </a:p>
           <a:p>
             <a:pPr>
@@ -10629,13 +10609,8 @@
             </a:pPr>
             <a:r>
               <a:rPr lang="fr-FR" dirty="0" smtClean="0"/>
-              <a:t>Quel API faut il utilis</a:t>
-            </a:r>
-            <a:r>
-              <a:rPr lang="fr-FR" dirty="0" smtClean="0"/>
-              <a:t>é ?</a:t>
-            </a:r>
-            <a:endParaRPr lang="fr-FR" dirty="0" smtClean="0"/>
+              <a:t>Quel API faut il utilisé ?</a:t>
+            </a:r>
           </a:p>
           <a:p>
             <a:pPr>
@@ -10656,11 +10631,7 @@
             </a:pPr>
             <a:r>
               <a:rPr lang="fr-FR" dirty="0" smtClean="0"/>
-              <a:t>Conclusion</a:t>
-            </a:r>
-            <a:r>
-              <a:rPr lang="fr-FR" dirty="0" smtClean="0"/>
-              <a:t>.</a:t>
+              <a:t>Conclusion.</a:t>
             </a:r>
           </a:p>
         </p:txBody>
@@ -11049,11 +11020,11 @@
   <p:clrMapOvr>
     <a:masterClrMapping/>
   </p:clrMapOvr>
-  <mc:AlternateContent xmlns:mc="http://schemas.openxmlformats.org/markup-compatibility/2006">
-    <mc:Choice xmlns:p14="http://schemas.microsoft.com/office/powerpoint/2010/main" Requires="p14">
+  <mc:AlternateContent xmlns:mc="http://schemas.openxmlformats.org/markup-compatibility/2006" xmlns:p14="http://schemas.microsoft.com/office/powerpoint/2010/main">
+    <mc:Choice Requires="p14">
       <p:transition p14:dur="0"/>
     </mc:Choice>
-    <mc:Fallback>
+    <mc:Fallback xmlns="">
       <p:transition/>
     </mc:Fallback>
   </mc:AlternateContent>
@@ -12453,11 +12424,7 @@
             </a:r>
             <a:r>
               <a:rPr lang="fr-FR" dirty="0"/>
-              <a:t>de causer tout type Java </a:t>
-            </a:r>
-            <a:r>
-              <a:rPr lang="fr-FR" dirty="0"/>
-              <a:t>à</a:t>
+              <a:t>de causer tout type Java à</a:t>
             </a:r>
             <a:r>
               <a:rPr lang="fr-FR" dirty="0" smtClean="0"/>
@@ -17076,7 +17043,12 @@
             <p:ph idx="1"/>
           </p:nvPr>
         </p:nvSpPr>
-        <p:spPr/>
+        <p:spPr>
+          <a:xfrm>
+            <a:off x="457200" y="1600201"/>
+            <a:ext cx="8229600" cy="3484984"/>
+          </a:xfrm>
+        </p:spPr>
         <p:txBody>
           <a:bodyPr>
             <a:normAutofit/>
@@ -17101,36 +17073,38 @@
           <a:p>
             <a:pPr marL="0" indent="0" algn="just"/>
             <a:r>
-              <a:rPr lang="fr-FR" sz="3600" dirty="0" err="1" smtClean="0"/>
-              <a:t>Reliable</a:t>
-            </a:r>
-            <a:r>
               <a:rPr lang="fr-FR" sz="3600" dirty="0" smtClean="0"/>
-              <a:t> et </a:t>
-            </a:r>
-            <a:r>
-              <a:rPr lang="fr-FR" sz="3600" dirty="0" err="1" smtClean="0"/>
-              <a:t>scalable</a:t>
-            </a:r>
+              <a:t> Fiable et </a:t>
+            </a:r>
+            <a:r>
+              <a:rPr lang="fr-FR" sz="3600" dirty="0"/>
+              <a:t>évolutive .</a:t>
+            </a:r>
+            <a:endParaRPr lang="fr-FR" sz="3600" dirty="0" smtClean="0"/>
+          </a:p>
+          <a:p>
+            <a:pPr marL="0" indent="0" algn="just"/>
             <a:r>
               <a:rPr lang="fr-FR" sz="3600" dirty="0" smtClean="0"/>
-              <a:t>.</a:t>
-            </a:r>
-          </a:p>
-          <a:p>
-            <a:pPr marL="0" indent="0" algn="just"/>
+              <a:t> Capacité de choisir </a:t>
+            </a:r>
             <a:r>
               <a:rPr lang="fr-FR" sz="3600" dirty="0" smtClean="0"/>
-              <a:t>Abélite car on peut choisir les </a:t>
-            </a:r>
-            <a:r>
-              <a:rPr lang="fr-FR" sz="3600" dirty="0" err="1" smtClean="0"/>
-              <a:t>features</a:t>
+              <a:t>les </a:t>
             </a:r>
             <a:r>
               <a:rPr lang="fr-FR" sz="3600" dirty="0" smtClean="0"/>
-              <a:t> a utilisé. </a:t>
-            </a:r>
+              <a:t>caractéristiques et fonctions </a:t>
+            </a:r>
+            <a:r>
+              <a:rPr lang="fr-FR" sz="3600" dirty="0"/>
+              <a:t>à</a:t>
+            </a:r>
+            <a:r>
+              <a:rPr lang="fr-FR" sz="3600" dirty="0" smtClean="0"/>
+              <a:t> utiliser. </a:t>
+            </a:r>
+            <a:endParaRPr lang="fr-FR" sz="3600" dirty="0" smtClean="0"/>
           </a:p>
         </p:txBody>
       </p:sp>
@@ -17936,13 +17910,8 @@
             </a:pPr>
             <a:r>
               <a:rPr lang="fr-FR" dirty="0" smtClean="0"/>
-              <a:t>Berkeley </a:t>
-            </a:r>
-            <a:r>
-              <a:rPr lang="fr-FR" dirty="0" smtClean="0"/>
-              <a:t>DB (BDB) fait partie de la famille des bases de données « clé-valeur » et est sans doute le produit de cette famille le plus utilisé au monde avec plusieurs dizaines de millions de déploiement. </a:t>
-            </a:r>
-            <a:endParaRPr lang="fr-FR" dirty="0" smtClean="0"/>
+              <a:t>Berkeley DB (BDB) fait partie de la famille des bases de données « clé-valeur » et est sans doute le produit de cette famille le plus utilisé au monde avec plusieurs dizaines de millions de déploiement. </a:t>
+            </a:r>
           </a:p>
           <a:p>
             <a:pPr algn="just">
@@ -17950,15 +17919,7 @@
             </a:pPr>
             <a:r>
               <a:rPr lang="fr-FR" dirty="0" smtClean="0"/>
-              <a:t>La </a:t>
-            </a:r>
-            <a:r>
-              <a:rPr lang="fr-FR" dirty="0" smtClean="0"/>
-              <a:t>première version de BDB </a:t>
-            </a:r>
-            <a:r>
-              <a:rPr lang="fr-FR" dirty="0" smtClean="0"/>
-              <a:t>développé par </a:t>
+              <a:t>La première version de BDB développé par </a:t>
             </a:r>
             <a:r>
               <a:rPr lang="fr-FR" dirty="0" err="1" smtClean="0"/>
@@ -17966,23 +17927,7 @@
             </a:r>
             <a:r>
               <a:rPr lang="fr-FR" dirty="0" smtClean="0"/>
-              <a:t> software </a:t>
-            </a:r>
-            <a:r>
-              <a:rPr lang="fr-FR" dirty="0" smtClean="0"/>
-              <a:t>remonte </a:t>
-            </a:r>
-            <a:r>
-              <a:rPr lang="fr-FR" dirty="0" smtClean="0"/>
-              <a:t>à 1986 et </a:t>
-            </a:r>
-            <a:r>
-              <a:rPr lang="fr-FR" dirty="0" smtClean="0"/>
-              <a:t>est devenue </a:t>
-            </a:r>
-            <a:r>
-              <a:rPr lang="fr-FR" dirty="0" smtClean="0"/>
-              <a:t>la propriété d'Oracle depuis février 2006</a:t>
+              <a:t> software remonte à 1986 et est devenue la propriété d'Oracle depuis février 2006</a:t>
             </a:r>
             <a:r>
               <a:rPr lang="fr-FR" sz="2000" dirty="0" smtClean="0"/>
@@ -18449,11 +18394,7 @@
             </a:pPr>
             <a:r>
               <a:rPr lang="fr-FR" dirty="0" smtClean="0"/>
-              <a:t>    La dernière version de BDB c’est  </a:t>
-            </a:r>
-            <a:r>
-              <a:rPr lang="fr-FR" dirty="0" smtClean="0"/>
-              <a:t>12cR1.</a:t>
+              <a:t>    La dernière version de BDB c’est  12cR1.</a:t>
             </a:r>
           </a:p>
           <a:p>
@@ -18474,11 +18415,7 @@
             </a:r>
             <a:r>
               <a:rPr lang="fr-FR" dirty="0"/>
-              <a:t>deux licences, une libre, certifiée par l'OSI et une licence commerciale. </a:t>
-            </a:r>
-            <a:r>
-              <a:rPr lang="fr-FR" dirty="0"/>
-              <a:t>Les versions précédentes étaient sous licence BSD.</a:t>
+              <a:t>deux licences, une libre, certifiée par l'OSI et une licence commerciale. Les versions précédentes étaient sous licence BSD.</a:t>
             </a:r>
             <a:endParaRPr lang="en-US" dirty="0"/>
           </a:p>
@@ -19002,14 +18939,7 @@
                 <a:latin typeface="Times New Roman" pitchFamily="18" charset="0"/>
                 <a:cs typeface="Times New Roman" pitchFamily="18" charset="0"/>
               </a:rPr>
-              <a:t>Quantité </a:t>
-            </a:r>
-            <a:r>
-              <a:rPr lang="fr-FR" sz="2400" dirty="0" smtClean="0">
-                <a:latin typeface="Times New Roman" pitchFamily="18" charset="0"/>
-                <a:cs typeface="Times New Roman" pitchFamily="18" charset="0"/>
-              </a:rPr>
-              <a:t>immense de données(Web2.0).</a:t>
+              <a:t>Quantité immense de données(Web2.0).</a:t>
             </a:r>
           </a:p>
           <a:p>
